--- a/Toolbox/Res_sys_sim_diagram.pptx
+++ b/Toolbox/Res_sys_sim_diagram.pptx
@@ -2,18 +2,18 @@
 <file path=ppt/presentation.xml><?xml version="1.0" encoding="utf-8"?>
 <p:presentation xmlns:a="http://schemas.openxmlformats.org/drawingml/2006/main" xmlns:r="http://schemas.openxmlformats.org/officeDocument/2006/relationships" xmlns:p="http://schemas.openxmlformats.org/presentationml/2006/main" saveSubsetFonts="1">
   <p:sldMasterIdLst>
-    <p:sldMasterId id="2147483648" r:id="rId4"/>
+    <p:sldMasterId id="2147483660" r:id="rId4"/>
   </p:sldMasterIdLst>
   <p:sldIdLst>
     <p:sldId id="256" r:id="rId5"/>
   </p:sldIdLst>
-  <p:sldSz cx="12192000" cy="6858000"/>
+  <p:sldSz cx="30275213" cy="21383625"/>
   <p:notesSz cx="6858000" cy="9144000"/>
   <p:defaultTextStyle>
     <a:defPPr>
-      <a:defRPr lang="es-ES"/>
+      <a:defRPr lang="en-US"/>
     </a:defPPr>
-    <a:lvl1pPr marL="0" algn="l" defTabSz="914400" rtl="0" eaLnBrk="1" latinLnBrk="0" hangingPunct="1">
+    <a:lvl1pPr marL="0" algn="l" defTabSz="457200" rtl="0" eaLnBrk="1" latinLnBrk="0" hangingPunct="1">
       <a:defRPr sz="1800" kern="1200">
         <a:solidFill>
           <a:schemeClr val="tx1"/>
@@ -23,7 +23,7 @@
         <a:cs typeface="+mn-cs"/>
       </a:defRPr>
     </a:lvl1pPr>
-    <a:lvl2pPr marL="457200" algn="l" defTabSz="914400" rtl="0" eaLnBrk="1" latinLnBrk="0" hangingPunct="1">
+    <a:lvl2pPr marL="457200" algn="l" defTabSz="457200" rtl="0" eaLnBrk="1" latinLnBrk="0" hangingPunct="1">
       <a:defRPr sz="1800" kern="1200">
         <a:solidFill>
           <a:schemeClr val="tx1"/>
@@ -33,7 +33,7 @@
         <a:cs typeface="+mn-cs"/>
       </a:defRPr>
     </a:lvl2pPr>
-    <a:lvl3pPr marL="914400" algn="l" defTabSz="914400" rtl="0" eaLnBrk="1" latinLnBrk="0" hangingPunct="1">
+    <a:lvl3pPr marL="914400" algn="l" defTabSz="457200" rtl="0" eaLnBrk="1" latinLnBrk="0" hangingPunct="1">
       <a:defRPr sz="1800" kern="1200">
         <a:solidFill>
           <a:schemeClr val="tx1"/>
@@ -43,7 +43,7 @@
         <a:cs typeface="+mn-cs"/>
       </a:defRPr>
     </a:lvl3pPr>
-    <a:lvl4pPr marL="1371600" algn="l" defTabSz="914400" rtl="0" eaLnBrk="1" latinLnBrk="0" hangingPunct="1">
+    <a:lvl4pPr marL="1371600" algn="l" defTabSz="457200" rtl="0" eaLnBrk="1" latinLnBrk="0" hangingPunct="1">
       <a:defRPr sz="1800" kern="1200">
         <a:solidFill>
           <a:schemeClr val="tx1"/>
@@ -53,7 +53,7 @@
         <a:cs typeface="+mn-cs"/>
       </a:defRPr>
     </a:lvl4pPr>
-    <a:lvl5pPr marL="1828800" algn="l" defTabSz="914400" rtl="0" eaLnBrk="1" latinLnBrk="0" hangingPunct="1">
+    <a:lvl5pPr marL="1828800" algn="l" defTabSz="457200" rtl="0" eaLnBrk="1" latinLnBrk="0" hangingPunct="1">
       <a:defRPr sz="1800" kern="1200">
         <a:solidFill>
           <a:schemeClr val="tx1"/>
@@ -63,7 +63,7 @@
         <a:cs typeface="+mn-cs"/>
       </a:defRPr>
     </a:lvl5pPr>
-    <a:lvl6pPr marL="2286000" algn="l" defTabSz="914400" rtl="0" eaLnBrk="1" latinLnBrk="0" hangingPunct="1">
+    <a:lvl6pPr marL="2286000" algn="l" defTabSz="457200" rtl="0" eaLnBrk="1" latinLnBrk="0" hangingPunct="1">
       <a:defRPr sz="1800" kern="1200">
         <a:solidFill>
           <a:schemeClr val="tx1"/>
@@ -73,7 +73,7 @@
         <a:cs typeface="+mn-cs"/>
       </a:defRPr>
     </a:lvl6pPr>
-    <a:lvl7pPr marL="2743200" algn="l" defTabSz="914400" rtl="0" eaLnBrk="1" latinLnBrk="0" hangingPunct="1">
+    <a:lvl7pPr marL="2743200" algn="l" defTabSz="457200" rtl="0" eaLnBrk="1" latinLnBrk="0" hangingPunct="1">
       <a:defRPr sz="1800" kern="1200">
         <a:solidFill>
           <a:schemeClr val="tx1"/>
@@ -83,7 +83,7 @@
         <a:cs typeface="+mn-cs"/>
       </a:defRPr>
     </a:lvl7pPr>
-    <a:lvl8pPr marL="3200400" algn="l" defTabSz="914400" rtl="0" eaLnBrk="1" latinLnBrk="0" hangingPunct="1">
+    <a:lvl8pPr marL="3200400" algn="l" defTabSz="457200" rtl="0" eaLnBrk="1" latinLnBrk="0" hangingPunct="1">
       <a:defRPr sz="1800" kern="1200">
         <a:solidFill>
           <a:schemeClr val="tx1"/>
@@ -93,7 +93,7 @@
         <a:cs typeface="+mn-cs"/>
       </a:defRPr>
     </a:lvl8pPr>
-    <a:lvl9pPr marL="3657600" algn="l" defTabSz="914400" rtl="0" eaLnBrk="1" latinLnBrk="0" hangingPunct="1">
+    <a:lvl9pPr marL="3657600" algn="l" defTabSz="457200" rtl="0" eaLnBrk="1" latinLnBrk="0" hangingPunct="1">
       <a:defRPr sz="1800" kern="1200">
         <a:solidFill>
           <a:schemeClr val="tx1"/>
@@ -115,7 +115,7 @@
 <file path=ppt/revisionInfo.xml><?xml version="1.0" encoding="utf-8"?>
 <p1510:revInfo xmlns:a="http://schemas.openxmlformats.org/drawingml/2006/main" xmlns:r="http://schemas.openxmlformats.org/officeDocument/2006/relationships" xmlns:p1510="http://schemas.microsoft.com/office/powerpoint/2015/10/main">
   <p1510:revLst>
-    <p1510:client id="{BC06EF19-1559-4B52-8E5C-04BEE9A72503}" v="11" dt="2020-01-13T12:22:42.374"/>
+    <p1510:client id="{BC06EF19-1559-4B52-8E5C-04BEE9A72503}" v="133" dt="2020-01-14T12:19:57.140"/>
   </p1510:revLst>
 </p1510:revInfo>
 </file>
@@ -124,13 +124,13 @@
 <pc:chgInfo xmlns:a="http://schemas.openxmlformats.org/drawingml/2006/main" xmlns:r="http://schemas.openxmlformats.org/officeDocument/2006/relationships" xmlns:ac="http://schemas.microsoft.com/office/drawing/2013/main/command" xmlns:pc="http://schemas.microsoft.com/office/powerpoint/2013/main/command">
   <pc:docChgLst>
     <pc:chgData name="Andres Penuela-Fernandez" userId="26693260-5f72-4911-8218-b098c180f1d5" providerId="ADAL" clId="{BC06EF19-1559-4B52-8E5C-04BEE9A72503}"/>
-    <pc:docChg chg="custSel modSld">
-      <pc:chgData name="Andres Penuela-Fernandez" userId="26693260-5f72-4911-8218-b098c180f1d5" providerId="ADAL" clId="{BC06EF19-1559-4B52-8E5C-04BEE9A72503}" dt="2020-01-13T12:22:46.061" v="165" actId="14100"/>
+    <pc:docChg chg="undo redo custSel addSld delSld modSld modMainMaster">
+      <pc:chgData name="Andres Penuela-Fernandez" userId="26693260-5f72-4911-8218-b098c180f1d5" providerId="ADAL" clId="{BC06EF19-1559-4B52-8E5C-04BEE9A72503}" dt="2020-01-14T12:20:20.160" v="1158" actId="1076"/>
       <pc:docMkLst>
         <pc:docMk/>
       </pc:docMkLst>
-      <pc:sldChg chg="addSp delSp modSp">
-        <pc:chgData name="Andres Penuela-Fernandez" userId="26693260-5f72-4911-8218-b098c180f1d5" providerId="ADAL" clId="{BC06EF19-1559-4B52-8E5C-04BEE9A72503}" dt="2020-01-13T12:22:46.061" v="165" actId="14100"/>
+      <pc:sldChg chg="addSp delSp modSp setBg">
+        <pc:chgData name="Andres Penuela-Fernandez" userId="26693260-5f72-4911-8218-b098c180f1d5" providerId="ADAL" clId="{BC06EF19-1559-4B52-8E5C-04BEE9A72503}" dt="2020-01-14T12:20:20.160" v="1158" actId="1076"/>
         <pc:sldMkLst>
           <pc:docMk/>
           <pc:sldMk cId="3747394284" sldId="256"/>
@@ -144,87 +144,87 @@
           </ac:spMkLst>
         </pc:spChg>
         <pc:spChg chg="mod">
-          <ac:chgData name="Andres Penuela-Fernandez" userId="26693260-5f72-4911-8218-b098c180f1d5" providerId="ADAL" clId="{BC06EF19-1559-4B52-8E5C-04BEE9A72503}" dt="2020-01-13T12:20:26.446" v="135" actId="1076"/>
+          <ac:chgData name="Andres Penuela-Fernandez" userId="26693260-5f72-4911-8218-b098c180f1d5" providerId="ADAL" clId="{BC06EF19-1559-4B52-8E5C-04BEE9A72503}" dt="2020-01-14T12:19:57.140" v="1153" actId="2711"/>
           <ac:spMkLst>
             <pc:docMk/>
             <pc:sldMk cId="3747394284" sldId="256"/>
             <ac:spMk id="4" creationId="{366A7950-D715-4706-BCEC-BB07A3958164}"/>
           </ac:spMkLst>
         </pc:spChg>
+        <pc:spChg chg="del mod">
+          <ac:chgData name="Andres Penuela-Fernandez" userId="26693260-5f72-4911-8218-b098c180f1d5" providerId="ADAL" clId="{BC06EF19-1559-4B52-8E5C-04BEE9A72503}" dt="2020-01-13T19:58:10.711" v="284" actId="478"/>
+          <ac:spMkLst>
+            <pc:docMk/>
+            <pc:sldMk cId="3747394284" sldId="256"/>
+            <ac:spMk id="5" creationId="{3A7FE7E6-B758-4E87-B03B-282A5ECF617C}"/>
+          </ac:spMkLst>
+        </pc:spChg>
         <pc:spChg chg="mod">
-          <ac:chgData name="Andres Penuela-Fernandez" userId="26693260-5f72-4911-8218-b098c180f1d5" providerId="ADAL" clId="{BC06EF19-1559-4B52-8E5C-04BEE9A72503}" dt="2020-01-13T12:22:19.864" v="160" actId="20577"/>
-          <ac:spMkLst>
-            <pc:docMk/>
-            <pc:sldMk cId="3747394284" sldId="256"/>
-            <ac:spMk id="5" creationId="{3A7FE7E6-B758-4E87-B03B-282A5ECF617C}"/>
+          <ac:chgData name="Andres Penuela-Fernandez" userId="26693260-5f72-4911-8218-b098c180f1d5" providerId="ADAL" clId="{BC06EF19-1559-4B52-8E5C-04BEE9A72503}" dt="2020-01-14T12:19:57.140" v="1153" actId="2711"/>
+          <ac:spMkLst>
+            <pc:docMk/>
+            <pc:sldMk cId="3747394284" sldId="256"/>
+            <ac:spMk id="6" creationId="{0A1F5B55-926A-4086-847A-9CC4363BA1B2}"/>
           </ac:spMkLst>
         </pc:spChg>
         <pc:spChg chg="mod">
-          <ac:chgData name="Andres Penuela-Fernandez" userId="26693260-5f72-4911-8218-b098c180f1d5" providerId="ADAL" clId="{BC06EF19-1559-4B52-8E5C-04BEE9A72503}" dt="2020-01-13T12:22:27.440" v="162" actId="20577"/>
-          <ac:spMkLst>
-            <pc:docMk/>
-            <pc:sldMk cId="3747394284" sldId="256"/>
-            <ac:spMk id="6" creationId="{0A1F5B55-926A-4086-847A-9CC4363BA1B2}"/>
+          <ac:chgData name="Andres Penuela-Fernandez" userId="26693260-5f72-4911-8218-b098c180f1d5" providerId="ADAL" clId="{BC06EF19-1559-4B52-8E5C-04BEE9A72503}" dt="2020-01-14T12:19:57.140" v="1153" actId="2711"/>
+          <ac:spMkLst>
+            <pc:docMk/>
+            <pc:sldMk cId="3747394284" sldId="256"/>
+            <ac:spMk id="7" creationId="{121CC0A8-70B8-4F6A-AC97-E64AE54E5925}"/>
+          </ac:spMkLst>
+        </pc:spChg>
+        <pc:spChg chg="del mod">
+          <ac:chgData name="Andres Penuela-Fernandez" userId="26693260-5f72-4911-8218-b098c180f1d5" providerId="ADAL" clId="{BC06EF19-1559-4B52-8E5C-04BEE9A72503}" dt="2020-01-13T19:47:55.902" v="222" actId="478"/>
+          <ac:spMkLst>
+            <pc:docMk/>
+            <pc:sldMk cId="3747394284" sldId="256"/>
+            <ac:spMk id="8" creationId="{BDD9F5B7-A244-4DDD-ADB0-F7EB26396B93}"/>
+          </ac:spMkLst>
+        </pc:spChg>
+        <pc:spChg chg="add del mod">
+          <ac:chgData name="Andres Penuela-Fernandez" userId="26693260-5f72-4911-8218-b098c180f1d5" providerId="ADAL" clId="{BC06EF19-1559-4B52-8E5C-04BEE9A72503}" dt="2020-01-13T20:10:04.953" v="388" actId="478"/>
+          <ac:spMkLst>
+            <pc:docMk/>
+            <pc:sldMk cId="3747394284" sldId="256"/>
+            <ac:spMk id="17" creationId="{BE93F912-253B-4430-9D03-5E859CB208C3}"/>
+          </ac:spMkLst>
+        </pc:spChg>
+        <pc:spChg chg="add del mod">
+          <ac:chgData name="Andres Penuela-Fernandez" userId="26693260-5f72-4911-8218-b098c180f1d5" providerId="ADAL" clId="{BC06EF19-1559-4B52-8E5C-04BEE9A72503}" dt="2020-01-13T20:10:04.953" v="388" actId="478"/>
+          <ac:spMkLst>
+            <pc:docMk/>
+            <pc:sldMk cId="3747394284" sldId="256"/>
+            <ac:spMk id="18" creationId="{06854F99-8DB3-48C4-A1DD-F39950C555B6}"/>
+          </ac:spMkLst>
+        </pc:spChg>
+        <pc:spChg chg="add del mod">
+          <ac:chgData name="Andres Penuela-Fernandez" userId="26693260-5f72-4911-8218-b098c180f1d5" providerId="ADAL" clId="{BC06EF19-1559-4B52-8E5C-04BEE9A72503}" dt="2020-01-13T20:10:07.658" v="389" actId="478"/>
+          <ac:spMkLst>
+            <pc:docMk/>
+            <pc:sldMk cId="3747394284" sldId="256"/>
+            <ac:spMk id="21" creationId="{9D0DAA5C-F99B-45A4-AB61-A4A335C0669F}"/>
+          </ac:spMkLst>
+        </pc:spChg>
+        <pc:spChg chg="add del mod">
+          <ac:chgData name="Andres Penuela-Fernandez" userId="26693260-5f72-4911-8218-b098c180f1d5" providerId="ADAL" clId="{BC06EF19-1559-4B52-8E5C-04BEE9A72503}" dt="2020-01-13T19:40:37.483" v="169"/>
+          <ac:spMkLst>
+            <pc:docMk/>
+            <pc:sldMk cId="3747394284" sldId="256"/>
+            <ac:spMk id="23" creationId="{2A63BEFA-8A41-4E00-8353-3E1CEF3AD42F}"/>
+          </ac:spMkLst>
+        </pc:spChg>
+        <pc:spChg chg="add del mod">
+          <ac:chgData name="Andres Penuela-Fernandez" userId="26693260-5f72-4911-8218-b098c180f1d5" providerId="ADAL" clId="{BC06EF19-1559-4B52-8E5C-04BEE9A72503}" dt="2020-01-13T19:53:37.239" v="238" actId="478"/>
+          <ac:spMkLst>
+            <pc:docMk/>
+            <pc:sldMk cId="3747394284" sldId="256"/>
+            <ac:spMk id="24" creationId="{5DED12F5-11B9-4558-8C83-3A52FC30B7BF}"/>
           </ac:spMkLst>
         </pc:spChg>
         <pc:spChg chg="mod">
-          <ac:chgData name="Andres Penuela-Fernandez" userId="26693260-5f72-4911-8218-b098c180f1d5" providerId="ADAL" clId="{BC06EF19-1559-4B52-8E5C-04BEE9A72503}" dt="2020-01-13T12:20:26.446" v="135" actId="1076"/>
-          <ac:spMkLst>
-            <pc:docMk/>
-            <pc:sldMk cId="3747394284" sldId="256"/>
-            <ac:spMk id="7" creationId="{121CC0A8-70B8-4F6A-AC97-E64AE54E5925}"/>
-          </ac:spMkLst>
-        </pc:spChg>
-        <pc:spChg chg="mod">
-          <ac:chgData name="Andres Penuela-Fernandez" userId="26693260-5f72-4911-8218-b098c180f1d5" providerId="ADAL" clId="{BC06EF19-1559-4B52-8E5C-04BEE9A72503}" dt="2020-01-13T12:20:26.446" v="135" actId="1076"/>
-          <ac:spMkLst>
-            <pc:docMk/>
-            <pc:sldMk cId="3747394284" sldId="256"/>
-            <ac:spMk id="8" creationId="{BDD9F5B7-A244-4DDD-ADB0-F7EB26396B93}"/>
-          </ac:spMkLst>
-        </pc:spChg>
-        <pc:spChg chg="add mod">
-          <ac:chgData name="Andres Penuela-Fernandez" userId="26693260-5f72-4911-8218-b098c180f1d5" providerId="ADAL" clId="{BC06EF19-1559-4B52-8E5C-04BEE9A72503}" dt="2020-01-13T12:20:31.882" v="137" actId="1076"/>
-          <ac:spMkLst>
-            <pc:docMk/>
-            <pc:sldMk cId="3747394284" sldId="256"/>
-            <ac:spMk id="17" creationId="{BE93F912-253B-4430-9D03-5E859CB208C3}"/>
-          </ac:spMkLst>
-        </pc:spChg>
-        <pc:spChg chg="add mod">
-          <ac:chgData name="Andres Penuela-Fernandez" userId="26693260-5f72-4911-8218-b098c180f1d5" providerId="ADAL" clId="{BC06EF19-1559-4B52-8E5C-04BEE9A72503}" dt="2020-01-13T12:20:31.882" v="137" actId="1076"/>
-          <ac:spMkLst>
-            <pc:docMk/>
-            <pc:sldMk cId="3747394284" sldId="256"/>
-            <ac:spMk id="18" creationId="{06854F99-8DB3-48C4-A1DD-F39950C555B6}"/>
-          </ac:spMkLst>
-        </pc:spChg>
-        <pc:spChg chg="add mod">
-          <ac:chgData name="Andres Penuela-Fernandez" userId="26693260-5f72-4911-8218-b098c180f1d5" providerId="ADAL" clId="{BC06EF19-1559-4B52-8E5C-04BEE9A72503}" dt="2020-01-13T12:21:20.809" v="149" actId="20577"/>
-          <ac:spMkLst>
-            <pc:docMk/>
-            <pc:sldMk cId="3747394284" sldId="256"/>
-            <ac:spMk id="21" creationId="{9D0DAA5C-F99B-45A4-AB61-A4A335C0669F}"/>
-          </ac:spMkLst>
-        </pc:spChg>
-        <pc:spChg chg="add mod">
-          <ac:chgData name="Andres Penuela-Fernandez" userId="26693260-5f72-4911-8218-b098c180f1d5" providerId="ADAL" clId="{BC06EF19-1559-4B52-8E5C-04BEE9A72503}" dt="2020-01-13T12:20:31.882" v="137" actId="1076"/>
-          <ac:spMkLst>
-            <pc:docMk/>
-            <pc:sldMk cId="3747394284" sldId="256"/>
-            <ac:spMk id="23" creationId="{2A63BEFA-8A41-4E00-8353-3E1CEF3AD42F}"/>
-          </ac:spMkLst>
-        </pc:spChg>
-        <pc:spChg chg="add mod">
-          <ac:chgData name="Andres Penuela-Fernandez" userId="26693260-5f72-4911-8218-b098c180f1d5" providerId="ADAL" clId="{BC06EF19-1559-4B52-8E5C-04BEE9A72503}" dt="2020-01-13T12:20:31.882" v="137" actId="1076"/>
-          <ac:spMkLst>
-            <pc:docMk/>
-            <pc:sldMk cId="3747394284" sldId="256"/>
-            <ac:spMk id="24" creationId="{5DED12F5-11B9-4558-8C83-3A52FC30B7BF}"/>
-          </ac:spMkLst>
-        </pc:spChg>
-        <pc:spChg chg="mod">
-          <ac:chgData name="Andres Penuela-Fernandez" userId="26693260-5f72-4911-8218-b098c180f1d5" providerId="ADAL" clId="{BC06EF19-1559-4B52-8E5C-04BEE9A72503}" dt="2020-01-13T12:20:26.446" v="135" actId="1076"/>
+          <ac:chgData name="Andres Penuela-Fernandez" userId="26693260-5f72-4911-8218-b098c180f1d5" providerId="ADAL" clId="{BC06EF19-1559-4B52-8E5C-04BEE9A72503}" dt="2020-01-14T12:19:57.140" v="1153" actId="2711"/>
           <ac:spMkLst>
             <pc:docMk/>
             <pc:sldMk cId="3747394284" sldId="256"/>
@@ -239,40 +239,640 @@
             <ac:spMk id="29" creationId="{07F279A7-9EDE-4053-9FDC-D821B5895CC3}"/>
           </ac:spMkLst>
         </pc:spChg>
+        <pc:spChg chg="add del mod">
+          <ac:chgData name="Andres Penuela-Fernandez" userId="26693260-5f72-4911-8218-b098c180f1d5" providerId="ADAL" clId="{BC06EF19-1559-4B52-8E5C-04BEE9A72503}" dt="2020-01-13T20:10:04.953" v="388" actId="478"/>
+          <ac:spMkLst>
+            <pc:docMk/>
+            <pc:sldMk cId="3747394284" sldId="256"/>
+            <ac:spMk id="29" creationId="{71076360-EB86-4696-8DB7-E69993226C35}"/>
+          </ac:spMkLst>
+        </pc:spChg>
         <pc:spChg chg="mod">
-          <ac:chgData name="Andres Penuela-Fernandez" userId="26693260-5f72-4911-8218-b098c180f1d5" providerId="ADAL" clId="{BC06EF19-1559-4B52-8E5C-04BEE9A72503}" dt="2020-01-13T12:22:46.061" v="165" actId="14100"/>
+          <ac:chgData name="Andres Penuela-Fernandez" userId="26693260-5f72-4911-8218-b098c180f1d5" providerId="ADAL" clId="{BC06EF19-1559-4B52-8E5C-04BEE9A72503}" dt="2020-01-14T12:19:57.140" v="1153" actId="2711"/>
           <ac:spMkLst>
             <pc:docMk/>
             <pc:sldMk cId="3747394284" sldId="256"/>
             <ac:spMk id="30" creationId="{67DC22B7-78A0-43C1-911F-F64A4CCA8399}"/>
           </ac:spMkLst>
         </pc:spChg>
+        <pc:spChg chg="add del mod">
+          <ac:chgData name="Andres Penuela-Fernandez" userId="26693260-5f72-4911-8218-b098c180f1d5" providerId="ADAL" clId="{BC06EF19-1559-4B52-8E5C-04BEE9A72503}" dt="2020-01-13T20:10:04.953" v="388" actId="478"/>
+          <ac:spMkLst>
+            <pc:docMk/>
+            <pc:sldMk cId="3747394284" sldId="256"/>
+            <ac:spMk id="33" creationId="{F070CA72-5D0E-44CE-AB74-E706108EB9F4}"/>
+          </ac:spMkLst>
+        </pc:spChg>
+        <pc:spChg chg="add del mod">
+          <ac:chgData name="Andres Penuela-Fernandez" userId="26693260-5f72-4911-8218-b098c180f1d5" providerId="ADAL" clId="{BC06EF19-1559-4B52-8E5C-04BEE9A72503}" dt="2020-01-13T20:10:04.953" v="388" actId="478"/>
+          <ac:spMkLst>
+            <pc:docMk/>
+            <pc:sldMk cId="3747394284" sldId="256"/>
+            <ac:spMk id="34" creationId="{36D8BC79-D32D-40E9-87EB-D2880A72B355}"/>
+          </ac:spMkLst>
+        </pc:spChg>
+        <pc:spChg chg="add del mod">
+          <ac:chgData name="Andres Penuela-Fernandez" userId="26693260-5f72-4911-8218-b098c180f1d5" providerId="ADAL" clId="{BC06EF19-1559-4B52-8E5C-04BEE9A72503}" dt="2020-01-13T20:10:04.953" v="388" actId="478"/>
+          <ac:spMkLst>
+            <pc:docMk/>
+            <pc:sldMk cId="3747394284" sldId="256"/>
+            <ac:spMk id="37" creationId="{B35D8EB7-B03A-4582-813F-346AABF6D289}"/>
+          </ac:spMkLst>
+        </pc:spChg>
         <pc:spChg chg="add mod">
-          <ac:chgData name="Andres Penuela-Fernandez" userId="26693260-5f72-4911-8218-b098c180f1d5" providerId="ADAL" clId="{BC06EF19-1559-4B52-8E5C-04BEE9A72503}" dt="2020-01-13T12:20:31.882" v="137" actId="1076"/>
-          <ac:spMkLst>
-            <pc:docMk/>
-            <pc:sldMk cId="3747394284" sldId="256"/>
-            <ac:spMk id="33" creationId="{F070CA72-5D0E-44CE-AB74-E706108EB9F4}"/>
+          <ac:chgData name="Andres Penuela-Fernandez" userId="26693260-5f72-4911-8218-b098c180f1d5" providerId="ADAL" clId="{BC06EF19-1559-4B52-8E5C-04BEE9A72503}" dt="2020-01-14T12:19:57.140" v="1153" actId="2711"/>
+          <ac:spMkLst>
+            <pc:docMk/>
+            <pc:sldMk cId="3747394284" sldId="256"/>
+            <ac:spMk id="48" creationId="{AC94FA18-2CB9-4194-BA8F-9A9946B9AB45}"/>
+          </ac:spMkLst>
+        </pc:spChg>
+        <pc:spChg chg="add del">
+          <ac:chgData name="Andres Penuela-Fernandez" userId="26693260-5f72-4911-8218-b098c180f1d5" providerId="ADAL" clId="{BC06EF19-1559-4B52-8E5C-04BEE9A72503}" dt="2020-01-13T20:00:08.417" v="296"/>
+          <ac:spMkLst>
+            <pc:docMk/>
+            <pc:sldMk cId="3747394284" sldId="256"/>
+            <ac:spMk id="51" creationId="{35CA365C-8DBB-4D2B-BE68-9A88E55642BF}"/>
+          </ac:spMkLst>
+        </pc:spChg>
+        <pc:spChg chg="add del mod">
+          <ac:chgData name="Andres Penuela-Fernandez" userId="26693260-5f72-4911-8218-b098c180f1d5" providerId="ADAL" clId="{BC06EF19-1559-4B52-8E5C-04BEE9A72503}" dt="2020-01-13T20:10:04.953" v="388" actId="478"/>
+          <ac:spMkLst>
+            <pc:docMk/>
+            <pc:sldMk cId="3747394284" sldId="256"/>
+            <ac:spMk id="57" creationId="{0EC5F1A6-3EF4-4FF7-859C-AFFD58DB75F8}"/>
+          </ac:spMkLst>
+        </pc:spChg>
+        <pc:spChg chg="add del mod">
+          <ac:chgData name="Andres Penuela-Fernandez" userId="26693260-5f72-4911-8218-b098c180f1d5" providerId="ADAL" clId="{BC06EF19-1559-4B52-8E5C-04BEE9A72503}" dt="2020-01-13T20:10:04.953" v="388" actId="478"/>
+          <ac:spMkLst>
+            <pc:docMk/>
+            <pc:sldMk cId="3747394284" sldId="256"/>
+            <ac:spMk id="58" creationId="{5AE8F5AE-D66D-4252-8868-0F5A6BFF6C18}"/>
           </ac:spMkLst>
         </pc:spChg>
         <pc:spChg chg="add mod">
-          <ac:chgData name="Andres Penuela-Fernandez" userId="26693260-5f72-4911-8218-b098c180f1d5" providerId="ADAL" clId="{BC06EF19-1559-4B52-8E5C-04BEE9A72503}" dt="2020-01-13T12:20:31.882" v="137" actId="1076"/>
-          <ac:spMkLst>
-            <pc:docMk/>
-            <pc:sldMk cId="3747394284" sldId="256"/>
-            <ac:spMk id="34" creationId="{36D8BC79-D32D-40E9-87EB-D2880A72B355}"/>
-          </ac:spMkLst>
-        </pc:spChg>
-        <pc:cxnChg chg="mod">
-          <ac:chgData name="Andres Penuela-Fernandez" userId="26693260-5f72-4911-8218-b098c180f1d5" providerId="ADAL" clId="{BC06EF19-1559-4B52-8E5C-04BEE9A72503}" dt="2020-01-13T12:20:50.175" v="140" actId="14100"/>
+          <ac:chgData name="Andres Penuela-Fernandez" userId="26693260-5f72-4911-8218-b098c180f1d5" providerId="ADAL" clId="{BC06EF19-1559-4B52-8E5C-04BEE9A72503}" dt="2020-01-14T12:19:57.140" v="1153" actId="2711"/>
+          <ac:spMkLst>
+            <pc:docMk/>
+            <pc:sldMk cId="3747394284" sldId="256"/>
+            <ac:spMk id="59" creationId="{EB449BEC-15F2-40BE-83ED-AB5E3F63317E}"/>
+          </ac:spMkLst>
+        </pc:spChg>
+        <pc:spChg chg="add mod">
+          <ac:chgData name="Andres Penuela-Fernandez" userId="26693260-5f72-4911-8218-b098c180f1d5" providerId="ADAL" clId="{BC06EF19-1559-4B52-8E5C-04BEE9A72503}" dt="2020-01-14T12:19:57.140" v="1153" actId="2711"/>
+          <ac:spMkLst>
+            <pc:docMk/>
+            <pc:sldMk cId="3747394284" sldId="256"/>
+            <ac:spMk id="60" creationId="{B0888B7E-F255-4616-B879-6B13B0A73155}"/>
+          </ac:spMkLst>
+        </pc:spChg>
+        <pc:spChg chg="add mod">
+          <ac:chgData name="Andres Penuela-Fernandez" userId="26693260-5f72-4911-8218-b098c180f1d5" providerId="ADAL" clId="{BC06EF19-1559-4B52-8E5C-04BEE9A72503}" dt="2020-01-14T12:19:57.140" v="1153" actId="2711"/>
+          <ac:spMkLst>
+            <pc:docMk/>
+            <pc:sldMk cId="3747394284" sldId="256"/>
+            <ac:spMk id="61" creationId="{088332AF-D8DE-4077-8953-2BFBB69AC2B2}"/>
+          </ac:spMkLst>
+        </pc:spChg>
+        <pc:spChg chg="add del mod">
+          <ac:chgData name="Andres Penuela-Fernandez" userId="26693260-5f72-4911-8218-b098c180f1d5" providerId="ADAL" clId="{BC06EF19-1559-4B52-8E5C-04BEE9A72503}" dt="2020-01-13T20:12:28.823" v="451"/>
+          <ac:spMkLst>
+            <pc:docMk/>
+            <pc:sldMk cId="3747394284" sldId="256"/>
+            <ac:spMk id="62" creationId="{A9A05323-1B86-4446-AE6C-591C16DB8ADC}"/>
+          </ac:spMkLst>
+        </pc:spChg>
+        <pc:spChg chg="add mod">
+          <ac:chgData name="Andres Penuela-Fernandez" userId="26693260-5f72-4911-8218-b098c180f1d5" providerId="ADAL" clId="{BC06EF19-1559-4B52-8E5C-04BEE9A72503}" dt="2020-01-14T12:19:57.140" v="1153" actId="2711"/>
+          <ac:spMkLst>
+            <pc:docMk/>
+            <pc:sldMk cId="3747394284" sldId="256"/>
+            <ac:spMk id="63" creationId="{0D9BA587-1CBA-409A-9071-81A5C47F51A4}"/>
+          </ac:spMkLst>
+        </pc:spChg>
+        <pc:spChg chg="add mod">
+          <ac:chgData name="Andres Penuela-Fernandez" userId="26693260-5f72-4911-8218-b098c180f1d5" providerId="ADAL" clId="{BC06EF19-1559-4B52-8E5C-04BEE9A72503}" dt="2020-01-14T12:19:57.140" v="1153" actId="2711"/>
+          <ac:spMkLst>
+            <pc:docMk/>
+            <pc:sldMk cId="3747394284" sldId="256"/>
+            <ac:spMk id="64" creationId="{24CB016C-13FF-4866-94BF-E7D7A8EAE5FF}"/>
+          </ac:spMkLst>
+        </pc:spChg>
+        <pc:spChg chg="add del mod">
+          <ac:chgData name="Andres Penuela-Fernandez" userId="26693260-5f72-4911-8218-b098c180f1d5" providerId="ADAL" clId="{BC06EF19-1559-4B52-8E5C-04BEE9A72503}" dt="2020-01-14T12:19:57.140" v="1153" actId="2711"/>
+          <ac:spMkLst>
+            <pc:docMk/>
+            <pc:sldMk cId="3747394284" sldId="256"/>
+            <ac:spMk id="65" creationId="{F55F7660-7B7A-4BA3-9B49-28D379D13FAE}"/>
+          </ac:spMkLst>
+        </pc:spChg>
+        <pc:spChg chg="add mod">
+          <ac:chgData name="Andres Penuela-Fernandez" userId="26693260-5f72-4911-8218-b098c180f1d5" providerId="ADAL" clId="{BC06EF19-1559-4B52-8E5C-04BEE9A72503}" dt="2020-01-14T12:19:57.140" v="1153" actId="2711"/>
+          <ac:spMkLst>
+            <pc:docMk/>
+            <pc:sldMk cId="3747394284" sldId="256"/>
+            <ac:spMk id="66" creationId="{96CDD9A4-B710-4DF9-BE28-A0F7A50B62AC}"/>
+          </ac:spMkLst>
+        </pc:spChg>
+        <pc:spChg chg="add mod">
+          <ac:chgData name="Andres Penuela-Fernandez" userId="26693260-5f72-4911-8218-b098c180f1d5" providerId="ADAL" clId="{BC06EF19-1559-4B52-8E5C-04BEE9A72503}" dt="2020-01-14T12:19:57.140" v="1153" actId="2711"/>
+          <ac:spMkLst>
+            <pc:docMk/>
+            <pc:sldMk cId="3747394284" sldId="256"/>
+            <ac:spMk id="67" creationId="{36B949D1-A6AE-49CC-9997-9D83738B087B}"/>
+          </ac:spMkLst>
+        </pc:spChg>
+        <pc:spChg chg="add mod">
+          <ac:chgData name="Andres Penuela-Fernandez" userId="26693260-5f72-4911-8218-b098c180f1d5" providerId="ADAL" clId="{BC06EF19-1559-4B52-8E5C-04BEE9A72503}" dt="2020-01-14T12:19:57.140" v="1153" actId="2711"/>
+          <ac:spMkLst>
+            <pc:docMk/>
+            <pc:sldMk cId="3747394284" sldId="256"/>
+            <ac:spMk id="68" creationId="{E21FF379-6DA5-457C-A71F-06B2A26E44C1}"/>
+          </ac:spMkLst>
+        </pc:spChg>
+        <pc:spChg chg="add mod">
+          <ac:chgData name="Andres Penuela-Fernandez" userId="26693260-5f72-4911-8218-b098c180f1d5" providerId="ADAL" clId="{BC06EF19-1559-4B52-8E5C-04BEE9A72503}" dt="2020-01-14T11:26:18.149" v="1028" actId="1076"/>
+          <ac:spMkLst>
+            <pc:docMk/>
+            <pc:sldMk cId="3747394284" sldId="256"/>
+            <ac:spMk id="69" creationId="{5777D500-4C9E-466D-9495-3FC959869C9C}"/>
+          </ac:spMkLst>
+        </pc:spChg>
+        <pc:spChg chg="add del mod">
+          <ac:chgData name="Andres Penuela-Fernandez" userId="26693260-5f72-4911-8218-b098c180f1d5" providerId="ADAL" clId="{BC06EF19-1559-4B52-8E5C-04BEE9A72503}" dt="2020-01-13T20:18:47.158" v="513" actId="478"/>
+          <ac:spMkLst>
+            <pc:docMk/>
+            <pc:sldMk cId="3747394284" sldId="256"/>
+            <ac:spMk id="70" creationId="{0FF448D6-EE2A-4E64-B23E-408F645301D6}"/>
+          </ac:spMkLst>
+        </pc:spChg>
+        <pc:spChg chg="add mod">
+          <ac:chgData name="Andres Penuela-Fernandez" userId="26693260-5f72-4911-8218-b098c180f1d5" providerId="ADAL" clId="{BC06EF19-1559-4B52-8E5C-04BEE9A72503}" dt="2020-01-14T11:26:18.149" v="1028" actId="1076"/>
+          <ac:spMkLst>
+            <pc:docMk/>
+            <pc:sldMk cId="3747394284" sldId="256"/>
+            <ac:spMk id="71" creationId="{087EB982-A52A-438A-B930-73C80DC3076E}"/>
+          </ac:spMkLst>
+        </pc:spChg>
+        <pc:spChg chg="add del mod">
+          <ac:chgData name="Andres Penuela-Fernandez" userId="26693260-5f72-4911-8218-b098c180f1d5" providerId="ADAL" clId="{BC06EF19-1559-4B52-8E5C-04BEE9A72503}" dt="2020-01-14T11:33:40.557" v="1042" actId="478"/>
+          <ac:spMkLst>
+            <pc:docMk/>
+            <pc:sldMk cId="3747394284" sldId="256"/>
+            <ac:spMk id="74" creationId="{DBE79BDA-CEC7-48CF-924F-E35FE5A68BE4}"/>
+          </ac:spMkLst>
+        </pc:spChg>
+        <pc:spChg chg="add mod">
+          <ac:chgData name="Andres Penuela-Fernandez" userId="26693260-5f72-4911-8218-b098c180f1d5" providerId="ADAL" clId="{BC06EF19-1559-4B52-8E5C-04BEE9A72503}" dt="2020-01-14T11:37:17.183" v="1078" actId="1076"/>
+          <ac:spMkLst>
+            <pc:docMk/>
+            <pc:sldMk cId="3747394284" sldId="256"/>
+            <ac:spMk id="75" creationId="{32164535-D527-4E8E-B895-B3D0252E7BAA}"/>
+          </ac:spMkLst>
+        </pc:spChg>
+        <pc:spChg chg="add del mod">
+          <ac:chgData name="Andres Penuela-Fernandez" userId="26693260-5f72-4911-8218-b098c180f1d5" providerId="ADAL" clId="{BC06EF19-1559-4B52-8E5C-04BEE9A72503}" dt="2020-01-14T11:33:33.398" v="1040" actId="1076"/>
+          <ac:spMkLst>
+            <pc:docMk/>
+            <pc:sldMk cId="3747394284" sldId="256"/>
+            <ac:spMk id="76" creationId="{863BF018-60F1-4D82-9E71-0E5F96EEA1B3}"/>
+          </ac:spMkLst>
+        </pc:spChg>
+        <pc:spChg chg="add mod">
+          <ac:chgData name="Andres Penuela-Fernandez" userId="26693260-5f72-4911-8218-b098c180f1d5" providerId="ADAL" clId="{BC06EF19-1559-4B52-8E5C-04BEE9A72503}" dt="2020-01-14T11:34:46.310" v="1066" actId="1076"/>
+          <ac:spMkLst>
+            <pc:docMk/>
+            <pc:sldMk cId="3747394284" sldId="256"/>
+            <ac:spMk id="78" creationId="{5F6A3BFB-4E9D-4B33-955C-D6C3B4F9C539}"/>
+          </ac:spMkLst>
+        </pc:spChg>
+        <pc:spChg chg="add mod">
+          <ac:chgData name="Andres Penuela-Fernandez" userId="26693260-5f72-4911-8218-b098c180f1d5" providerId="ADAL" clId="{BC06EF19-1559-4B52-8E5C-04BEE9A72503}" dt="2020-01-14T11:26:18.149" v="1028" actId="1076"/>
+          <ac:spMkLst>
+            <pc:docMk/>
+            <pc:sldMk cId="3747394284" sldId="256"/>
+            <ac:spMk id="85" creationId="{D113B6EC-5566-43AA-96D5-F8D2A665406B}"/>
+          </ac:spMkLst>
+        </pc:spChg>
+        <pc:spChg chg="add mod">
+          <ac:chgData name="Andres Penuela-Fernandez" userId="26693260-5f72-4911-8218-b098c180f1d5" providerId="ADAL" clId="{BC06EF19-1559-4B52-8E5C-04BEE9A72503}" dt="2020-01-14T11:35:04.919" v="1069" actId="1076"/>
+          <ac:spMkLst>
+            <pc:docMk/>
+            <pc:sldMk cId="3747394284" sldId="256"/>
+            <ac:spMk id="86" creationId="{B9D4BDFD-43FE-4CD7-B184-96D586C7922E}"/>
+          </ac:spMkLst>
+        </pc:spChg>
+        <pc:spChg chg="add mod">
+          <ac:chgData name="Andres Penuela-Fernandez" userId="26693260-5f72-4911-8218-b098c180f1d5" providerId="ADAL" clId="{BC06EF19-1559-4B52-8E5C-04BEE9A72503}" dt="2020-01-14T11:25:06.188" v="1013" actId="1076"/>
+          <ac:spMkLst>
+            <pc:docMk/>
+            <pc:sldMk cId="3747394284" sldId="256"/>
+            <ac:spMk id="98" creationId="{60C8F051-EC0D-4C52-9005-C48743C28BFD}"/>
+          </ac:spMkLst>
+        </pc:spChg>
+        <pc:spChg chg="add del mod">
+          <ac:chgData name="Andres Penuela-Fernandez" userId="26693260-5f72-4911-8218-b098c180f1d5" providerId="ADAL" clId="{BC06EF19-1559-4B52-8E5C-04BEE9A72503}" dt="2020-01-13T20:51:22.771" v="575" actId="478"/>
+          <ac:spMkLst>
+            <pc:docMk/>
+            <pc:sldMk cId="3747394284" sldId="256"/>
+            <ac:spMk id="99" creationId="{6CDED1B9-D529-457F-AB8B-075955E12B4E}"/>
+          </ac:spMkLst>
+        </pc:spChg>
+        <pc:spChg chg="add mod ord">
+          <ac:chgData name="Andres Penuela-Fernandez" userId="26693260-5f72-4911-8218-b098c180f1d5" providerId="ADAL" clId="{BC06EF19-1559-4B52-8E5C-04BEE9A72503}" dt="2020-01-14T12:19:57.140" v="1153" actId="2711"/>
+          <ac:spMkLst>
+            <pc:docMk/>
+            <pc:sldMk cId="3747394284" sldId="256"/>
+            <ac:spMk id="100" creationId="{F8A6EBA0-84BE-47F2-BB8D-BDEDC71B7F45}"/>
+          </ac:spMkLst>
+        </pc:spChg>
+        <pc:spChg chg="add mod">
+          <ac:chgData name="Andres Penuela-Fernandez" userId="26693260-5f72-4911-8218-b098c180f1d5" providerId="ADAL" clId="{BC06EF19-1559-4B52-8E5C-04BEE9A72503}" dt="2020-01-14T12:19:57.140" v="1153" actId="2711"/>
+          <ac:spMkLst>
+            <pc:docMk/>
+            <pc:sldMk cId="3747394284" sldId="256"/>
+            <ac:spMk id="101" creationId="{EF92C4CF-2339-442B-985A-2109995A6483}"/>
+          </ac:spMkLst>
+        </pc:spChg>
+        <pc:spChg chg="add mod ord">
+          <ac:chgData name="Andres Penuela-Fernandez" userId="26693260-5f72-4911-8218-b098c180f1d5" providerId="ADAL" clId="{BC06EF19-1559-4B52-8E5C-04BEE9A72503}" dt="2020-01-14T11:40:01.621" v="1106" actId="692"/>
+          <ac:spMkLst>
+            <pc:docMk/>
+            <pc:sldMk cId="3747394284" sldId="256"/>
+            <ac:spMk id="102" creationId="{BE726FB6-2C47-463D-81CE-645904267455}"/>
+          </ac:spMkLst>
+        </pc:spChg>
+        <pc:spChg chg="add mod ord">
+          <ac:chgData name="Andres Penuela-Fernandez" userId="26693260-5f72-4911-8218-b098c180f1d5" providerId="ADAL" clId="{BC06EF19-1559-4B52-8E5C-04BEE9A72503}" dt="2020-01-14T12:19:28.413" v="1152" actId="2711"/>
+          <ac:spMkLst>
+            <pc:docMk/>
+            <pc:sldMk cId="3747394284" sldId="256"/>
+            <ac:spMk id="103" creationId="{A27B0CDA-8C75-4057-A847-0C426D3F7FB3}"/>
+          </ac:spMkLst>
+        </pc:spChg>
+        <pc:spChg chg="add mod">
+          <ac:chgData name="Andres Penuela-Fernandez" userId="26693260-5f72-4911-8218-b098c180f1d5" providerId="ADAL" clId="{BC06EF19-1559-4B52-8E5C-04BEE9A72503}" dt="2020-01-14T12:05:37.045" v="1123" actId="692"/>
+          <ac:spMkLst>
+            <pc:docMk/>
+            <pc:sldMk cId="3747394284" sldId="256"/>
+            <ac:spMk id="104" creationId="{EA0CBD26-1886-4E49-AB8E-D78E24CDD9FA}"/>
+          </ac:spMkLst>
+        </pc:spChg>
+        <pc:spChg chg="add del mod">
+          <ac:chgData name="Andres Penuela-Fernandez" userId="26693260-5f72-4911-8218-b098c180f1d5" providerId="ADAL" clId="{BC06EF19-1559-4B52-8E5C-04BEE9A72503}" dt="2020-01-14T11:25:34.601" v="1017" actId="478"/>
+          <ac:spMkLst>
+            <pc:docMk/>
+            <pc:sldMk cId="3747394284" sldId="256"/>
+            <ac:spMk id="105" creationId="{EDDB61F8-6C9F-4EDF-96C9-76241C54E9A7}"/>
+          </ac:spMkLst>
+        </pc:spChg>
+        <pc:spChg chg="add mod">
+          <ac:chgData name="Andres Penuela-Fernandez" userId="26693260-5f72-4911-8218-b098c180f1d5" providerId="ADAL" clId="{BC06EF19-1559-4B52-8E5C-04BEE9A72503}" dt="2020-01-14T12:19:24.685" v="1151" actId="2711"/>
+          <ac:spMkLst>
+            <pc:docMk/>
+            <pc:sldMk cId="3747394284" sldId="256"/>
+            <ac:spMk id="106" creationId="{2376962A-A5CF-4541-A3C8-57C44B1716AE}"/>
+          </ac:spMkLst>
+        </pc:spChg>
+        <pc:spChg chg="add mod">
+          <ac:chgData name="Andres Penuela-Fernandez" userId="26693260-5f72-4911-8218-b098c180f1d5" providerId="ADAL" clId="{BC06EF19-1559-4B52-8E5C-04BEE9A72503}" dt="2020-01-14T12:19:57.140" v="1153" actId="2711"/>
+          <ac:spMkLst>
+            <pc:docMk/>
+            <pc:sldMk cId="3747394284" sldId="256"/>
+            <ac:spMk id="107" creationId="{EFA60D8F-1561-4F90-9A8A-CC2DD0D72C58}"/>
+          </ac:spMkLst>
+        </pc:spChg>
+        <pc:spChg chg="add del mod">
+          <ac:chgData name="Andres Penuela-Fernandez" userId="26693260-5f72-4911-8218-b098c180f1d5" providerId="ADAL" clId="{BC06EF19-1559-4B52-8E5C-04BEE9A72503}" dt="2020-01-14T10:54:44.897" v="740" actId="478"/>
+          <ac:spMkLst>
+            <pc:docMk/>
+            <pc:sldMk cId="3747394284" sldId="256"/>
+            <ac:spMk id="108" creationId="{7768E23D-8F31-41F1-9160-C5A50723347A}"/>
+          </ac:spMkLst>
+        </pc:spChg>
+        <pc:spChg chg="add mod">
+          <ac:chgData name="Andres Penuela-Fernandez" userId="26693260-5f72-4911-8218-b098c180f1d5" providerId="ADAL" clId="{BC06EF19-1559-4B52-8E5C-04BEE9A72503}" dt="2020-01-14T12:19:57.140" v="1153" actId="2711"/>
+          <ac:spMkLst>
+            <pc:docMk/>
+            <pc:sldMk cId="3747394284" sldId="256"/>
+            <ac:spMk id="109" creationId="{1E446FD0-B0D9-4E55-BAB9-F2D8D834740F}"/>
+          </ac:spMkLst>
+        </pc:spChg>
+        <pc:spChg chg="add mod">
+          <ac:chgData name="Andres Penuela-Fernandez" userId="26693260-5f72-4911-8218-b098c180f1d5" providerId="ADAL" clId="{BC06EF19-1559-4B52-8E5C-04BEE9A72503}" dt="2020-01-14T12:19:57.140" v="1153" actId="2711"/>
+          <ac:spMkLst>
+            <pc:docMk/>
+            <pc:sldMk cId="3747394284" sldId="256"/>
+            <ac:spMk id="110" creationId="{86E0E497-3AAF-4BC4-B092-2857B9712571}"/>
+          </ac:spMkLst>
+        </pc:spChg>
+        <pc:spChg chg="add del mod">
+          <ac:chgData name="Andres Penuela-Fernandez" userId="26693260-5f72-4911-8218-b098c180f1d5" providerId="ADAL" clId="{BC06EF19-1559-4B52-8E5C-04BEE9A72503}" dt="2020-01-14T11:08:52.072" v="887" actId="478"/>
+          <ac:spMkLst>
+            <pc:docMk/>
+            <pc:sldMk cId="3747394284" sldId="256"/>
+            <ac:spMk id="111" creationId="{644E1F18-0A39-4DF0-85FC-94DACAF6F30C}"/>
+          </ac:spMkLst>
+        </pc:spChg>
+        <pc:spChg chg="add mod">
+          <ac:chgData name="Andres Penuela-Fernandez" userId="26693260-5f72-4911-8218-b098c180f1d5" providerId="ADAL" clId="{BC06EF19-1559-4B52-8E5C-04BEE9A72503}" dt="2020-01-14T12:20:20.160" v="1158" actId="1076"/>
+          <ac:spMkLst>
+            <pc:docMk/>
+            <pc:sldMk cId="3747394284" sldId="256"/>
+            <ac:spMk id="112" creationId="{4638D2E9-4E89-4128-AB40-7A78A16C1429}"/>
+          </ac:spMkLst>
+        </pc:spChg>
+        <pc:spChg chg="add mod">
+          <ac:chgData name="Andres Penuela-Fernandez" userId="26693260-5f72-4911-8218-b098c180f1d5" providerId="ADAL" clId="{BC06EF19-1559-4B52-8E5C-04BEE9A72503}" dt="2020-01-14T12:20:06.631" v="1154" actId="14100"/>
+          <ac:spMkLst>
+            <pc:docMk/>
+            <pc:sldMk cId="3747394284" sldId="256"/>
+            <ac:spMk id="113" creationId="{0DB16042-B3C4-4D71-B115-CFF509CD85A4}"/>
+          </ac:spMkLst>
+        </pc:spChg>
+        <pc:spChg chg="add del mod">
+          <ac:chgData name="Andres Penuela-Fernandez" userId="26693260-5f72-4911-8218-b098c180f1d5" providerId="ADAL" clId="{BC06EF19-1559-4B52-8E5C-04BEE9A72503}" dt="2020-01-14T11:04:59.511" v="854" actId="478"/>
+          <ac:spMkLst>
+            <pc:docMk/>
+            <pc:sldMk cId="3747394284" sldId="256"/>
+            <ac:spMk id="114" creationId="{F838BF20-1FBC-49BE-8942-C0DC1653C5DB}"/>
+          </ac:spMkLst>
+        </pc:spChg>
+        <pc:spChg chg="add mod">
+          <ac:chgData name="Andres Penuela-Fernandez" userId="26693260-5f72-4911-8218-b098c180f1d5" providerId="ADAL" clId="{BC06EF19-1559-4B52-8E5C-04BEE9A72503}" dt="2020-01-14T12:19:57.140" v="1153" actId="2711"/>
+          <ac:spMkLst>
+            <pc:docMk/>
+            <pc:sldMk cId="3747394284" sldId="256"/>
+            <ac:spMk id="115" creationId="{F442A7F5-6671-4EBF-967E-DBF883C748ED}"/>
+          </ac:spMkLst>
+        </pc:spChg>
+        <pc:spChg chg="add del mod">
+          <ac:chgData name="Andres Penuela-Fernandez" userId="26693260-5f72-4911-8218-b098c180f1d5" providerId="ADAL" clId="{BC06EF19-1559-4B52-8E5C-04BEE9A72503}" dt="2020-01-14T11:00:41.285" v="816" actId="478"/>
+          <ac:spMkLst>
+            <pc:docMk/>
+            <pc:sldMk cId="3747394284" sldId="256"/>
+            <ac:spMk id="116" creationId="{D8103962-5AE5-42C4-9281-8B15DE453F45}"/>
+          </ac:spMkLst>
+        </pc:spChg>
+        <pc:spChg chg="add mod">
+          <ac:chgData name="Andres Penuela-Fernandez" userId="26693260-5f72-4911-8218-b098c180f1d5" providerId="ADAL" clId="{BC06EF19-1559-4B52-8E5C-04BEE9A72503}" dt="2020-01-14T12:19:57.140" v="1153" actId="2711"/>
+          <ac:spMkLst>
+            <pc:docMk/>
+            <pc:sldMk cId="3747394284" sldId="256"/>
+            <ac:spMk id="117" creationId="{F41AA8FC-6298-49B0-8C3E-31F2A5BD486A}"/>
+          </ac:spMkLst>
+        </pc:spChg>
+        <pc:spChg chg="add mod">
+          <ac:chgData name="Andres Penuela-Fernandez" userId="26693260-5f72-4911-8218-b098c180f1d5" providerId="ADAL" clId="{BC06EF19-1559-4B52-8E5C-04BEE9A72503}" dt="2020-01-14T12:20:17.760" v="1157" actId="1076"/>
+          <ac:spMkLst>
+            <pc:docMk/>
+            <pc:sldMk cId="3747394284" sldId="256"/>
+            <ac:spMk id="118" creationId="{23F35015-F633-4B87-A0A3-04F8A17AE514}"/>
+          </ac:spMkLst>
+        </pc:spChg>
+        <pc:spChg chg="add mod">
+          <ac:chgData name="Andres Penuela-Fernandez" userId="26693260-5f72-4911-8218-b098c180f1d5" providerId="ADAL" clId="{BC06EF19-1559-4B52-8E5C-04BEE9A72503}" dt="2020-01-14T12:19:57.140" v="1153" actId="2711"/>
+          <ac:spMkLst>
+            <pc:docMk/>
+            <pc:sldMk cId="3747394284" sldId="256"/>
+            <ac:spMk id="119" creationId="{B56D397B-743A-4966-A6E8-AE7173EC4735}"/>
+          </ac:spMkLst>
+        </pc:spChg>
+        <pc:spChg chg="add mod">
+          <ac:chgData name="Andres Penuela-Fernandez" userId="26693260-5f72-4911-8218-b098c180f1d5" providerId="ADAL" clId="{BC06EF19-1559-4B52-8E5C-04BEE9A72503}" dt="2020-01-14T12:19:57.140" v="1153" actId="2711"/>
+          <ac:spMkLst>
+            <pc:docMk/>
+            <pc:sldMk cId="3747394284" sldId="256"/>
+            <ac:spMk id="120" creationId="{9A2EFD04-BF25-4B91-83A4-9DEBBA2F13E7}"/>
+          </ac:spMkLst>
+        </pc:spChg>
+        <pc:spChg chg="add del mod">
+          <ac:chgData name="Andres Penuela-Fernandez" userId="26693260-5f72-4911-8218-b098c180f1d5" providerId="ADAL" clId="{BC06EF19-1559-4B52-8E5C-04BEE9A72503}" dt="2020-01-14T11:09:39.081" v="895" actId="478"/>
+          <ac:spMkLst>
+            <pc:docMk/>
+            <pc:sldMk cId="3747394284" sldId="256"/>
+            <ac:spMk id="121" creationId="{DE4951A7-CEFD-4F93-96F0-002BC456CE55}"/>
+          </ac:spMkLst>
+        </pc:spChg>
+        <pc:spChg chg="add del mod">
+          <ac:chgData name="Andres Penuela-Fernandez" userId="26693260-5f72-4911-8218-b098c180f1d5" providerId="ADAL" clId="{BC06EF19-1559-4B52-8E5C-04BEE9A72503}" dt="2020-01-14T11:10:03.588" v="903"/>
+          <ac:spMkLst>
+            <pc:docMk/>
+            <pc:sldMk cId="3747394284" sldId="256"/>
+            <ac:spMk id="122" creationId="{318A0372-9ED6-47C1-93D9-601059DACCE5}"/>
+          </ac:spMkLst>
+        </pc:spChg>
+        <pc:spChg chg="add mod">
+          <ac:chgData name="Andres Penuela-Fernandez" userId="26693260-5f72-4911-8218-b098c180f1d5" providerId="ADAL" clId="{BC06EF19-1559-4B52-8E5C-04BEE9A72503}" dt="2020-01-14T12:19:57.140" v="1153" actId="2711"/>
+          <ac:spMkLst>
+            <pc:docMk/>
+            <pc:sldMk cId="3747394284" sldId="256"/>
+            <ac:spMk id="123" creationId="{639B6BB5-6EE7-4953-A377-7049217C226D}"/>
+          </ac:spMkLst>
+        </pc:spChg>
+        <pc:spChg chg="add del mod">
+          <ac:chgData name="Andres Penuela-Fernandez" userId="26693260-5f72-4911-8218-b098c180f1d5" providerId="ADAL" clId="{BC06EF19-1559-4B52-8E5C-04BEE9A72503}" dt="2020-01-14T11:11:57.529" v="922" actId="478"/>
+          <ac:spMkLst>
+            <pc:docMk/>
+            <pc:sldMk cId="3747394284" sldId="256"/>
+            <ac:spMk id="125" creationId="{81D0295A-6A5F-422C-8D2C-58F92409EF6D}"/>
+          </ac:spMkLst>
+        </pc:spChg>
+        <pc:spChg chg="add mod">
+          <ac:chgData name="Andres Penuela-Fernandez" userId="26693260-5f72-4911-8218-b098c180f1d5" providerId="ADAL" clId="{BC06EF19-1559-4B52-8E5C-04BEE9A72503}" dt="2020-01-14T12:19:57.140" v="1153" actId="2711"/>
+          <ac:spMkLst>
+            <pc:docMk/>
+            <pc:sldMk cId="3747394284" sldId="256"/>
+            <ac:spMk id="127" creationId="{D063BE29-66D1-4792-9B7A-826717885EFE}"/>
+          </ac:spMkLst>
+        </pc:spChg>
+        <pc:spChg chg="add mod">
+          <ac:chgData name="Andres Penuela-Fernandez" userId="26693260-5f72-4911-8218-b098c180f1d5" providerId="ADAL" clId="{BC06EF19-1559-4B52-8E5C-04BEE9A72503}" dt="2020-01-14T12:19:57.140" v="1153" actId="2711"/>
+          <ac:spMkLst>
+            <pc:docMk/>
+            <pc:sldMk cId="3747394284" sldId="256"/>
+            <ac:spMk id="128" creationId="{86EA51D9-37FF-40E1-8771-CE6FE2C00370}"/>
+          </ac:spMkLst>
+        </pc:spChg>
+        <pc:spChg chg="add del mod">
+          <ac:chgData name="Andres Penuela-Fernandez" userId="26693260-5f72-4911-8218-b098c180f1d5" providerId="ADAL" clId="{BC06EF19-1559-4B52-8E5C-04BEE9A72503}" dt="2020-01-14T11:24:21.933" v="1007" actId="478"/>
+          <ac:spMkLst>
+            <pc:docMk/>
+            <pc:sldMk cId="3747394284" sldId="256"/>
+            <ac:spMk id="129" creationId="{B9A4DD8F-5A24-4187-A627-50003D0923C4}"/>
+          </ac:spMkLst>
+        </pc:spChg>
+        <pc:spChg chg="add mod">
+          <ac:chgData name="Andres Penuela-Fernandez" userId="26693260-5f72-4911-8218-b098c180f1d5" providerId="ADAL" clId="{BC06EF19-1559-4B52-8E5C-04BEE9A72503}" dt="2020-01-14T12:19:57.140" v="1153" actId="2711"/>
+          <ac:spMkLst>
+            <pc:docMk/>
+            <pc:sldMk cId="3747394284" sldId="256"/>
+            <ac:spMk id="130" creationId="{8E949DBA-C4BB-44D7-81AA-E10490D9D6FF}"/>
+          </ac:spMkLst>
+        </pc:spChg>
+        <pc:spChg chg="add mod">
+          <ac:chgData name="Andres Penuela-Fernandez" userId="26693260-5f72-4911-8218-b098c180f1d5" providerId="ADAL" clId="{BC06EF19-1559-4B52-8E5C-04BEE9A72503}" dt="2020-01-14T12:07:31.937" v="1136" actId="207"/>
+          <ac:spMkLst>
+            <pc:docMk/>
+            <pc:sldMk cId="3747394284" sldId="256"/>
+            <ac:spMk id="131" creationId="{5E825FA1-67B9-4D92-8735-69EA1669A117}"/>
+          </ac:spMkLst>
+        </pc:spChg>
+        <pc:spChg chg="add mod">
+          <ac:chgData name="Andres Penuela-Fernandez" userId="26693260-5f72-4911-8218-b098c180f1d5" providerId="ADAL" clId="{BC06EF19-1559-4B52-8E5C-04BEE9A72503}" dt="2020-01-14T12:05:42.737" v="1131" actId="692"/>
+          <ac:spMkLst>
+            <pc:docMk/>
+            <pc:sldMk cId="3747394284" sldId="256"/>
+            <ac:spMk id="132" creationId="{DE9D9B47-D3FB-4BBD-935C-C21EE1DE2661}"/>
+          </ac:spMkLst>
+        </pc:spChg>
+        <pc:spChg chg="add mod">
+          <ac:chgData name="Andres Penuela-Fernandez" userId="26693260-5f72-4911-8218-b098c180f1d5" providerId="ADAL" clId="{BC06EF19-1559-4B52-8E5C-04BEE9A72503}" dt="2020-01-14T11:34:34.230" v="1064" actId="14100"/>
+          <ac:spMkLst>
+            <pc:docMk/>
+            <pc:sldMk cId="3747394284" sldId="256"/>
+            <ac:spMk id="133" creationId="{A8576B6A-2278-4F6E-B33C-CF256958EFBF}"/>
+          </ac:spMkLst>
+        </pc:spChg>
+        <pc:spChg chg="add mod">
+          <ac:chgData name="Andres Penuela-Fernandez" userId="26693260-5f72-4911-8218-b098c180f1d5" providerId="ADAL" clId="{BC06EF19-1559-4B52-8E5C-04BEE9A72503}" dt="2020-01-14T12:19:18.557" v="1150" actId="2711"/>
+          <ac:spMkLst>
+            <pc:docMk/>
+            <pc:sldMk cId="3747394284" sldId="256"/>
+            <ac:spMk id="135" creationId="{194AD0C9-9FC0-4584-80D6-53B17C573D91}"/>
+          </ac:spMkLst>
+        </pc:spChg>
+        <pc:spChg chg="add mod">
+          <ac:chgData name="Andres Penuela-Fernandez" userId="26693260-5f72-4911-8218-b098c180f1d5" providerId="ADAL" clId="{BC06EF19-1559-4B52-8E5C-04BEE9A72503}" dt="2020-01-14T12:09:00.909" v="1148" actId="1076"/>
+          <ac:spMkLst>
+            <pc:docMk/>
+            <pc:sldMk cId="3747394284" sldId="256"/>
+            <ac:spMk id="136" creationId="{54B7BE5F-7349-4DB4-A009-68568611194A}"/>
+          </ac:spMkLst>
+        </pc:spChg>
+        <pc:picChg chg="add mod">
+          <ac:chgData name="Andres Penuela-Fernandez" userId="26693260-5f72-4911-8218-b098c180f1d5" providerId="ADAL" clId="{BC06EF19-1559-4B52-8E5C-04BEE9A72503}" dt="2020-01-14T12:19:57.140" v="1153" actId="2711"/>
+          <ac:picMkLst>
+            <pc:docMk/>
+            <pc:sldMk cId="3747394284" sldId="256"/>
+            <ac:picMk id="38" creationId="{2CF86A7B-9DEE-4A7D-8229-DD780AB6937C}"/>
+          </ac:picMkLst>
+        </pc:picChg>
+        <pc:picChg chg="add mod">
+          <ac:chgData name="Andres Penuela-Fernandez" userId="26693260-5f72-4911-8218-b098c180f1d5" providerId="ADAL" clId="{BC06EF19-1559-4B52-8E5C-04BEE9A72503}" dt="2020-01-14T12:19:57.140" v="1153" actId="2711"/>
+          <ac:picMkLst>
+            <pc:docMk/>
+            <pc:sldMk cId="3747394284" sldId="256"/>
+            <ac:picMk id="39" creationId="{988E6E31-D560-4F8A-A47E-AD50DF808CCB}"/>
+          </ac:picMkLst>
+        </pc:picChg>
+        <pc:picChg chg="add del mod">
+          <ac:chgData name="Andres Penuela-Fernandez" userId="26693260-5f72-4911-8218-b098c180f1d5" providerId="ADAL" clId="{BC06EF19-1559-4B52-8E5C-04BEE9A72503}" dt="2020-01-13T19:51:39.334" v="229" actId="478"/>
+          <ac:picMkLst>
+            <pc:docMk/>
+            <pc:sldMk cId="3747394284" sldId="256"/>
+            <ac:picMk id="40" creationId="{17DEBB12-63DA-4BED-933D-F0B08770B6AC}"/>
+          </ac:picMkLst>
+        </pc:picChg>
+        <pc:picChg chg="add del mod">
+          <ac:chgData name="Andres Penuela-Fernandez" userId="26693260-5f72-4911-8218-b098c180f1d5" providerId="ADAL" clId="{BC06EF19-1559-4B52-8E5C-04BEE9A72503}" dt="2020-01-13T19:58:11.287" v="285" actId="478"/>
+          <ac:picMkLst>
+            <pc:docMk/>
+            <pc:sldMk cId="3747394284" sldId="256"/>
+            <ac:picMk id="41" creationId="{EC9990F7-8809-4F1A-BB32-523BBA498534}"/>
+          </ac:picMkLst>
+        </pc:picChg>
+        <pc:picChg chg="add del mod">
+          <ac:chgData name="Andres Penuela-Fernandez" userId="26693260-5f72-4911-8218-b098c180f1d5" providerId="ADAL" clId="{BC06EF19-1559-4B52-8E5C-04BEE9A72503}" dt="2020-01-13T20:10:04.953" v="388" actId="478"/>
+          <ac:picMkLst>
+            <pc:docMk/>
+            <pc:sldMk cId="3747394284" sldId="256"/>
+            <ac:picMk id="42" creationId="{2C2DA01E-D23D-4034-87F9-3902836C475F}"/>
+          </ac:picMkLst>
+        </pc:picChg>
+        <pc:picChg chg="add del mod">
+          <ac:chgData name="Andres Penuela-Fernandez" userId="26693260-5f72-4911-8218-b098c180f1d5" providerId="ADAL" clId="{BC06EF19-1559-4B52-8E5C-04BEE9A72503}" dt="2020-01-13T20:10:04.953" v="388" actId="478"/>
+          <ac:picMkLst>
+            <pc:docMk/>
+            <pc:sldMk cId="3747394284" sldId="256"/>
+            <ac:picMk id="43" creationId="{F78E18FA-9C07-4B91-B5E2-A984E784D64E}"/>
+          </ac:picMkLst>
+        </pc:picChg>
+        <pc:picChg chg="add del mod">
+          <ac:chgData name="Andres Penuela-Fernandez" userId="26693260-5f72-4911-8218-b098c180f1d5" providerId="ADAL" clId="{BC06EF19-1559-4B52-8E5C-04BEE9A72503}" dt="2020-01-13T20:10:04.953" v="388" actId="478"/>
+          <ac:picMkLst>
+            <pc:docMk/>
+            <pc:sldMk cId="3747394284" sldId="256"/>
+            <ac:picMk id="44" creationId="{CCD86AB4-BAB8-48D9-891D-A52DB13F5ECA}"/>
+          </ac:picMkLst>
+        </pc:picChg>
+        <pc:picChg chg="add mod">
+          <ac:chgData name="Andres Penuela-Fernandez" userId="26693260-5f72-4911-8218-b098c180f1d5" providerId="ADAL" clId="{BC06EF19-1559-4B52-8E5C-04BEE9A72503}" dt="2020-01-14T12:19:57.140" v="1153" actId="2711"/>
+          <ac:picMkLst>
+            <pc:docMk/>
+            <pc:sldMk cId="3747394284" sldId="256"/>
+            <ac:picMk id="49" creationId="{2682A848-187E-42AF-B806-790C64296838}"/>
+          </ac:picMkLst>
+        </pc:picChg>
+        <pc:picChg chg="add del">
+          <ac:chgData name="Andres Penuela-Fernandez" userId="26693260-5f72-4911-8218-b098c180f1d5" providerId="ADAL" clId="{BC06EF19-1559-4B52-8E5C-04BEE9A72503}" dt="2020-01-13T20:00:08.417" v="296"/>
+          <ac:picMkLst>
+            <pc:docMk/>
+            <pc:sldMk cId="3747394284" sldId="256"/>
+            <ac:picMk id="52" creationId="{08BD9457-B0AD-491D-B2E7-B41861D0CA77}"/>
+          </ac:picMkLst>
+        </pc:picChg>
+        <pc:picChg chg="add mod">
+          <ac:chgData name="Andres Penuela-Fernandez" userId="26693260-5f72-4911-8218-b098c180f1d5" providerId="ADAL" clId="{BC06EF19-1559-4B52-8E5C-04BEE9A72503}" dt="2020-01-14T11:26:18.149" v="1028" actId="1076"/>
+          <ac:picMkLst>
+            <pc:docMk/>
+            <pc:sldMk cId="3747394284" sldId="256"/>
+            <ac:picMk id="79" creationId="{C01AC8A8-2039-431F-850B-0297971BD7A8}"/>
+          </ac:picMkLst>
+        </pc:picChg>
+        <pc:picChg chg="add mod">
+          <ac:chgData name="Andres Penuela-Fernandez" userId="26693260-5f72-4911-8218-b098c180f1d5" providerId="ADAL" clId="{BC06EF19-1559-4B52-8E5C-04BEE9A72503}" dt="2020-01-14T11:37:20.679" v="1079" actId="1076"/>
+          <ac:picMkLst>
+            <pc:docMk/>
+            <pc:sldMk cId="3747394284" sldId="256"/>
+            <ac:picMk id="80" creationId="{D387F0D9-1417-4F21-B837-E848DCE13846}"/>
+          </ac:picMkLst>
+        </pc:picChg>
+        <pc:picChg chg="add del mod">
+          <ac:chgData name="Andres Penuela-Fernandez" userId="26693260-5f72-4911-8218-b098c180f1d5" providerId="ADAL" clId="{BC06EF19-1559-4B52-8E5C-04BEE9A72503}" dt="2020-01-13T20:18:45.454" v="512" actId="478"/>
+          <ac:picMkLst>
+            <pc:docMk/>
+            <pc:sldMk cId="3747394284" sldId="256"/>
+            <ac:picMk id="81" creationId="{7EE8402E-0DF7-4F38-9E5C-4A89787BB34A}"/>
+          </ac:picMkLst>
+        </pc:picChg>
+        <pc:picChg chg="add mod">
+          <ac:chgData name="Andres Penuela-Fernandez" userId="26693260-5f72-4911-8218-b098c180f1d5" providerId="ADAL" clId="{BC06EF19-1559-4B52-8E5C-04BEE9A72503}" dt="2020-01-14T12:19:57.140" v="1153" actId="2711"/>
+          <ac:picMkLst>
+            <pc:docMk/>
+            <pc:sldMk cId="3747394284" sldId="256"/>
+            <ac:picMk id="126" creationId="{FAA7651B-2966-4657-A81C-F6EC3D157073}"/>
+          </ac:picMkLst>
+        </pc:picChg>
+        <pc:picChg chg="add mod">
+          <ac:chgData name="Andres Penuela-Fernandez" userId="26693260-5f72-4911-8218-b098c180f1d5" providerId="ADAL" clId="{BC06EF19-1559-4B52-8E5C-04BEE9A72503}" dt="2020-01-14T11:37:25.271" v="1080" actId="1076"/>
+          <ac:picMkLst>
+            <pc:docMk/>
+            <pc:sldMk cId="3747394284" sldId="256"/>
+            <ac:picMk id="134" creationId="{EF2DFDA8-674C-4E29-B98B-534B1C62BA4F}"/>
+          </ac:picMkLst>
+        </pc:picChg>
+        <pc:cxnChg chg="del mod">
+          <ac:chgData name="Andres Penuela-Fernandez" userId="26693260-5f72-4911-8218-b098c180f1d5" providerId="ADAL" clId="{BC06EF19-1559-4B52-8E5C-04BEE9A72503}" dt="2020-01-13T20:00:50.601" v="303" actId="478"/>
           <ac:cxnSpMkLst>
             <pc:docMk/>
             <pc:sldMk cId="3747394284" sldId="256"/>
             <ac:cxnSpMk id="11" creationId="{FCB424E9-F3C4-4FD4-87C8-884E4E90343C}"/>
           </ac:cxnSpMkLst>
         </pc:cxnChg>
-        <pc:cxnChg chg="mod">
-          <ac:chgData name="Andres Penuela-Fernandez" userId="26693260-5f72-4911-8218-b098c180f1d5" providerId="ADAL" clId="{BC06EF19-1559-4B52-8E5C-04BEE9A72503}" dt="2020-01-13T12:20:26.446" v="135" actId="1076"/>
+        <pc:cxnChg chg="del mod">
+          <ac:chgData name="Andres Penuela-Fernandez" userId="26693260-5f72-4911-8218-b098c180f1d5" providerId="ADAL" clId="{BC06EF19-1559-4B52-8E5C-04BEE9A72503}" dt="2020-01-13T19:58:06.743" v="282" actId="478"/>
           <ac:cxnSpMkLst>
             <pc:docMk/>
             <pc:sldMk cId="3747394284" sldId="256"/>
@@ -280,7 +880,7 @@
           </ac:cxnSpMkLst>
         </pc:cxnChg>
         <pc:cxnChg chg="mod">
-          <ac:chgData name="Andres Penuela-Fernandez" userId="26693260-5f72-4911-8218-b098c180f1d5" providerId="ADAL" clId="{BC06EF19-1559-4B52-8E5C-04BEE9A72503}" dt="2020-01-13T12:20:26.446" v="135" actId="1076"/>
+          <ac:chgData name="Andres Penuela-Fernandez" userId="26693260-5f72-4911-8218-b098c180f1d5" providerId="ADAL" clId="{BC06EF19-1559-4B52-8E5C-04BEE9A72503}" dt="2020-01-14T12:19:57.140" v="1153" actId="2711"/>
           <ac:cxnSpMkLst>
             <pc:docMk/>
             <pc:sldMk cId="3747394284" sldId="256"/>
@@ -295,8 +895,8 @@
             <ac:cxnSpMk id="19" creationId="{2411F07C-1A8A-4A4B-AA2B-29749159BED4}"/>
           </ac:cxnSpMkLst>
         </pc:cxnChg>
-        <pc:cxnChg chg="mod">
-          <ac:chgData name="Andres Penuela-Fernandez" userId="26693260-5f72-4911-8218-b098c180f1d5" providerId="ADAL" clId="{BC06EF19-1559-4B52-8E5C-04BEE9A72503}" dt="2020-01-13T12:20:26.446" v="135" actId="1076"/>
+        <pc:cxnChg chg="del mod">
+          <ac:chgData name="Andres Penuela-Fernandez" userId="26693260-5f72-4911-8218-b098c180f1d5" providerId="ADAL" clId="{BC06EF19-1559-4B52-8E5C-04BEE9A72503}" dt="2020-01-14T11:12:15.740" v="926" actId="478"/>
           <ac:cxnSpMkLst>
             <pc:docMk/>
             <pc:sldMk cId="3747394284" sldId="256"/>
@@ -304,7 +904,7 @@
           </ac:cxnSpMkLst>
         </pc:cxnChg>
         <pc:cxnChg chg="mod">
-          <ac:chgData name="Andres Penuela-Fernandez" userId="26693260-5f72-4911-8218-b098c180f1d5" providerId="ADAL" clId="{BC06EF19-1559-4B52-8E5C-04BEE9A72503}" dt="2020-01-13T12:20:26.446" v="135" actId="1076"/>
+          <ac:chgData name="Andres Penuela-Fernandez" userId="26693260-5f72-4911-8218-b098c180f1d5" providerId="ADAL" clId="{BC06EF19-1559-4B52-8E5C-04BEE9A72503}" dt="2020-01-14T12:19:57.140" v="1153" actId="2711"/>
           <ac:cxnSpMkLst>
             <pc:docMk/>
             <pc:sldMk cId="3747394284" sldId="256"/>
@@ -319,47 +919,994 @@
             <ac:cxnSpMk id="25" creationId="{FA8D3E52-AE80-4A0C-A6D8-426347DF2002}"/>
           </ac:cxnSpMkLst>
         </pc:cxnChg>
-        <pc:cxnChg chg="add mod">
-          <ac:chgData name="Andres Penuela-Fernandez" userId="26693260-5f72-4911-8218-b098c180f1d5" providerId="ADAL" clId="{BC06EF19-1559-4B52-8E5C-04BEE9A72503}" dt="2020-01-13T12:20:31.882" v="137" actId="1076"/>
+        <pc:cxnChg chg="add del mod">
+          <ac:chgData name="Andres Penuela-Fernandez" userId="26693260-5f72-4911-8218-b098c180f1d5" providerId="ADAL" clId="{BC06EF19-1559-4B52-8E5C-04BEE9A72503}" dt="2020-01-13T19:57:44.768" v="276" actId="478"/>
           <ac:cxnSpMkLst>
             <pc:docMk/>
             <pc:sldMk cId="3747394284" sldId="256"/>
             <ac:cxnSpMk id="26" creationId="{8E91A8E8-5F92-460C-92CF-FDD751E4DCB9}"/>
           </ac:cxnSpMkLst>
         </pc:cxnChg>
-        <pc:cxnChg chg="add mod">
-          <ac:chgData name="Andres Penuela-Fernandez" userId="26693260-5f72-4911-8218-b098c180f1d5" providerId="ADAL" clId="{BC06EF19-1559-4B52-8E5C-04BEE9A72503}" dt="2020-01-13T12:20:31.882" v="137" actId="1076"/>
+        <pc:cxnChg chg="add del mod">
+          <ac:chgData name="Andres Penuela-Fernandez" userId="26693260-5f72-4911-8218-b098c180f1d5" providerId="ADAL" clId="{BC06EF19-1559-4B52-8E5C-04BEE9A72503}" dt="2020-01-13T20:01:22.834" v="308" actId="478"/>
           <ac:cxnSpMkLst>
             <pc:docMk/>
             <pc:sldMk cId="3747394284" sldId="256"/>
             <ac:cxnSpMk id="27" creationId="{E47B228A-A4AE-422A-AB64-E8AE37F52088}"/>
           </ac:cxnSpMkLst>
         </pc:cxnChg>
-        <pc:cxnChg chg="add mod">
-          <ac:chgData name="Andres Penuela-Fernandez" userId="26693260-5f72-4911-8218-b098c180f1d5" providerId="ADAL" clId="{BC06EF19-1559-4B52-8E5C-04BEE9A72503}" dt="2020-01-13T12:20:31.882" v="137" actId="1076"/>
+        <pc:cxnChg chg="add del mod">
+          <ac:chgData name="Andres Penuela-Fernandez" userId="26693260-5f72-4911-8218-b098c180f1d5" providerId="ADAL" clId="{BC06EF19-1559-4B52-8E5C-04BEE9A72503}" dt="2020-01-13T20:10:04.953" v="388" actId="478"/>
           <ac:cxnSpMkLst>
             <pc:docMk/>
             <pc:sldMk cId="3747394284" sldId="256"/>
             <ac:cxnSpMk id="31" creationId="{9336AB69-4D3A-4C16-AEAF-7DF4E1104F2D}"/>
           </ac:cxnSpMkLst>
         </pc:cxnChg>
-        <pc:cxnChg chg="add mod">
-          <ac:chgData name="Andres Penuela-Fernandez" userId="26693260-5f72-4911-8218-b098c180f1d5" providerId="ADAL" clId="{BC06EF19-1559-4B52-8E5C-04BEE9A72503}" dt="2020-01-13T12:20:31.882" v="137" actId="1076"/>
+        <pc:cxnChg chg="add del mod">
+          <ac:chgData name="Andres Penuela-Fernandez" userId="26693260-5f72-4911-8218-b098c180f1d5" providerId="ADAL" clId="{BC06EF19-1559-4B52-8E5C-04BEE9A72503}" dt="2020-01-13T20:10:04.953" v="388" actId="478"/>
           <ac:cxnSpMkLst>
             <pc:docMk/>
             <pc:sldMk cId="3747394284" sldId="256"/>
             <ac:cxnSpMk id="32" creationId="{6997D6C2-10FE-4187-A0AF-BC01A78A8692}"/>
           </ac:cxnSpMkLst>
         </pc:cxnChg>
-        <pc:cxnChg chg="add mod">
-          <ac:chgData name="Andres Penuela-Fernandez" userId="26693260-5f72-4911-8218-b098c180f1d5" providerId="ADAL" clId="{BC06EF19-1559-4B52-8E5C-04BEE9A72503}" dt="2020-01-13T12:21:10.202" v="144" actId="1076"/>
+        <pc:cxnChg chg="add del mod">
+          <ac:chgData name="Andres Penuela-Fernandez" userId="26693260-5f72-4911-8218-b098c180f1d5" providerId="ADAL" clId="{BC06EF19-1559-4B52-8E5C-04BEE9A72503}" dt="2020-01-13T19:56:57.775" v="266" actId="478"/>
           <ac:cxnSpMkLst>
             <pc:docMk/>
             <pc:sldMk cId="3747394284" sldId="256"/>
             <ac:cxnSpMk id="35" creationId="{1D81D73A-48FA-406D-9CC0-64D2B1767CC0}"/>
           </ac:cxnSpMkLst>
         </pc:cxnChg>
+        <pc:cxnChg chg="add del mod">
+          <ac:chgData name="Andres Penuela-Fernandez" userId="26693260-5f72-4911-8218-b098c180f1d5" providerId="ADAL" clId="{BC06EF19-1559-4B52-8E5C-04BEE9A72503}" dt="2020-01-13T20:10:04.953" v="388" actId="478"/>
+          <ac:cxnSpMkLst>
+            <pc:docMk/>
+            <pc:sldMk cId="3747394284" sldId="256"/>
+            <ac:cxnSpMk id="36" creationId="{EC9E25F8-AE6E-4081-AC0C-583840938C78}"/>
+          </ac:cxnSpMkLst>
+        </pc:cxnChg>
+        <pc:cxnChg chg="add del mod">
+          <ac:chgData name="Andres Penuela-Fernandez" userId="26693260-5f72-4911-8218-b098c180f1d5" providerId="ADAL" clId="{BC06EF19-1559-4B52-8E5C-04BEE9A72503}" dt="2020-01-13T19:55:52.448" v="249" actId="478"/>
+          <ac:cxnSpMkLst>
+            <pc:docMk/>
+            <pc:sldMk cId="3747394284" sldId="256"/>
+            <ac:cxnSpMk id="45" creationId="{1DCD8A0C-D339-4E03-99ED-A1FDBA845FD7}"/>
+          </ac:cxnSpMkLst>
+        </pc:cxnChg>
+        <pc:cxnChg chg="add del mod">
+          <ac:chgData name="Andres Penuela-Fernandez" userId="26693260-5f72-4911-8218-b098c180f1d5" providerId="ADAL" clId="{BC06EF19-1559-4B52-8E5C-04BEE9A72503}" dt="2020-01-13T20:01:23.746" v="309" actId="478"/>
+          <ac:cxnSpMkLst>
+            <pc:docMk/>
+            <pc:sldMk cId="3747394284" sldId="256"/>
+            <ac:cxnSpMk id="46" creationId="{A837037D-0F6A-4291-91B2-D94C0650621E}"/>
+          </ac:cxnSpMkLst>
+        </pc:cxnChg>
+        <pc:cxnChg chg="add del mod">
+          <ac:chgData name="Andres Penuela-Fernandez" userId="26693260-5f72-4911-8218-b098c180f1d5" providerId="ADAL" clId="{BC06EF19-1559-4B52-8E5C-04BEE9A72503}" dt="2020-01-13T20:10:04.953" v="388" actId="478"/>
+          <ac:cxnSpMkLst>
+            <pc:docMk/>
+            <pc:sldMk cId="3747394284" sldId="256"/>
+            <ac:cxnSpMk id="47" creationId="{DA621104-1BA6-4F4A-A0B1-609B578D421A}"/>
+          </ac:cxnSpMkLst>
+        </pc:cxnChg>
+        <pc:cxnChg chg="add mod">
+          <ac:chgData name="Andres Penuela-Fernandez" userId="26693260-5f72-4911-8218-b098c180f1d5" providerId="ADAL" clId="{BC06EF19-1559-4B52-8E5C-04BEE9A72503}" dt="2020-01-14T12:19:57.140" v="1153" actId="2711"/>
+          <ac:cxnSpMkLst>
+            <pc:docMk/>
+            <pc:sldMk cId="3747394284" sldId="256"/>
+            <ac:cxnSpMk id="50" creationId="{90B555F6-F40A-4129-9D2D-4A738A5BF894}"/>
+          </ac:cxnSpMkLst>
+        </pc:cxnChg>
+        <pc:cxnChg chg="add del">
+          <ac:chgData name="Andres Penuela-Fernandez" userId="26693260-5f72-4911-8218-b098c180f1d5" providerId="ADAL" clId="{BC06EF19-1559-4B52-8E5C-04BEE9A72503}" dt="2020-01-13T20:00:08.417" v="296"/>
+          <ac:cxnSpMkLst>
+            <pc:docMk/>
+            <pc:sldMk cId="3747394284" sldId="256"/>
+            <ac:cxnSpMk id="53" creationId="{578D0F6C-3409-4F07-B2DF-256586BD8335}"/>
+          </ac:cxnSpMkLst>
+        </pc:cxnChg>
+        <pc:cxnChg chg="add mod">
+          <ac:chgData name="Andres Penuela-Fernandez" userId="26693260-5f72-4911-8218-b098c180f1d5" providerId="ADAL" clId="{BC06EF19-1559-4B52-8E5C-04BEE9A72503}" dt="2020-01-14T12:19:57.140" v="1153" actId="2711"/>
+          <ac:cxnSpMkLst>
+            <pc:docMk/>
+            <pc:sldMk cId="3747394284" sldId="256"/>
+            <ac:cxnSpMk id="54" creationId="{4AD291C6-471F-4C42-B845-FE9DA9D84E40}"/>
+          </ac:cxnSpMkLst>
+        </pc:cxnChg>
+        <pc:cxnChg chg="add del mod">
+          <ac:chgData name="Andres Penuela-Fernandez" userId="26693260-5f72-4911-8218-b098c180f1d5" providerId="ADAL" clId="{BC06EF19-1559-4B52-8E5C-04BEE9A72503}" dt="2020-01-13T20:10:04.953" v="388" actId="478"/>
+          <ac:cxnSpMkLst>
+            <pc:docMk/>
+            <pc:sldMk cId="3747394284" sldId="256"/>
+            <ac:cxnSpMk id="55" creationId="{23658138-B8A3-489F-AD78-17528627E4A6}"/>
+          </ac:cxnSpMkLst>
+        </pc:cxnChg>
+        <pc:cxnChg chg="add del mod">
+          <ac:chgData name="Andres Penuela-Fernandez" userId="26693260-5f72-4911-8218-b098c180f1d5" providerId="ADAL" clId="{BC06EF19-1559-4B52-8E5C-04BEE9A72503}" dt="2020-01-13T20:10:04.953" v="388" actId="478"/>
+          <ac:cxnSpMkLst>
+            <pc:docMk/>
+            <pc:sldMk cId="3747394284" sldId="256"/>
+            <ac:cxnSpMk id="56" creationId="{3A947CA1-FC48-4403-A47A-7017F9FA3079}"/>
+          </ac:cxnSpMkLst>
+        </pc:cxnChg>
+        <pc:cxnChg chg="add mod">
+          <ac:chgData name="Andres Penuela-Fernandez" userId="26693260-5f72-4911-8218-b098c180f1d5" providerId="ADAL" clId="{BC06EF19-1559-4B52-8E5C-04BEE9A72503}" dt="2020-01-14T12:06:08.297" v="1132" actId="692"/>
+          <ac:cxnSpMkLst>
+            <pc:docMk/>
+            <pc:sldMk cId="3747394284" sldId="256"/>
+            <ac:cxnSpMk id="72" creationId="{6114F7D0-10B9-4FC4-BCB8-5D00BC373C5F}"/>
+          </ac:cxnSpMkLst>
+        </pc:cxnChg>
+        <pc:cxnChg chg="add mod">
+          <ac:chgData name="Andres Penuela-Fernandez" userId="26693260-5f72-4911-8218-b098c180f1d5" providerId="ADAL" clId="{BC06EF19-1559-4B52-8E5C-04BEE9A72503}" dt="2020-01-14T12:06:08.297" v="1132" actId="692"/>
+          <ac:cxnSpMkLst>
+            <pc:docMk/>
+            <pc:sldMk cId="3747394284" sldId="256"/>
+            <ac:cxnSpMk id="73" creationId="{CF1F8902-A853-4FE4-851F-C899F63B3A2D}"/>
+          </ac:cxnSpMkLst>
+        </pc:cxnChg>
+        <pc:cxnChg chg="add mod">
+          <ac:chgData name="Andres Penuela-Fernandez" userId="26693260-5f72-4911-8218-b098c180f1d5" providerId="ADAL" clId="{BC06EF19-1559-4B52-8E5C-04BEE9A72503}" dt="2020-01-14T12:06:08.297" v="1132" actId="692"/>
+          <ac:cxnSpMkLst>
+            <pc:docMk/>
+            <pc:sldMk cId="3747394284" sldId="256"/>
+            <ac:cxnSpMk id="77" creationId="{67A5CA1B-E732-4825-8F6D-66CA88353D43}"/>
+          </ac:cxnSpMkLst>
+        </pc:cxnChg>
+        <pc:cxnChg chg="add del mod">
+          <ac:chgData name="Andres Penuela-Fernandez" userId="26693260-5f72-4911-8218-b098c180f1d5" providerId="ADAL" clId="{BC06EF19-1559-4B52-8E5C-04BEE9A72503}" dt="2020-01-13T20:18:48.675" v="514" actId="478"/>
+          <ac:cxnSpMkLst>
+            <pc:docMk/>
+            <pc:sldMk cId="3747394284" sldId="256"/>
+            <ac:cxnSpMk id="82" creationId="{19B14DF0-B90B-46F3-A396-F88E2C832731}"/>
+          </ac:cxnSpMkLst>
+        </pc:cxnChg>
+        <pc:cxnChg chg="add mod">
+          <ac:chgData name="Andres Penuela-Fernandez" userId="26693260-5f72-4911-8218-b098c180f1d5" providerId="ADAL" clId="{BC06EF19-1559-4B52-8E5C-04BEE9A72503}" dt="2020-01-14T12:06:08.297" v="1132" actId="692"/>
+          <ac:cxnSpMkLst>
+            <pc:docMk/>
+            <pc:sldMk cId="3747394284" sldId="256"/>
+            <ac:cxnSpMk id="83" creationId="{E1BED7CF-6CD4-4D8A-B3C7-FA879E2A72E1}"/>
+          </ac:cxnSpMkLst>
+        </pc:cxnChg>
+        <pc:cxnChg chg="add del mod">
+          <ac:chgData name="Andres Penuela-Fernandez" userId="26693260-5f72-4911-8218-b098c180f1d5" providerId="ADAL" clId="{BC06EF19-1559-4B52-8E5C-04BEE9A72503}" dt="2020-01-14T12:06:08.297" v="1132" actId="692"/>
+          <ac:cxnSpMkLst>
+            <pc:docMk/>
+            <pc:sldMk cId="3747394284" sldId="256"/>
+            <ac:cxnSpMk id="84" creationId="{D7162126-B24A-4966-898A-BE12FBB85D7C}"/>
+          </ac:cxnSpMkLst>
+        </pc:cxnChg>
+        <pc:cxnChg chg="add mod">
+          <ac:chgData name="Andres Penuela-Fernandez" userId="26693260-5f72-4911-8218-b098c180f1d5" providerId="ADAL" clId="{BC06EF19-1559-4B52-8E5C-04BEE9A72503}" dt="2020-01-14T12:19:57.140" v="1153" actId="2711"/>
+          <ac:cxnSpMkLst>
+            <pc:docMk/>
+            <pc:sldMk cId="3747394284" sldId="256"/>
+            <ac:cxnSpMk id="124" creationId="{33559E39-22B6-4F7E-A814-60A53A069426}"/>
+          </ac:cxnSpMkLst>
+        </pc:cxnChg>
       </pc:sldChg>
+      <pc:sldChg chg="delSp modSp add del">
+        <pc:chgData name="Andres Penuela-Fernandez" userId="26693260-5f72-4911-8218-b098c180f1d5" providerId="ADAL" clId="{BC06EF19-1559-4B52-8E5C-04BEE9A72503}" dt="2020-01-14T12:06:35.846" v="1133" actId="47"/>
+        <pc:sldMkLst>
+          <pc:docMk/>
+          <pc:sldMk cId="3437441346" sldId="257"/>
+        </pc:sldMkLst>
+        <pc:spChg chg="del">
+          <ac:chgData name="Andres Penuela-Fernandez" userId="26693260-5f72-4911-8218-b098c180f1d5" providerId="ADAL" clId="{BC06EF19-1559-4B52-8E5C-04BEE9A72503}" dt="2020-01-13T20:09:59.570" v="387" actId="478"/>
+          <ac:spMkLst>
+            <pc:docMk/>
+            <pc:sldMk cId="3437441346" sldId="257"/>
+            <ac:spMk id="4" creationId="{366A7950-D715-4706-BCEC-BB07A3958164}"/>
+          </ac:spMkLst>
+        </pc:spChg>
+        <pc:spChg chg="del">
+          <ac:chgData name="Andres Penuela-Fernandez" userId="26693260-5f72-4911-8218-b098c180f1d5" providerId="ADAL" clId="{BC06EF19-1559-4B52-8E5C-04BEE9A72503}" dt="2020-01-13T20:09:59.570" v="387" actId="478"/>
+          <ac:spMkLst>
+            <pc:docMk/>
+            <pc:sldMk cId="3437441346" sldId="257"/>
+            <ac:spMk id="6" creationId="{0A1F5B55-926A-4086-847A-9CC4363BA1B2}"/>
+          </ac:spMkLst>
+        </pc:spChg>
+        <pc:spChg chg="del">
+          <ac:chgData name="Andres Penuela-Fernandez" userId="26693260-5f72-4911-8218-b098c180f1d5" providerId="ADAL" clId="{BC06EF19-1559-4B52-8E5C-04BEE9A72503}" dt="2020-01-13T20:09:59.570" v="387" actId="478"/>
+          <ac:spMkLst>
+            <pc:docMk/>
+            <pc:sldMk cId="3437441346" sldId="257"/>
+            <ac:spMk id="7" creationId="{121CC0A8-70B8-4F6A-AC97-E64AE54E5925}"/>
+          </ac:spMkLst>
+        </pc:spChg>
+        <pc:spChg chg="del mod">
+          <ac:chgData name="Andres Penuela-Fernandez" userId="26693260-5f72-4911-8218-b098c180f1d5" providerId="ADAL" clId="{BC06EF19-1559-4B52-8E5C-04BEE9A72503}" dt="2020-01-13T20:54:29.548" v="642" actId="478"/>
+          <ac:spMkLst>
+            <pc:docMk/>
+            <pc:sldMk cId="3437441346" sldId="257"/>
+            <ac:spMk id="17" creationId="{BE93F912-253B-4430-9D03-5E859CB208C3}"/>
+          </ac:spMkLst>
+        </pc:spChg>
+        <pc:spChg chg="del mod">
+          <ac:chgData name="Andres Penuela-Fernandez" userId="26693260-5f72-4911-8218-b098c180f1d5" providerId="ADAL" clId="{BC06EF19-1559-4B52-8E5C-04BEE9A72503}" dt="2020-01-13T20:54:29.548" v="642" actId="478"/>
+          <ac:spMkLst>
+            <pc:docMk/>
+            <pc:sldMk cId="3437441346" sldId="257"/>
+            <ac:spMk id="18" creationId="{06854F99-8DB3-48C4-A1DD-F39950C555B6}"/>
+          </ac:spMkLst>
+        </pc:spChg>
+        <pc:spChg chg="del mod">
+          <ac:chgData name="Andres Penuela-Fernandez" userId="26693260-5f72-4911-8218-b098c180f1d5" providerId="ADAL" clId="{BC06EF19-1559-4B52-8E5C-04BEE9A72503}" dt="2020-01-13T20:54:29.548" v="642" actId="478"/>
+          <ac:spMkLst>
+            <pc:docMk/>
+            <pc:sldMk cId="3437441346" sldId="257"/>
+            <ac:spMk id="21" creationId="{9D0DAA5C-F99B-45A4-AB61-A4A335C0669F}"/>
+          </ac:spMkLst>
+        </pc:spChg>
+        <pc:spChg chg="del">
+          <ac:chgData name="Andres Penuela-Fernandez" userId="26693260-5f72-4911-8218-b098c180f1d5" providerId="ADAL" clId="{BC06EF19-1559-4B52-8E5C-04BEE9A72503}" dt="2020-01-13T20:09:59.570" v="387" actId="478"/>
+          <ac:spMkLst>
+            <pc:docMk/>
+            <pc:sldMk cId="3437441346" sldId="257"/>
+            <ac:spMk id="28" creationId="{768D26F7-AA54-4AE4-B091-D716745EE619}"/>
+          </ac:spMkLst>
+        </pc:spChg>
+        <pc:spChg chg="del mod">
+          <ac:chgData name="Andres Penuela-Fernandez" userId="26693260-5f72-4911-8218-b098c180f1d5" providerId="ADAL" clId="{BC06EF19-1559-4B52-8E5C-04BEE9A72503}" dt="2020-01-13T20:54:29.548" v="642" actId="478"/>
+          <ac:spMkLst>
+            <pc:docMk/>
+            <pc:sldMk cId="3437441346" sldId="257"/>
+            <ac:spMk id="29" creationId="{71076360-EB86-4696-8DB7-E69993226C35}"/>
+          </ac:spMkLst>
+        </pc:spChg>
+        <pc:spChg chg="del">
+          <ac:chgData name="Andres Penuela-Fernandez" userId="26693260-5f72-4911-8218-b098c180f1d5" providerId="ADAL" clId="{BC06EF19-1559-4B52-8E5C-04BEE9A72503}" dt="2020-01-13T20:09:59.570" v="387" actId="478"/>
+          <ac:spMkLst>
+            <pc:docMk/>
+            <pc:sldMk cId="3437441346" sldId="257"/>
+            <ac:spMk id="30" creationId="{67DC22B7-78A0-43C1-911F-F64A4CCA8399}"/>
+          </ac:spMkLst>
+        </pc:spChg>
+        <pc:spChg chg="del mod">
+          <ac:chgData name="Andres Penuela-Fernandez" userId="26693260-5f72-4911-8218-b098c180f1d5" providerId="ADAL" clId="{BC06EF19-1559-4B52-8E5C-04BEE9A72503}" dt="2020-01-13T20:54:29.548" v="642" actId="478"/>
+          <ac:spMkLst>
+            <pc:docMk/>
+            <pc:sldMk cId="3437441346" sldId="257"/>
+            <ac:spMk id="33" creationId="{F070CA72-5D0E-44CE-AB74-E706108EB9F4}"/>
+          </ac:spMkLst>
+        </pc:spChg>
+        <pc:spChg chg="del mod">
+          <ac:chgData name="Andres Penuela-Fernandez" userId="26693260-5f72-4911-8218-b098c180f1d5" providerId="ADAL" clId="{BC06EF19-1559-4B52-8E5C-04BEE9A72503}" dt="2020-01-13T20:54:29.548" v="642" actId="478"/>
+          <ac:spMkLst>
+            <pc:docMk/>
+            <pc:sldMk cId="3437441346" sldId="257"/>
+            <ac:spMk id="34" creationId="{36D8BC79-D32D-40E9-87EB-D2880A72B355}"/>
+          </ac:spMkLst>
+        </pc:spChg>
+        <pc:spChg chg="del mod">
+          <ac:chgData name="Andres Penuela-Fernandez" userId="26693260-5f72-4911-8218-b098c180f1d5" providerId="ADAL" clId="{BC06EF19-1559-4B52-8E5C-04BEE9A72503}" dt="2020-01-13T20:54:29.548" v="642" actId="478"/>
+          <ac:spMkLst>
+            <pc:docMk/>
+            <pc:sldMk cId="3437441346" sldId="257"/>
+            <ac:spMk id="37" creationId="{B35D8EB7-B03A-4582-813F-346AABF6D289}"/>
+          </ac:spMkLst>
+        </pc:spChg>
+        <pc:spChg chg="del">
+          <ac:chgData name="Andres Penuela-Fernandez" userId="26693260-5f72-4911-8218-b098c180f1d5" providerId="ADAL" clId="{BC06EF19-1559-4B52-8E5C-04BEE9A72503}" dt="2020-01-13T20:09:59.570" v="387" actId="478"/>
+          <ac:spMkLst>
+            <pc:docMk/>
+            <pc:sldMk cId="3437441346" sldId="257"/>
+            <ac:spMk id="48" creationId="{AC94FA18-2CB9-4194-BA8F-9A9946B9AB45}"/>
+          </ac:spMkLst>
+        </pc:spChg>
+        <pc:spChg chg="del mod">
+          <ac:chgData name="Andres Penuela-Fernandez" userId="26693260-5f72-4911-8218-b098c180f1d5" providerId="ADAL" clId="{BC06EF19-1559-4B52-8E5C-04BEE9A72503}" dt="2020-01-13T20:54:29.548" v="642" actId="478"/>
+          <ac:spMkLst>
+            <pc:docMk/>
+            <pc:sldMk cId="3437441346" sldId="257"/>
+            <ac:spMk id="57" creationId="{0EC5F1A6-3EF4-4FF7-859C-AFFD58DB75F8}"/>
+          </ac:spMkLst>
+        </pc:spChg>
+        <pc:spChg chg="del mod">
+          <ac:chgData name="Andres Penuela-Fernandez" userId="26693260-5f72-4911-8218-b098c180f1d5" providerId="ADAL" clId="{BC06EF19-1559-4B52-8E5C-04BEE9A72503}" dt="2020-01-13T20:54:29.548" v="642" actId="478"/>
+          <ac:spMkLst>
+            <pc:docMk/>
+            <pc:sldMk cId="3437441346" sldId="257"/>
+            <ac:spMk id="58" creationId="{5AE8F5AE-D66D-4252-8868-0F5A6BFF6C18}"/>
+          </ac:spMkLst>
+        </pc:spChg>
+        <pc:spChg chg="del">
+          <ac:chgData name="Andres Penuela-Fernandez" userId="26693260-5f72-4911-8218-b098c180f1d5" providerId="ADAL" clId="{BC06EF19-1559-4B52-8E5C-04BEE9A72503}" dt="2020-01-13T20:09:59.570" v="387" actId="478"/>
+          <ac:spMkLst>
+            <pc:docMk/>
+            <pc:sldMk cId="3437441346" sldId="257"/>
+            <ac:spMk id="59" creationId="{EB449BEC-15F2-40BE-83ED-AB5E3F63317E}"/>
+          </ac:spMkLst>
+        </pc:spChg>
+        <pc:picChg chg="del">
+          <ac:chgData name="Andres Penuela-Fernandez" userId="26693260-5f72-4911-8218-b098c180f1d5" providerId="ADAL" clId="{BC06EF19-1559-4B52-8E5C-04BEE9A72503}" dt="2020-01-13T20:09:59.570" v="387" actId="478"/>
+          <ac:picMkLst>
+            <pc:docMk/>
+            <pc:sldMk cId="3437441346" sldId="257"/>
+            <ac:picMk id="38" creationId="{2CF86A7B-9DEE-4A7D-8229-DD780AB6937C}"/>
+          </ac:picMkLst>
+        </pc:picChg>
+        <pc:picChg chg="del">
+          <ac:chgData name="Andres Penuela-Fernandez" userId="26693260-5f72-4911-8218-b098c180f1d5" providerId="ADAL" clId="{BC06EF19-1559-4B52-8E5C-04BEE9A72503}" dt="2020-01-13T20:09:59.570" v="387" actId="478"/>
+          <ac:picMkLst>
+            <pc:docMk/>
+            <pc:sldMk cId="3437441346" sldId="257"/>
+            <ac:picMk id="39" creationId="{988E6E31-D560-4F8A-A47E-AD50DF808CCB}"/>
+          </ac:picMkLst>
+        </pc:picChg>
+        <pc:picChg chg="del mod">
+          <ac:chgData name="Andres Penuela-Fernandez" userId="26693260-5f72-4911-8218-b098c180f1d5" providerId="ADAL" clId="{BC06EF19-1559-4B52-8E5C-04BEE9A72503}" dt="2020-01-13T20:54:29.548" v="642" actId="478"/>
+          <ac:picMkLst>
+            <pc:docMk/>
+            <pc:sldMk cId="3437441346" sldId="257"/>
+            <ac:picMk id="42" creationId="{2C2DA01E-D23D-4034-87F9-3902836C475F}"/>
+          </ac:picMkLst>
+        </pc:picChg>
+        <pc:picChg chg="del mod">
+          <ac:chgData name="Andres Penuela-Fernandez" userId="26693260-5f72-4911-8218-b098c180f1d5" providerId="ADAL" clId="{BC06EF19-1559-4B52-8E5C-04BEE9A72503}" dt="2020-01-13T20:54:29.548" v="642" actId="478"/>
+          <ac:picMkLst>
+            <pc:docMk/>
+            <pc:sldMk cId="3437441346" sldId="257"/>
+            <ac:picMk id="43" creationId="{F78E18FA-9C07-4B91-B5E2-A984E784D64E}"/>
+          </ac:picMkLst>
+        </pc:picChg>
+        <pc:picChg chg="del mod">
+          <ac:chgData name="Andres Penuela-Fernandez" userId="26693260-5f72-4911-8218-b098c180f1d5" providerId="ADAL" clId="{BC06EF19-1559-4B52-8E5C-04BEE9A72503}" dt="2020-01-13T20:54:29.548" v="642" actId="478"/>
+          <ac:picMkLst>
+            <pc:docMk/>
+            <pc:sldMk cId="3437441346" sldId="257"/>
+            <ac:picMk id="44" creationId="{CCD86AB4-BAB8-48D9-891D-A52DB13F5ECA}"/>
+          </ac:picMkLst>
+        </pc:picChg>
+        <pc:picChg chg="del">
+          <ac:chgData name="Andres Penuela-Fernandez" userId="26693260-5f72-4911-8218-b098c180f1d5" providerId="ADAL" clId="{BC06EF19-1559-4B52-8E5C-04BEE9A72503}" dt="2020-01-13T20:09:59.570" v="387" actId="478"/>
+          <ac:picMkLst>
+            <pc:docMk/>
+            <pc:sldMk cId="3437441346" sldId="257"/>
+            <ac:picMk id="49" creationId="{2682A848-187E-42AF-B806-790C64296838}"/>
+          </ac:picMkLst>
+        </pc:picChg>
+        <pc:cxnChg chg="del">
+          <ac:chgData name="Andres Penuela-Fernandez" userId="26693260-5f72-4911-8218-b098c180f1d5" providerId="ADAL" clId="{BC06EF19-1559-4B52-8E5C-04BEE9A72503}" dt="2020-01-13T20:09:59.570" v="387" actId="478"/>
+          <ac:cxnSpMkLst>
+            <pc:docMk/>
+            <pc:sldMk cId="3437441346" sldId="257"/>
+            <ac:cxnSpMk id="15" creationId="{2B3567E2-BB53-435B-9445-6420ED7D828D}"/>
+          </ac:cxnSpMkLst>
+        </pc:cxnChg>
+        <pc:cxnChg chg="del">
+          <ac:chgData name="Andres Penuela-Fernandez" userId="26693260-5f72-4911-8218-b098c180f1d5" providerId="ADAL" clId="{BC06EF19-1559-4B52-8E5C-04BEE9A72503}" dt="2020-01-13T20:09:59.570" v="387" actId="478"/>
+          <ac:cxnSpMkLst>
+            <pc:docMk/>
+            <pc:sldMk cId="3437441346" sldId="257"/>
+            <ac:cxnSpMk id="20" creationId="{5CEB294F-BE8E-42BF-B230-4C07705281D0}"/>
+          </ac:cxnSpMkLst>
+        </pc:cxnChg>
+        <pc:cxnChg chg="del">
+          <ac:chgData name="Andres Penuela-Fernandez" userId="26693260-5f72-4911-8218-b098c180f1d5" providerId="ADAL" clId="{BC06EF19-1559-4B52-8E5C-04BEE9A72503}" dt="2020-01-13T20:09:59.570" v="387" actId="478"/>
+          <ac:cxnSpMkLst>
+            <pc:docMk/>
+            <pc:sldMk cId="3437441346" sldId="257"/>
+            <ac:cxnSpMk id="22" creationId="{3A0064F5-D41D-4B6B-BEA4-4BB32AA78BB5}"/>
+          </ac:cxnSpMkLst>
+        </pc:cxnChg>
+        <pc:cxnChg chg="del mod">
+          <ac:chgData name="Andres Penuela-Fernandez" userId="26693260-5f72-4911-8218-b098c180f1d5" providerId="ADAL" clId="{BC06EF19-1559-4B52-8E5C-04BEE9A72503}" dt="2020-01-13T20:54:29.548" v="642" actId="478"/>
+          <ac:cxnSpMkLst>
+            <pc:docMk/>
+            <pc:sldMk cId="3437441346" sldId="257"/>
+            <ac:cxnSpMk id="31" creationId="{9336AB69-4D3A-4C16-AEAF-7DF4E1104F2D}"/>
+          </ac:cxnSpMkLst>
+        </pc:cxnChg>
+        <pc:cxnChg chg="del mod">
+          <ac:chgData name="Andres Penuela-Fernandez" userId="26693260-5f72-4911-8218-b098c180f1d5" providerId="ADAL" clId="{BC06EF19-1559-4B52-8E5C-04BEE9A72503}" dt="2020-01-13T20:54:29.548" v="642" actId="478"/>
+          <ac:cxnSpMkLst>
+            <pc:docMk/>
+            <pc:sldMk cId="3437441346" sldId="257"/>
+            <ac:cxnSpMk id="32" creationId="{6997D6C2-10FE-4187-A0AF-BC01A78A8692}"/>
+          </ac:cxnSpMkLst>
+        </pc:cxnChg>
+        <pc:cxnChg chg="del mod">
+          <ac:chgData name="Andres Penuela-Fernandez" userId="26693260-5f72-4911-8218-b098c180f1d5" providerId="ADAL" clId="{BC06EF19-1559-4B52-8E5C-04BEE9A72503}" dt="2020-01-13T20:54:29.548" v="642" actId="478"/>
+          <ac:cxnSpMkLst>
+            <pc:docMk/>
+            <pc:sldMk cId="3437441346" sldId="257"/>
+            <ac:cxnSpMk id="36" creationId="{EC9E25F8-AE6E-4081-AC0C-583840938C78}"/>
+          </ac:cxnSpMkLst>
+        </pc:cxnChg>
+        <pc:cxnChg chg="del mod">
+          <ac:chgData name="Andres Penuela-Fernandez" userId="26693260-5f72-4911-8218-b098c180f1d5" providerId="ADAL" clId="{BC06EF19-1559-4B52-8E5C-04BEE9A72503}" dt="2020-01-13T20:54:29.548" v="642" actId="478"/>
+          <ac:cxnSpMkLst>
+            <pc:docMk/>
+            <pc:sldMk cId="3437441346" sldId="257"/>
+            <ac:cxnSpMk id="47" creationId="{DA621104-1BA6-4F4A-A0B1-609B578D421A}"/>
+          </ac:cxnSpMkLst>
+        </pc:cxnChg>
+        <pc:cxnChg chg="del">
+          <ac:chgData name="Andres Penuela-Fernandez" userId="26693260-5f72-4911-8218-b098c180f1d5" providerId="ADAL" clId="{BC06EF19-1559-4B52-8E5C-04BEE9A72503}" dt="2020-01-13T20:09:59.570" v="387" actId="478"/>
+          <ac:cxnSpMkLst>
+            <pc:docMk/>
+            <pc:sldMk cId="3437441346" sldId="257"/>
+            <ac:cxnSpMk id="50" creationId="{90B555F6-F40A-4129-9D2D-4A738A5BF894}"/>
+          </ac:cxnSpMkLst>
+        </pc:cxnChg>
+        <pc:cxnChg chg="del">
+          <ac:chgData name="Andres Penuela-Fernandez" userId="26693260-5f72-4911-8218-b098c180f1d5" providerId="ADAL" clId="{BC06EF19-1559-4B52-8E5C-04BEE9A72503}" dt="2020-01-13T20:09:59.570" v="387" actId="478"/>
+          <ac:cxnSpMkLst>
+            <pc:docMk/>
+            <pc:sldMk cId="3437441346" sldId="257"/>
+            <ac:cxnSpMk id="54" creationId="{4AD291C6-471F-4C42-B845-FE9DA9D84E40}"/>
+          </ac:cxnSpMkLst>
+        </pc:cxnChg>
+        <pc:cxnChg chg="del mod">
+          <ac:chgData name="Andres Penuela-Fernandez" userId="26693260-5f72-4911-8218-b098c180f1d5" providerId="ADAL" clId="{BC06EF19-1559-4B52-8E5C-04BEE9A72503}" dt="2020-01-13T20:54:29.548" v="642" actId="478"/>
+          <ac:cxnSpMkLst>
+            <pc:docMk/>
+            <pc:sldMk cId="3437441346" sldId="257"/>
+            <ac:cxnSpMk id="55" creationId="{23658138-B8A3-489F-AD78-17528627E4A6}"/>
+          </ac:cxnSpMkLst>
+        </pc:cxnChg>
+        <pc:cxnChg chg="del mod">
+          <ac:chgData name="Andres Penuela-Fernandez" userId="26693260-5f72-4911-8218-b098c180f1d5" providerId="ADAL" clId="{BC06EF19-1559-4B52-8E5C-04BEE9A72503}" dt="2020-01-13T20:54:29.548" v="642" actId="478"/>
+          <ac:cxnSpMkLst>
+            <pc:docMk/>
+            <pc:sldMk cId="3437441346" sldId="257"/>
+            <ac:cxnSpMk id="56" creationId="{3A947CA1-FC48-4403-A47A-7017F9FA3079}"/>
+          </ac:cxnSpMkLst>
+        </pc:cxnChg>
+      </pc:sldChg>
+      <pc:sldMasterChg chg="modSp modSldLayout">
+        <pc:chgData name="Andres Penuela-Fernandez" userId="26693260-5f72-4911-8218-b098c180f1d5" providerId="ADAL" clId="{BC06EF19-1559-4B52-8E5C-04BEE9A72503}" dt="2020-01-13T20:18:01.598" v="510"/>
+        <pc:sldMasterMkLst>
+          <pc:docMk/>
+          <pc:sldMasterMk cId="3259125667" sldId="2147483648"/>
+        </pc:sldMasterMkLst>
+        <pc:spChg chg="mod">
+          <ac:chgData name="Andres Penuela-Fernandez" userId="26693260-5f72-4911-8218-b098c180f1d5" providerId="ADAL" clId="{BC06EF19-1559-4B52-8E5C-04BEE9A72503}" dt="2020-01-13T20:18:01.598" v="510"/>
+          <ac:spMkLst>
+            <pc:docMk/>
+            <pc:sldMasterMk cId="3259125667" sldId="2147483648"/>
+            <ac:spMk id="2" creationId="{EFA3DBD0-77D5-4E0D-AFB4-2889E24BB060}"/>
+          </ac:spMkLst>
+        </pc:spChg>
+        <pc:spChg chg="mod">
+          <ac:chgData name="Andres Penuela-Fernandez" userId="26693260-5f72-4911-8218-b098c180f1d5" providerId="ADAL" clId="{BC06EF19-1559-4B52-8E5C-04BEE9A72503}" dt="2020-01-13T20:18:01.598" v="510"/>
+          <ac:spMkLst>
+            <pc:docMk/>
+            <pc:sldMasterMk cId="3259125667" sldId="2147483648"/>
+            <ac:spMk id="3" creationId="{FCD535ED-941F-4CC3-902A-97731EABCDA9}"/>
+          </ac:spMkLst>
+        </pc:spChg>
+        <pc:spChg chg="mod">
+          <ac:chgData name="Andres Penuela-Fernandez" userId="26693260-5f72-4911-8218-b098c180f1d5" providerId="ADAL" clId="{BC06EF19-1559-4B52-8E5C-04BEE9A72503}" dt="2020-01-13T20:18:01.598" v="510"/>
+          <ac:spMkLst>
+            <pc:docMk/>
+            <pc:sldMasterMk cId="3259125667" sldId="2147483648"/>
+            <ac:spMk id="4" creationId="{3A7B300A-AEC0-4079-9F42-F14B3DC4FB2F}"/>
+          </ac:spMkLst>
+        </pc:spChg>
+        <pc:spChg chg="mod">
+          <ac:chgData name="Andres Penuela-Fernandez" userId="26693260-5f72-4911-8218-b098c180f1d5" providerId="ADAL" clId="{BC06EF19-1559-4B52-8E5C-04BEE9A72503}" dt="2020-01-13T20:18:01.598" v="510"/>
+          <ac:spMkLst>
+            <pc:docMk/>
+            <pc:sldMasterMk cId="3259125667" sldId="2147483648"/>
+            <ac:spMk id="5" creationId="{E060D5B9-4657-4546-B7C4-6CE28F2C9C51}"/>
+          </ac:spMkLst>
+        </pc:spChg>
+        <pc:spChg chg="mod">
+          <ac:chgData name="Andres Penuela-Fernandez" userId="26693260-5f72-4911-8218-b098c180f1d5" providerId="ADAL" clId="{BC06EF19-1559-4B52-8E5C-04BEE9A72503}" dt="2020-01-13T20:18:01.598" v="510"/>
+          <ac:spMkLst>
+            <pc:docMk/>
+            <pc:sldMasterMk cId="3259125667" sldId="2147483648"/>
+            <ac:spMk id="6" creationId="{2E24CA88-C816-4ADE-98A0-81523CBB0688}"/>
+          </ac:spMkLst>
+        </pc:spChg>
+        <pc:sldLayoutChg chg="modSp">
+          <pc:chgData name="Andres Penuela-Fernandez" userId="26693260-5f72-4911-8218-b098c180f1d5" providerId="ADAL" clId="{BC06EF19-1559-4B52-8E5C-04BEE9A72503}" dt="2020-01-13T20:18:01.598" v="510"/>
+          <pc:sldLayoutMkLst>
+            <pc:docMk/>
+            <pc:sldMasterMk cId="3259125667" sldId="2147483648"/>
+            <pc:sldLayoutMk cId="523070869" sldId="2147483649"/>
+          </pc:sldLayoutMkLst>
+          <pc:spChg chg="mod">
+            <ac:chgData name="Andres Penuela-Fernandez" userId="26693260-5f72-4911-8218-b098c180f1d5" providerId="ADAL" clId="{BC06EF19-1559-4B52-8E5C-04BEE9A72503}" dt="2020-01-13T20:18:01.598" v="510"/>
+            <ac:spMkLst>
+              <pc:docMk/>
+              <pc:sldMasterMk cId="3259125667" sldId="2147483648"/>
+              <pc:sldLayoutMk cId="523070869" sldId="2147483649"/>
+              <ac:spMk id="2" creationId="{EC607EDF-195A-4FED-B7ED-D881AEB5966C}"/>
+            </ac:spMkLst>
+          </pc:spChg>
+          <pc:spChg chg="mod">
+            <ac:chgData name="Andres Penuela-Fernandez" userId="26693260-5f72-4911-8218-b098c180f1d5" providerId="ADAL" clId="{BC06EF19-1559-4B52-8E5C-04BEE9A72503}" dt="2020-01-13T20:18:01.598" v="510"/>
+            <ac:spMkLst>
+              <pc:docMk/>
+              <pc:sldMasterMk cId="3259125667" sldId="2147483648"/>
+              <pc:sldLayoutMk cId="523070869" sldId="2147483649"/>
+              <ac:spMk id="3" creationId="{39CE7FA5-93D1-431E-84AF-1AC1A1AA1D47}"/>
+            </ac:spMkLst>
+          </pc:spChg>
+        </pc:sldLayoutChg>
+        <pc:sldLayoutChg chg="modSp">
+          <pc:chgData name="Andres Penuela-Fernandez" userId="26693260-5f72-4911-8218-b098c180f1d5" providerId="ADAL" clId="{BC06EF19-1559-4B52-8E5C-04BEE9A72503}" dt="2020-01-13T20:18:01.598" v="510"/>
+          <pc:sldLayoutMkLst>
+            <pc:docMk/>
+            <pc:sldMasterMk cId="3259125667" sldId="2147483648"/>
+            <pc:sldLayoutMk cId="3818020411" sldId="2147483651"/>
+          </pc:sldLayoutMkLst>
+          <pc:spChg chg="mod">
+            <ac:chgData name="Andres Penuela-Fernandez" userId="26693260-5f72-4911-8218-b098c180f1d5" providerId="ADAL" clId="{BC06EF19-1559-4B52-8E5C-04BEE9A72503}" dt="2020-01-13T20:18:01.598" v="510"/>
+            <ac:spMkLst>
+              <pc:docMk/>
+              <pc:sldMasterMk cId="3259125667" sldId="2147483648"/>
+              <pc:sldLayoutMk cId="3818020411" sldId="2147483651"/>
+              <ac:spMk id="2" creationId="{C34B9C04-FE1B-40F4-A5B0-D6361C90D2E8}"/>
+            </ac:spMkLst>
+          </pc:spChg>
+          <pc:spChg chg="mod">
+            <ac:chgData name="Andres Penuela-Fernandez" userId="26693260-5f72-4911-8218-b098c180f1d5" providerId="ADAL" clId="{BC06EF19-1559-4B52-8E5C-04BEE9A72503}" dt="2020-01-13T20:18:01.598" v="510"/>
+            <ac:spMkLst>
+              <pc:docMk/>
+              <pc:sldMasterMk cId="3259125667" sldId="2147483648"/>
+              <pc:sldLayoutMk cId="3818020411" sldId="2147483651"/>
+              <ac:spMk id="3" creationId="{DE3AB63B-081E-4D20-9DC9-59AA2CFC417A}"/>
+            </ac:spMkLst>
+          </pc:spChg>
+        </pc:sldLayoutChg>
+        <pc:sldLayoutChg chg="modSp">
+          <pc:chgData name="Andres Penuela-Fernandez" userId="26693260-5f72-4911-8218-b098c180f1d5" providerId="ADAL" clId="{BC06EF19-1559-4B52-8E5C-04BEE9A72503}" dt="2020-01-13T20:18:01.598" v="510"/>
+          <pc:sldLayoutMkLst>
+            <pc:docMk/>
+            <pc:sldMasterMk cId="3259125667" sldId="2147483648"/>
+            <pc:sldLayoutMk cId="702885996" sldId="2147483652"/>
+          </pc:sldLayoutMkLst>
+          <pc:spChg chg="mod">
+            <ac:chgData name="Andres Penuela-Fernandez" userId="26693260-5f72-4911-8218-b098c180f1d5" providerId="ADAL" clId="{BC06EF19-1559-4B52-8E5C-04BEE9A72503}" dt="2020-01-13T20:18:01.598" v="510"/>
+            <ac:spMkLst>
+              <pc:docMk/>
+              <pc:sldMasterMk cId="3259125667" sldId="2147483648"/>
+              <pc:sldLayoutMk cId="702885996" sldId="2147483652"/>
+              <ac:spMk id="3" creationId="{064FE5C4-6643-4408-A5F4-D6231433D005}"/>
+            </ac:spMkLst>
+          </pc:spChg>
+          <pc:spChg chg="mod">
+            <ac:chgData name="Andres Penuela-Fernandez" userId="26693260-5f72-4911-8218-b098c180f1d5" providerId="ADAL" clId="{BC06EF19-1559-4B52-8E5C-04BEE9A72503}" dt="2020-01-13T20:18:01.598" v="510"/>
+            <ac:spMkLst>
+              <pc:docMk/>
+              <pc:sldMasterMk cId="3259125667" sldId="2147483648"/>
+              <pc:sldLayoutMk cId="702885996" sldId="2147483652"/>
+              <ac:spMk id="4" creationId="{327C4829-13A1-4ED9-BE8B-382A409E6EB4}"/>
+            </ac:spMkLst>
+          </pc:spChg>
+        </pc:sldLayoutChg>
+        <pc:sldLayoutChg chg="modSp">
+          <pc:chgData name="Andres Penuela-Fernandez" userId="26693260-5f72-4911-8218-b098c180f1d5" providerId="ADAL" clId="{BC06EF19-1559-4B52-8E5C-04BEE9A72503}" dt="2020-01-13T20:18:01.598" v="510"/>
+          <pc:sldLayoutMkLst>
+            <pc:docMk/>
+            <pc:sldMasterMk cId="3259125667" sldId="2147483648"/>
+            <pc:sldLayoutMk cId="2808263009" sldId="2147483653"/>
+          </pc:sldLayoutMkLst>
+          <pc:spChg chg="mod">
+            <ac:chgData name="Andres Penuela-Fernandez" userId="26693260-5f72-4911-8218-b098c180f1d5" providerId="ADAL" clId="{BC06EF19-1559-4B52-8E5C-04BEE9A72503}" dt="2020-01-13T20:18:01.598" v="510"/>
+            <ac:spMkLst>
+              <pc:docMk/>
+              <pc:sldMasterMk cId="3259125667" sldId="2147483648"/>
+              <pc:sldLayoutMk cId="2808263009" sldId="2147483653"/>
+              <ac:spMk id="2" creationId="{38074664-6E20-4514-82B2-C54C1339E360}"/>
+            </ac:spMkLst>
+          </pc:spChg>
+          <pc:spChg chg="mod">
+            <ac:chgData name="Andres Penuela-Fernandez" userId="26693260-5f72-4911-8218-b098c180f1d5" providerId="ADAL" clId="{BC06EF19-1559-4B52-8E5C-04BEE9A72503}" dt="2020-01-13T20:18:01.598" v="510"/>
+            <ac:spMkLst>
+              <pc:docMk/>
+              <pc:sldMasterMk cId="3259125667" sldId="2147483648"/>
+              <pc:sldLayoutMk cId="2808263009" sldId="2147483653"/>
+              <ac:spMk id="3" creationId="{490846BB-10E7-4F4A-95FE-FB79775E8097}"/>
+            </ac:spMkLst>
+          </pc:spChg>
+          <pc:spChg chg="mod">
+            <ac:chgData name="Andres Penuela-Fernandez" userId="26693260-5f72-4911-8218-b098c180f1d5" providerId="ADAL" clId="{BC06EF19-1559-4B52-8E5C-04BEE9A72503}" dt="2020-01-13T20:18:01.598" v="510"/>
+            <ac:spMkLst>
+              <pc:docMk/>
+              <pc:sldMasterMk cId="3259125667" sldId="2147483648"/>
+              <pc:sldLayoutMk cId="2808263009" sldId="2147483653"/>
+              <ac:spMk id="4" creationId="{A07FE660-46F6-45DF-A1AF-7D8C55D31FED}"/>
+            </ac:spMkLst>
+          </pc:spChg>
+          <pc:spChg chg="mod">
+            <ac:chgData name="Andres Penuela-Fernandez" userId="26693260-5f72-4911-8218-b098c180f1d5" providerId="ADAL" clId="{BC06EF19-1559-4B52-8E5C-04BEE9A72503}" dt="2020-01-13T20:18:01.598" v="510"/>
+            <ac:spMkLst>
+              <pc:docMk/>
+              <pc:sldMasterMk cId="3259125667" sldId="2147483648"/>
+              <pc:sldLayoutMk cId="2808263009" sldId="2147483653"/>
+              <ac:spMk id="5" creationId="{6B64915C-B29F-4879-851D-6F55FCAFD82E}"/>
+            </ac:spMkLst>
+          </pc:spChg>
+          <pc:spChg chg="mod">
+            <ac:chgData name="Andres Penuela-Fernandez" userId="26693260-5f72-4911-8218-b098c180f1d5" providerId="ADAL" clId="{BC06EF19-1559-4B52-8E5C-04BEE9A72503}" dt="2020-01-13T20:18:01.598" v="510"/>
+            <ac:spMkLst>
+              <pc:docMk/>
+              <pc:sldMasterMk cId="3259125667" sldId="2147483648"/>
+              <pc:sldLayoutMk cId="2808263009" sldId="2147483653"/>
+              <ac:spMk id="6" creationId="{43AB1227-BDEC-4814-B8B8-370FF7C327D2}"/>
+            </ac:spMkLst>
+          </pc:spChg>
+        </pc:sldLayoutChg>
+        <pc:sldLayoutChg chg="modSp">
+          <pc:chgData name="Andres Penuela-Fernandez" userId="26693260-5f72-4911-8218-b098c180f1d5" providerId="ADAL" clId="{BC06EF19-1559-4B52-8E5C-04BEE9A72503}" dt="2020-01-13T20:18:01.598" v="510"/>
+          <pc:sldLayoutMkLst>
+            <pc:docMk/>
+            <pc:sldMasterMk cId="3259125667" sldId="2147483648"/>
+            <pc:sldLayoutMk cId="2827152027" sldId="2147483656"/>
+          </pc:sldLayoutMkLst>
+          <pc:spChg chg="mod">
+            <ac:chgData name="Andres Penuela-Fernandez" userId="26693260-5f72-4911-8218-b098c180f1d5" providerId="ADAL" clId="{BC06EF19-1559-4B52-8E5C-04BEE9A72503}" dt="2020-01-13T20:18:01.598" v="510"/>
+            <ac:spMkLst>
+              <pc:docMk/>
+              <pc:sldMasterMk cId="3259125667" sldId="2147483648"/>
+              <pc:sldLayoutMk cId="2827152027" sldId="2147483656"/>
+              <ac:spMk id="2" creationId="{EB3A23A4-470B-4DCC-AB5A-6F8C22DA8B7C}"/>
+            </ac:spMkLst>
+          </pc:spChg>
+          <pc:spChg chg="mod">
+            <ac:chgData name="Andres Penuela-Fernandez" userId="26693260-5f72-4911-8218-b098c180f1d5" providerId="ADAL" clId="{BC06EF19-1559-4B52-8E5C-04BEE9A72503}" dt="2020-01-13T20:18:01.598" v="510"/>
+            <ac:spMkLst>
+              <pc:docMk/>
+              <pc:sldMasterMk cId="3259125667" sldId="2147483648"/>
+              <pc:sldLayoutMk cId="2827152027" sldId="2147483656"/>
+              <ac:spMk id="3" creationId="{0604A6AA-40C8-46E7-9335-6982E8231A3E}"/>
+            </ac:spMkLst>
+          </pc:spChg>
+          <pc:spChg chg="mod">
+            <ac:chgData name="Andres Penuela-Fernandez" userId="26693260-5f72-4911-8218-b098c180f1d5" providerId="ADAL" clId="{BC06EF19-1559-4B52-8E5C-04BEE9A72503}" dt="2020-01-13T20:18:01.598" v="510"/>
+            <ac:spMkLst>
+              <pc:docMk/>
+              <pc:sldMasterMk cId="3259125667" sldId="2147483648"/>
+              <pc:sldLayoutMk cId="2827152027" sldId="2147483656"/>
+              <ac:spMk id="4" creationId="{3F900D2A-AC9D-4251-9DC7-A16D5D7E17B2}"/>
+            </ac:spMkLst>
+          </pc:spChg>
+        </pc:sldLayoutChg>
+        <pc:sldLayoutChg chg="modSp">
+          <pc:chgData name="Andres Penuela-Fernandez" userId="26693260-5f72-4911-8218-b098c180f1d5" providerId="ADAL" clId="{BC06EF19-1559-4B52-8E5C-04BEE9A72503}" dt="2020-01-13T20:18:01.598" v="510"/>
+          <pc:sldLayoutMkLst>
+            <pc:docMk/>
+            <pc:sldMasterMk cId="3259125667" sldId="2147483648"/>
+            <pc:sldLayoutMk cId="187785289" sldId="2147483657"/>
+          </pc:sldLayoutMkLst>
+          <pc:spChg chg="mod">
+            <ac:chgData name="Andres Penuela-Fernandez" userId="26693260-5f72-4911-8218-b098c180f1d5" providerId="ADAL" clId="{BC06EF19-1559-4B52-8E5C-04BEE9A72503}" dt="2020-01-13T20:18:01.598" v="510"/>
+            <ac:spMkLst>
+              <pc:docMk/>
+              <pc:sldMasterMk cId="3259125667" sldId="2147483648"/>
+              <pc:sldLayoutMk cId="187785289" sldId="2147483657"/>
+              <ac:spMk id="2" creationId="{90563BC0-1FB2-4FB7-A196-DF6E42C24F7C}"/>
+            </ac:spMkLst>
+          </pc:spChg>
+          <pc:spChg chg="mod">
+            <ac:chgData name="Andres Penuela-Fernandez" userId="26693260-5f72-4911-8218-b098c180f1d5" providerId="ADAL" clId="{BC06EF19-1559-4B52-8E5C-04BEE9A72503}" dt="2020-01-13T20:18:01.598" v="510"/>
+            <ac:spMkLst>
+              <pc:docMk/>
+              <pc:sldMasterMk cId="3259125667" sldId="2147483648"/>
+              <pc:sldLayoutMk cId="187785289" sldId="2147483657"/>
+              <ac:spMk id="3" creationId="{B598248A-82CA-421D-8D84-28028B705A5C}"/>
+            </ac:spMkLst>
+          </pc:spChg>
+          <pc:spChg chg="mod">
+            <ac:chgData name="Andres Penuela-Fernandez" userId="26693260-5f72-4911-8218-b098c180f1d5" providerId="ADAL" clId="{BC06EF19-1559-4B52-8E5C-04BEE9A72503}" dt="2020-01-13T20:18:01.598" v="510"/>
+            <ac:spMkLst>
+              <pc:docMk/>
+              <pc:sldMasterMk cId="3259125667" sldId="2147483648"/>
+              <pc:sldLayoutMk cId="187785289" sldId="2147483657"/>
+              <ac:spMk id="4" creationId="{88D0AC20-5B3C-42D1-AEF6-6E498F35ABB7}"/>
+            </ac:spMkLst>
+          </pc:spChg>
+        </pc:sldLayoutChg>
+        <pc:sldLayoutChg chg="modSp">
+          <pc:chgData name="Andres Penuela-Fernandez" userId="26693260-5f72-4911-8218-b098c180f1d5" providerId="ADAL" clId="{BC06EF19-1559-4B52-8E5C-04BEE9A72503}" dt="2020-01-13T20:18:01.598" v="510"/>
+          <pc:sldLayoutMkLst>
+            <pc:docMk/>
+            <pc:sldMasterMk cId="3259125667" sldId="2147483648"/>
+            <pc:sldLayoutMk cId="2174217290" sldId="2147483659"/>
+          </pc:sldLayoutMkLst>
+          <pc:spChg chg="mod">
+            <ac:chgData name="Andres Penuela-Fernandez" userId="26693260-5f72-4911-8218-b098c180f1d5" providerId="ADAL" clId="{BC06EF19-1559-4B52-8E5C-04BEE9A72503}" dt="2020-01-13T20:18:01.598" v="510"/>
+            <ac:spMkLst>
+              <pc:docMk/>
+              <pc:sldMasterMk cId="3259125667" sldId="2147483648"/>
+              <pc:sldLayoutMk cId="2174217290" sldId="2147483659"/>
+              <ac:spMk id="2" creationId="{62CB00B6-F65A-430F-AD07-E7D002C45425}"/>
+            </ac:spMkLst>
+          </pc:spChg>
+          <pc:spChg chg="mod">
+            <ac:chgData name="Andres Penuela-Fernandez" userId="26693260-5f72-4911-8218-b098c180f1d5" providerId="ADAL" clId="{BC06EF19-1559-4B52-8E5C-04BEE9A72503}" dt="2020-01-13T20:18:01.598" v="510"/>
+            <ac:spMkLst>
+              <pc:docMk/>
+              <pc:sldMasterMk cId="3259125667" sldId="2147483648"/>
+              <pc:sldLayoutMk cId="2174217290" sldId="2147483659"/>
+              <ac:spMk id="3" creationId="{C6F28306-8EEB-46A2-A1B3-CC8E02CC45CF}"/>
+            </ac:spMkLst>
+          </pc:spChg>
+        </pc:sldLayoutChg>
+      </pc:sldMasterChg>
+      <pc:sldMasterChg chg="modSp modSldLayout">
+        <pc:chgData name="Andres Penuela-Fernandez" userId="26693260-5f72-4911-8218-b098c180f1d5" providerId="ADAL" clId="{BC06EF19-1559-4B52-8E5C-04BEE9A72503}" dt="2020-01-13T20:17:05.830" v="508"/>
+        <pc:sldMasterMkLst>
+          <pc:docMk/>
+          <pc:sldMasterMk cId="1676646719" sldId="2147483660"/>
+        </pc:sldMasterMkLst>
+        <pc:spChg chg="mod">
+          <ac:chgData name="Andres Penuela-Fernandez" userId="26693260-5f72-4911-8218-b098c180f1d5" providerId="ADAL" clId="{BC06EF19-1559-4B52-8E5C-04BEE9A72503}" dt="2020-01-13T20:17:05.830" v="508"/>
+          <ac:spMkLst>
+            <pc:docMk/>
+            <pc:sldMasterMk cId="1676646719" sldId="2147483660"/>
+            <ac:spMk id="2" creationId="{00000000-0000-0000-0000-000000000000}"/>
+          </ac:spMkLst>
+        </pc:spChg>
+        <pc:spChg chg="mod">
+          <ac:chgData name="Andres Penuela-Fernandez" userId="26693260-5f72-4911-8218-b098c180f1d5" providerId="ADAL" clId="{BC06EF19-1559-4B52-8E5C-04BEE9A72503}" dt="2020-01-13T20:17:05.830" v="508"/>
+          <ac:spMkLst>
+            <pc:docMk/>
+            <pc:sldMasterMk cId="1676646719" sldId="2147483660"/>
+            <ac:spMk id="3" creationId="{00000000-0000-0000-0000-000000000000}"/>
+          </ac:spMkLst>
+        </pc:spChg>
+        <pc:spChg chg="mod">
+          <ac:chgData name="Andres Penuela-Fernandez" userId="26693260-5f72-4911-8218-b098c180f1d5" providerId="ADAL" clId="{BC06EF19-1559-4B52-8E5C-04BEE9A72503}" dt="2020-01-13T20:17:05.830" v="508"/>
+          <ac:spMkLst>
+            <pc:docMk/>
+            <pc:sldMasterMk cId="1676646719" sldId="2147483660"/>
+            <ac:spMk id="4" creationId="{00000000-0000-0000-0000-000000000000}"/>
+          </ac:spMkLst>
+        </pc:spChg>
+        <pc:spChg chg="mod">
+          <ac:chgData name="Andres Penuela-Fernandez" userId="26693260-5f72-4911-8218-b098c180f1d5" providerId="ADAL" clId="{BC06EF19-1559-4B52-8E5C-04BEE9A72503}" dt="2020-01-13T20:17:05.830" v="508"/>
+          <ac:spMkLst>
+            <pc:docMk/>
+            <pc:sldMasterMk cId="1676646719" sldId="2147483660"/>
+            <ac:spMk id="5" creationId="{00000000-0000-0000-0000-000000000000}"/>
+          </ac:spMkLst>
+        </pc:spChg>
+        <pc:spChg chg="mod">
+          <ac:chgData name="Andres Penuela-Fernandez" userId="26693260-5f72-4911-8218-b098c180f1d5" providerId="ADAL" clId="{BC06EF19-1559-4B52-8E5C-04BEE9A72503}" dt="2020-01-13T20:17:05.830" v="508"/>
+          <ac:spMkLst>
+            <pc:docMk/>
+            <pc:sldMasterMk cId="1676646719" sldId="2147483660"/>
+            <ac:spMk id="6" creationId="{00000000-0000-0000-0000-000000000000}"/>
+          </ac:spMkLst>
+        </pc:spChg>
+        <pc:sldLayoutChg chg="modSp">
+          <pc:chgData name="Andres Penuela-Fernandez" userId="26693260-5f72-4911-8218-b098c180f1d5" providerId="ADAL" clId="{BC06EF19-1559-4B52-8E5C-04BEE9A72503}" dt="2020-01-13T20:17:05.830" v="508"/>
+          <pc:sldLayoutMkLst>
+            <pc:docMk/>
+            <pc:sldMasterMk cId="1676646719" sldId="2147483660"/>
+            <pc:sldLayoutMk cId="2475998267" sldId="2147483661"/>
+          </pc:sldLayoutMkLst>
+          <pc:spChg chg="mod">
+            <ac:chgData name="Andres Penuela-Fernandez" userId="26693260-5f72-4911-8218-b098c180f1d5" providerId="ADAL" clId="{BC06EF19-1559-4B52-8E5C-04BEE9A72503}" dt="2020-01-13T20:17:05.830" v="508"/>
+            <ac:spMkLst>
+              <pc:docMk/>
+              <pc:sldMasterMk cId="1676646719" sldId="2147483660"/>
+              <pc:sldLayoutMk cId="2475998267" sldId="2147483661"/>
+              <ac:spMk id="2" creationId="{00000000-0000-0000-0000-000000000000}"/>
+            </ac:spMkLst>
+          </pc:spChg>
+          <pc:spChg chg="mod">
+            <ac:chgData name="Andres Penuela-Fernandez" userId="26693260-5f72-4911-8218-b098c180f1d5" providerId="ADAL" clId="{BC06EF19-1559-4B52-8E5C-04BEE9A72503}" dt="2020-01-13T20:17:05.830" v="508"/>
+            <ac:spMkLst>
+              <pc:docMk/>
+              <pc:sldMasterMk cId="1676646719" sldId="2147483660"/>
+              <pc:sldLayoutMk cId="2475998267" sldId="2147483661"/>
+              <ac:spMk id="3" creationId="{00000000-0000-0000-0000-000000000000}"/>
+            </ac:spMkLst>
+          </pc:spChg>
+        </pc:sldLayoutChg>
+        <pc:sldLayoutChg chg="modSp">
+          <pc:chgData name="Andres Penuela-Fernandez" userId="26693260-5f72-4911-8218-b098c180f1d5" providerId="ADAL" clId="{BC06EF19-1559-4B52-8E5C-04BEE9A72503}" dt="2020-01-13T20:17:05.830" v="508"/>
+          <pc:sldLayoutMkLst>
+            <pc:docMk/>
+            <pc:sldMasterMk cId="1676646719" sldId="2147483660"/>
+            <pc:sldLayoutMk cId="2135656801" sldId="2147483663"/>
+          </pc:sldLayoutMkLst>
+          <pc:spChg chg="mod">
+            <ac:chgData name="Andres Penuela-Fernandez" userId="26693260-5f72-4911-8218-b098c180f1d5" providerId="ADAL" clId="{BC06EF19-1559-4B52-8E5C-04BEE9A72503}" dt="2020-01-13T20:17:05.830" v="508"/>
+            <ac:spMkLst>
+              <pc:docMk/>
+              <pc:sldMasterMk cId="1676646719" sldId="2147483660"/>
+              <pc:sldLayoutMk cId="2135656801" sldId="2147483663"/>
+              <ac:spMk id="2" creationId="{00000000-0000-0000-0000-000000000000}"/>
+            </ac:spMkLst>
+          </pc:spChg>
+          <pc:spChg chg="mod">
+            <ac:chgData name="Andres Penuela-Fernandez" userId="26693260-5f72-4911-8218-b098c180f1d5" providerId="ADAL" clId="{BC06EF19-1559-4B52-8E5C-04BEE9A72503}" dt="2020-01-13T20:17:05.830" v="508"/>
+            <ac:spMkLst>
+              <pc:docMk/>
+              <pc:sldMasterMk cId="1676646719" sldId="2147483660"/>
+              <pc:sldLayoutMk cId="2135656801" sldId="2147483663"/>
+              <ac:spMk id="3" creationId="{00000000-0000-0000-0000-000000000000}"/>
+            </ac:spMkLst>
+          </pc:spChg>
+        </pc:sldLayoutChg>
+        <pc:sldLayoutChg chg="modSp">
+          <pc:chgData name="Andres Penuela-Fernandez" userId="26693260-5f72-4911-8218-b098c180f1d5" providerId="ADAL" clId="{BC06EF19-1559-4B52-8E5C-04BEE9A72503}" dt="2020-01-13T20:17:05.830" v="508"/>
+          <pc:sldLayoutMkLst>
+            <pc:docMk/>
+            <pc:sldMasterMk cId="1676646719" sldId="2147483660"/>
+            <pc:sldLayoutMk cId="2498469692" sldId="2147483664"/>
+          </pc:sldLayoutMkLst>
+          <pc:spChg chg="mod">
+            <ac:chgData name="Andres Penuela-Fernandez" userId="26693260-5f72-4911-8218-b098c180f1d5" providerId="ADAL" clId="{BC06EF19-1559-4B52-8E5C-04BEE9A72503}" dt="2020-01-13T20:17:05.830" v="508"/>
+            <ac:spMkLst>
+              <pc:docMk/>
+              <pc:sldMasterMk cId="1676646719" sldId="2147483660"/>
+              <pc:sldLayoutMk cId="2498469692" sldId="2147483664"/>
+              <ac:spMk id="3" creationId="{00000000-0000-0000-0000-000000000000}"/>
+            </ac:spMkLst>
+          </pc:spChg>
+          <pc:spChg chg="mod">
+            <ac:chgData name="Andres Penuela-Fernandez" userId="26693260-5f72-4911-8218-b098c180f1d5" providerId="ADAL" clId="{BC06EF19-1559-4B52-8E5C-04BEE9A72503}" dt="2020-01-13T20:17:05.830" v="508"/>
+            <ac:spMkLst>
+              <pc:docMk/>
+              <pc:sldMasterMk cId="1676646719" sldId="2147483660"/>
+              <pc:sldLayoutMk cId="2498469692" sldId="2147483664"/>
+              <ac:spMk id="4" creationId="{00000000-0000-0000-0000-000000000000}"/>
+            </ac:spMkLst>
+          </pc:spChg>
+        </pc:sldLayoutChg>
+        <pc:sldLayoutChg chg="modSp">
+          <pc:chgData name="Andres Penuela-Fernandez" userId="26693260-5f72-4911-8218-b098c180f1d5" providerId="ADAL" clId="{BC06EF19-1559-4B52-8E5C-04BEE9A72503}" dt="2020-01-13T20:17:05.830" v="508"/>
+          <pc:sldLayoutMkLst>
+            <pc:docMk/>
+            <pc:sldMasterMk cId="1676646719" sldId="2147483660"/>
+            <pc:sldLayoutMk cId="3013438040" sldId="2147483665"/>
+          </pc:sldLayoutMkLst>
+          <pc:spChg chg="mod">
+            <ac:chgData name="Andres Penuela-Fernandez" userId="26693260-5f72-4911-8218-b098c180f1d5" providerId="ADAL" clId="{BC06EF19-1559-4B52-8E5C-04BEE9A72503}" dt="2020-01-13T20:17:05.830" v="508"/>
+            <ac:spMkLst>
+              <pc:docMk/>
+              <pc:sldMasterMk cId="1676646719" sldId="2147483660"/>
+              <pc:sldLayoutMk cId="3013438040" sldId="2147483665"/>
+              <ac:spMk id="2" creationId="{00000000-0000-0000-0000-000000000000}"/>
+            </ac:spMkLst>
+          </pc:spChg>
+          <pc:spChg chg="mod">
+            <ac:chgData name="Andres Penuela-Fernandez" userId="26693260-5f72-4911-8218-b098c180f1d5" providerId="ADAL" clId="{BC06EF19-1559-4B52-8E5C-04BEE9A72503}" dt="2020-01-13T20:17:05.830" v="508"/>
+            <ac:spMkLst>
+              <pc:docMk/>
+              <pc:sldMasterMk cId="1676646719" sldId="2147483660"/>
+              <pc:sldLayoutMk cId="3013438040" sldId="2147483665"/>
+              <ac:spMk id="3" creationId="{00000000-0000-0000-0000-000000000000}"/>
+            </ac:spMkLst>
+          </pc:spChg>
+          <pc:spChg chg="mod">
+            <ac:chgData name="Andres Penuela-Fernandez" userId="26693260-5f72-4911-8218-b098c180f1d5" providerId="ADAL" clId="{BC06EF19-1559-4B52-8E5C-04BEE9A72503}" dt="2020-01-13T20:17:05.830" v="508"/>
+            <ac:spMkLst>
+              <pc:docMk/>
+              <pc:sldMasterMk cId="1676646719" sldId="2147483660"/>
+              <pc:sldLayoutMk cId="3013438040" sldId="2147483665"/>
+              <ac:spMk id="4" creationId="{00000000-0000-0000-0000-000000000000}"/>
+            </ac:spMkLst>
+          </pc:spChg>
+          <pc:spChg chg="mod">
+            <ac:chgData name="Andres Penuela-Fernandez" userId="26693260-5f72-4911-8218-b098c180f1d5" providerId="ADAL" clId="{BC06EF19-1559-4B52-8E5C-04BEE9A72503}" dt="2020-01-13T20:17:05.830" v="508"/>
+            <ac:spMkLst>
+              <pc:docMk/>
+              <pc:sldMasterMk cId="1676646719" sldId="2147483660"/>
+              <pc:sldLayoutMk cId="3013438040" sldId="2147483665"/>
+              <ac:spMk id="5" creationId="{00000000-0000-0000-0000-000000000000}"/>
+            </ac:spMkLst>
+          </pc:spChg>
+          <pc:spChg chg="mod">
+            <ac:chgData name="Andres Penuela-Fernandez" userId="26693260-5f72-4911-8218-b098c180f1d5" providerId="ADAL" clId="{BC06EF19-1559-4B52-8E5C-04BEE9A72503}" dt="2020-01-13T20:17:05.830" v="508"/>
+            <ac:spMkLst>
+              <pc:docMk/>
+              <pc:sldMasterMk cId="1676646719" sldId="2147483660"/>
+              <pc:sldLayoutMk cId="3013438040" sldId="2147483665"/>
+              <ac:spMk id="6" creationId="{00000000-0000-0000-0000-000000000000}"/>
+            </ac:spMkLst>
+          </pc:spChg>
+        </pc:sldLayoutChg>
+        <pc:sldLayoutChg chg="modSp">
+          <pc:chgData name="Andres Penuela-Fernandez" userId="26693260-5f72-4911-8218-b098c180f1d5" providerId="ADAL" clId="{BC06EF19-1559-4B52-8E5C-04BEE9A72503}" dt="2020-01-13T20:17:05.830" v="508"/>
+          <pc:sldLayoutMkLst>
+            <pc:docMk/>
+            <pc:sldMasterMk cId="1676646719" sldId="2147483660"/>
+            <pc:sldLayoutMk cId="2233093089" sldId="2147483668"/>
+          </pc:sldLayoutMkLst>
+          <pc:spChg chg="mod">
+            <ac:chgData name="Andres Penuela-Fernandez" userId="26693260-5f72-4911-8218-b098c180f1d5" providerId="ADAL" clId="{BC06EF19-1559-4B52-8E5C-04BEE9A72503}" dt="2020-01-13T20:17:05.830" v="508"/>
+            <ac:spMkLst>
+              <pc:docMk/>
+              <pc:sldMasterMk cId="1676646719" sldId="2147483660"/>
+              <pc:sldLayoutMk cId="2233093089" sldId="2147483668"/>
+              <ac:spMk id="2" creationId="{00000000-0000-0000-0000-000000000000}"/>
+            </ac:spMkLst>
+          </pc:spChg>
+          <pc:spChg chg="mod">
+            <ac:chgData name="Andres Penuela-Fernandez" userId="26693260-5f72-4911-8218-b098c180f1d5" providerId="ADAL" clId="{BC06EF19-1559-4B52-8E5C-04BEE9A72503}" dt="2020-01-13T20:17:05.830" v="508"/>
+            <ac:spMkLst>
+              <pc:docMk/>
+              <pc:sldMasterMk cId="1676646719" sldId="2147483660"/>
+              <pc:sldLayoutMk cId="2233093089" sldId="2147483668"/>
+              <ac:spMk id="3" creationId="{00000000-0000-0000-0000-000000000000}"/>
+            </ac:spMkLst>
+          </pc:spChg>
+          <pc:spChg chg="mod">
+            <ac:chgData name="Andres Penuela-Fernandez" userId="26693260-5f72-4911-8218-b098c180f1d5" providerId="ADAL" clId="{BC06EF19-1559-4B52-8E5C-04BEE9A72503}" dt="2020-01-13T20:17:05.830" v="508"/>
+            <ac:spMkLst>
+              <pc:docMk/>
+              <pc:sldMasterMk cId="1676646719" sldId="2147483660"/>
+              <pc:sldLayoutMk cId="2233093089" sldId="2147483668"/>
+              <ac:spMk id="4" creationId="{00000000-0000-0000-0000-000000000000}"/>
+            </ac:spMkLst>
+          </pc:spChg>
+        </pc:sldLayoutChg>
+        <pc:sldLayoutChg chg="modSp">
+          <pc:chgData name="Andres Penuela-Fernandez" userId="26693260-5f72-4911-8218-b098c180f1d5" providerId="ADAL" clId="{BC06EF19-1559-4B52-8E5C-04BEE9A72503}" dt="2020-01-13T20:17:05.830" v="508"/>
+          <pc:sldLayoutMkLst>
+            <pc:docMk/>
+            <pc:sldMasterMk cId="1676646719" sldId="2147483660"/>
+            <pc:sldLayoutMk cId="1685413425" sldId="2147483669"/>
+          </pc:sldLayoutMkLst>
+          <pc:spChg chg="mod">
+            <ac:chgData name="Andres Penuela-Fernandez" userId="26693260-5f72-4911-8218-b098c180f1d5" providerId="ADAL" clId="{BC06EF19-1559-4B52-8E5C-04BEE9A72503}" dt="2020-01-13T20:17:05.830" v="508"/>
+            <ac:spMkLst>
+              <pc:docMk/>
+              <pc:sldMasterMk cId="1676646719" sldId="2147483660"/>
+              <pc:sldLayoutMk cId="1685413425" sldId="2147483669"/>
+              <ac:spMk id="2" creationId="{00000000-0000-0000-0000-000000000000}"/>
+            </ac:spMkLst>
+          </pc:spChg>
+          <pc:spChg chg="mod">
+            <ac:chgData name="Andres Penuela-Fernandez" userId="26693260-5f72-4911-8218-b098c180f1d5" providerId="ADAL" clId="{BC06EF19-1559-4B52-8E5C-04BEE9A72503}" dt="2020-01-13T20:17:05.830" v="508"/>
+            <ac:spMkLst>
+              <pc:docMk/>
+              <pc:sldMasterMk cId="1676646719" sldId="2147483660"/>
+              <pc:sldLayoutMk cId="1685413425" sldId="2147483669"/>
+              <ac:spMk id="3" creationId="{00000000-0000-0000-0000-000000000000}"/>
+            </ac:spMkLst>
+          </pc:spChg>
+          <pc:spChg chg="mod">
+            <ac:chgData name="Andres Penuela-Fernandez" userId="26693260-5f72-4911-8218-b098c180f1d5" providerId="ADAL" clId="{BC06EF19-1559-4B52-8E5C-04BEE9A72503}" dt="2020-01-13T20:17:05.830" v="508"/>
+            <ac:spMkLst>
+              <pc:docMk/>
+              <pc:sldMasterMk cId="1676646719" sldId="2147483660"/>
+              <pc:sldLayoutMk cId="1685413425" sldId="2147483669"/>
+              <ac:spMk id="4" creationId="{00000000-0000-0000-0000-000000000000}"/>
+            </ac:spMkLst>
+          </pc:spChg>
+        </pc:sldLayoutChg>
+        <pc:sldLayoutChg chg="modSp">
+          <pc:chgData name="Andres Penuela-Fernandez" userId="26693260-5f72-4911-8218-b098c180f1d5" providerId="ADAL" clId="{BC06EF19-1559-4B52-8E5C-04BEE9A72503}" dt="2020-01-13T20:17:05.830" v="508"/>
+          <pc:sldLayoutMkLst>
+            <pc:docMk/>
+            <pc:sldMasterMk cId="1676646719" sldId="2147483660"/>
+            <pc:sldLayoutMk cId="1655541709" sldId="2147483671"/>
+          </pc:sldLayoutMkLst>
+          <pc:spChg chg="mod">
+            <ac:chgData name="Andres Penuela-Fernandez" userId="26693260-5f72-4911-8218-b098c180f1d5" providerId="ADAL" clId="{BC06EF19-1559-4B52-8E5C-04BEE9A72503}" dt="2020-01-13T20:17:05.830" v="508"/>
+            <ac:spMkLst>
+              <pc:docMk/>
+              <pc:sldMasterMk cId="1676646719" sldId="2147483660"/>
+              <pc:sldLayoutMk cId="1655541709" sldId="2147483671"/>
+              <ac:spMk id="2" creationId="{00000000-0000-0000-0000-000000000000}"/>
+            </ac:spMkLst>
+          </pc:spChg>
+          <pc:spChg chg="mod">
+            <ac:chgData name="Andres Penuela-Fernandez" userId="26693260-5f72-4911-8218-b098c180f1d5" providerId="ADAL" clId="{BC06EF19-1559-4B52-8E5C-04BEE9A72503}" dt="2020-01-13T20:17:05.830" v="508"/>
+            <ac:spMkLst>
+              <pc:docMk/>
+              <pc:sldMasterMk cId="1676646719" sldId="2147483660"/>
+              <pc:sldLayoutMk cId="1655541709" sldId="2147483671"/>
+              <ac:spMk id="3" creationId="{00000000-0000-0000-0000-000000000000}"/>
+            </ac:spMkLst>
+          </pc:spChg>
+        </pc:sldLayoutChg>
+      </pc:sldMasterChg>
     </pc:docChg>
   </pc:docChgLst>
 </pc:chgInfo>
@@ -367,7 +1914,7 @@
 
 <file path=ppt/slideLayouts/slideLayout1.xml><?xml version="1.0" encoding="utf-8"?>
 <p:sldLayout xmlns:a="http://schemas.openxmlformats.org/drawingml/2006/main" xmlns:r="http://schemas.openxmlformats.org/officeDocument/2006/relationships" xmlns:p="http://schemas.openxmlformats.org/presentationml/2006/main" type="title" preserve="1">
-  <p:cSld name="Diapositiva de título">
+  <p:cSld name="Title Slide">
     <p:spTree>
       <p:nvGrpSpPr>
         <p:cNvPr id="1" name=""/>
@@ -384,13 +1931,7 @@
       </p:grpSpPr>
       <p:sp>
         <p:nvSpPr>
-          <p:cNvPr id="2" name="Título 1">
-            <a:extLst>
-              <a:ext uri="{FF2B5EF4-FFF2-40B4-BE49-F238E27FC236}">
-                <a16:creationId xmlns:a16="http://schemas.microsoft.com/office/drawing/2014/main" id="{EC607EDF-195A-4FED-B7ED-D881AEB5966C}"/>
-              </a:ext>
-            </a:extLst>
-          </p:cNvPr>
+          <p:cNvPr id="2" name="Title 1"/>
           <p:cNvSpPr>
             <a:spLocks noGrp="1"/>
           </p:cNvSpPr>
@@ -400,34 +1941,29 @@
         </p:nvSpPr>
         <p:spPr>
           <a:xfrm>
-            <a:off x="1524000" y="1122363"/>
-            <a:ext cx="9144000" cy="2387600"/>
+            <a:off x="2270641" y="3499590"/>
+            <a:ext cx="25733931" cy="7444669"/>
           </a:xfrm>
         </p:spPr>
         <p:txBody>
           <a:bodyPr anchor="b"/>
           <a:lstStyle>
             <a:lvl1pPr algn="ctr">
-              <a:defRPr sz="6000"/>
+              <a:defRPr sz="18709"/>
             </a:lvl1pPr>
           </a:lstStyle>
           <a:p>
             <a:r>
-              <a:rPr lang="es-ES"/>
-              <a:t>Haga clic para modificar el estilo de título del patrón</a:t>
-            </a:r>
-          </a:p>
-        </p:txBody>
-      </p:sp>
-      <p:sp>
-        <p:nvSpPr>
-          <p:cNvPr id="3" name="Subtítulo 2">
-            <a:extLst>
-              <a:ext uri="{FF2B5EF4-FFF2-40B4-BE49-F238E27FC236}">
-                <a16:creationId xmlns:a16="http://schemas.microsoft.com/office/drawing/2014/main" id="{39CE7FA5-93D1-431E-84AF-1AC1A1AA1D47}"/>
-              </a:ext>
-            </a:extLst>
-          </p:cNvPr>
+              <a:rPr lang="en-US"/>
+              <a:t>Click to edit Master title style</a:t>
+            </a:r>
+            <a:endParaRPr lang="en-US" dirty="0"/>
+          </a:p>
+        </p:txBody>
+      </p:sp>
+      <p:sp>
+        <p:nvSpPr>
+          <p:cNvPr id="3" name="Subtitle 2"/>
           <p:cNvSpPr>
             <a:spLocks noGrp="1"/>
           </p:cNvSpPr>
@@ -437,8 +1973,8 @@
         </p:nvSpPr>
         <p:spPr>
           <a:xfrm>
-            <a:off x="1524000" y="3602038"/>
-            <a:ext cx="9144000" cy="1655762"/>
+            <a:off x="3784402" y="11231355"/>
+            <a:ext cx="22706410" cy="5162758"/>
           </a:xfrm>
         </p:spPr>
         <p:txBody>
@@ -446,58 +1982,53 @@
           <a:lstStyle>
             <a:lvl1pPr marL="0" indent="0" algn="ctr">
               <a:buNone/>
-              <a:defRPr sz="2400"/>
+              <a:defRPr sz="7483"/>
             </a:lvl1pPr>
-            <a:lvl2pPr marL="457200" indent="0" algn="ctr">
+            <a:lvl2pPr marL="1425595" indent="0" algn="ctr">
               <a:buNone/>
-              <a:defRPr sz="2000"/>
+              <a:defRPr sz="6236"/>
             </a:lvl2pPr>
-            <a:lvl3pPr marL="914400" indent="0" algn="ctr">
+            <a:lvl3pPr marL="2851191" indent="0" algn="ctr">
               <a:buNone/>
-              <a:defRPr sz="1800"/>
+              <a:defRPr sz="5613"/>
             </a:lvl3pPr>
-            <a:lvl4pPr marL="1371600" indent="0" algn="ctr">
+            <a:lvl4pPr marL="4276786" indent="0" algn="ctr">
               <a:buNone/>
-              <a:defRPr sz="1600"/>
+              <a:defRPr sz="4989"/>
             </a:lvl4pPr>
-            <a:lvl5pPr marL="1828800" indent="0" algn="ctr">
+            <a:lvl5pPr marL="5702381" indent="0" algn="ctr">
               <a:buNone/>
-              <a:defRPr sz="1600"/>
+              <a:defRPr sz="4989"/>
             </a:lvl5pPr>
-            <a:lvl6pPr marL="2286000" indent="0" algn="ctr">
+            <a:lvl6pPr marL="7127977" indent="0" algn="ctr">
               <a:buNone/>
-              <a:defRPr sz="1600"/>
+              <a:defRPr sz="4989"/>
             </a:lvl6pPr>
-            <a:lvl7pPr marL="2743200" indent="0" algn="ctr">
+            <a:lvl7pPr marL="8553572" indent="0" algn="ctr">
               <a:buNone/>
-              <a:defRPr sz="1600"/>
+              <a:defRPr sz="4989"/>
             </a:lvl7pPr>
-            <a:lvl8pPr marL="3200400" indent="0" algn="ctr">
+            <a:lvl8pPr marL="9979167" indent="0" algn="ctr">
               <a:buNone/>
-              <a:defRPr sz="1600"/>
+              <a:defRPr sz="4989"/>
             </a:lvl8pPr>
-            <a:lvl9pPr marL="3657600" indent="0" algn="ctr">
+            <a:lvl9pPr marL="11404763" indent="0" algn="ctr">
               <a:buNone/>
-              <a:defRPr sz="1600"/>
+              <a:defRPr sz="4989"/>
             </a:lvl9pPr>
           </a:lstStyle>
           <a:p>
             <a:r>
-              <a:rPr lang="es-ES"/>
-              <a:t>Haga clic para modificar el estilo de subtítulo del patrón</a:t>
-            </a:r>
-          </a:p>
-        </p:txBody>
-      </p:sp>
-      <p:sp>
-        <p:nvSpPr>
-          <p:cNvPr id="4" name="Marcador de fecha 3">
-            <a:extLst>
-              <a:ext uri="{FF2B5EF4-FFF2-40B4-BE49-F238E27FC236}">
-                <a16:creationId xmlns:a16="http://schemas.microsoft.com/office/drawing/2014/main" id="{DD69C139-DDBD-4388-A0C6-06C9875056EE}"/>
-              </a:ext>
-            </a:extLst>
-          </p:cNvPr>
+              <a:rPr lang="en-US"/>
+              <a:t>Click to edit Master subtitle style</a:t>
+            </a:r>
+            <a:endParaRPr lang="en-US" dirty="0"/>
+          </a:p>
+        </p:txBody>
+      </p:sp>
+      <p:sp>
+        <p:nvSpPr>
+          <p:cNvPr id="4" name="Date Placeholder 3"/>
           <p:cNvSpPr>
             <a:spLocks noGrp="1"/>
           </p:cNvSpPr>
@@ -520,13 +2051,7 @@
       </p:sp>
       <p:sp>
         <p:nvSpPr>
-          <p:cNvPr id="5" name="Marcador de pie de página 4">
-            <a:extLst>
-              <a:ext uri="{FF2B5EF4-FFF2-40B4-BE49-F238E27FC236}">
-                <a16:creationId xmlns:a16="http://schemas.microsoft.com/office/drawing/2014/main" id="{088360DC-AA07-44FA-9E30-FAB9BB08B36A}"/>
-              </a:ext>
-            </a:extLst>
-          </p:cNvPr>
+          <p:cNvPr id="5" name="Footer Placeholder 4"/>
           <p:cNvSpPr>
             <a:spLocks noGrp="1"/>
           </p:cNvSpPr>
@@ -545,13 +2070,7 @@
       </p:sp>
       <p:sp>
         <p:nvSpPr>
-          <p:cNvPr id="6" name="Marcador de número de diapositiva 5">
-            <a:extLst>
-              <a:ext uri="{FF2B5EF4-FFF2-40B4-BE49-F238E27FC236}">
-                <a16:creationId xmlns:a16="http://schemas.microsoft.com/office/drawing/2014/main" id="{9CAD8155-255D-4326-B3D7-F70D1D79FDBA}"/>
-              </a:ext>
-            </a:extLst>
-          </p:cNvPr>
+          <p:cNvPr id="6" name="Slide Number Placeholder 5"/>
           <p:cNvSpPr>
             <a:spLocks noGrp="1"/>
           </p:cNvSpPr>
@@ -575,7 +2094,7 @@
     </p:spTree>
     <p:extLst>
       <p:ext uri="{BB962C8B-B14F-4D97-AF65-F5344CB8AC3E}">
-        <p14:creationId xmlns:p14="http://schemas.microsoft.com/office/powerpoint/2010/main" val="523070869"/>
+        <p14:creationId xmlns:p14="http://schemas.microsoft.com/office/powerpoint/2010/main" val="2238918440"/>
       </p:ext>
     </p:extLst>
   </p:cSld>
@@ -587,7 +2106,7 @@
 
 <file path=ppt/slideLayouts/slideLayout10.xml><?xml version="1.0" encoding="utf-8"?>
 <p:sldLayout xmlns:a="http://schemas.openxmlformats.org/drawingml/2006/main" xmlns:r="http://schemas.openxmlformats.org/officeDocument/2006/relationships" xmlns:p="http://schemas.openxmlformats.org/presentationml/2006/main" type="vertTx" preserve="1">
-  <p:cSld name="Título y texto vertical">
+  <p:cSld name="Title and Vertical Text">
     <p:spTree>
       <p:nvGrpSpPr>
         <p:cNvPr id="1" name=""/>
@@ -604,13 +2123,7 @@
       </p:grpSpPr>
       <p:sp>
         <p:nvSpPr>
-          <p:cNvPr id="2" name="Título 1">
-            <a:extLst>
-              <a:ext uri="{FF2B5EF4-FFF2-40B4-BE49-F238E27FC236}">
-                <a16:creationId xmlns:a16="http://schemas.microsoft.com/office/drawing/2014/main" id="{5C80D854-A53B-4D3C-8909-3A543F3BCFA4}"/>
-              </a:ext>
-            </a:extLst>
-          </p:cNvPr>
+          <p:cNvPr id="2" name="Title 1"/>
           <p:cNvSpPr>
             <a:spLocks noGrp="1"/>
           </p:cNvSpPr>
@@ -624,21 +2137,16 @@
           <a:lstStyle/>
           <a:p>
             <a:r>
-              <a:rPr lang="es-ES"/>
-              <a:t>Haga clic para modificar el estilo de título del patrón</a:t>
-            </a:r>
-          </a:p>
-        </p:txBody>
-      </p:sp>
-      <p:sp>
-        <p:nvSpPr>
-          <p:cNvPr id="3" name="Marcador de texto vertical 2">
-            <a:extLst>
-              <a:ext uri="{FF2B5EF4-FFF2-40B4-BE49-F238E27FC236}">
-                <a16:creationId xmlns:a16="http://schemas.microsoft.com/office/drawing/2014/main" id="{55EFD49A-CAA1-4504-9151-AB9FD4331E3E}"/>
-              </a:ext>
-            </a:extLst>
-          </p:cNvPr>
+              <a:rPr lang="en-US"/>
+              <a:t>Click to edit Master title style</a:t>
+            </a:r>
+            <a:endParaRPr lang="en-US" dirty="0"/>
+          </a:p>
+        </p:txBody>
+      </p:sp>
+      <p:sp>
+        <p:nvSpPr>
+          <p:cNvPr id="3" name="Vertical Text Placeholder 2"/>
           <p:cNvSpPr>
             <a:spLocks noGrp="1"/>
           </p:cNvSpPr>
@@ -653,49 +2161,44 @@
           <a:p>
             <a:pPr lvl="0"/>
             <a:r>
-              <a:rPr lang="es-ES"/>
-              <a:t>Haga clic para modificar los estilos de texto del patrón</a:t>
+              <a:rPr lang="en-US"/>
+              <a:t>Click to edit Master text styles</a:t>
             </a:r>
           </a:p>
           <a:p>
             <a:pPr lvl="1"/>
             <a:r>
-              <a:rPr lang="es-ES"/>
-              <a:t>Segundo nivel</a:t>
+              <a:rPr lang="en-US"/>
+              <a:t>Second level</a:t>
             </a:r>
           </a:p>
           <a:p>
             <a:pPr lvl="2"/>
             <a:r>
-              <a:rPr lang="es-ES"/>
-              <a:t>Tercer nivel</a:t>
+              <a:rPr lang="en-US"/>
+              <a:t>Third level</a:t>
             </a:r>
           </a:p>
           <a:p>
             <a:pPr lvl="3"/>
             <a:r>
-              <a:rPr lang="es-ES"/>
-              <a:t>Cuarto nivel</a:t>
+              <a:rPr lang="en-US"/>
+              <a:t>Fourth level</a:t>
             </a:r>
           </a:p>
           <a:p>
             <a:pPr lvl="4"/>
             <a:r>
-              <a:rPr lang="es-ES"/>
-              <a:t>Quinto nivel</a:t>
-            </a:r>
-          </a:p>
-        </p:txBody>
-      </p:sp>
-      <p:sp>
-        <p:nvSpPr>
-          <p:cNvPr id="4" name="Marcador de fecha 3">
-            <a:extLst>
-              <a:ext uri="{FF2B5EF4-FFF2-40B4-BE49-F238E27FC236}">
-                <a16:creationId xmlns:a16="http://schemas.microsoft.com/office/drawing/2014/main" id="{7E542A98-4DB6-434A-B9A9-9C1DD9BF7EF8}"/>
-              </a:ext>
-            </a:extLst>
-          </p:cNvPr>
+              <a:rPr lang="en-US"/>
+              <a:t>Fifth level</a:t>
+            </a:r>
+            <a:endParaRPr lang="en-US" dirty="0"/>
+          </a:p>
+        </p:txBody>
+      </p:sp>
+      <p:sp>
+        <p:nvSpPr>
+          <p:cNvPr id="4" name="Date Placeholder 3"/>
           <p:cNvSpPr>
             <a:spLocks noGrp="1"/>
           </p:cNvSpPr>
@@ -718,13 +2221,7 @@
       </p:sp>
       <p:sp>
         <p:nvSpPr>
-          <p:cNvPr id="5" name="Marcador de pie de página 4">
-            <a:extLst>
-              <a:ext uri="{FF2B5EF4-FFF2-40B4-BE49-F238E27FC236}">
-                <a16:creationId xmlns:a16="http://schemas.microsoft.com/office/drawing/2014/main" id="{AD884DFF-3364-42FA-BE17-1ED138914E7E}"/>
-              </a:ext>
-            </a:extLst>
-          </p:cNvPr>
+          <p:cNvPr id="5" name="Footer Placeholder 4"/>
           <p:cNvSpPr>
             <a:spLocks noGrp="1"/>
           </p:cNvSpPr>
@@ -743,13 +2240,7 @@
       </p:sp>
       <p:sp>
         <p:nvSpPr>
-          <p:cNvPr id="6" name="Marcador de número de diapositiva 5">
-            <a:extLst>
-              <a:ext uri="{FF2B5EF4-FFF2-40B4-BE49-F238E27FC236}">
-                <a16:creationId xmlns:a16="http://schemas.microsoft.com/office/drawing/2014/main" id="{99655516-9709-4C24-BA88-6A2C67547D3D}"/>
-              </a:ext>
-            </a:extLst>
-          </p:cNvPr>
+          <p:cNvPr id="6" name="Slide Number Placeholder 5"/>
           <p:cNvSpPr>
             <a:spLocks noGrp="1"/>
           </p:cNvSpPr>
@@ -773,7 +2264,7 @@
     </p:spTree>
     <p:extLst>
       <p:ext uri="{BB962C8B-B14F-4D97-AF65-F5344CB8AC3E}">
-        <p14:creationId xmlns:p14="http://schemas.microsoft.com/office/powerpoint/2010/main" val="3686439843"/>
+        <p14:creationId xmlns:p14="http://schemas.microsoft.com/office/powerpoint/2010/main" val="4190788989"/>
       </p:ext>
     </p:extLst>
   </p:cSld>
@@ -785,7 +2276,7 @@
 
 <file path=ppt/slideLayouts/slideLayout11.xml><?xml version="1.0" encoding="utf-8"?>
 <p:sldLayout xmlns:a="http://schemas.openxmlformats.org/drawingml/2006/main" xmlns:r="http://schemas.openxmlformats.org/officeDocument/2006/relationships" xmlns:p="http://schemas.openxmlformats.org/presentationml/2006/main" type="vertTitleAndTx" preserve="1">
-  <p:cSld name="Título vertical y texto">
+  <p:cSld name="Vertical Title and Text">
     <p:spTree>
       <p:nvGrpSpPr>
         <p:cNvPr id="1" name=""/>
@@ -802,13 +2293,7 @@
       </p:grpSpPr>
       <p:sp>
         <p:nvSpPr>
-          <p:cNvPr id="2" name="Título vertical 1">
-            <a:extLst>
-              <a:ext uri="{FF2B5EF4-FFF2-40B4-BE49-F238E27FC236}">
-                <a16:creationId xmlns:a16="http://schemas.microsoft.com/office/drawing/2014/main" id="{62CB00B6-F65A-430F-AD07-E7D002C45425}"/>
-              </a:ext>
-            </a:extLst>
-          </p:cNvPr>
+          <p:cNvPr id="2" name="Vertical Title 1"/>
           <p:cNvSpPr>
             <a:spLocks noGrp="1"/>
           </p:cNvSpPr>
@@ -818,8 +2303,8 @@
         </p:nvSpPr>
         <p:spPr>
           <a:xfrm>
-            <a:off x="8724900" y="365125"/>
-            <a:ext cx="2628900" cy="5811838"/>
+            <a:off x="21665701" y="1138480"/>
+            <a:ext cx="6528093" cy="18121634"/>
           </a:xfrm>
         </p:spPr>
         <p:txBody>
@@ -827,21 +2312,16 @@
           <a:lstStyle/>
           <a:p>
             <a:r>
-              <a:rPr lang="es-ES"/>
-              <a:t>Haga clic para modificar el estilo de título del patrón</a:t>
-            </a:r>
-          </a:p>
-        </p:txBody>
-      </p:sp>
-      <p:sp>
-        <p:nvSpPr>
-          <p:cNvPr id="3" name="Marcador de texto vertical 2">
-            <a:extLst>
-              <a:ext uri="{FF2B5EF4-FFF2-40B4-BE49-F238E27FC236}">
-                <a16:creationId xmlns:a16="http://schemas.microsoft.com/office/drawing/2014/main" id="{C6F28306-8EEB-46A2-A1B3-CC8E02CC45CF}"/>
-              </a:ext>
-            </a:extLst>
-          </p:cNvPr>
+              <a:rPr lang="en-US"/>
+              <a:t>Click to edit Master title style</a:t>
+            </a:r>
+            <a:endParaRPr lang="en-US" dirty="0"/>
+          </a:p>
+        </p:txBody>
+      </p:sp>
+      <p:sp>
+        <p:nvSpPr>
+          <p:cNvPr id="3" name="Vertical Text Placeholder 2"/>
           <p:cNvSpPr>
             <a:spLocks noGrp="1"/>
           </p:cNvSpPr>
@@ -851,8 +2331,8 @@
         </p:nvSpPr>
         <p:spPr>
           <a:xfrm>
-            <a:off x="838200" y="365125"/>
-            <a:ext cx="7734300" cy="5811838"/>
+            <a:off x="2081423" y="1138480"/>
+            <a:ext cx="19205838" cy="18121634"/>
           </a:xfrm>
         </p:spPr>
         <p:txBody>
@@ -861,49 +2341,44 @@
           <a:p>
             <a:pPr lvl="0"/>
             <a:r>
-              <a:rPr lang="es-ES"/>
-              <a:t>Haga clic para modificar los estilos de texto del patrón</a:t>
+              <a:rPr lang="en-US"/>
+              <a:t>Click to edit Master text styles</a:t>
             </a:r>
           </a:p>
           <a:p>
             <a:pPr lvl="1"/>
             <a:r>
-              <a:rPr lang="es-ES"/>
-              <a:t>Segundo nivel</a:t>
+              <a:rPr lang="en-US"/>
+              <a:t>Second level</a:t>
             </a:r>
           </a:p>
           <a:p>
             <a:pPr lvl="2"/>
             <a:r>
-              <a:rPr lang="es-ES"/>
-              <a:t>Tercer nivel</a:t>
+              <a:rPr lang="en-US"/>
+              <a:t>Third level</a:t>
             </a:r>
           </a:p>
           <a:p>
             <a:pPr lvl="3"/>
             <a:r>
-              <a:rPr lang="es-ES"/>
-              <a:t>Cuarto nivel</a:t>
+              <a:rPr lang="en-US"/>
+              <a:t>Fourth level</a:t>
             </a:r>
           </a:p>
           <a:p>
             <a:pPr lvl="4"/>
             <a:r>
-              <a:rPr lang="es-ES"/>
-              <a:t>Quinto nivel</a:t>
-            </a:r>
-          </a:p>
-        </p:txBody>
-      </p:sp>
-      <p:sp>
-        <p:nvSpPr>
-          <p:cNvPr id="4" name="Marcador de fecha 3">
-            <a:extLst>
-              <a:ext uri="{FF2B5EF4-FFF2-40B4-BE49-F238E27FC236}">
-                <a16:creationId xmlns:a16="http://schemas.microsoft.com/office/drawing/2014/main" id="{FEC6E0C4-F890-4B9C-B265-DD56E35D1632}"/>
-              </a:ext>
-            </a:extLst>
-          </p:cNvPr>
+              <a:rPr lang="en-US"/>
+              <a:t>Fifth level</a:t>
+            </a:r>
+            <a:endParaRPr lang="en-US" dirty="0"/>
+          </a:p>
+        </p:txBody>
+      </p:sp>
+      <p:sp>
+        <p:nvSpPr>
+          <p:cNvPr id="4" name="Date Placeholder 3"/>
           <p:cNvSpPr>
             <a:spLocks noGrp="1"/>
           </p:cNvSpPr>
@@ -926,13 +2401,7 @@
       </p:sp>
       <p:sp>
         <p:nvSpPr>
-          <p:cNvPr id="5" name="Marcador de pie de página 4">
-            <a:extLst>
-              <a:ext uri="{FF2B5EF4-FFF2-40B4-BE49-F238E27FC236}">
-                <a16:creationId xmlns:a16="http://schemas.microsoft.com/office/drawing/2014/main" id="{5A0A3470-D0FF-41DF-A4D5-F51FE6B4A80A}"/>
-              </a:ext>
-            </a:extLst>
-          </p:cNvPr>
+          <p:cNvPr id="5" name="Footer Placeholder 4"/>
           <p:cNvSpPr>
             <a:spLocks noGrp="1"/>
           </p:cNvSpPr>
@@ -951,13 +2420,7 @@
       </p:sp>
       <p:sp>
         <p:nvSpPr>
-          <p:cNvPr id="6" name="Marcador de número de diapositiva 5">
-            <a:extLst>
-              <a:ext uri="{FF2B5EF4-FFF2-40B4-BE49-F238E27FC236}">
-                <a16:creationId xmlns:a16="http://schemas.microsoft.com/office/drawing/2014/main" id="{1F92AE8A-3CC4-4A57-BDEE-D149C4E6629A}"/>
-              </a:ext>
-            </a:extLst>
-          </p:cNvPr>
+          <p:cNvPr id="6" name="Slide Number Placeholder 5"/>
           <p:cNvSpPr>
             <a:spLocks noGrp="1"/>
           </p:cNvSpPr>
@@ -981,7 +2444,7 @@
     </p:spTree>
     <p:extLst>
       <p:ext uri="{BB962C8B-B14F-4D97-AF65-F5344CB8AC3E}">
-        <p14:creationId xmlns:p14="http://schemas.microsoft.com/office/powerpoint/2010/main" val="2174217290"/>
+        <p14:creationId xmlns:p14="http://schemas.microsoft.com/office/powerpoint/2010/main" val="2157153980"/>
       </p:ext>
     </p:extLst>
   </p:cSld>
@@ -993,7 +2456,7 @@
 
 <file path=ppt/slideLayouts/slideLayout2.xml><?xml version="1.0" encoding="utf-8"?>
 <p:sldLayout xmlns:a="http://schemas.openxmlformats.org/drawingml/2006/main" xmlns:r="http://schemas.openxmlformats.org/officeDocument/2006/relationships" xmlns:p="http://schemas.openxmlformats.org/presentationml/2006/main" type="obj" preserve="1">
-  <p:cSld name="Título y objetos">
+  <p:cSld name="Title and Content">
     <p:spTree>
       <p:nvGrpSpPr>
         <p:cNvPr id="1" name=""/>
@@ -1010,13 +2473,7 @@
       </p:grpSpPr>
       <p:sp>
         <p:nvSpPr>
-          <p:cNvPr id="2" name="Título 1">
-            <a:extLst>
-              <a:ext uri="{FF2B5EF4-FFF2-40B4-BE49-F238E27FC236}">
-                <a16:creationId xmlns:a16="http://schemas.microsoft.com/office/drawing/2014/main" id="{AA3364C4-E867-434E-B3BD-A2293028689E}"/>
-              </a:ext>
-            </a:extLst>
-          </p:cNvPr>
+          <p:cNvPr id="2" name="Title 1"/>
           <p:cNvSpPr>
             <a:spLocks noGrp="1"/>
           </p:cNvSpPr>
@@ -1030,21 +2487,16 @@
           <a:lstStyle/>
           <a:p>
             <a:r>
-              <a:rPr lang="es-ES"/>
-              <a:t>Haga clic para modificar el estilo de título del patrón</a:t>
-            </a:r>
-          </a:p>
-        </p:txBody>
-      </p:sp>
-      <p:sp>
-        <p:nvSpPr>
-          <p:cNvPr id="3" name="Marcador de contenido 2">
-            <a:extLst>
-              <a:ext uri="{FF2B5EF4-FFF2-40B4-BE49-F238E27FC236}">
-                <a16:creationId xmlns:a16="http://schemas.microsoft.com/office/drawing/2014/main" id="{A061C0F6-F16D-407C-8736-1CE81236CCB7}"/>
-              </a:ext>
-            </a:extLst>
-          </p:cNvPr>
+              <a:rPr lang="en-US"/>
+              <a:t>Click to edit Master title style</a:t>
+            </a:r>
+            <a:endParaRPr lang="en-US" dirty="0"/>
+          </a:p>
+        </p:txBody>
+      </p:sp>
+      <p:sp>
+        <p:nvSpPr>
+          <p:cNvPr id="3" name="Content Placeholder 2"/>
           <p:cNvSpPr>
             <a:spLocks noGrp="1"/>
           </p:cNvSpPr>
@@ -1059,49 +2511,44 @@
           <a:p>
             <a:pPr lvl="0"/>
             <a:r>
-              <a:rPr lang="es-ES"/>
-              <a:t>Haga clic para modificar los estilos de texto del patrón</a:t>
+              <a:rPr lang="en-US"/>
+              <a:t>Click to edit Master text styles</a:t>
             </a:r>
           </a:p>
           <a:p>
             <a:pPr lvl="1"/>
             <a:r>
-              <a:rPr lang="es-ES"/>
-              <a:t>Segundo nivel</a:t>
+              <a:rPr lang="en-US"/>
+              <a:t>Second level</a:t>
             </a:r>
           </a:p>
           <a:p>
             <a:pPr lvl="2"/>
             <a:r>
-              <a:rPr lang="es-ES"/>
-              <a:t>Tercer nivel</a:t>
+              <a:rPr lang="en-US"/>
+              <a:t>Third level</a:t>
             </a:r>
           </a:p>
           <a:p>
             <a:pPr lvl="3"/>
             <a:r>
-              <a:rPr lang="es-ES"/>
-              <a:t>Cuarto nivel</a:t>
+              <a:rPr lang="en-US"/>
+              <a:t>Fourth level</a:t>
             </a:r>
           </a:p>
           <a:p>
             <a:pPr lvl="4"/>
             <a:r>
-              <a:rPr lang="es-ES"/>
-              <a:t>Quinto nivel</a:t>
-            </a:r>
-          </a:p>
-        </p:txBody>
-      </p:sp>
-      <p:sp>
-        <p:nvSpPr>
-          <p:cNvPr id="4" name="Marcador de fecha 3">
-            <a:extLst>
-              <a:ext uri="{FF2B5EF4-FFF2-40B4-BE49-F238E27FC236}">
-                <a16:creationId xmlns:a16="http://schemas.microsoft.com/office/drawing/2014/main" id="{909F83F6-CC55-4E8A-B584-9505210C0900}"/>
-              </a:ext>
-            </a:extLst>
-          </p:cNvPr>
+              <a:rPr lang="en-US"/>
+              <a:t>Fifth level</a:t>
+            </a:r>
+            <a:endParaRPr lang="en-US" dirty="0"/>
+          </a:p>
+        </p:txBody>
+      </p:sp>
+      <p:sp>
+        <p:nvSpPr>
+          <p:cNvPr id="4" name="Date Placeholder 3"/>
           <p:cNvSpPr>
             <a:spLocks noGrp="1"/>
           </p:cNvSpPr>
@@ -1124,13 +2571,7 @@
       </p:sp>
       <p:sp>
         <p:nvSpPr>
-          <p:cNvPr id="5" name="Marcador de pie de página 4">
-            <a:extLst>
-              <a:ext uri="{FF2B5EF4-FFF2-40B4-BE49-F238E27FC236}">
-                <a16:creationId xmlns:a16="http://schemas.microsoft.com/office/drawing/2014/main" id="{3BB2F830-F5BD-4C08-925D-9A9A59941392}"/>
-              </a:ext>
-            </a:extLst>
-          </p:cNvPr>
+          <p:cNvPr id="5" name="Footer Placeholder 4"/>
           <p:cNvSpPr>
             <a:spLocks noGrp="1"/>
           </p:cNvSpPr>
@@ -1149,13 +2590,7 @@
       </p:sp>
       <p:sp>
         <p:nvSpPr>
-          <p:cNvPr id="6" name="Marcador de número de diapositiva 5">
-            <a:extLst>
-              <a:ext uri="{FF2B5EF4-FFF2-40B4-BE49-F238E27FC236}">
-                <a16:creationId xmlns:a16="http://schemas.microsoft.com/office/drawing/2014/main" id="{2D8709E0-7A51-4C6C-90F9-40F996F8B51B}"/>
-              </a:ext>
-            </a:extLst>
-          </p:cNvPr>
+          <p:cNvPr id="6" name="Slide Number Placeholder 5"/>
           <p:cNvSpPr>
             <a:spLocks noGrp="1"/>
           </p:cNvSpPr>
@@ -1179,7 +2614,7 @@
     </p:spTree>
     <p:extLst>
       <p:ext uri="{BB962C8B-B14F-4D97-AF65-F5344CB8AC3E}">
-        <p14:creationId xmlns:p14="http://schemas.microsoft.com/office/powerpoint/2010/main" val="1884039110"/>
+        <p14:creationId xmlns:p14="http://schemas.microsoft.com/office/powerpoint/2010/main" val="3971295784"/>
       </p:ext>
     </p:extLst>
   </p:cSld>
@@ -1191,7 +2626,7 @@
 
 <file path=ppt/slideLayouts/slideLayout3.xml><?xml version="1.0" encoding="utf-8"?>
 <p:sldLayout xmlns:a="http://schemas.openxmlformats.org/drawingml/2006/main" xmlns:r="http://schemas.openxmlformats.org/officeDocument/2006/relationships" xmlns:p="http://schemas.openxmlformats.org/presentationml/2006/main" type="secHead" preserve="1">
-  <p:cSld name="Encabezado de sección">
+  <p:cSld name="Section Header">
     <p:spTree>
       <p:nvGrpSpPr>
         <p:cNvPr id="1" name=""/>
@@ -1208,13 +2643,7 @@
       </p:grpSpPr>
       <p:sp>
         <p:nvSpPr>
-          <p:cNvPr id="2" name="Título 1">
-            <a:extLst>
-              <a:ext uri="{FF2B5EF4-FFF2-40B4-BE49-F238E27FC236}">
-                <a16:creationId xmlns:a16="http://schemas.microsoft.com/office/drawing/2014/main" id="{C34B9C04-FE1B-40F4-A5B0-D6361C90D2E8}"/>
-              </a:ext>
-            </a:extLst>
-          </p:cNvPr>
+          <p:cNvPr id="2" name="Title 1"/>
           <p:cNvSpPr>
             <a:spLocks noGrp="1"/>
           </p:cNvSpPr>
@@ -1224,34 +2653,29 @@
         </p:nvSpPr>
         <p:spPr>
           <a:xfrm>
-            <a:off x="831850" y="1709738"/>
-            <a:ext cx="10515600" cy="2852737"/>
+            <a:off x="2065654" y="5331063"/>
+            <a:ext cx="26112371" cy="8894992"/>
           </a:xfrm>
         </p:spPr>
         <p:txBody>
           <a:bodyPr anchor="b"/>
           <a:lstStyle>
             <a:lvl1pPr>
-              <a:defRPr sz="6000"/>
+              <a:defRPr sz="18709"/>
             </a:lvl1pPr>
           </a:lstStyle>
           <a:p>
             <a:r>
-              <a:rPr lang="es-ES"/>
-              <a:t>Haga clic para modificar el estilo de título del patrón</a:t>
-            </a:r>
-          </a:p>
-        </p:txBody>
-      </p:sp>
-      <p:sp>
-        <p:nvSpPr>
-          <p:cNvPr id="3" name="Marcador de texto 2">
-            <a:extLst>
-              <a:ext uri="{FF2B5EF4-FFF2-40B4-BE49-F238E27FC236}">
-                <a16:creationId xmlns:a16="http://schemas.microsoft.com/office/drawing/2014/main" id="{DE3AB63B-081E-4D20-9DC9-59AA2CFC417A}"/>
-              </a:ext>
-            </a:extLst>
-          </p:cNvPr>
+              <a:rPr lang="en-US"/>
+              <a:t>Click to edit Master title style</a:t>
+            </a:r>
+            <a:endParaRPr lang="en-US" dirty="0"/>
+          </a:p>
+        </p:txBody>
+      </p:sp>
+      <p:sp>
+        <p:nvSpPr>
+          <p:cNvPr id="3" name="Text Placeholder 2"/>
           <p:cNvSpPr>
             <a:spLocks noGrp="1"/>
           </p:cNvSpPr>
@@ -1261,8 +2685,8 @@
         </p:nvSpPr>
         <p:spPr>
           <a:xfrm>
-            <a:off x="831850" y="4589463"/>
-            <a:ext cx="10515600" cy="1500187"/>
+            <a:off x="2065654" y="14310205"/>
+            <a:ext cx="26112371" cy="4677666"/>
           </a:xfrm>
         </p:spPr>
         <p:txBody>
@@ -1270,17 +2694,15 @@
           <a:lstStyle>
             <a:lvl1pPr marL="0" indent="0">
               <a:buNone/>
-              <a:defRPr sz="2400">
+              <a:defRPr sz="7483">
                 <a:solidFill>
-                  <a:schemeClr val="tx1">
-                    <a:tint val="75000"/>
-                  </a:schemeClr>
+                  <a:schemeClr val="tx1"/>
                 </a:solidFill>
               </a:defRPr>
             </a:lvl1pPr>
-            <a:lvl2pPr marL="457200" indent="0">
+            <a:lvl2pPr marL="1425595" indent="0">
               <a:buNone/>
-              <a:defRPr sz="2000">
+              <a:defRPr sz="6236">
                 <a:solidFill>
                   <a:schemeClr val="tx1">
                     <a:tint val="75000"/>
@@ -1288,9 +2710,9 @@
                 </a:solidFill>
               </a:defRPr>
             </a:lvl2pPr>
-            <a:lvl3pPr marL="914400" indent="0">
+            <a:lvl3pPr marL="2851191" indent="0">
               <a:buNone/>
-              <a:defRPr sz="1800">
+              <a:defRPr sz="5613">
                 <a:solidFill>
                   <a:schemeClr val="tx1">
                     <a:tint val="75000"/>
@@ -1298,9 +2720,9 @@
                 </a:solidFill>
               </a:defRPr>
             </a:lvl3pPr>
-            <a:lvl4pPr marL="1371600" indent="0">
+            <a:lvl4pPr marL="4276786" indent="0">
               <a:buNone/>
-              <a:defRPr sz="1600">
+              <a:defRPr sz="4989">
                 <a:solidFill>
                   <a:schemeClr val="tx1">
                     <a:tint val="75000"/>
@@ -1308,9 +2730,9 @@
                 </a:solidFill>
               </a:defRPr>
             </a:lvl4pPr>
-            <a:lvl5pPr marL="1828800" indent="0">
+            <a:lvl5pPr marL="5702381" indent="0">
               <a:buNone/>
-              <a:defRPr sz="1600">
+              <a:defRPr sz="4989">
                 <a:solidFill>
                   <a:schemeClr val="tx1">
                     <a:tint val="75000"/>
@@ -1318,9 +2740,9 @@
                 </a:solidFill>
               </a:defRPr>
             </a:lvl5pPr>
-            <a:lvl6pPr marL="2286000" indent="0">
+            <a:lvl6pPr marL="7127977" indent="0">
               <a:buNone/>
-              <a:defRPr sz="1600">
+              <a:defRPr sz="4989">
                 <a:solidFill>
                   <a:schemeClr val="tx1">
                     <a:tint val="75000"/>
@@ -1328,9 +2750,9 @@
                 </a:solidFill>
               </a:defRPr>
             </a:lvl6pPr>
-            <a:lvl7pPr marL="2743200" indent="0">
+            <a:lvl7pPr marL="8553572" indent="0">
               <a:buNone/>
-              <a:defRPr sz="1600">
+              <a:defRPr sz="4989">
                 <a:solidFill>
                   <a:schemeClr val="tx1">
                     <a:tint val="75000"/>
@@ -1338,9 +2760,9 @@
                 </a:solidFill>
               </a:defRPr>
             </a:lvl7pPr>
-            <a:lvl8pPr marL="3200400" indent="0">
+            <a:lvl8pPr marL="9979167" indent="0">
               <a:buNone/>
-              <a:defRPr sz="1600">
+              <a:defRPr sz="4989">
                 <a:solidFill>
                   <a:schemeClr val="tx1">
                     <a:tint val="75000"/>
@@ -1348,9 +2770,9 @@
                 </a:solidFill>
               </a:defRPr>
             </a:lvl8pPr>
-            <a:lvl9pPr marL="3657600" indent="0">
+            <a:lvl9pPr marL="11404763" indent="0">
               <a:buNone/>
-              <a:defRPr sz="1600">
+              <a:defRPr sz="4989">
                 <a:solidFill>
                   <a:schemeClr val="tx1">
                     <a:tint val="75000"/>
@@ -1362,21 +2784,15 @@
           <a:p>
             <a:pPr lvl="0"/>
             <a:r>
-              <a:rPr lang="es-ES"/>
-              <a:t>Haga clic para modificar los estilos de texto del patrón</a:t>
-            </a:r>
-          </a:p>
-        </p:txBody>
-      </p:sp>
-      <p:sp>
-        <p:nvSpPr>
-          <p:cNvPr id="4" name="Marcador de fecha 3">
-            <a:extLst>
-              <a:ext uri="{FF2B5EF4-FFF2-40B4-BE49-F238E27FC236}">
-                <a16:creationId xmlns:a16="http://schemas.microsoft.com/office/drawing/2014/main" id="{4DD35117-D2D3-4A8D-A304-E2891C1DC660}"/>
-              </a:ext>
-            </a:extLst>
-          </p:cNvPr>
+              <a:rPr lang="en-US"/>
+              <a:t>Click to edit Master text styles</a:t>
+            </a:r>
+          </a:p>
+        </p:txBody>
+      </p:sp>
+      <p:sp>
+        <p:nvSpPr>
+          <p:cNvPr id="4" name="Date Placeholder 3"/>
           <p:cNvSpPr>
             <a:spLocks noGrp="1"/>
           </p:cNvSpPr>
@@ -1399,13 +2815,7 @@
       </p:sp>
       <p:sp>
         <p:nvSpPr>
-          <p:cNvPr id="5" name="Marcador de pie de página 4">
-            <a:extLst>
-              <a:ext uri="{FF2B5EF4-FFF2-40B4-BE49-F238E27FC236}">
-                <a16:creationId xmlns:a16="http://schemas.microsoft.com/office/drawing/2014/main" id="{1AE7361A-CA18-4FB3-9971-D9E7A0F40C21}"/>
-              </a:ext>
-            </a:extLst>
-          </p:cNvPr>
+          <p:cNvPr id="5" name="Footer Placeholder 4"/>
           <p:cNvSpPr>
             <a:spLocks noGrp="1"/>
           </p:cNvSpPr>
@@ -1424,13 +2834,7 @@
       </p:sp>
       <p:sp>
         <p:nvSpPr>
-          <p:cNvPr id="6" name="Marcador de número de diapositiva 5">
-            <a:extLst>
-              <a:ext uri="{FF2B5EF4-FFF2-40B4-BE49-F238E27FC236}">
-                <a16:creationId xmlns:a16="http://schemas.microsoft.com/office/drawing/2014/main" id="{992544FC-4E39-40DA-B53F-B78114D88843}"/>
-              </a:ext>
-            </a:extLst>
-          </p:cNvPr>
+          <p:cNvPr id="6" name="Slide Number Placeholder 5"/>
           <p:cNvSpPr>
             <a:spLocks noGrp="1"/>
           </p:cNvSpPr>
@@ -1454,7 +2858,7 @@
     </p:spTree>
     <p:extLst>
       <p:ext uri="{BB962C8B-B14F-4D97-AF65-F5344CB8AC3E}">
-        <p14:creationId xmlns:p14="http://schemas.microsoft.com/office/powerpoint/2010/main" val="3818020411"/>
+        <p14:creationId xmlns:p14="http://schemas.microsoft.com/office/powerpoint/2010/main" val="3791829781"/>
       </p:ext>
     </p:extLst>
   </p:cSld>
@@ -1466,7 +2870,7 @@
 
 <file path=ppt/slideLayouts/slideLayout4.xml><?xml version="1.0" encoding="utf-8"?>
 <p:sldLayout xmlns:a="http://schemas.openxmlformats.org/drawingml/2006/main" xmlns:r="http://schemas.openxmlformats.org/officeDocument/2006/relationships" xmlns:p="http://schemas.openxmlformats.org/presentationml/2006/main" type="twoObj" preserve="1">
-  <p:cSld name="Dos objetos">
+  <p:cSld name="Two Content">
     <p:spTree>
       <p:nvGrpSpPr>
         <p:cNvPr id="1" name=""/>
@@ -1483,13 +2887,7 @@
       </p:grpSpPr>
       <p:sp>
         <p:nvSpPr>
-          <p:cNvPr id="2" name="Título 1">
-            <a:extLst>
-              <a:ext uri="{FF2B5EF4-FFF2-40B4-BE49-F238E27FC236}">
-                <a16:creationId xmlns:a16="http://schemas.microsoft.com/office/drawing/2014/main" id="{A2791EB8-92B2-4529-A1E0-695F7A5C9E3B}"/>
-              </a:ext>
-            </a:extLst>
-          </p:cNvPr>
+          <p:cNvPr id="2" name="Title 1"/>
           <p:cNvSpPr>
             <a:spLocks noGrp="1"/>
           </p:cNvSpPr>
@@ -1503,21 +2901,16 @@
           <a:lstStyle/>
           <a:p>
             <a:r>
-              <a:rPr lang="es-ES"/>
-              <a:t>Haga clic para modificar el estilo de título del patrón</a:t>
-            </a:r>
-          </a:p>
-        </p:txBody>
-      </p:sp>
-      <p:sp>
-        <p:nvSpPr>
-          <p:cNvPr id="3" name="Marcador de contenido 2">
-            <a:extLst>
-              <a:ext uri="{FF2B5EF4-FFF2-40B4-BE49-F238E27FC236}">
-                <a16:creationId xmlns:a16="http://schemas.microsoft.com/office/drawing/2014/main" id="{064FE5C4-6643-4408-A5F4-D6231433D005}"/>
-              </a:ext>
-            </a:extLst>
-          </p:cNvPr>
+              <a:rPr lang="en-US"/>
+              <a:t>Click to edit Master title style</a:t>
+            </a:r>
+            <a:endParaRPr lang="en-US" dirty="0"/>
+          </a:p>
+        </p:txBody>
+      </p:sp>
+      <p:sp>
+        <p:nvSpPr>
+          <p:cNvPr id="3" name="Content Placeholder 2"/>
           <p:cNvSpPr>
             <a:spLocks noGrp="1"/>
           </p:cNvSpPr>
@@ -1527,8 +2920,8 @@
         </p:nvSpPr>
         <p:spPr>
           <a:xfrm>
-            <a:off x="838200" y="1825625"/>
-            <a:ext cx="5181600" cy="4351338"/>
+            <a:off x="2081421" y="5692400"/>
+            <a:ext cx="12866966" cy="13567714"/>
           </a:xfrm>
         </p:spPr>
         <p:txBody>
@@ -1537,49 +2930,44 @@
           <a:p>
             <a:pPr lvl="0"/>
             <a:r>
-              <a:rPr lang="es-ES"/>
-              <a:t>Haga clic para modificar los estilos de texto del patrón</a:t>
+              <a:rPr lang="en-US"/>
+              <a:t>Click to edit Master text styles</a:t>
             </a:r>
           </a:p>
           <a:p>
             <a:pPr lvl="1"/>
             <a:r>
-              <a:rPr lang="es-ES"/>
-              <a:t>Segundo nivel</a:t>
+              <a:rPr lang="en-US"/>
+              <a:t>Second level</a:t>
             </a:r>
           </a:p>
           <a:p>
             <a:pPr lvl="2"/>
             <a:r>
-              <a:rPr lang="es-ES"/>
-              <a:t>Tercer nivel</a:t>
+              <a:rPr lang="en-US"/>
+              <a:t>Third level</a:t>
             </a:r>
           </a:p>
           <a:p>
             <a:pPr lvl="3"/>
             <a:r>
-              <a:rPr lang="es-ES"/>
-              <a:t>Cuarto nivel</a:t>
+              <a:rPr lang="en-US"/>
+              <a:t>Fourth level</a:t>
             </a:r>
           </a:p>
           <a:p>
             <a:pPr lvl="4"/>
             <a:r>
-              <a:rPr lang="es-ES"/>
-              <a:t>Quinto nivel</a:t>
-            </a:r>
-          </a:p>
-        </p:txBody>
-      </p:sp>
-      <p:sp>
-        <p:nvSpPr>
-          <p:cNvPr id="4" name="Marcador de contenido 3">
-            <a:extLst>
-              <a:ext uri="{FF2B5EF4-FFF2-40B4-BE49-F238E27FC236}">
-                <a16:creationId xmlns:a16="http://schemas.microsoft.com/office/drawing/2014/main" id="{327C4829-13A1-4ED9-BE8B-382A409E6EB4}"/>
-              </a:ext>
-            </a:extLst>
-          </p:cNvPr>
+              <a:rPr lang="en-US"/>
+              <a:t>Fifth level</a:t>
+            </a:r>
+            <a:endParaRPr lang="en-US" dirty="0"/>
+          </a:p>
+        </p:txBody>
+      </p:sp>
+      <p:sp>
+        <p:nvSpPr>
+          <p:cNvPr id="4" name="Content Placeholder 3"/>
           <p:cNvSpPr>
             <a:spLocks noGrp="1"/>
           </p:cNvSpPr>
@@ -1589,8 +2977,8 @@
         </p:nvSpPr>
         <p:spPr>
           <a:xfrm>
-            <a:off x="6172200" y="1825625"/>
-            <a:ext cx="5181600" cy="4351338"/>
+            <a:off x="15326826" y="5692400"/>
+            <a:ext cx="12866966" cy="13567714"/>
           </a:xfrm>
         </p:spPr>
         <p:txBody>
@@ -1599,49 +2987,44 @@
           <a:p>
             <a:pPr lvl="0"/>
             <a:r>
-              <a:rPr lang="es-ES"/>
-              <a:t>Haga clic para modificar los estilos de texto del patrón</a:t>
+              <a:rPr lang="en-US"/>
+              <a:t>Click to edit Master text styles</a:t>
             </a:r>
           </a:p>
           <a:p>
             <a:pPr lvl="1"/>
             <a:r>
-              <a:rPr lang="es-ES"/>
-              <a:t>Segundo nivel</a:t>
+              <a:rPr lang="en-US"/>
+              <a:t>Second level</a:t>
             </a:r>
           </a:p>
           <a:p>
             <a:pPr lvl="2"/>
             <a:r>
-              <a:rPr lang="es-ES"/>
-              <a:t>Tercer nivel</a:t>
+              <a:rPr lang="en-US"/>
+              <a:t>Third level</a:t>
             </a:r>
           </a:p>
           <a:p>
             <a:pPr lvl="3"/>
             <a:r>
-              <a:rPr lang="es-ES"/>
-              <a:t>Cuarto nivel</a:t>
+              <a:rPr lang="en-US"/>
+              <a:t>Fourth level</a:t>
             </a:r>
           </a:p>
           <a:p>
             <a:pPr lvl="4"/>
             <a:r>
-              <a:rPr lang="es-ES"/>
-              <a:t>Quinto nivel</a:t>
-            </a:r>
-          </a:p>
-        </p:txBody>
-      </p:sp>
-      <p:sp>
-        <p:nvSpPr>
-          <p:cNvPr id="5" name="Marcador de fecha 4">
-            <a:extLst>
-              <a:ext uri="{FF2B5EF4-FFF2-40B4-BE49-F238E27FC236}">
-                <a16:creationId xmlns:a16="http://schemas.microsoft.com/office/drawing/2014/main" id="{D85DB3A1-735C-4EB5-A32F-9ECA3017D45E}"/>
-              </a:ext>
-            </a:extLst>
-          </p:cNvPr>
+              <a:rPr lang="en-US"/>
+              <a:t>Fifth level</a:t>
+            </a:r>
+            <a:endParaRPr lang="en-US" dirty="0"/>
+          </a:p>
+        </p:txBody>
+      </p:sp>
+      <p:sp>
+        <p:nvSpPr>
+          <p:cNvPr id="5" name="Date Placeholder 4"/>
           <p:cNvSpPr>
             <a:spLocks noGrp="1"/>
           </p:cNvSpPr>
@@ -1664,13 +3047,7 @@
       </p:sp>
       <p:sp>
         <p:nvSpPr>
-          <p:cNvPr id="6" name="Marcador de pie de página 5">
-            <a:extLst>
-              <a:ext uri="{FF2B5EF4-FFF2-40B4-BE49-F238E27FC236}">
-                <a16:creationId xmlns:a16="http://schemas.microsoft.com/office/drawing/2014/main" id="{45AF25AE-E3B7-465C-A9B7-49DB3F69B934}"/>
-              </a:ext>
-            </a:extLst>
-          </p:cNvPr>
+          <p:cNvPr id="6" name="Footer Placeholder 5"/>
           <p:cNvSpPr>
             <a:spLocks noGrp="1"/>
           </p:cNvSpPr>
@@ -1689,13 +3066,7 @@
       </p:sp>
       <p:sp>
         <p:nvSpPr>
-          <p:cNvPr id="7" name="Marcador de número de diapositiva 6">
-            <a:extLst>
-              <a:ext uri="{FF2B5EF4-FFF2-40B4-BE49-F238E27FC236}">
-                <a16:creationId xmlns:a16="http://schemas.microsoft.com/office/drawing/2014/main" id="{39D3F378-040D-419A-A98C-829B7D39444E}"/>
-              </a:ext>
-            </a:extLst>
-          </p:cNvPr>
+          <p:cNvPr id="7" name="Slide Number Placeholder 6"/>
           <p:cNvSpPr>
             <a:spLocks noGrp="1"/>
           </p:cNvSpPr>
@@ -1719,7 +3090,7 @@
     </p:spTree>
     <p:extLst>
       <p:ext uri="{BB962C8B-B14F-4D97-AF65-F5344CB8AC3E}">
-        <p14:creationId xmlns:p14="http://schemas.microsoft.com/office/powerpoint/2010/main" val="702885996"/>
+        <p14:creationId xmlns:p14="http://schemas.microsoft.com/office/powerpoint/2010/main" val="1416532066"/>
       </p:ext>
     </p:extLst>
   </p:cSld>
@@ -1731,7 +3102,7 @@
 
 <file path=ppt/slideLayouts/slideLayout5.xml><?xml version="1.0" encoding="utf-8"?>
 <p:sldLayout xmlns:a="http://schemas.openxmlformats.org/drawingml/2006/main" xmlns:r="http://schemas.openxmlformats.org/officeDocument/2006/relationships" xmlns:p="http://schemas.openxmlformats.org/presentationml/2006/main" type="twoTxTwoObj" preserve="1">
-  <p:cSld name="Comparación">
+  <p:cSld name="Comparison">
     <p:spTree>
       <p:nvGrpSpPr>
         <p:cNvPr id="1" name=""/>
@@ -1748,13 +3119,7 @@
       </p:grpSpPr>
       <p:sp>
         <p:nvSpPr>
-          <p:cNvPr id="2" name="Título 1">
-            <a:extLst>
-              <a:ext uri="{FF2B5EF4-FFF2-40B4-BE49-F238E27FC236}">
-                <a16:creationId xmlns:a16="http://schemas.microsoft.com/office/drawing/2014/main" id="{38074664-6E20-4514-82B2-C54C1339E360}"/>
-              </a:ext>
-            </a:extLst>
-          </p:cNvPr>
+          <p:cNvPr id="2" name="Title 1"/>
           <p:cNvSpPr>
             <a:spLocks noGrp="1"/>
           </p:cNvSpPr>
@@ -1764,8 +3129,8 @@
         </p:nvSpPr>
         <p:spPr>
           <a:xfrm>
-            <a:off x="839788" y="365125"/>
-            <a:ext cx="10515600" cy="1325563"/>
+            <a:off x="2085364" y="1138485"/>
+            <a:ext cx="26112371" cy="4133179"/>
           </a:xfrm>
         </p:spPr>
         <p:txBody>
@@ -1773,21 +3138,16 @@
           <a:lstStyle/>
           <a:p>
             <a:r>
-              <a:rPr lang="es-ES"/>
-              <a:t>Haga clic para modificar el estilo de título del patrón</a:t>
-            </a:r>
-          </a:p>
-        </p:txBody>
-      </p:sp>
-      <p:sp>
-        <p:nvSpPr>
-          <p:cNvPr id="3" name="Marcador de texto 2">
-            <a:extLst>
-              <a:ext uri="{FF2B5EF4-FFF2-40B4-BE49-F238E27FC236}">
-                <a16:creationId xmlns:a16="http://schemas.microsoft.com/office/drawing/2014/main" id="{490846BB-10E7-4F4A-95FE-FB79775E8097}"/>
-              </a:ext>
-            </a:extLst>
-          </p:cNvPr>
+              <a:rPr lang="en-US"/>
+              <a:t>Click to edit Master title style</a:t>
+            </a:r>
+            <a:endParaRPr lang="en-US" dirty="0"/>
+          </a:p>
+        </p:txBody>
+      </p:sp>
+      <p:sp>
+        <p:nvSpPr>
+          <p:cNvPr id="3" name="Text Placeholder 2"/>
           <p:cNvSpPr>
             <a:spLocks noGrp="1"/>
           </p:cNvSpPr>
@@ -1797,8 +3157,8 @@
         </p:nvSpPr>
         <p:spPr>
           <a:xfrm>
-            <a:off x="839788" y="1681163"/>
-            <a:ext cx="5157787" cy="823912"/>
+            <a:off x="2085368" y="5241960"/>
+            <a:ext cx="12807832" cy="2569003"/>
           </a:xfrm>
         </p:spPr>
         <p:txBody>
@@ -1806,59 +3166,53 @@
           <a:lstStyle>
             <a:lvl1pPr marL="0" indent="0">
               <a:buNone/>
-              <a:defRPr sz="2400" b="1"/>
+              <a:defRPr sz="7483" b="1"/>
             </a:lvl1pPr>
-            <a:lvl2pPr marL="457200" indent="0">
+            <a:lvl2pPr marL="1425595" indent="0">
               <a:buNone/>
-              <a:defRPr sz="2000" b="1"/>
+              <a:defRPr sz="6236" b="1"/>
             </a:lvl2pPr>
-            <a:lvl3pPr marL="914400" indent="0">
+            <a:lvl3pPr marL="2851191" indent="0">
               <a:buNone/>
-              <a:defRPr sz="1800" b="1"/>
+              <a:defRPr sz="5613" b="1"/>
             </a:lvl3pPr>
-            <a:lvl4pPr marL="1371600" indent="0">
+            <a:lvl4pPr marL="4276786" indent="0">
               <a:buNone/>
-              <a:defRPr sz="1600" b="1"/>
+              <a:defRPr sz="4989" b="1"/>
             </a:lvl4pPr>
-            <a:lvl5pPr marL="1828800" indent="0">
+            <a:lvl5pPr marL="5702381" indent="0">
               <a:buNone/>
-              <a:defRPr sz="1600" b="1"/>
+              <a:defRPr sz="4989" b="1"/>
             </a:lvl5pPr>
-            <a:lvl6pPr marL="2286000" indent="0">
+            <a:lvl6pPr marL="7127977" indent="0">
               <a:buNone/>
-              <a:defRPr sz="1600" b="1"/>
+              <a:defRPr sz="4989" b="1"/>
             </a:lvl6pPr>
-            <a:lvl7pPr marL="2743200" indent="0">
+            <a:lvl7pPr marL="8553572" indent="0">
               <a:buNone/>
-              <a:defRPr sz="1600" b="1"/>
+              <a:defRPr sz="4989" b="1"/>
             </a:lvl7pPr>
-            <a:lvl8pPr marL="3200400" indent="0">
+            <a:lvl8pPr marL="9979167" indent="0">
               <a:buNone/>
-              <a:defRPr sz="1600" b="1"/>
+              <a:defRPr sz="4989" b="1"/>
             </a:lvl8pPr>
-            <a:lvl9pPr marL="3657600" indent="0">
+            <a:lvl9pPr marL="11404763" indent="0">
               <a:buNone/>
-              <a:defRPr sz="1600" b="1"/>
+              <a:defRPr sz="4989" b="1"/>
             </a:lvl9pPr>
           </a:lstStyle>
           <a:p>
             <a:pPr lvl="0"/>
             <a:r>
-              <a:rPr lang="es-ES"/>
-              <a:t>Haga clic para modificar los estilos de texto del patrón</a:t>
-            </a:r>
-          </a:p>
-        </p:txBody>
-      </p:sp>
-      <p:sp>
-        <p:nvSpPr>
-          <p:cNvPr id="4" name="Marcador de contenido 3">
-            <a:extLst>
-              <a:ext uri="{FF2B5EF4-FFF2-40B4-BE49-F238E27FC236}">
-                <a16:creationId xmlns:a16="http://schemas.microsoft.com/office/drawing/2014/main" id="{A07FE660-46F6-45DF-A1AF-7D8C55D31FED}"/>
-              </a:ext>
-            </a:extLst>
-          </p:cNvPr>
+              <a:rPr lang="en-US"/>
+              <a:t>Click to edit Master text styles</a:t>
+            </a:r>
+          </a:p>
+        </p:txBody>
+      </p:sp>
+      <p:sp>
+        <p:nvSpPr>
+          <p:cNvPr id="4" name="Content Placeholder 3"/>
           <p:cNvSpPr>
             <a:spLocks noGrp="1"/>
           </p:cNvSpPr>
@@ -1868,8 +3222,8 @@
         </p:nvSpPr>
         <p:spPr>
           <a:xfrm>
-            <a:off x="839788" y="2505075"/>
-            <a:ext cx="5157787" cy="3684588"/>
+            <a:off x="2085368" y="7810963"/>
+            <a:ext cx="12807832" cy="11488750"/>
           </a:xfrm>
         </p:spPr>
         <p:txBody>
@@ -1878,49 +3232,44 @@
           <a:p>
             <a:pPr lvl="0"/>
             <a:r>
-              <a:rPr lang="es-ES"/>
-              <a:t>Haga clic para modificar los estilos de texto del patrón</a:t>
+              <a:rPr lang="en-US"/>
+              <a:t>Click to edit Master text styles</a:t>
             </a:r>
           </a:p>
           <a:p>
             <a:pPr lvl="1"/>
             <a:r>
-              <a:rPr lang="es-ES"/>
-              <a:t>Segundo nivel</a:t>
+              <a:rPr lang="en-US"/>
+              <a:t>Second level</a:t>
             </a:r>
           </a:p>
           <a:p>
             <a:pPr lvl="2"/>
             <a:r>
-              <a:rPr lang="es-ES"/>
-              <a:t>Tercer nivel</a:t>
+              <a:rPr lang="en-US"/>
+              <a:t>Third level</a:t>
             </a:r>
           </a:p>
           <a:p>
             <a:pPr lvl="3"/>
             <a:r>
-              <a:rPr lang="es-ES"/>
-              <a:t>Cuarto nivel</a:t>
+              <a:rPr lang="en-US"/>
+              <a:t>Fourth level</a:t>
             </a:r>
           </a:p>
           <a:p>
             <a:pPr lvl="4"/>
             <a:r>
-              <a:rPr lang="es-ES"/>
-              <a:t>Quinto nivel</a:t>
-            </a:r>
-          </a:p>
-        </p:txBody>
-      </p:sp>
-      <p:sp>
-        <p:nvSpPr>
-          <p:cNvPr id="5" name="Marcador de texto 4">
-            <a:extLst>
-              <a:ext uri="{FF2B5EF4-FFF2-40B4-BE49-F238E27FC236}">
-                <a16:creationId xmlns:a16="http://schemas.microsoft.com/office/drawing/2014/main" id="{6B64915C-B29F-4879-851D-6F55FCAFD82E}"/>
-              </a:ext>
-            </a:extLst>
-          </p:cNvPr>
+              <a:rPr lang="en-US"/>
+              <a:t>Fifth level</a:t>
+            </a:r>
+            <a:endParaRPr lang="en-US" dirty="0"/>
+          </a:p>
+        </p:txBody>
+      </p:sp>
+      <p:sp>
+        <p:nvSpPr>
+          <p:cNvPr id="5" name="Text Placeholder 4"/>
           <p:cNvSpPr>
             <a:spLocks noGrp="1"/>
           </p:cNvSpPr>
@@ -1930,8 +3279,8 @@
         </p:nvSpPr>
         <p:spPr>
           <a:xfrm>
-            <a:off x="6172200" y="1681163"/>
-            <a:ext cx="5183188" cy="823912"/>
+            <a:off x="15326828" y="5241960"/>
+            <a:ext cx="12870909" cy="2569003"/>
           </a:xfrm>
         </p:spPr>
         <p:txBody>
@@ -1939,59 +3288,53 @@
           <a:lstStyle>
             <a:lvl1pPr marL="0" indent="0">
               <a:buNone/>
-              <a:defRPr sz="2400" b="1"/>
+              <a:defRPr sz="7483" b="1"/>
             </a:lvl1pPr>
-            <a:lvl2pPr marL="457200" indent="0">
+            <a:lvl2pPr marL="1425595" indent="0">
               <a:buNone/>
-              <a:defRPr sz="2000" b="1"/>
+              <a:defRPr sz="6236" b="1"/>
             </a:lvl2pPr>
-            <a:lvl3pPr marL="914400" indent="0">
+            <a:lvl3pPr marL="2851191" indent="0">
               <a:buNone/>
-              <a:defRPr sz="1800" b="1"/>
+              <a:defRPr sz="5613" b="1"/>
             </a:lvl3pPr>
-            <a:lvl4pPr marL="1371600" indent="0">
+            <a:lvl4pPr marL="4276786" indent="0">
               <a:buNone/>
-              <a:defRPr sz="1600" b="1"/>
+              <a:defRPr sz="4989" b="1"/>
             </a:lvl4pPr>
-            <a:lvl5pPr marL="1828800" indent="0">
+            <a:lvl5pPr marL="5702381" indent="0">
               <a:buNone/>
-              <a:defRPr sz="1600" b="1"/>
+              <a:defRPr sz="4989" b="1"/>
             </a:lvl5pPr>
-            <a:lvl6pPr marL="2286000" indent="0">
+            <a:lvl6pPr marL="7127977" indent="0">
               <a:buNone/>
-              <a:defRPr sz="1600" b="1"/>
+              <a:defRPr sz="4989" b="1"/>
             </a:lvl6pPr>
-            <a:lvl7pPr marL="2743200" indent="0">
+            <a:lvl7pPr marL="8553572" indent="0">
               <a:buNone/>
-              <a:defRPr sz="1600" b="1"/>
+              <a:defRPr sz="4989" b="1"/>
             </a:lvl7pPr>
-            <a:lvl8pPr marL="3200400" indent="0">
+            <a:lvl8pPr marL="9979167" indent="0">
               <a:buNone/>
-              <a:defRPr sz="1600" b="1"/>
+              <a:defRPr sz="4989" b="1"/>
             </a:lvl8pPr>
-            <a:lvl9pPr marL="3657600" indent="0">
+            <a:lvl9pPr marL="11404763" indent="0">
               <a:buNone/>
-              <a:defRPr sz="1600" b="1"/>
+              <a:defRPr sz="4989" b="1"/>
             </a:lvl9pPr>
           </a:lstStyle>
           <a:p>
             <a:pPr lvl="0"/>
             <a:r>
-              <a:rPr lang="es-ES"/>
-              <a:t>Haga clic para modificar los estilos de texto del patrón</a:t>
-            </a:r>
-          </a:p>
-        </p:txBody>
-      </p:sp>
-      <p:sp>
-        <p:nvSpPr>
-          <p:cNvPr id="6" name="Marcador de contenido 5">
-            <a:extLst>
-              <a:ext uri="{FF2B5EF4-FFF2-40B4-BE49-F238E27FC236}">
-                <a16:creationId xmlns:a16="http://schemas.microsoft.com/office/drawing/2014/main" id="{43AB1227-BDEC-4814-B8B8-370FF7C327D2}"/>
-              </a:ext>
-            </a:extLst>
-          </p:cNvPr>
+              <a:rPr lang="en-US"/>
+              <a:t>Click to edit Master text styles</a:t>
+            </a:r>
+          </a:p>
+        </p:txBody>
+      </p:sp>
+      <p:sp>
+        <p:nvSpPr>
+          <p:cNvPr id="6" name="Content Placeholder 5"/>
           <p:cNvSpPr>
             <a:spLocks noGrp="1"/>
           </p:cNvSpPr>
@@ -2001,8 +3344,8 @@
         </p:nvSpPr>
         <p:spPr>
           <a:xfrm>
-            <a:off x="6172200" y="2505075"/>
-            <a:ext cx="5183188" cy="3684588"/>
+            <a:off x="15326828" y="7810963"/>
+            <a:ext cx="12870909" cy="11488750"/>
           </a:xfrm>
         </p:spPr>
         <p:txBody>
@@ -2011,49 +3354,44 @@
           <a:p>
             <a:pPr lvl="0"/>
             <a:r>
-              <a:rPr lang="es-ES"/>
-              <a:t>Haga clic para modificar los estilos de texto del patrón</a:t>
+              <a:rPr lang="en-US"/>
+              <a:t>Click to edit Master text styles</a:t>
             </a:r>
           </a:p>
           <a:p>
             <a:pPr lvl="1"/>
             <a:r>
-              <a:rPr lang="es-ES"/>
-              <a:t>Segundo nivel</a:t>
+              <a:rPr lang="en-US"/>
+              <a:t>Second level</a:t>
             </a:r>
           </a:p>
           <a:p>
             <a:pPr lvl="2"/>
             <a:r>
-              <a:rPr lang="es-ES"/>
-              <a:t>Tercer nivel</a:t>
+              <a:rPr lang="en-US"/>
+              <a:t>Third level</a:t>
             </a:r>
           </a:p>
           <a:p>
             <a:pPr lvl="3"/>
             <a:r>
-              <a:rPr lang="es-ES"/>
-              <a:t>Cuarto nivel</a:t>
+              <a:rPr lang="en-US"/>
+              <a:t>Fourth level</a:t>
             </a:r>
           </a:p>
           <a:p>
             <a:pPr lvl="4"/>
             <a:r>
-              <a:rPr lang="es-ES"/>
-              <a:t>Quinto nivel</a:t>
-            </a:r>
-          </a:p>
-        </p:txBody>
-      </p:sp>
-      <p:sp>
-        <p:nvSpPr>
-          <p:cNvPr id="7" name="Marcador de fecha 6">
-            <a:extLst>
-              <a:ext uri="{FF2B5EF4-FFF2-40B4-BE49-F238E27FC236}">
-                <a16:creationId xmlns:a16="http://schemas.microsoft.com/office/drawing/2014/main" id="{29DF722B-E046-4A21-9030-1EDB56261BC9}"/>
-              </a:ext>
-            </a:extLst>
-          </p:cNvPr>
+              <a:rPr lang="en-US"/>
+              <a:t>Fifth level</a:t>
+            </a:r>
+            <a:endParaRPr lang="en-US" dirty="0"/>
+          </a:p>
+        </p:txBody>
+      </p:sp>
+      <p:sp>
+        <p:nvSpPr>
+          <p:cNvPr id="7" name="Date Placeholder 6"/>
           <p:cNvSpPr>
             <a:spLocks noGrp="1"/>
           </p:cNvSpPr>
@@ -2076,13 +3414,7 @@
       </p:sp>
       <p:sp>
         <p:nvSpPr>
-          <p:cNvPr id="8" name="Marcador de pie de página 7">
-            <a:extLst>
-              <a:ext uri="{FF2B5EF4-FFF2-40B4-BE49-F238E27FC236}">
-                <a16:creationId xmlns:a16="http://schemas.microsoft.com/office/drawing/2014/main" id="{42B1E4E8-15E2-4733-B302-E0C7474847BB}"/>
-              </a:ext>
-            </a:extLst>
-          </p:cNvPr>
+          <p:cNvPr id="8" name="Footer Placeholder 7"/>
           <p:cNvSpPr>
             <a:spLocks noGrp="1"/>
           </p:cNvSpPr>
@@ -2101,13 +3433,7 @@
       </p:sp>
       <p:sp>
         <p:nvSpPr>
-          <p:cNvPr id="9" name="Marcador de número de diapositiva 8">
-            <a:extLst>
-              <a:ext uri="{FF2B5EF4-FFF2-40B4-BE49-F238E27FC236}">
-                <a16:creationId xmlns:a16="http://schemas.microsoft.com/office/drawing/2014/main" id="{FF7C54F0-94BE-49DB-A35F-FC5CE2DBC582}"/>
-              </a:ext>
-            </a:extLst>
-          </p:cNvPr>
+          <p:cNvPr id="9" name="Slide Number Placeholder 8"/>
           <p:cNvSpPr>
             <a:spLocks noGrp="1"/>
           </p:cNvSpPr>
@@ -2131,7 +3457,7 @@
     </p:spTree>
     <p:extLst>
       <p:ext uri="{BB962C8B-B14F-4D97-AF65-F5344CB8AC3E}">
-        <p14:creationId xmlns:p14="http://schemas.microsoft.com/office/powerpoint/2010/main" val="2808263009"/>
+        <p14:creationId xmlns:p14="http://schemas.microsoft.com/office/powerpoint/2010/main" val="3263706541"/>
       </p:ext>
     </p:extLst>
   </p:cSld>
@@ -2143,7 +3469,7 @@
 
 <file path=ppt/slideLayouts/slideLayout6.xml><?xml version="1.0" encoding="utf-8"?>
 <p:sldLayout xmlns:a="http://schemas.openxmlformats.org/drawingml/2006/main" xmlns:r="http://schemas.openxmlformats.org/officeDocument/2006/relationships" xmlns:p="http://schemas.openxmlformats.org/presentationml/2006/main" type="titleOnly" preserve="1">
-  <p:cSld name="Solo el título">
+  <p:cSld name="Title Only">
     <p:spTree>
       <p:nvGrpSpPr>
         <p:cNvPr id="1" name=""/>
@@ -2160,13 +3486,7 @@
       </p:grpSpPr>
       <p:sp>
         <p:nvSpPr>
-          <p:cNvPr id="2" name="Título 1">
-            <a:extLst>
-              <a:ext uri="{FF2B5EF4-FFF2-40B4-BE49-F238E27FC236}">
-                <a16:creationId xmlns:a16="http://schemas.microsoft.com/office/drawing/2014/main" id="{72C963BB-98B9-406A-AC33-7163B97D6313}"/>
-              </a:ext>
-            </a:extLst>
-          </p:cNvPr>
+          <p:cNvPr id="2" name="Title 1"/>
           <p:cNvSpPr>
             <a:spLocks noGrp="1"/>
           </p:cNvSpPr>
@@ -2180,21 +3500,16 @@
           <a:lstStyle/>
           <a:p>
             <a:r>
-              <a:rPr lang="es-ES"/>
-              <a:t>Haga clic para modificar el estilo de título del patrón</a:t>
-            </a:r>
-          </a:p>
-        </p:txBody>
-      </p:sp>
-      <p:sp>
-        <p:nvSpPr>
-          <p:cNvPr id="3" name="Marcador de fecha 2">
-            <a:extLst>
-              <a:ext uri="{FF2B5EF4-FFF2-40B4-BE49-F238E27FC236}">
-                <a16:creationId xmlns:a16="http://schemas.microsoft.com/office/drawing/2014/main" id="{0B1E3C34-7E13-498F-A38C-12658B3B2A42}"/>
-              </a:ext>
-            </a:extLst>
-          </p:cNvPr>
+              <a:rPr lang="en-US"/>
+              <a:t>Click to edit Master title style</a:t>
+            </a:r>
+            <a:endParaRPr lang="en-US" dirty="0"/>
+          </a:p>
+        </p:txBody>
+      </p:sp>
+      <p:sp>
+        <p:nvSpPr>
+          <p:cNvPr id="3" name="Date Placeholder 2"/>
           <p:cNvSpPr>
             <a:spLocks noGrp="1"/>
           </p:cNvSpPr>
@@ -2217,13 +3532,7 @@
       </p:sp>
       <p:sp>
         <p:nvSpPr>
-          <p:cNvPr id="4" name="Marcador de pie de página 3">
-            <a:extLst>
-              <a:ext uri="{FF2B5EF4-FFF2-40B4-BE49-F238E27FC236}">
-                <a16:creationId xmlns:a16="http://schemas.microsoft.com/office/drawing/2014/main" id="{FAE31D94-CC5A-45B2-AC2A-588BCB1F4B3B}"/>
-              </a:ext>
-            </a:extLst>
-          </p:cNvPr>
+          <p:cNvPr id="4" name="Footer Placeholder 3"/>
           <p:cNvSpPr>
             <a:spLocks noGrp="1"/>
           </p:cNvSpPr>
@@ -2242,13 +3551,7 @@
       </p:sp>
       <p:sp>
         <p:nvSpPr>
-          <p:cNvPr id="5" name="Marcador de número de diapositiva 4">
-            <a:extLst>
-              <a:ext uri="{FF2B5EF4-FFF2-40B4-BE49-F238E27FC236}">
-                <a16:creationId xmlns:a16="http://schemas.microsoft.com/office/drawing/2014/main" id="{694E16F6-59ED-434D-AEA3-68A62B2D08B6}"/>
-              </a:ext>
-            </a:extLst>
-          </p:cNvPr>
+          <p:cNvPr id="5" name="Slide Number Placeholder 4"/>
           <p:cNvSpPr>
             <a:spLocks noGrp="1"/>
           </p:cNvSpPr>
@@ -2272,7 +3575,7 @@
     </p:spTree>
     <p:extLst>
       <p:ext uri="{BB962C8B-B14F-4D97-AF65-F5344CB8AC3E}">
-        <p14:creationId xmlns:p14="http://schemas.microsoft.com/office/powerpoint/2010/main" val="1740052069"/>
+        <p14:creationId xmlns:p14="http://schemas.microsoft.com/office/powerpoint/2010/main" val="3870435931"/>
       </p:ext>
     </p:extLst>
   </p:cSld>
@@ -2284,7 +3587,7 @@
 
 <file path=ppt/slideLayouts/slideLayout7.xml><?xml version="1.0" encoding="utf-8"?>
 <p:sldLayout xmlns:a="http://schemas.openxmlformats.org/drawingml/2006/main" xmlns:r="http://schemas.openxmlformats.org/officeDocument/2006/relationships" xmlns:p="http://schemas.openxmlformats.org/presentationml/2006/main" type="blank" preserve="1">
-  <p:cSld name="En blanco">
+  <p:cSld name="Blank">
     <p:spTree>
       <p:nvGrpSpPr>
         <p:cNvPr id="1" name=""/>
@@ -2301,13 +3604,7 @@
       </p:grpSpPr>
       <p:sp>
         <p:nvSpPr>
-          <p:cNvPr id="2" name="Marcador de fecha 1">
-            <a:extLst>
-              <a:ext uri="{FF2B5EF4-FFF2-40B4-BE49-F238E27FC236}">
-                <a16:creationId xmlns:a16="http://schemas.microsoft.com/office/drawing/2014/main" id="{BC25419D-934A-4C82-8A73-2C9E87852F7B}"/>
-              </a:ext>
-            </a:extLst>
-          </p:cNvPr>
+          <p:cNvPr id="2" name="Date Placeholder 1"/>
           <p:cNvSpPr>
             <a:spLocks noGrp="1"/>
           </p:cNvSpPr>
@@ -2330,13 +3627,7 @@
       </p:sp>
       <p:sp>
         <p:nvSpPr>
-          <p:cNvPr id="3" name="Marcador de pie de página 2">
-            <a:extLst>
-              <a:ext uri="{FF2B5EF4-FFF2-40B4-BE49-F238E27FC236}">
-                <a16:creationId xmlns:a16="http://schemas.microsoft.com/office/drawing/2014/main" id="{8C695FA2-382D-44D3-A158-6D7E4512B98B}"/>
-              </a:ext>
-            </a:extLst>
-          </p:cNvPr>
+          <p:cNvPr id="3" name="Footer Placeholder 2"/>
           <p:cNvSpPr>
             <a:spLocks noGrp="1"/>
           </p:cNvSpPr>
@@ -2355,13 +3646,7 @@
       </p:sp>
       <p:sp>
         <p:nvSpPr>
-          <p:cNvPr id="4" name="Marcador de número de diapositiva 3">
-            <a:extLst>
-              <a:ext uri="{FF2B5EF4-FFF2-40B4-BE49-F238E27FC236}">
-                <a16:creationId xmlns:a16="http://schemas.microsoft.com/office/drawing/2014/main" id="{E3C959E9-ABF4-4338-B368-5A6A5E58DD82}"/>
-              </a:ext>
-            </a:extLst>
-          </p:cNvPr>
+          <p:cNvPr id="4" name="Slide Number Placeholder 3"/>
           <p:cNvSpPr>
             <a:spLocks noGrp="1"/>
           </p:cNvSpPr>
@@ -2385,7 +3670,7 @@
     </p:spTree>
     <p:extLst>
       <p:ext uri="{BB962C8B-B14F-4D97-AF65-F5344CB8AC3E}">
-        <p14:creationId xmlns:p14="http://schemas.microsoft.com/office/powerpoint/2010/main" val="3264204201"/>
+        <p14:creationId xmlns:p14="http://schemas.microsoft.com/office/powerpoint/2010/main" val="455011304"/>
       </p:ext>
     </p:extLst>
   </p:cSld>
@@ -2397,7 +3682,7 @@
 
 <file path=ppt/slideLayouts/slideLayout8.xml><?xml version="1.0" encoding="utf-8"?>
 <p:sldLayout xmlns:a="http://schemas.openxmlformats.org/drawingml/2006/main" xmlns:r="http://schemas.openxmlformats.org/officeDocument/2006/relationships" xmlns:p="http://schemas.openxmlformats.org/presentationml/2006/main" type="objTx" preserve="1">
-  <p:cSld name="Contenido con título">
+  <p:cSld name="Content with Caption">
     <p:spTree>
       <p:nvGrpSpPr>
         <p:cNvPr id="1" name=""/>
@@ -2414,13 +3699,7 @@
       </p:grpSpPr>
       <p:sp>
         <p:nvSpPr>
-          <p:cNvPr id="2" name="Título 1">
-            <a:extLst>
-              <a:ext uri="{FF2B5EF4-FFF2-40B4-BE49-F238E27FC236}">
-                <a16:creationId xmlns:a16="http://schemas.microsoft.com/office/drawing/2014/main" id="{EB3A23A4-470B-4DCC-AB5A-6F8C22DA8B7C}"/>
-              </a:ext>
-            </a:extLst>
-          </p:cNvPr>
+          <p:cNvPr id="2" name="Title 1"/>
           <p:cNvSpPr>
             <a:spLocks noGrp="1"/>
           </p:cNvSpPr>
@@ -2430,34 +3709,29 @@
         </p:nvSpPr>
         <p:spPr>
           <a:xfrm>
-            <a:off x="839788" y="457200"/>
-            <a:ext cx="3932237" cy="1600200"/>
+            <a:off x="2085364" y="1425575"/>
+            <a:ext cx="9764544" cy="4989513"/>
           </a:xfrm>
         </p:spPr>
         <p:txBody>
           <a:bodyPr anchor="b"/>
           <a:lstStyle>
             <a:lvl1pPr>
-              <a:defRPr sz="3200"/>
+              <a:defRPr sz="9978"/>
             </a:lvl1pPr>
           </a:lstStyle>
           <a:p>
             <a:r>
-              <a:rPr lang="es-ES"/>
-              <a:t>Haga clic para modificar el estilo de título del patrón</a:t>
-            </a:r>
-          </a:p>
-        </p:txBody>
-      </p:sp>
-      <p:sp>
-        <p:nvSpPr>
-          <p:cNvPr id="3" name="Marcador de contenido 2">
-            <a:extLst>
-              <a:ext uri="{FF2B5EF4-FFF2-40B4-BE49-F238E27FC236}">
-                <a16:creationId xmlns:a16="http://schemas.microsoft.com/office/drawing/2014/main" id="{0604A6AA-40C8-46E7-9335-6982E8231A3E}"/>
-              </a:ext>
-            </a:extLst>
-          </p:cNvPr>
+              <a:rPr lang="en-US"/>
+              <a:t>Click to edit Master title style</a:t>
+            </a:r>
+            <a:endParaRPr lang="en-US" dirty="0"/>
+          </a:p>
+        </p:txBody>
+      </p:sp>
+      <p:sp>
+        <p:nvSpPr>
+          <p:cNvPr id="3" name="Content Placeholder 2"/>
           <p:cNvSpPr>
             <a:spLocks noGrp="1"/>
           </p:cNvSpPr>
@@ -2467,87 +3741,82 @@
         </p:nvSpPr>
         <p:spPr>
           <a:xfrm>
-            <a:off x="5183188" y="987425"/>
-            <a:ext cx="6172200" cy="4873625"/>
+            <a:off x="12870909" y="3078850"/>
+            <a:ext cx="15326827" cy="15196234"/>
           </a:xfrm>
         </p:spPr>
         <p:txBody>
           <a:bodyPr/>
           <a:lstStyle>
             <a:lvl1pPr>
-              <a:defRPr sz="3200"/>
+              <a:defRPr sz="9978"/>
             </a:lvl1pPr>
             <a:lvl2pPr>
-              <a:defRPr sz="2800"/>
+              <a:defRPr sz="8731"/>
             </a:lvl2pPr>
             <a:lvl3pPr>
-              <a:defRPr sz="2400"/>
+              <a:defRPr sz="7483"/>
             </a:lvl3pPr>
             <a:lvl4pPr>
-              <a:defRPr sz="2000"/>
+              <a:defRPr sz="6236"/>
             </a:lvl4pPr>
             <a:lvl5pPr>
-              <a:defRPr sz="2000"/>
+              <a:defRPr sz="6236"/>
             </a:lvl5pPr>
             <a:lvl6pPr>
-              <a:defRPr sz="2000"/>
+              <a:defRPr sz="6236"/>
             </a:lvl6pPr>
             <a:lvl7pPr>
-              <a:defRPr sz="2000"/>
+              <a:defRPr sz="6236"/>
             </a:lvl7pPr>
             <a:lvl8pPr>
-              <a:defRPr sz="2000"/>
+              <a:defRPr sz="6236"/>
             </a:lvl8pPr>
             <a:lvl9pPr>
-              <a:defRPr sz="2000"/>
+              <a:defRPr sz="6236"/>
             </a:lvl9pPr>
           </a:lstStyle>
           <a:p>
             <a:pPr lvl="0"/>
             <a:r>
-              <a:rPr lang="es-ES"/>
-              <a:t>Haga clic para modificar los estilos de texto del patrón</a:t>
+              <a:rPr lang="en-US"/>
+              <a:t>Click to edit Master text styles</a:t>
             </a:r>
           </a:p>
           <a:p>
             <a:pPr lvl="1"/>
             <a:r>
-              <a:rPr lang="es-ES"/>
-              <a:t>Segundo nivel</a:t>
+              <a:rPr lang="en-US"/>
+              <a:t>Second level</a:t>
             </a:r>
           </a:p>
           <a:p>
             <a:pPr lvl="2"/>
             <a:r>
-              <a:rPr lang="es-ES"/>
-              <a:t>Tercer nivel</a:t>
+              <a:rPr lang="en-US"/>
+              <a:t>Third level</a:t>
             </a:r>
           </a:p>
           <a:p>
             <a:pPr lvl="3"/>
             <a:r>
-              <a:rPr lang="es-ES"/>
-              <a:t>Cuarto nivel</a:t>
+              <a:rPr lang="en-US"/>
+              <a:t>Fourth level</a:t>
             </a:r>
           </a:p>
           <a:p>
             <a:pPr lvl="4"/>
             <a:r>
-              <a:rPr lang="es-ES"/>
-              <a:t>Quinto nivel</a:t>
-            </a:r>
-          </a:p>
-        </p:txBody>
-      </p:sp>
-      <p:sp>
-        <p:nvSpPr>
-          <p:cNvPr id="4" name="Marcador de texto 3">
-            <a:extLst>
-              <a:ext uri="{FF2B5EF4-FFF2-40B4-BE49-F238E27FC236}">
-                <a16:creationId xmlns:a16="http://schemas.microsoft.com/office/drawing/2014/main" id="{3F900D2A-AC9D-4251-9DC7-A16D5D7E17B2}"/>
-              </a:ext>
-            </a:extLst>
-          </p:cNvPr>
+              <a:rPr lang="en-US"/>
+              <a:t>Fifth level</a:t>
+            </a:r>
+            <a:endParaRPr lang="en-US" dirty="0"/>
+          </a:p>
+        </p:txBody>
+      </p:sp>
+      <p:sp>
+        <p:nvSpPr>
+          <p:cNvPr id="4" name="Text Placeholder 3"/>
           <p:cNvSpPr>
             <a:spLocks noGrp="1"/>
           </p:cNvSpPr>
@@ -2557,8 +3826,8 @@
         </p:nvSpPr>
         <p:spPr>
           <a:xfrm>
-            <a:off x="839788" y="2057400"/>
-            <a:ext cx="3932237" cy="3811588"/>
+            <a:off x="2085364" y="6415088"/>
+            <a:ext cx="9764544" cy="11884743"/>
           </a:xfrm>
         </p:spPr>
         <p:txBody>
@@ -2566,59 +3835,53 @@
           <a:lstStyle>
             <a:lvl1pPr marL="0" indent="0">
               <a:buNone/>
-              <a:defRPr sz="1600"/>
+              <a:defRPr sz="4989"/>
             </a:lvl1pPr>
-            <a:lvl2pPr marL="457200" indent="0">
+            <a:lvl2pPr marL="1425595" indent="0">
               <a:buNone/>
-              <a:defRPr sz="1400"/>
+              <a:defRPr sz="4365"/>
             </a:lvl2pPr>
-            <a:lvl3pPr marL="914400" indent="0">
+            <a:lvl3pPr marL="2851191" indent="0">
               <a:buNone/>
-              <a:defRPr sz="1200"/>
+              <a:defRPr sz="3742"/>
             </a:lvl3pPr>
-            <a:lvl4pPr marL="1371600" indent="0">
+            <a:lvl4pPr marL="4276786" indent="0">
               <a:buNone/>
-              <a:defRPr sz="1000"/>
+              <a:defRPr sz="3118"/>
             </a:lvl4pPr>
-            <a:lvl5pPr marL="1828800" indent="0">
+            <a:lvl5pPr marL="5702381" indent="0">
               <a:buNone/>
-              <a:defRPr sz="1000"/>
+              <a:defRPr sz="3118"/>
             </a:lvl5pPr>
-            <a:lvl6pPr marL="2286000" indent="0">
+            <a:lvl6pPr marL="7127977" indent="0">
               <a:buNone/>
-              <a:defRPr sz="1000"/>
+              <a:defRPr sz="3118"/>
             </a:lvl6pPr>
-            <a:lvl7pPr marL="2743200" indent="0">
+            <a:lvl7pPr marL="8553572" indent="0">
               <a:buNone/>
-              <a:defRPr sz="1000"/>
+              <a:defRPr sz="3118"/>
             </a:lvl7pPr>
-            <a:lvl8pPr marL="3200400" indent="0">
+            <a:lvl8pPr marL="9979167" indent="0">
               <a:buNone/>
-              <a:defRPr sz="1000"/>
+              <a:defRPr sz="3118"/>
             </a:lvl8pPr>
-            <a:lvl9pPr marL="3657600" indent="0">
+            <a:lvl9pPr marL="11404763" indent="0">
               <a:buNone/>
-              <a:defRPr sz="1000"/>
+              <a:defRPr sz="3118"/>
             </a:lvl9pPr>
           </a:lstStyle>
           <a:p>
             <a:pPr lvl="0"/>
             <a:r>
-              <a:rPr lang="es-ES"/>
-              <a:t>Haga clic para modificar los estilos de texto del patrón</a:t>
-            </a:r>
-          </a:p>
-        </p:txBody>
-      </p:sp>
-      <p:sp>
-        <p:nvSpPr>
-          <p:cNvPr id="5" name="Marcador de fecha 4">
-            <a:extLst>
-              <a:ext uri="{FF2B5EF4-FFF2-40B4-BE49-F238E27FC236}">
-                <a16:creationId xmlns:a16="http://schemas.microsoft.com/office/drawing/2014/main" id="{711C3AD0-7300-471D-984D-655F0EAD6AE6}"/>
-              </a:ext>
-            </a:extLst>
-          </p:cNvPr>
+              <a:rPr lang="en-US"/>
+              <a:t>Click to edit Master text styles</a:t>
+            </a:r>
+          </a:p>
+        </p:txBody>
+      </p:sp>
+      <p:sp>
+        <p:nvSpPr>
+          <p:cNvPr id="5" name="Date Placeholder 4"/>
           <p:cNvSpPr>
             <a:spLocks noGrp="1"/>
           </p:cNvSpPr>
@@ -2641,13 +3904,7 @@
       </p:sp>
       <p:sp>
         <p:nvSpPr>
-          <p:cNvPr id="6" name="Marcador de pie de página 5">
-            <a:extLst>
-              <a:ext uri="{FF2B5EF4-FFF2-40B4-BE49-F238E27FC236}">
-                <a16:creationId xmlns:a16="http://schemas.microsoft.com/office/drawing/2014/main" id="{1C53DB81-ADBC-4BBB-AEF9-6D3F08E389D5}"/>
-              </a:ext>
-            </a:extLst>
-          </p:cNvPr>
+          <p:cNvPr id="6" name="Footer Placeholder 5"/>
           <p:cNvSpPr>
             <a:spLocks noGrp="1"/>
           </p:cNvSpPr>
@@ -2666,13 +3923,7 @@
       </p:sp>
       <p:sp>
         <p:nvSpPr>
-          <p:cNvPr id="7" name="Marcador de número de diapositiva 6">
-            <a:extLst>
-              <a:ext uri="{FF2B5EF4-FFF2-40B4-BE49-F238E27FC236}">
-                <a16:creationId xmlns:a16="http://schemas.microsoft.com/office/drawing/2014/main" id="{D0AD21BD-8821-4CA8-8A63-DEE935A0AF39}"/>
-              </a:ext>
-            </a:extLst>
-          </p:cNvPr>
+          <p:cNvPr id="7" name="Slide Number Placeholder 6"/>
           <p:cNvSpPr>
             <a:spLocks noGrp="1"/>
           </p:cNvSpPr>
@@ -2696,7 +3947,7 @@
     </p:spTree>
     <p:extLst>
       <p:ext uri="{BB962C8B-B14F-4D97-AF65-F5344CB8AC3E}">
-        <p14:creationId xmlns:p14="http://schemas.microsoft.com/office/powerpoint/2010/main" val="2827152027"/>
+        <p14:creationId xmlns:p14="http://schemas.microsoft.com/office/powerpoint/2010/main" val="2188128276"/>
       </p:ext>
     </p:extLst>
   </p:cSld>
@@ -2708,7 +3959,7 @@
 
 <file path=ppt/slideLayouts/slideLayout9.xml><?xml version="1.0" encoding="utf-8"?>
 <p:sldLayout xmlns:a="http://schemas.openxmlformats.org/drawingml/2006/main" xmlns:r="http://schemas.openxmlformats.org/officeDocument/2006/relationships" xmlns:p="http://schemas.openxmlformats.org/presentationml/2006/main" type="picTx" preserve="1">
-  <p:cSld name="Imagen con título">
+  <p:cSld name="Picture with Caption">
     <p:spTree>
       <p:nvGrpSpPr>
         <p:cNvPr id="1" name=""/>
@@ -2725,13 +3976,7 @@
       </p:grpSpPr>
       <p:sp>
         <p:nvSpPr>
-          <p:cNvPr id="2" name="Título 1">
-            <a:extLst>
-              <a:ext uri="{FF2B5EF4-FFF2-40B4-BE49-F238E27FC236}">
-                <a16:creationId xmlns:a16="http://schemas.microsoft.com/office/drawing/2014/main" id="{90563BC0-1FB2-4FB7-A196-DF6E42C24F7C}"/>
-              </a:ext>
-            </a:extLst>
-          </p:cNvPr>
+          <p:cNvPr id="2" name="Title 1"/>
           <p:cNvSpPr>
             <a:spLocks noGrp="1"/>
           </p:cNvSpPr>
@@ -2741,36 +3986,31 @@
         </p:nvSpPr>
         <p:spPr>
           <a:xfrm>
-            <a:off x="839788" y="457200"/>
-            <a:ext cx="3932237" cy="1600200"/>
+            <a:off x="2085364" y="1425575"/>
+            <a:ext cx="9764544" cy="4989513"/>
           </a:xfrm>
         </p:spPr>
         <p:txBody>
           <a:bodyPr anchor="b"/>
           <a:lstStyle>
             <a:lvl1pPr>
-              <a:defRPr sz="3200"/>
+              <a:defRPr sz="9978"/>
             </a:lvl1pPr>
           </a:lstStyle>
           <a:p>
             <a:r>
-              <a:rPr lang="es-ES"/>
-              <a:t>Haga clic para modificar el estilo de título del patrón</a:t>
-            </a:r>
-          </a:p>
-        </p:txBody>
-      </p:sp>
-      <p:sp>
-        <p:nvSpPr>
-          <p:cNvPr id="3" name="Marcador de posición de imagen 2">
-            <a:extLst>
-              <a:ext uri="{FF2B5EF4-FFF2-40B4-BE49-F238E27FC236}">
-                <a16:creationId xmlns:a16="http://schemas.microsoft.com/office/drawing/2014/main" id="{B598248A-82CA-421D-8D84-28028B705A5C}"/>
-              </a:ext>
-            </a:extLst>
-          </p:cNvPr>
+              <a:rPr lang="en-US"/>
+              <a:t>Click to edit Master title style</a:t>
+            </a:r>
+            <a:endParaRPr lang="en-US" dirty="0"/>
+          </a:p>
+        </p:txBody>
+      </p:sp>
+      <p:sp>
+        <p:nvSpPr>
+          <p:cNvPr id="3" name="Picture Placeholder 2"/>
           <p:cNvSpPr>
-            <a:spLocks noGrp="1"/>
+            <a:spLocks noGrp="1" noChangeAspect="1"/>
           </p:cNvSpPr>
           <p:nvPr>
             <p:ph type="pic" idx="1"/>
@@ -2778,64 +4018,62 @@
         </p:nvSpPr>
         <p:spPr>
           <a:xfrm>
-            <a:off x="5183188" y="987425"/>
-            <a:ext cx="6172200" cy="4873625"/>
-          </a:xfrm>
-        </p:spPr>
-        <p:txBody>
-          <a:bodyPr/>
+            <a:off x="12870909" y="3078850"/>
+            <a:ext cx="15326827" cy="15196234"/>
+          </a:xfrm>
+        </p:spPr>
+        <p:txBody>
+          <a:bodyPr anchor="t"/>
           <a:lstStyle>
             <a:lvl1pPr marL="0" indent="0">
               <a:buNone/>
-              <a:defRPr sz="3200"/>
+              <a:defRPr sz="9978"/>
             </a:lvl1pPr>
-            <a:lvl2pPr marL="457200" indent="0">
+            <a:lvl2pPr marL="1425595" indent="0">
               <a:buNone/>
-              <a:defRPr sz="2800"/>
+              <a:defRPr sz="8731"/>
             </a:lvl2pPr>
-            <a:lvl3pPr marL="914400" indent="0">
+            <a:lvl3pPr marL="2851191" indent="0">
               <a:buNone/>
-              <a:defRPr sz="2400"/>
+              <a:defRPr sz="7483"/>
             </a:lvl3pPr>
-            <a:lvl4pPr marL="1371600" indent="0">
+            <a:lvl4pPr marL="4276786" indent="0">
               <a:buNone/>
-              <a:defRPr sz="2000"/>
+              <a:defRPr sz="6236"/>
             </a:lvl4pPr>
-            <a:lvl5pPr marL="1828800" indent="0">
+            <a:lvl5pPr marL="5702381" indent="0">
               <a:buNone/>
-              <a:defRPr sz="2000"/>
+              <a:defRPr sz="6236"/>
             </a:lvl5pPr>
-            <a:lvl6pPr marL="2286000" indent="0">
+            <a:lvl6pPr marL="7127977" indent="0">
               <a:buNone/>
-              <a:defRPr sz="2000"/>
+              <a:defRPr sz="6236"/>
             </a:lvl6pPr>
-            <a:lvl7pPr marL="2743200" indent="0">
+            <a:lvl7pPr marL="8553572" indent="0">
               <a:buNone/>
-              <a:defRPr sz="2000"/>
+              <a:defRPr sz="6236"/>
             </a:lvl7pPr>
-            <a:lvl8pPr marL="3200400" indent="0">
+            <a:lvl8pPr marL="9979167" indent="0">
               <a:buNone/>
-              <a:defRPr sz="2000"/>
+              <a:defRPr sz="6236"/>
             </a:lvl8pPr>
-            <a:lvl9pPr marL="3657600" indent="0">
+            <a:lvl9pPr marL="11404763" indent="0">
               <a:buNone/>
-              <a:defRPr sz="2000"/>
+              <a:defRPr sz="6236"/>
             </a:lvl9pPr>
           </a:lstStyle>
           <a:p>
-            <a:endParaRPr lang="es-ES"/>
-          </a:p>
-        </p:txBody>
-      </p:sp>
-      <p:sp>
-        <p:nvSpPr>
-          <p:cNvPr id="4" name="Marcador de texto 3">
-            <a:extLst>
-              <a:ext uri="{FF2B5EF4-FFF2-40B4-BE49-F238E27FC236}">
-                <a16:creationId xmlns:a16="http://schemas.microsoft.com/office/drawing/2014/main" id="{88D0AC20-5B3C-42D1-AEF6-6E498F35ABB7}"/>
-              </a:ext>
-            </a:extLst>
-          </p:cNvPr>
+            <a:r>
+              <a:rPr lang="en-US"/>
+              <a:t>Click icon to add picture</a:t>
+            </a:r>
+            <a:endParaRPr lang="en-US" dirty="0"/>
+          </a:p>
+        </p:txBody>
+      </p:sp>
+      <p:sp>
+        <p:nvSpPr>
+          <p:cNvPr id="4" name="Text Placeholder 3"/>
           <p:cNvSpPr>
             <a:spLocks noGrp="1"/>
           </p:cNvSpPr>
@@ -2845,8 +4083,8 @@
         </p:nvSpPr>
         <p:spPr>
           <a:xfrm>
-            <a:off x="839788" y="2057400"/>
-            <a:ext cx="3932237" cy="3811588"/>
+            <a:off x="2085364" y="6415088"/>
+            <a:ext cx="9764544" cy="11884743"/>
           </a:xfrm>
         </p:spPr>
         <p:txBody>
@@ -2854,59 +4092,53 @@
           <a:lstStyle>
             <a:lvl1pPr marL="0" indent="0">
               <a:buNone/>
-              <a:defRPr sz="1600"/>
+              <a:defRPr sz="4989"/>
             </a:lvl1pPr>
-            <a:lvl2pPr marL="457200" indent="0">
+            <a:lvl2pPr marL="1425595" indent="0">
               <a:buNone/>
-              <a:defRPr sz="1400"/>
+              <a:defRPr sz="4365"/>
             </a:lvl2pPr>
-            <a:lvl3pPr marL="914400" indent="0">
+            <a:lvl3pPr marL="2851191" indent="0">
               <a:buNone/>
-              <a:defRPr sz="1200"/>
+              <a:defRPr sz="3742"/>
             </a:lvl3pPr>
-            <a:lvl4pPr marL="1371600" indent="0">
+            <a:lvl4pPr marL="4276786" indent="0">
               <a:buNone/>
-              <a:defRPr sz="1000"/>
+              <a:defRPr sz="3118"/>
             </a:lvl4pPr>
-            <a:lvl5pPr marL="1828800" indent="0">
+            <a:lvl5pPr marL="5702381" indent="0">
               <a:buNone/>
-              <a:defRPr sz="1000"/>
+              <a:defRPr sz="3118"/>
             </a:lvl5pPr>
-            <a:lvl6pPr marL="2286000" indent="0">
+            <a:lvl6pPr marL="7127977" indent="0">
               <a:buNone/>
-              <a:defRPr sz="1000"/>
+              <a:defRPr sz="3118"/>
             </a:lvl6pPr>
-            <a:lvl7pPr marL="2743200" indent="0">
+            <a:lvl7pPr marL="8553572" indent="0">
               <a:buNone/>
-              <a:defRPr sz="1000"/>
+              <a:defRPr sz="3118"/>
             </a:lvl7pPr>
-            <a:lvl8pPr marL="3200400" indent="0">
+            <a:lvl8pPr marL="9979167" indent="0">
               <a:buNone/>
-              <a:defRPr sz="1000"/>
+              <a:defRPr sz="3118"/>
             </a:lvl8pPr>
-            <a:lvl9pPr marL="3657600" indent="0">
+            <a:lvl9pPr marL="11404763" indent="0">
               <a:buNone/>
-              <a:defRPr sz="1000"/>
+              <a:defRPr sz="3118"/>
             </a:lvl9pPr>
           </a:lstStyle>
           <a:p>
             <a:pPr lvl="0"/>
             <a:r>
-              <a:rPr lang="es-ES"/>
-              <a:t>Haga clic para modificar los estilos de texto del patrón</a:t>
-            </a:r>
-          </a:p>
-        </p:txBody>
-      </p:sp>
-      <p:sp>
-        <p:nvSpPr>
-          <p:cNvPr id="5" name="Marcador de fecha 4">
-            <a:extLst>
-              <a:ext uri="{FF2B5EF4-FFF2-40B4-BE49-F238E27FC236}">
-                <a16:creationId xmlns:a16="http://schemas.microsoft.com/office/drawing/2014/main" id="{8439BE31-ABE1-44D4-AF6A-F184265DB491}"/>
-              </a:ext>
-            </a:extLst>
-          </p:cNvPr>
+              <a:rPr lang="en-US"/>
+              <a:t>Click to edit Master text styles</a:t>
+            </a:r>
+          </a:p>
+        </p:txBody>
+      </p:sp>
+      <p:sp>
+        <p:nvSpPr>
+          <p:cNvPr id="5" name="Date Placeholder 4"/>
           <p:cNvSpPr>
             <a:spLocks noGrp="1"/>
           </p:cNvSpPr>
@@ -2929,13 +4161,7 @@
       </p:sp>
       <p:sp>
         <p:nvSpPr>
-          <p:cNvPr id="6" name="Marcador de pie de página 5">
-            <a:extLst>
-              <a:ext uri="{FF2B5EF4-FFF2-40B4-BE49-F238E27FC236}">
-                <a16:creationId xmlns:a16="http://schemas.microsoft.com/office/drawing/2014/main" id="{D7F754ED-A3E4-4B56-9E4F-14ABE21C8A23}"/>
-              </a:ext>
-            </a:extLst>
-          </p:cNvPr>
+          <p:cNvPr id="6" name="Footer Placeholder 5"/>
           <p:cNvSpPr>
             <a:spLocks noGrp="1"/>
           </p:cNvSpPr>
@@ -2954,13 +4180,7 @@
       </p:sp>
       <p:sp>
         <p:nvSpPr>
-          <p:cNvPr id="7" name="Marcador de número de diapositiva 6">
-            <a:extLst>
-              <a:ext uri="{FF2B5EF4-FFF2-40B4-BE49-F238E27FC236}">
-                <a16:creationId xmlns:a16="http://schemas.microsoft.com/office/drawing/2014/main" id="{2A8E5E7F-0619-4A14-8931-D8E48860425F}"/>
-              </a:ext>
-            </a:extLst>
-          </p:cNvPr>
+          <p:cNvPr id="7" name="Slide Number Placeholder 6"/>
           <p:cNvSpPr>
             <a:spLocks noGrp="1"/>
           </p:cNvSpPr>
@@ -2984,7 +4204,7 @@
     </p:spTree>
     <p:extLst>
       <p:ext uri="{BB962C8B-B14F-4D97-AF65-F5344CB8AC3E}">
-        <p14:creationId xmlns:p14="http://schemas.microsoft.com/office/powerpoint/2010/main" val="187785289"/>
+        <p14:creationId xmlns:p14="http://schemas.microsoft.com/office/powerpoint/2010/main" val="3066696847"/>
       </p:ext>
     </p:extLst>
   </p:cSld>
@@ -3018,13 +4238,7 @@
       </p:grpSpPr>
       <p:sp>
         <p:nvSpPr>
-          <p:cNvPr id="2" name="Marcador de título 1">
-            <a:extLst>
-              <a:ext uri="{FF2B5EF4-FFF2-40B4-BE49-F238E27FC236}">
-                <a16:creationId xmlns:a16="http://schemas.microsoft.com/office/drawing/2014/main" id="{EFA3DBD0-77D5-4E0D-AFB4-2889E24BB060}"/>
-              </a:ext>
-            </a:extLst>
-          </p:cNvPr>
+          <p:cNvPr id="2" name="Title Placeholder 1"/>
           <p:cNvSpPr>
             <a:spLocks noGrp="1"/>
           </p:cNvSpPr>
@@ -3034,8 +4248,8 @@
         </p:nvSpPr>
         <p:spPr>
           <a:xfrm>
-            <a:off x="838200" y="365125"/>
-            <a:ext cx="10515600" cy="1325563"/>
+            <a:off x="2081421" y="1138485"/>
+            <a:ext cx="26112371" cy="4133179"/>
           </a:xfrm>
           <a:prstGeom prst="rect">
             <a:avLst/>
@@ -3048,21 +4262,16 @@
           <a:lstStyle/>
           <a:p>
             <a:r>
-              <a:rPr lang="es-ES"/>
-              <a:t>Haga clic para modificar el estilo de título del patrón</a:t>
-            </a:r>
-          </a:p>
-        </p:txBody>
-      </p:sp>
-      <p:sp>
-        <p:nvSpPr>
-          <p:cNvPr id="3" name="Marcador de texto 2">
-            <a:extLst>
-              <a:ext uri="{FF2B5EF4-FFF2-40B4-BE49-F238E27FC236}">
-                <a16:creationId xmlns:a16="http://schemas.microsoft.com/office/drawing/2014/main" id="{FCD535ED-941F-4CC3-902A-97731EABCDA9}"/>
-              </a:ext>
-            </a:extLst>
-          </p:cNvPr>
+              <a:rPr lang="en-US"/>
+              <a:t>Click to edit Master title style</a:t>
+            </a:r>
+            <a:endParaRPr lang="en-US" dirty="0"/>
+          </a:p>
+        </p:txBody>
+      </p:sp>
+      <p:sp>
+        <p:nvSpPr>
+          <p:cNvPr id="3" name="Text Placeholder 2"/>
           <p:cNvSpPr>
             <a:spLocks noGrp="1"/>
           </p:cNvSpPr>
@@ -3072,8 +4281,8 @@
         </p:nvSpPr>
         <p:spPr>
           <a:xfrm>
-            <a:off x="838200" y="1825625"/>
-            <a:ext cx="10515600" cy="4351338"/>
+            <a:off x="2081421" y="5692400"/>
+            <a:ext cx="26112371" cy="13567714"/>
           </a:xfrm>
           <a:prstGeom prst="rect">
             <a:avLst/>
@@ -3087,49 +4296,44 @@
           <a:p>
             <a:pPr lvl="0"/>
             <a:r>
-              <a:rPr lang="es-ES"/>
-              <a:t>Haga clic para modificar los estilos de texto del patrón</a:t>
+              <a:rPr lang="en-US"/>
+              <a:t>Click to edit Master text styles</a:t>
             </a:r>
           </a:p>
           <a:p>
             <a:pPr lvl="1"/>
             <a:r>
-              <a:rPr lang="es-ES"/>
-              <a:t>Segundo nivel</a:t>
+              <a:rPr lang="en-US"/>
+              <a:t>Second level</a:t>
             </a:r>
           </a:p>
           <a:p>
             <a:pPr lvl="2"/>
             <a:r>
-              <a:rPr lang="es-ES"/>
-              <a:t>Tercer nivel</a:t>
+              <a:rPr lang="en-US"/>
+              <a:t>Third level</a:t>
             </a:r>
           </a:p>
           <a:p>
             <a:pPr lvl="3"/>
             <a:r>
-              <a:rPr lang="es-ES"/>
-              <a:t>Cuarto nivel</a:t>
+              <a:rPr lang="en-US"/>
+              <a:t>Fourth level</a:t>
             </a:r>
           </a:p>
           <a:p>
             <a:pPr lvl="4"/>
             <a:r>
-              <a:rPr lang="es-ES"/>
-              <a:t>Quinto nivel</a:t>
-            </a:r>
-          </a:p>
-        </p:txBody>
-      </p:sp>
-      <p:sp>
-        <p:nvSpPr>
-          <p:cNvPr id="4" name="Marcador de fecha 3">
-            <a:extLst>
-              <a:ext uri="{FF2B5EF4-FFF2-40B4-BE49-F238E27FC236}">
-                <a16:creationId xmlns:a16="http://schemas.microsoft.com/office/drawing/2014/main" id="{3A7B300A-AEC0-4079-9F42-F14B3DC4FB2F}"/>
-              </a:ext>
-            </a:extLst>
-          </p:cNvPr>
+              <a:rPr lang="en-US"/>
+              <a:t>Fifth level</a:t>
+            </a:r>
+            <a:endParaRPr lang="en-US" dirty="0"/>
+          </a:p>
+        </p:txBody>
+      </p:sp>
+      <p:sp>
+        <p:nvSpPr>
+          <p:cNvPr id="4" name="Date Placeholder 3"/>
           <p:cNvSpPr>
             <a:spLocks noGrp="1"/>
           </p:cNvSpPr>
@@ -3139,8 +4343,8 @@
         </p:nvSpPr>
         <p:spPr>
           <a:xfrm>
-            <a:off x="838200" y="6356350"/>
-            <a:ext cx="2743200" cy="365125"/>
+            <a:off x="2081421" y="19819457"/>
+            <a:ext cx="6811923" cy="1138480"/>
           </a:xfrm>
           <a:prstGeom prst="rect">
             <a:avLst/>
@@ -3150,7 +4354,7 @@
           <a:bodyPr vert="horz" lIns="91440" tIns="45720" rIns="91440" bIns="45720" rtlCol="0" anchor="ctr"/>
           <a:lstStyle>
             <a:lvl1pPr algn="l">
-              <a:defRPr sz="1200">
+              <a:defRPr sz="3742">
                 <a:solidFill>
                   <a:schemeClr val="tx1">
                     <a:tint val="75000"/>
@@ -3170,13 +4374,7 @@
       </p:sp>
       <p:sp>
         <p:nvSpPr>
-          <p:cNvPr id="5" name="Marcador de pie de página 4">
-            <a:extLst>
-              <a:ext uri="{FF2B5EF4-FFF2-40B4-BE49-F238E27FC236}">
-                <a16:creationId xmlns:a16="http://schemas.microsoft.com/office/drawing/2014/main" id="{E060D5B9-4657-4546-B7C4-6CE28F2C9C51}"/>
-              </a:ext>
-            </a:extLst>
-          </p:cNvPr>
+          <p:cNvPr id="5" name="Footer Placeholder 4"/>
           <p:cNvSpPr>
             <a:spLocks noGrp="1"/>
           </p:cNvSpPr>
@@ -3186,8 +4384,8 @@
         </p:nvSpPr>
         <p:spPr>
           <a:xfrm>
-            <a:off x="4038600" y="6356350"/>
-            <a:ext cx="4114800" cy="365125"/>
+            <a:off x="10028665" y="19819457"/>
+            <a:ext cx="10217884" cy="1138480"/>
           </a:xfrm>
           <a:prstGeom prst="rect">
             <a:avLst/>
@@ -3197,7 +4395,7 @@
           <a:bodyPr vert="horz" lIns="91440" tIns="45720" rIns="91440" bIns="45720" rtlCol="0" anchor="ctr"/>
           <a:lstStyle>
             <a:lvl1pPr algn="ctr">
-              <a:defRPr sz="1200">
+              <a:defRPr sz="3742">
                 <a:solidFill>
                   <a:schemeClr val="tx1">
                     <a:tint val="75000"/>
@@ -3213,13 +4411,7 @@
       </p:sp>
       <p:sp>
         <p:nvSpPr>
-          <p:cNvPr id="6" name="Marcador de número de diapositiva 5">
-            <a:extLst>
-              <a:ext uri="{FF2B5EF4-FFF2-40B4-BE49-F238E27FC236}">
-                <a16:creationId xmlns:a16="http://schemas.microsoft.com/office/drawing/2014/main" id="{2E24CA88-C816-4ADE-98A0-81523CBB0688}"/>
-              </a:ext>
-            </a:extLst>
-          </p:cNvPr>
+          <p:cNvPr id="6" name="Slide Number Placeholder 5"/>
           <p:cNvSpPr>
             <a:spLocks noGrp="1"/>
           </p:cNvSpPr>
@@ -3229,8 +4421,8 @@
         </p:nvSpPr>
         <p:spPr>
           <a:xfrm>
-            <a:off x="8610600" y="6356350"/>
-            <a:ext cx="2743200" cy="365125"/>
+            <a:off x="21381869" y="19819457"/>
+            <a:ext cx="6811923" cy="1138480"/>
           </a:xfrm>
           <a:prstGeom prst="rect">
             <a:avLst/>
@@ -3240,7 +4432,7 @@
           <a:bodyPr vert="horz" lIns="91440" tIns="45720" rIns="91440" bIns="45720" rtlCol="0" anchor="ctr"/>
           <a:lstStyle>
             <a:lvl1pPr algn="r">
-              <a:defRPr sz="1200">
+              <a:defRPr sz="3742">
                 <a:solidFill>
                   <a:schemeClr val="tx1">
                     <a:tint val="75000"/>
@@ -3261,27 +4453,27 @@
     </p:spTree>
     <p:extLst>
       <p:ext uri="{BB962C8B-B14F-4D97-AF65-F5344CB8AC3E}">
-        <p14:creationId xmlns:p14="http://schemas.microsoft.com/office/powerpoint/2010/main" val="3259125667"/>
+        <p14:creationId xmlns:p14="http://schemas.microsoft.com/office/powerpoint/2010/main" val="2520255350"/>
       </p:ext>
     </p:extLst>
   </p:cSld>
   <p:clrMap bg1="lt1" tx1="dk1" bg2="lt2" tx2="dk2" accent1="accent1" accent2="accent2" accent3="accent3" accent4="accent4" accent5="accent5" accent6="accent6" hlink="hlink" folHlink="folHlink"/>
   <p:sldLayoutIdLst>
-    <p:sldLayoutId id="2147483649" r:id="rId1"/>
-    <p:sldLayoutId id="2147483650" r:id="rId2"/>
-    <p:sldLayoutId id="2147483651" r:id="rId3"/>
-    <p:sldLayoutId id="2147483652" r:id="rId4"/>
-    <p:sldLayoutId id="2147483653" r:id="rId5"/>
-    <p:sldLayoutId id="2147483654" r:id="rId6"/>
-    <p:sldLayoutId id="2147483655" r:id="rId7"/>
-    <p:sldLayoutId id="2147483656" r:id="rId8"/>
-    <p:sldLayoutId id="2147483657" r:id="rId9"/>
-    <p:sldLayoutId id="2147483658" r:id="rId10"/>
-    <p:sldLayoutId id="2147483659" r:id="rId11"/>
+    <p:sldLayoutId id="2147483661" r:id="rId1"/>
+    <p:sldLayoutId id="2147483662" r:id="rId2"/>
+    <p:sldLayoutId id="2147483663" r:id="rId3"/>
+    <p:sldLayoutId id="2147483664" r:id="rId4"/>
+    <p:sldLayoutId id="2147483665" r:id="rId5"/>
+    <p:sldLayoutId id="2147483666" r:id="rId6"/>
+    <p:sldLayoutId id="2147483667" r:id="rId7"/>
+    <p:sldLayoutId id="2147483668" r:id="rId8"/>
+    <p:sldLayoutId id="2147483669" r:id="rId9"/>
+    <p:sldLayoutId id="2147483670" r:id="rId10"/>
+    <p:sldLayoutId id="2147483671" r:id="rId11"/>
   </p:sldLayoutIdLst>
   <p:txStyles>
     <p:titleStyle>
-      <a:lvl1pPr algn="l" defTabSz="914400" rtl="0" eaLnBrk="1" latinLnBrk="0" hangingPunct="1">
+      <a:lvl1pPr algn="l" defTabSz="2851191" rtl="0" eaLnBrk="1" latinLnBrk="0" hangingPunct="1">
         <a:lnSpc>
           <a:spcPct val="90000"/>
         </a:lnSpc>
@@ -3289,7 +4481,7 @@
           <a:spcPct val="0"/>
         </a:spcBef>
         <a:buNone/>
-        <a:defRPr sz="4400" kern="1200">
+        <a:defRPr sz="13720" kern="1200">
           <a:solidFill>
             <a:schemeClr val="tx1"/>
           </a:solidFill>
@@ -3300,16 +4492,16 @@
       </a:lvl1pPr>
     </p:titleStyle>
     <p:bodyStyle>
-      <a:lvl1pPr marL="228600" indent="-228600" algn="l" defTabSz="914400" rtl="0" eaLnBrk="1" latinLnBrk="0" hangingPunct="1">
+      <a:lvl1pPr marL="712798" indent="-712798" algn="l" defTabSz="2851191" rtl="0" eaLnBrk="1" latinLnBrk="0" hangingPunct="1">
         <a:lnSpc>
           <a:spcPct val="90000"/>
         </a:lnSpc>
         <a:spcBef>
-          <a:spcPts val="1000"/>
+          <a:spcPts val="3118"/>
         </a:spcBef>
         <a:buFont typeface="Arial" panose="020B0604020202020204" pitchFamily="34" charset="0"/>
         <a:buChar char="•"/>
-        <a:defRPr sz="2800" kern="1200">
+        <a:defRPr sz="8731" kern="1200">
           <a:solidFill>
             <a:schemeClr val="tx1"/>
           </a:solidFill>
@@ -3318,16 +4510,16 @@
           <a:cs typeface="+mn-cs"/>
         </a:defRPr>
       </a:lvl1pPr>
-      <a:lvl2pPr marL="685800" indent="-228600" algn="l" defTabSz="914400" rtl="0" eaLnBrk="1" latinLnBrk="0" hangingPunct="1">
+      <a:lvl2pPr marL="2138393" indent="-712798" algn="l" defTabSz="2851191" rtl="0" eaLnBrk="1" latinLnBrk="0" hangingPunct="1">
         <a:lnSpc>
           <a:spcPct val="90000"/>
         </a:lnSpc>
         <a:spcBef>
-          <a:spcPts val="500"/>
+          <a:spcPts val="1559"/>
         </a:spcBef>
         <a:buFont typeface="Arial" panose="020B0604020202020204" pitchFamily="34" charset="0"/>
         <a:buChar char="•"/>
-        <a:defRPr sz="2400" kern="1200">
+        <a:defRPr sz="7483" kern="1200">
           <a:solidFill>
             <a:schemeClr val="tx1"/>
           </a:solidFill>
@@ -3336,16 +4528,16 @@
           <a:cs typeface="+mn-cs"/>
         </a:defRPr>
       </a:lvl2pPr>
-      <a:lvl3pPr marL="1143000" indent="-228600" algn="l" defTabSz="914400" rtl="0" eaLnBrk="1" latinLnBrk="0" hangingPunct="1">
+      <a:lvl3pPr marL="3563988" indent="-712798" algn="l" defTabSz="2851191" rtl="0" eaLnBrk="1" latinLnBrk="0" hangingPunct="1">
         <a:lnSpc>
           <a:spcPct val="90000"/>
         </a:lnSpc>
         <a:spcBef>
-          <a:spcPts val="500"/>
+          <a:spcPts val="1559"/>
         </a:spcBef>
         <a:buFont typeface="Arial" panose="020B0604020202020204" pitchFamily="34" charset="0"/>
         <a:buChar char="•"/>
-        <a:defRPr sz="2000" kern="1200">
+        <a:defRPr sz="6236" kern="1200">
           <a:solidFill>
             <a:schemeClr val="tx1"/>
           </a:solidFill>
@@ -3354,16 +4546,16 @@
           <a:cs typeface="+mn-cs"/>
         </a:defRPr>
       </a:lvl3pPr>
-      <a:lvl4pPr marL="1600200" indent="-228600" algn="l" defTabSz="914400" rtl="0" eaLnBrk="1" latinLnBrk="0" hangingPunct="1">
+      <a:lvl4pPr marL="4989584" indent="-712798" algn="l" defTabSz="2851191" rtl="0" eaLnBrk="1" latinLnBrk="0" hangingPunct="1">
         <a:lnSpc>
           <a:spcPct val="90000"/>
         </a:lnSpc>
         <a:spcBef>
-          <a:spcPts val="500"/>
+          <a:spcPts val="1559"/>
         </a:spcBef>
         <a:buFont typeface="Arial" panose="020B0604020202020204" pitchFamily="34" charset="0"/>
         <a:buChar char="•"/>
-        <a:defRPr sz="1800" kern="1200">
+        <a:defRPr sz="5613" kern="1200">
           <a:solidFill>
             <a:schemeClr val="tx1"/>
           </a:solidFill>
@@ -3372,16 +4564,16 @@
           <a:cs typeface="+mn-cs"/>
         </a:defRPr>
       </a:lvl4pPr>
-      <a:lvl5pPr marL="2057400" indent="-228600" algn="l" defTabSz="914400" rtl="0" eaLnBrk="1" latinLnBrk="0" hangingPunct="1">
+      <a:lvl5pPr marL="6415179" indent="-712798" algn="l" defTabSz="2851191" rtl="0" eaLnBrk="1" latinLnBrk="0" hangingPunct="1">
         <a:lnSpc>
           <a:spcPct val="90000"/>
         </a:lnSpc>
         <a:spcBef>
-          <a:spcPts val="500"/>
+          <a:spcPts val="1559"/>
         </a:spcBef>
         <a:buFont typeface="Arial" panose="020B0604020202020204" pitchFamily="34" charset="0"/>
         <a:buChar char="•"/>
-        <a:defRPr sz="1800" kern="1200">
+        <a:defRPr sz="5613" kern="1200">
           <a:solidFill>
             <a:schemeClr val="tx1"/>
           </a:solidFill>
@@ -3390,16 +4582,16 @@
           <a:cs typeface="+mn-cs"/>
         </a:defRPr>
       </a:lvl5pPr>
-      <a:lvl6pPr marL="2514600" indent="-228600" algn="l" defTabSz="914400" rtl="0" eaLnBrk="1" latinLnBrk="0" hangingPunct="1">
+      <a:lvl6pPr marL="7840774" indent="-712798" algn="l" defTabSz="2851191" rtl="0" eaLnBrk="1" latinLnBrk="0" hangingPunct="1">
         <a:lnSpc>
           <a:spcPct val="90000"/>
         </a:lnSpc>
         <a:spcBef>
-          <a:spcPts val="500"/>
+          <a:spcPts val="1559"/>
         </a:spcBef>
         <a:buFont typeface="Arial" panose="020B0604020202020204" pitchFamily="34" charset="0"/>
         <a:buChar char="•"/>
-        <a:defRPr sz="1800" kern="1200">
+        <a:defRPr sz="5613" kern="1200">
           <a:solidFill>
             <a:schemeClr val="tx1"/>
           </a:solidFill>
@@ -3408,16 +4600,16 @@
           <a:cs typeface="+mn-cs"/>
         </a:defRPr>
       </a:lvl6pPr>
-      <a:lvl7pPr marL="2971800" indent="-228600" algn="l" defTabSz="914400" rtl="0" eaLnBrk="1" latinLnBrk="0" hangingPunct="1">
+      <a:lvl7pPr marL="9266370" indent="-712798" algn="l" defTabSz="2851191" rtl="0" eaLnBrk="1" latinLnBrk="0" hangingPunct="1">
         <a:lnSpc>
           <a:spcPct val="90000"/>
         </a:lnSpc>
         <a:spcBef>
-          <a:spcPts val="500"/>
+          <a:spcPts val="1559"/>
         </a:spcBef>
         <a:buFont typeface="Arial" panose="020B0604020202020204" pitchFamily="34" charset="0"/>
         <a:buChar char="•"/>
-        <a:defRPr sz="1800" kern="1200">
+        <a:defRPr sz="5613" kern="1200">
           <a:solidFill>
             <a:schemeClr val="tx1"/>
           </a:solidFill>
@@ -3426,16 +4618,16 @@
           <a:cs typeface="+mn-cs"/>
         </a:defRPr>
       </a:lvl7pPr>
-      <a:lvl8pPr marL="3429000" indent="-228600" algn="l" defTabSz="914400" rtl="0" eaLnBrk="1" latinLnBrk="0" hangingPunct="1">
+      <a:lvl8pPr marL="10691965" indent="-712798" algn="l" defTabSz="2851191" rtl="0" eaLnBrk="1" latinLnBrk="0" hangingPunct="1">
         <a:lnSpc>
           <a:spcPct val="90000"/>
         </a:lnSpc>
         <a:spcBef>
-          <a:spcPts val="500"/>
+          <a:spcPts val="1559"/>
         </a:spcBef>
         <a:buFont typeface="Arial" panose="020B0604020202020204" pitchFamily="34" charset="0"/>
         <a:buChar char="•"/>
-        <a:defRPr sz="1800" kern="1200">
+        <a:defRPr sz="5613" kern="1200">
           <a:solidFill>
             <a:schemeClr val="tx1"/>
           </a:solidFill>
@@ -3444,16 +4636,16 @@
           <a:cs typeface="+mn-cs"/>
         </a:defRPr>
       </a:lvl8pPr>
-      <a:lvl9pPr marL="3886200" indent="-228600" algn="l" defTabSz="914400" rtl="0" eaLnBrk="1" latinLnBrk="0" hangingPunct="1">
+      <a:lvl9pPr marL="12117560" indent="-712798" algn="l" defTabSz="2851191" rtl="0" eaLnBrk="1" latinLnBrk="0" hangingPunct="1">
         <a:lnSpc>
           <a:spcPct val="90000"/>
         </a:lnSpc>
         <a:spcBef>
-          <a:spcPts val="500"/>
+          <a:spcPts val="1559"/>
         </a:spcBef>
         <a:buFont typeface="Arial" panose="020B0604020202020204" pitchFamily="34" charset="0"/>
         <a:buChar char="•"/>
-        <a:defRPr sz="1800" kern="1200">
+        <a:defRPr sz="5613" kern="1200">
           <a:solidFill>
             <a:schemeClr val="tx1"/>
           </a:solidFill>
@@ -3465,10 +4657,10 @@
     </p:bodyStyle>
     <p:otherStyle>
       <a:defPPr>
-        <a:defRPr lang="es-ES"/>
+        <a:defRPr lang="en-US"/>
       </a:defPPr>
-      <a:lvl1pPr marL="0" algn="l" defTabSz="914400" rtl="0" eaLnBrk="1" latinLnBrk="0" hangingPunct="1">
-        <a:defRPr sz="1800" kern="1200">
+      <a:lvl1pPr marL="0" algn="l" defTabSz="2851191" rtl="0" eaLnBrk="1" latinLnBrk="0" hangingPunct="1">
+        <a:defRPr sz="5613" kern="1200">
           <a:solidFill>
             <a:schemeClr val="tx1"/>
           </a:solidFill>
@@ -3477,8 +4669,8 @@
           <a:cs typeface="+mn-cs"/>
         </a:defRPr>
       </a:lvl1pPr>
-      <a:lvl2pPr marL="457200" algn="l" defTabSz="914400" rtl="0" eaLnBrk="1" latinLnBrk="0" hangingPunct="1">
-        <a:defRPr sz="1800" kern="1200">
+      <a:lvl2pPr marL="1425595" algn="l" defTabSz="2851191" rtl="0" eaLnBrk="1" latinLnBrk="0" hangingPunct="1">
+        <a:defRPr sz="5613" kern="1200">
           <a:solidFill>
             <a:schemeClr val="tx1"/>
           </a:solidFill>
@@ -3487,8 +4679,8 @@
           <a:cs typeface="+mn-cs"/>
         </a:defRPr>
       </a:lvl2pPr>
-      <a:lvl3pPr marL="914400" algn="l" defTabSz="914400" rtl="0" eaLnBrk="1" latinLnBrk="0" hangingPunct="1">
-        <a:defRPr sz="1800" kern="1200">
+      <a:lvl3pPr marL="2851191" algn="l" defTabSz="2851191" rtl="0" eaLnBrk="1" latinLnBrk="0" hangingPunct="1">
+        <a:defRPr sz="5613" kern="1200">
           <a:solidFill>
             <a:schemeClr val="tx1"/>
           </a:solidFill>
@@ -3497,8 +4689,8 @@
           <a:cs typeface="+mn-cs"/>
         </a:defRPr>
       </a:lvl3pPr>
-      <a:lvl4pPr marL="1371600" algn="l" defTabSz="914400" rtl="0" eaLnBrk="1" latinLnBrk="0" hangingPunct="1">
-        <a:defRPr sz="1800" kern="1200">
+      <a:lvl4pPr marL="4276786" algn="l" defTabSz="2851191" rtl="0" eaLnBrk="1" latinLnBrk="0" hangingPunct="1">
+        <a:defRPr sz="5613" kern="1200">
           <a:solidFill>
             <a:schemeClr val="tx1"/>
           </a:solidFill>
@@ -3507,8 +4699,8 @@
           <a:cs typeface="+mn-cs"/>
         </a:defRPr>
       </a:lvl4pPr>
-      <a:lvl5pPr marL="1828800" algn="l" defTabSz="914400" rtl="0" eaLnBrk="1" latinLnBrk="0" hangingPunct="1">
-        <a:defRPr sz="1800" kern="1200">
+      <a:lvl5pPr marL="5702381" algn="l" defTabSz="2851191" rtl="0" eaLnBrk="1" latinLnBrk="0" hangingPunct="1">
+        <a:defRPr sz="5613" kern="1200">
           <a:solidFill>
             <a:schemeClr val="tx1"/>
           </a:solidFill>
@@ -3517,8 +4709,8 @@
           <a:cs typeface="+mn-cs"/>
         </a:defRPr>
       </a:lvl5pPr>
-      <a:lvl6pPr marL="2286000" algn="l" defTabSz="914400" rtl="0" eaLnBrk="1" latinLnBrk="0" hangingPunct="1">
-        <a:defRPr sz="1800" kern="1200">
+      <a:lvl6pPr marL="7127977" algn="l" defTabSz="2851191" rtl="0" eaLnBrk="1" latinLnBrk="0" hangingPunct="1">
+        <a:defRPr sz="5613" kern="1200">
           <a:solidFill>
             <a:schemeClr val="tx1"/>
           </a:solidFill>
@@ -3527,8 +4719,8 @@
           <a:cs typeface="+mn-cs"/>
         </a:defRPr>
       </a:lvl6pPr>
-      <a:lvl7pPr marL="2743200" algn="l" defTabSz="914400" rtl="0" eaLnBrk="1" latinLnBrk="0" hangingPunct="1">
-        <a:defRPr sz="1800" kern="1200">
+      <a:lvl7pPr marL="8553572" algn="l" defTabSz="2851191" rtl="0" eaLnBrk="1" latinLnBrk="0" hangingPunct="1">
+        <a:defRPr sz="5613" kern="1200">
           <a:solidFill>
             <a:schemeClr val="tx1"/>
           </a:solidFill>
@@ -3537,8 +4729,8 @@
           <a:cs typeface="+mn-cs"/>
         </a:defRPr>
       </a:lvl7pPr>
-      <a:lvl8pPr marL="3200400" algn="l" defTabSz="914400" rtl="0" eaLnBrk="1" latinLnBrk="0" hangingPunct="1">
-        <a:defRPr sz="1800" kern="1200">
+      <a:lvl8pPr marL="9979167" algn="l" defTabSz="2851191" rtl="0" eaLnBrk="1" latinLnBrk="0" hangingPunct="1">
+        <a:defRPr sz="5613" kern="1200">
           <a:solidFill>
             <a:schemeClr val="tx1"/>
           </a:solidFill>
@@ -3547,8 +4739,8 @@
           <a:cs typeface="+mn-cs"/>
         </a:defRPr>
       </a:lvl8pPr>
-      <a:lvl9pPr marL="3657600" algn="l" defTabSz="914400" rtl="0" eaLnBrk="1" latinLnBrk="0" hangingPunct="1">
-        <a:defRPr sz="1800" kern="1200">
+      <a:lvl9pPr marL="11404763" algn="l" defTabSz="2851191" rtl="0" eaLnBrk="1" latinLnBrk="0" hangingPunct="1">
+        <a:defRPr sz="5613" kern="1200">
           <a:solidFill>
             <a:schemeClr val="tx1"/>
           </a:solidFill>
@@ -3565,6 +4757,14 @@
 <file path=ppt/slides/slide1.xml><?xml version="1.0" encoding="utf-8"?>
 <p:sld xmlns:a="http://schemas.openxmlformats.org/drawingml/2006/main" xmlns:r="http://schemas.openxmlformats.org/officeDocument/2006/relationships" xmlns:p="http://schemas.openxmlformats.org/presentationml/2006/main">
   <p:cSld>
+    <p:bg>
+      <p:bgPr>
+        <a:solidFill>
+          <a:schemeClr val="bg1"/>
+        </a:solidFill>
+        <a:effectLst/>
+      </p:bgPr>
+    </p:bg>
     <p:spTree>
       <p:nvGrpSpPr>
         <p:cNvPr id="1" name=""/>
@@ -3581,244 +4781,10 @@
       </p:grpSpPr>
       <p:sp>
         <p:nvSpPr>
-          <p:cNvPr id="4" name="CuadroTexto 3">
+          <p:cNvPr id="102" name="Rectangle 101">
             <a:extLst>
               <a:ext uri="{FF2B5EF4-FFF2-40B4-BE49-F238E27FC236}">
-                <a16:creationId xmlns:a16="http://schemas.microsoft.com/office/drawing/2014/main" id="{366A7950-D715-4706-BCEC-BB07A3958164}"/>
-              </a:ext>
-            </a:extLst>
-          </p:cNvPr>
-          <p:cNvSpPr txBox="1"/>
-          <p:nvPr/>
-        </p:nvSpPr>
-        <p:spPr>
-          <a:xfrm>
-            <a:off x="1567544" y="3002334"/>
-            <a:ext cx="1881340" cy="923330"/>
-          </a:xfrm>
-          <a:prstGeom prst="rect">
-            <a:avLst/>
-          </a:prstGeom>
-          <a:noFill/>
-        </p:spPr>
-        <p:txBody>
-          <a:bodyPr wrap="square" rtlCol="0">
-            <a:spAutoFit/>
-          </a:bodyPr>
-          <a:lstStyle/>
-          <a:p>
-            <a:pPr algn="ctr"/>
-            <a:r>
-              <a:rPr lang="pt-PT" dirty="0">
-                <a:latin typeface="Times New Roman" panose="02020603050405020304" pitchFamily="18" charset="0"/>
-                <a:cs typeface="Times New Roman" panose="02020603050405020304" pitchFamily="18" charset="0"/>
-              </a:rPr>
-              <a:t>S</a:t>
-            </a:r>
-            <a:r>
-              <a:rPr lang="pt-PT" baseline="-25000" dirty="0">
-                <a:latin typeface="Times New Roman" panose="02020603050405020304" pitchFamily="18" charset="0"/>
-                <a:cs typeface="Times New Roman" panose="02020603050405020304" pitchFamily="18" charset="0"/>
-              </a:rPr>
-              <a:t>min</a:t>
-            </a:r>
-            <a:r>
-              <a:rPr lang="pt-PT" dirty="0">
-                <a:latin typeface="Times New Roman" panose="02020603050405020304" pitchFamily="18" charset="0"/>
-                <a:cs typeface="Times New Roman" panose="02020603050405020304" pitchFamily="18" charset="0"/>
-              </a:rPr>
-              <a:t>, S</a:t>
-            </a:r>
-            <a:r>
-              <a:rPr lang="pt-PT" baseline="-25000" dirty="0">
-                <a:latin typeface="Times New Roman" panose="02020603050405020304" pitchFamily="18" charset="0"/>
-                <a:cs typeface="Times New Roman" panose="02020603050405020304" pitchFamily="18" charset="0"/>
-              </a:rPr>
-              <a:t>max</a:t>
-            </a:r>
-          </a:p>
-          <a:p>
-            <a:pPr algn="ctr"/>
-            <a:r>
-              <a:rPr lang="pt-PT" dirty="0">
-                <a:latin typeface="Times New Roman" panose="02020603050405020304" pitchFamily="18" charset="0"/>
-                <a:cs typeface="Times New Roman" panose="02020603050405020304" pitchFamily="18" charset="0"/>
-              </a:rPr>
-              <a:t> S</a:t>
-            </a:r>
-            <a:r>
-              <a:rPr lang="pt-PT" baseline="-25000" dirty="0">
-                <a:latin typeface="Times New Roman" panose="02020603050405020304" pitchFamily="18" charset="0"/>
-                <a:cs typeface="Times New Roman" panose="02020603050405020304" pitchFamily="18" charset="0"/>
-              </a:rPr>
-              <a:t>0</a:t>
-            </a:r>
-            <a:r>
-              <a:rPr lang="pt-PT" dirty="0">
-                <a:latin typeface="Times New Roman" panose="02020603050405020304" pitchFamily="18" charset="0"/>
-                <a:cs typeface="Times New Roman" panose="02020603050405020304" pitchFamily="18" charset="0"/>
-              </a:rPr>
-              <a:t>, s:A,</a:t>
-            </a:r>
-            <a:r>
-              <a:rPr lang="pt-PT" dirty="0"/>
-              <a:t> u</a:t>
-            </a:r>
-            <a:r>
-              <a:rPr lang="pt-PT" baseline="-25000" dirty="0"/>
-              <a:t>max</a:t>
-            </a:r>
-            <a:endParaRPr lang="es-ES" baseline="-25000" dirty="0"/>
-          </a:p>
-          <a:p>
-            <a:pPr algn="ctr"/>
-            <a:endParaRPr lang="es-ES" dirty="0">
-              <a:latin typeface="Times New Roman" panose="02020603050405020304" pitchFamily="18" charset="0"/>
-              <a:cs typeface="Times New Roman" panose="02020603050405020304" pitchFamily="18" charset="0"/>
-            </a:endParaRPr>
-          </a:p>
-        </p:txBody>
-      </p:sp>
-      <p:sp>
-        <p:nvSpPr>
-          <p:cNvPr id="5" name="CuadroTexto 4">
-            <a:extLst>
-              <a:ext uri="{FF2B5EF4-FFF2-40B4-BE49-F238E27FC236}">
-                <a16:creationId xmlns:a16="http://schemas.microsoft.com/office/drawing/2014/main" id="{3A7FE7E6-B758-4E87-B03B-282A5ECF617C}"/>
-              </a:ext>
-            </a:extLst>
-          </p:cNvPr>
-          <p:cNvSpPr txBox="1"/>
-          <p:nvPr/>
-        </p:nvSpPr>
-        <p:spPr>
-          <a:xfrm>
-            <a:off x="2215442" y="1548705"/>
-            <a:ext cx="1464816" cy="369332"/>
-          </a:xfrm>
-          <a:prstGeom prst="rect">
-            <a:avLst/>
-          </a:prstGeom>
-          <a:noFill/>
-        </p:spPr>
-        <p:txBody>
-          <a:bodyPr wrap="square" rtlCol="0">
-            <a:spAutoFit/>
-          </a:bodyPr>
-          <a:lstStyle/>
-          <a:p>
-            <a:r>
-              <a:rPr lang="pt-PT" dirty="0">
-                <a:latin typeface="Times New Roman" panose="02020603050405020304" pitchFamily="18" charset="0"/>
-                <a:cs typeface="Times New Roman" panose="02020603050405020304" pitchFamily="18" charset="0"/>
-              </a:rPr>
-              <a:t>I</a:t>
-            </a:r>
-            <a:r>
-              <a:rPr lang="pt-PT" baseline="-25000" dirty="0">
-                <a:latin typeface="Times New Roman" panose="02020603050405020304" pitchFamily="18" charset="0"/>
-                <a:cs typeface="Times New Roman" panose="02020603050405020304" pitchFamily="18" charset="0"/>
-              </a:rPr>
-              <a:t>nat</a:t>
-            </a:r>
-            <a:r>
-              <a:rPr lang="pt-PT" dirty="0">
-                <a:latin typeface="Times New Roman" panose="02020603050405020304" pitchFamily="18" charset="0"/>
-                <a:cs typeface="Times New Roman" panose="02020603050405020304" pitchFamily="18" charset="0"/>
-              </a:rPr>
-              <a:t> (ML/t)</a:t>
-            </a:r>
-            <a:endParaRPr lang="es-ES" baseline="-25000" dirty="0">
-              <a:latin typeface="Times New Roman" panose="02020603050405020304" pitchFamily="18" charset="0"/>
-              <a:cs typeface="Times New Roman" panose="02020603050405020304" pitchFamily="18" charset="0"/>
-            </a:endParaRPr>
-          </a:p>
-        </p:txBody>
-      </p:sp>
-      <p:sp>
-        <p:nvSpPr>
-          <p:cNvPr id="6" name="CuadroTexto 5">
-            <a:extLst>
-              <a:ext uri="{FF2B5EF4-FFF2-40B4-BE49-F238E27FC236}">
-                <a16:creationId xmlns:a16="http://schemas.microsoft.com/office/drawing/2014/main" id="{0A1F5B55-926A-4086-847A-9CC4363BA1B2}"/>
-              </a:ext>
-            </a:extLst>
-          </p:cNvPr>
-          <p:cNvSpPr txBox="1"/>
-          <p:nvPr/>
-        </p:nvSpPr>
-        <p:spPr>
-          <a:xfrm>
-            <a:off x="867608" y="2111985"/>
-            <a:ext cx="1464816" cy="369332"/>
-          </a:xfrm>
-          <a:prstGeom prst="rect">
-            <a:avLst/>
-          </a:prstGeom>
-          <a:noFill/>
-        </p:spPr>
-        <p:txBody>
-          <a:bodyPr wrap="square" rtlCol="0">
-            <a:spAutoFit/>
-          </a:bodyPr>
-          <a:lstStyle/>
-          <a:p>
-            <a:r>
-              <a:rPr lang="pt-PT" dirty="0">
-                <a:latin typeface="Times New Roman" panose="02020603050405020304" pitchFamily="18" charset="0"/>
-                <a:cs typeface="Times New Roman" panose="02020603050405020304" pitchFamily="18" charset="0"/>
-              </a:rPr>
-              <a:t>e (mm/t)</a:t>
-            </a:r>
-            <a:endParaRPr lang="es-ES" dirty="0">
-              <a:latin typeface="Times New Roman" panose="02020603050405020304" pitchFamily="18" charset="0"/>
-              <a:cs typeface="Times New Roman" panose="02020603050405020304" pitchFamily="18" charset="0"/>
-            </a:endParaRPr>
-          </a:p>
-        </p:txBody>
-      </p:sp>
-      <p:sp>
-        <p:nvSpPr>
-          <p:cNvPr id="7" name="CuadroTexto 6">
-            <a:extLst>
-              <a:ext uri="{FF2B5EF4-FFF2-40B4-BE49-F238E27FC236}">
-                <a16:creationId xmlns:a16="http://schemas.microsoft.com/office/drawing/2014/main" id="{121CC0A8-70B8-4F6A-AC97-E64AE54E5925}"/>
-              </a:ext>
-            </a:extLst>
-          </p:cNvPr>
-          <p:cNvSpPr txBox="1"/>
-          <p:nvPr/>
-        </p:nvSpPr>
-        <p:spPr>
-          <a:xfrm>
-            <a:off x="3376937" y="2115284"/>
-            <a:ext cx="1464816" cy="369332"/>
-          </a:xfrm>
-          <a:prstGeom prst="rect">
-            <a:avLst/>
-          </a:prstGeom>
-          <a:noFill/>
-        </p:spPr>
-        <p:txBody>
-          <a:bodyPr wrap="square" rtlCol="0">
-            <a:spAutoFit/>
-          </a:bodyPr>
-          <a:lstStyle/>
-          <a:p>
-            <a:r>
-              <a:rPr lang="pt-PT" dirty="0"/>
-              <a:t>Qreg_inf</a:t>
-            </a:r>
-            <a:endParaRPr lang="es-ES" dirty="0"/>
-          </a:p>
-        </p:txBody>
-      </p:sp>
-      <p:sp>
-        <p:nvSpPr>
-          <p:cNvPr id="8" name="Triángulo isósceles 7">
-            <a:extLst>
-              <a:ext uri="{FF2B5EF4-FFF2-40B4-BE49-F238E27FC236}">
-                <a16:creationId xmlns:a16="http://schemas.microsoft.com/office/drawing/2014/main" id="{BDD9F5B7-A244-4DDD-ADB0-F7EB26396B93}"/>
+                <a16:creationId xmlns:a16="http://schemas.microsoft.com/office/drawing/2014/main" id="{BE726FB6-2C47-463D-81CE-645904267455}"/>
               </a:ext>
             </a:extLst>
           </p:cNvPr>
@@ -3827,13 +4793,20 @@
         </p:nvSpPr>
         <p:spPr>
           <a:xfrm>
-            <a:off x="1694620" y="2484616"/>
-            <a:ext cx="1553592" cy="1172139"/>
-          </a:xfrm>
-          <a:prstGeom prst="triangle">
+            <a:off x="10195244" y="10191336"/>
+            <a:ext cx="4370972" cy="4410272"/>
+          </a:xfrm>
+          <a:prstGeom prst="rect">
             <a:avLst/>
           </a:prstGeom>
-          <a:noFill/>
+          <a:solidFill>
+            <a:schemeClr val="bg1"/>
+          </a:solidFill>
+          <a:ln w="38100">
+            <a:solidFill>
+              <a:srgbClr val="FF0000"/>
+            </a:solidFill>
+          </a:ln>
         </p:spPr>
         <p:style>
           <a:lnRef idx="2">
@@ -3856,92 +4829,276 @@
           <a:lstStyle/>
           <a:p>
             <a:pPr algn="ctr"/>
-            <a:endParaRPr lang="es-ES"/>
-          </a:p>
-        </p:txBody>
-      </p:sp>
-      <p:cxnSp>
-        <p:nvCxnSpPr>
-          <p:cNvPr id="11" name="Conector recto de flecha 10">
+            <a:endParaRPr lang="en-GB"/>
+          </a:p>
+        </p:txBody>
+      </p:sp>
+      <p:sp>
+        <p:nvSpPr>
+          <p:cNvPr id="103" name="CuadroTexto 4">
             <a:extLst>
               <a:ext uri="{FF2B5EF4-FFF2-40B4-BE49-F238E27FC236}">
-                <a16:creationId xmlns:a16="http://schemas.microsoft.com/office/drawing/2014/main" id="{FCB424E9-F3C4-4FD4-87C8-884E4E90343C}"/>
+                <a16:creationId xmlns:a16="http://schemas.microsoft.com/office/drawing/2014/main" id="{A27B0CDA-8C75-4057-A847-0C426D3F7FB3}"/>
               </a:ext>
             </a:extLst>
           </p:cNvPr>
-          <p:cNvCxnSpPr>
-            <a:cxnSpLocks/>
-          </p:cNvCxnSpPr>
+          <p:cNvSpPr txBox="1"/>
           <p:nvPr/>
-        </p:nvCxnSpPr>
-        <p:spPr>
-          <a:xfrm flipH="1" flipV="1">
-            <a:off x="1565895" y="2600144"/>
-            <a:ext cx="418173" cy="310424"/>
-          </a:xfrm>
-          <a:prstGeom prst="straightConnector1">
+        </p:nvSpPr>
+        <p:spPr>
+          <a:xfrm>
+            <a:off x="10210078" y="10191336"/>
+            <a:ext cx="1464816" cy="523220"/>
+          </a:xfrm>
+          <a:prstGeom prst="rect">
             <a:avLst/>
           </a:prstGeom>
-          <a:ln>
-            <a:tailEnd type="triangle"/>
-          </a:ln>
+          <a:noFill/>
+        </p:spPr>
+        <p:txBody>
+          <a:bodyPr wrap="square" rtlCol="0">
+            <a:spAutoFit/>
+          </a:bodyPr>
+          <a:lstStyle/>
+          <a:p>
+            <a:r>
+              <a:rPr lang="pt-PT" sz="2800" b="1" dirty="0">
+                <a:solidFill>
+                  <a:srgbClr val="FF0000"/>
+                </a:solidFill>
+                <a:cs typeface="Times New Roman" panose="02020603050405020304" pitchFamily="18" charset="0"/>
+              </a:rPr>
+              <a:t>Outputs</a:t>
+            </a:r>
+            <a:endParaRPr lang="es-ES" sz="2800" b="1" baseline="-25000" dirty="0">
+              <a:solidFill>
+                <a:srgbClr val="FF0000"/>
+              </a:solidFill>
+              <a:cs typeface="Times New Roman" panose="02020603050405020304" pitchFamily="18" charset="0"/>
+            </a:endParaRPr>
+          </a:p>
+        </p:txBody>
+      </p:sp>
+      <p:sp>
+        <p:nvSpPr>
+          <p:cNvPr id="100" name="Rectangle 99">
+            <a:extLst>
+              <a:ext uri="{FF2B5EF4-FFF2-40B4-BE49-F238E27FC236}">
+                <a16:creationId xmlns:a16="http://schemas.microsoft.com/office/drawing/2014/main" id="{F8A6EBA0-84BE-47F2-BB8D-BDEDC71B7F45}"/>
+              </a:ext>
+            </a:extLst>
+          </p:cNvPr>
+          <p:cNvSpPr/>
+          <p:nvPr/>
+        </p:nvSpPr>
+        <p:spPr>
+          <a:xfrm>
+            <a:off x="2095500" y="1440836"/>
+            <a:ext cx="12470716" cy="6286740"/>
+          </a:xfrm>
+          <a:prstGeom prst="rect">
+            <a:avLst/>
+          </a:prstGeom>
+          <a:noFill/>
+          <a:ln w="38100"/>
         </p:spPr>
         <p:style>
-          <a:lnRef idx="1">
-            <a:schemeClr val="accent1"/>
+          <a:lnRef idx="2">
+            <a:schemeClr val="accent1">
+              <a:shade val="50000"/>
+            </a:schemeClr>
           </a:lnRef>
-          <a:fillRef idx="0">
+          <a:fillRef idx="1">
             <a:schemeClr val="accent1"/>
           </a:fillRef>
           <a:effectRef idx="0">
             <a:schemeClr val="accent1"/>
           </a:effectRef>
           <a:fontRef idx="minor">
-            <a:schemeClr val="tx1"/>
+            <a:schemeClr val="lt1"/>
           </a:fontRef>
         </p:style>
-      </p:cxnSp>
-      <p:cxnSp>
-        <p:nvCxnSpPr>
-          <p:cNvPr id="12" name="Conector recto de flecha 11">
+        <p:txBody>
+          <a:bodyPr rtlCol="0" anchor="ctr"/>
+          <a:lstStyle/>
+          <a:p>
+            <a:pPr algn="ctr"/>
+            <a:endParaRPr lang="en-GB"/>
+          </a:p>
+        </p:txBody>
+      </p:sp>
+      <p:sp>
+        <p:nvSpPr>
+          <p:cNvPr id="4" name="CuadroTexto 3">
             <a:extLst>
               <a:ext uri="{FF2B5EF4-FFF2-40B4-BE49-F238E27FC236}">
-                <a16:creationId xmlns:a16="http://schemas.microsoft.com/office/drawing/2014/main" id="{AD002F2E-4F7E-4D3B-824A-A9849217979F}"/>
+                <a16:creationId xmlns:a16="http://schemas.microsoft.com/office/drawing/2014/main" id="{366A7950-D715-4706-BCEC-BB07A3958164}"/>
               </a:ext>
             </a:extLst>
           </p:cNvPr>
-          <p:cNvCxnSpPr>
-            <a:cxnSpLocks/>
-          </p:cNvCxnSpPr>
+          <p:cNvSpPr txBox="1"/>
           <p:nvPr/>
-        </p:nvCxnSpPr>
-        <p:spPr>
-          <a:xfrm flipH="1">
-            <a:off x="2471414" y="1969395"/>
-            <a:ext cx="1" cy="369332"/>
-          </a:xfrm>
-          <a:prstGeom prst="straightConnector1">
+        </p:nvSpPr>
+        <p:spPr>
+          <a:xfrm>
+            <a:off x="11276507" y="4727606"/>
+            <a:ext cx="1881340" cy="1015663"/>
+          </a:xfrm>
+          <a:prstGeom prst="rect">
             <a:avLst/>
           </a:prstGeom>
-          <a:ln>
-            <a:tailEnd type="triangle"/>
-          </a:ln>
-        </p:spPr>
-        <p:style>
-          <a:lnRef idx="1">
-            <a:schemeClr val="accent1"/>
-          </a:lnRef>
-          <a:fillRef idx="0">
-            <a:schemeClr val="accent1"/>
-          </a:fillRef>
-          <a:effectRef idx="0">
-            <a:schemeClr val="accent1"/>
-          </a:effectRef>
-          <a:fontRef idx="minor">
-            <a:schemeClr val="tx1"/>
-          </a:fontRef>
-        </p:style>
-      </p:cxnSp>
+          <a:noFill/>
+        </p:spPr>
+        <p:txBody>
+          <a:bodyPr wrap="square" rtlCol="0">
+            <a:spAutoFit/>
+          </a:bodyPr>
+          <a:lstStyle/>
+          <a:p>
+            <a:pPr algn="ctr"/>
+            <a:r>
+              <a:rPr lang="pt-PT" sz="2000" dirty="0">
+                <a:cs typeface="Times New Roman" panose="02020603050405020304" pitchFamily="18" charset="0"/>
+              </a:rPr>
+              <a:t>s</a:t>
+            </a:r>
+            <a:r>
+              <a:rPr lang="pt-PT" sz="2000" baseline="-25000" dirty="0">
+                <a:cs typeface="Times New Roman" panose="02020603050405020304" pitchFamily="18" charset="0"/>
+              </a:rPr>
+              <a:t>min</a:t>
+            </a:r>
+            <a:r>
+              <a:rPr lang="pt-PT" sz="2000" dirty="0">
+                <a:cs typeface="Times New Roman" panose="02020603050405020304" pitchFamily="18" charset="0"/>
+              </a:rPr>
+              <a:t>, s</a:t>
+            </a:r>
+            <a:r>
+              <a:rPr lang="pt-PT" sz="2000" baseline="-25000" dirty="0">
+                <a:cs typeface="Times New Roman" panose="02020603050405020304" pitchFamily="18" charset="0"/>
+              </a:rPr>
+              <a:t>max</a:t>
+            </a:r>
+          </a:p>
+          <a:p>
+            <a:pPr algn="ctr"/>
+            <a:r>
+              <a:rPr lang="pt-PT" sz="2000" dirty="0">
+                <a:cs typeface="Times New Roman" panose="02020603050405020304" pitchFamily="18" charset="0"/>
+              </a:rPr>
+              <a:t> s</a:t>
+            </a:r>
+            <a:r>
+              <a:rPr lang="pt-PT" sz="2000" baseline="-25000" dirty="0">
+                <a:cs typeface="Times New Roman" panose="02020603050405020304" pitchFamily="18" charset="0"/>
+              </a:rPr>
+              <a:t>0</a:t>
+            </a:r>
+            <a:r>
+              <a:rPr lang="pt-PT" sz="2000" dirty="0">
+                <a:cs typeface="Times New Roman" panose="02020603050405020304" pitchFamily="18" charset="0"/>
+              </a:rPr>
+              <a:t>, u</a:t>
+            </a:r>
+            <a:r>
+              <a:rPr lang="pt-PT" sz="2000" baseline="-25000" dirty="0">
+                <a:cs typeface="Times New Roman" panose="02020603050405020304" pitchFamily="18" charset="0"/>
+              </a:rPr>
+              <a:t>max</a:t>
+            </a:r>
+            <a:endParaRPr lang="es-ES" sz="2000" baseline="-25000" dirty="0">
+              <a:cs typeface="Times New Roman" panose="02020603050405020304" pitchFamily="18" charset="0"/>
+            </a:endParaRPr>
+          </a:p>
+          <a:p>
+            <a:pPr algn="ctr"/>
+            <a:endParaRPr lang="es-ES" sz="2000" dirty="0">
+              <a:cs typeface="Times New Roman" panose="02020603050405020304" pitchFamily="18" charset="0"/>
+            </a:endParaRPr>
+          </a:p>
+        </p:txBody>
+      </p:sp>
+      <p:sp>
+        <p:nvSpPr>
+          <p:cNvPr id="6" name="CuadroTexto 5">
+            <a:extLst>
+              <a:ext uri="{FF2B5EF4-FFF2-40B4-BE49-F238E27FC236}">
+                <a16:creationId xmlns:a16="http://schemas.microsoft.com/office/drawing/2014/main" id="{0A1F5B55-926A-4086-847A-9CC4363BA1B2}"/>
+              </a:ext>
+            </a:extLst>
+          </p:cNvPr>
+          <p:cNvSpPr txBox="1"/>
+          <p:nvPr/>
+        </p:nvSpPr>
+        <p:spPr>
+          <a:xfrm>
+            <a:off x="12672838" y="3157362"/>
+            <a:ext cx="1464816" cy="400110"/>
+          </a:xfrm>
+          <a:prstGeom prst="rect">
+            <a:avLst/>
+          </a:prstGeom>
+          <a:noFill/>
+        </p:spPr>
+        <p:txBody>
+          <a:bodyPr wrap="square" rtlCol="0">
+            <a:spAutoFit/>
+          </a:bodyPr>
+          <a:lstStyle/>
+          <a:p>
+            <a:r>
+              <a:rPr lang="pt-PT" sz="2000" dirty="0">
+                <a:cs typeface="Times New Roman" panose="02020603050405020304" pitchFamily="18" charset="0"/>
+              </a:rPr>
+              <a:t>e (mm/t)</a:t>
+            </a:r>
+            <a:endParaRPr lang="es-ES" sz="2000" dirty="0">
+              <a:cs typeface="Times New Roman" panose="02020603050405020304" pitchFamily="18" charset="0"/>
+            </a:endParaRPr>
+          </a:p>
+        </p:txBody>
+      </p:sp>
+      <p:sp>
+        <p:nvSpPr>
+          <p:cNvPr id="7" name="CuadroTexto 6">
+            <a:extLst>
+              <a:ext uri="{FF2B5EF4-FFF2-40B4-BE49-F238E27FC236}">
+                <a16:creationId xmlns:a16="http://schemas.microsoft.com/office/drawing/2014/main" id="{121CC0A8-70B8-4F6A-AC97-E64AE54E5925}"/>
+              </a:ext>
+            </a:extLst>
+          </p:cNvPr>
+          <p:cNvSpPr txBox="1"/>
+          <p:nvPr/>
+        </p:nvSpPr>
+        <p:spPr>
+          <a:xfrm>
+            <a:off x="10512925" y="3180254"/>
+            <a:ext cx="1464816" cy="400110"/>
+          </a:xfrm>
+          <a:prstGeom prst="rect">
+            <a:avLst/>
+          </a:prstGeom>
+          <a:noFill/>
+        </p:spPr>
+        <p:txBody>
+          <a:bodyPr wrap="square" rtlCol="0">
+            <a:spAutoFit/>
+          </a:bodyPr>
+          <a:lstStyle/>
+          <a:p>
+            <a:r>
+              <a:rPr lang="pt-PT" sz="2000" dirty="0">
+                <a:cs typeface="Times New Roman" panose="02020603050405020304" pitchFamily="18" charset="0"/>
+              </a:rPr>
+              <a:t>Qreg_inf</a:t>
+            </a:r>
+            <a:endParaRPr lang="es-ES" sz="2000" dirty="0">
+              <a:cs typeface="Times New Roman" panose="02020603050405020304" pitchFamily="18" charset="0"/>
+            </a:endParaRPr>
+          </a:p>
+        </p:txBody>
+      </p:sp>
       <p:cxnSp>
         <p:nvCxnSpPr>
           <p:cNvPr id="15" name="Conector recto de flecha 14">
@@ -3957,56 +5114,16 @@
           <p:nvPr/>
         </p:nvCxnSpPr>
         <p:spPr>
-          <a:xfrm flipH="1">
-            <a:off x="2947851" y="2541236"/>
-            <a:ext cx="429085" cy="369332"/>
+          <a:xfrm flipV="1">
+            <a:off x="12495824" y="3642783"/>
+            <a:ext cx="436155" cy="372033"/>
           </a:xfrm>
           <a:prstGeom prst="straightConnector1">
             <a:avLst/>
           </a:prstGeom>
-          <a:ln>
-            <a:tailEnd type="triangle"/>
-          </a:ln>
-        </p:spPr>
-        <p:style>
-          <a:lnRef idx="1">
-            <a:schemeClr val="accent1"/>
-          </a:lnRef>
-          <a:fillRef idx="0">
-            <a:schemeClr val="accent1"/>
-          </a:fillRef>
-          <a:effectRef idx="0">
-            <a:schemeClr val="accent1"/>
-          </a:effectRef>
-          <a:fontRef idx="minor">
-            <a:schemeClr val="tx1"/>
-          </a:fontRef>
-        </p:style>
-      </p:cxnSp>
-      <p:cxnSp>
-        <p:nvCxnSpPr>
-          <p:cNvPr id="20" name="Conector recto de flecha 19">
-            <a:extLst>
-              <a:ext uri="{FF2B5EF4-FFF2-40B4-BE49-F238E27FC236}">
-                <a16:creationId xmlns:a16="http://schemas.microsoft.com/office/drawing/2014/main" id="{5CEB294F-BE8E-42BF-B230-4C07705281D0}"/>
-              </a:ext>
-            </a:extLst>
-          </p:cNvPr>
-          <p:cNvCxnSpPr>
-            <a:cxnSpLocks/>
-          </p:cNvCxnSpPr>
-          <p:nvPr/>
-        </p:nvCxnSpPr>
-        <p:spPr>
-          <a:xfrm flipH="1">
-            <a:off x="2471598" y="3958773"/>
-            <a:ext cx="1" cy="614662"/>
-          </a:xfrm>
-          <a:prstGeom prst="straightConnector1">
-            <a:avLst/>
-          </a:prstGeom>
-          <a:ln>
-            <a:tailEnd type="triangle"/>
+          <a:ln w="25400">
+            <a:headEnd w="med" len="med"/>
+            <a:tailEnd type="triangle" w="lg" len="lg"/>
           </a:ln>
         </p:spPr>
         <p:style>
@@ -4040,14 +5157,15 @@
         </p:nvCxnSpPr>
         <p:spPr>
           <a:xfrm>
-            <a:off x="2702144" y="3896772"/>
+            <a:off x="12495824" y="5534259"/>
             <a:ext cx="491413" cy="388372"/>
           </a:xfrm>
           <a:prstGeom prst="straightConnector1">
             <a:avLst/>
           </a:prstGeom>
-          <a:ln>
-            <a:tailEnd type="triangle"/>
+          <a:ln w="25400">
+            <a:headEnd w="med" len="med"/>
+            <a:tailEnd type="triangle" w="lg" len="lg"/>
           </a:ln>
         </p:spPr>
         <p:style>
@@ -4079,8 +5197,8 @@
         </p:nvSpPr>
         <p:spPr>
           <a:xfrm>
-            <a:off x="1984068" y="4608551"/>
-            <a:ext cx="1464816" cy="369332"/>
+            <a:off x="10500335" y="6021232"/>
+            <a:ext cx="1464816" cy="400110"/>
           </a:xfrm>
           <a:prstGeom prst="rect">
             <a:avLst/>
@@ -4094,7 +5212,9 @@
           <a:lstStyle/>
           <a:p>
             <a:r>
-              <a:rPr lang="pt-PT" dirty="0"/>
+              <a:rPr lang="pt-PT" sz="2000" dirty="0">
+                <a:cs typeface="Times New Roman" panose="02020603050405020304" pitchFamily="18" charset="0"/>
+              </a:rPr>
               <a:t>Qreg_rel</a:t>
             </a:r>
           </a:p>
@@ -4114,8 +5234,8 @@
         </p:nvSpPr>
         <p:spPr>
           <a:xfrm>
-            <a:off x="3286863" y="4053113"/>
-            <a:ext cx="1677021" cy="369332"/>
+            <a:off x="12370467" y="6822519"/>
+            <a:ext cx="1959187" cy="400110"/>
           </a:xfrm>
           <a:prstGeom prst="rect">
             <a:avLst/>
@@ -4129,26 +5249,109 @@
           <a:lstStyle/>
           <a:p>
             <a:r>
-              <a:rPr lang="pt-PT" dirty="0"/>
-              <a:t>env_min</a:t>
-            </a:r>
-            <a:r>
-              <a:rPr lang="pt-PT" dirty="0">
-                <a:latin typeface="Times New Roman" panose="02020603050405020304" pitchFamily="18" charset="0"/>
+              <a:rPr lang="pt-PT" sz="2000" dirty="0">
                 <a:cs typeface="Times New Roman" panose="02020603050405020304" pitchFamily="18" charset="0"/>
               </a:rPr>
-              <a:t> (ML/t)</a:t>
-            </a:r>
-            <a:endParaRPr lang="es-ES" dirty="0"/>
-          </a:p>
-        </p:txBody>
-      </p:sp>
-      <p:sp>
-        <p:nvSpPr>
-          <p:cNvPr id="17" name="CuadroTexto 3">
+              <a:t>env_min (ML/t)</a:t>
+            </a:r>
+            <a:endParaRPr lang="es-ES" sz="2000" dirty="0">
+              <a:cs typeface="Times New Roman" panose="02020603050405020304" pitchFamily="18" charset="0"/>
+            </a:endParaRPr>
+          </a:p>
+        </p:txBody>
+      </p:sp>
+      <p:pic>
+        <p:nvPicPr>
+          <p:cNvPr id="38" name="Picture 37" descr="Resultado de imagen de dam icon">
             <a:extLst>
               <a:ext uri="{FF2B5EF4-FFF2-40B4-BE49-F238E27FC236}">
-                <a16:creationId xmlns:a16="http://schemas.microsoft.com/office/drawing/2014/main" id="{BE93F912-253B-4430-9D03-5E859CB208C3}"/>
+                <a16:creationId xmlns:a16="http://schemas.microsoft.com/office/drawing/2014/main" id="{2CF86A7B-9DEE-4A7D-8229-DD780AB6937C}"/>
+              </a:ext>
+            </a:extLst>
+          </p:cNvPr>
+          <p:cNvPicPr>
+            <a:picLocks noChangeAspect="1" noChangeArrowheads="1"/>
+          </p:cNvPicPr>
+          <p:nvPr/>
+        </p:nvPicPr>
+        <p:blipFill>
+          <a:blip r:embed="rId2">
+            <a:extLst>
+              <a:ext uri="{28A0092B-C50C-407E-A947-70E740481C1C}">
+                <a14:useLocalDpi xmlns:a14="http://schemas.microsoft.com/office/drawing/2010/main" val="0"/>
+              </a:ext>
+            </a:extLst>
+          </a:blip>
+          <a:srcRect/>
+          <a:stretch>
+            <a:fillRect/>
+          </a:stretch>
+        </p:blipFill>
+        <p:spPr bwMode="auto">
+          <a:xfrm>
+            <a:off x="11929089" y="4191450"/>
+            <a:ext cx="576172" cy="576172"/>
+          </a:xfrm>
+          <a:prstGeom prst="rect">
+            <a:avLst/>
+          </a:prstGeom>
+          <a:noFill/>
+          <a:extLst>
+            <a:ext uri="{909E8E84-426E-40DD-AFC4-6F175D3DCCD1}">
+              <a14:hiddenFill xmlns:a14="http://schemas.microsoft.com/office/drawing/2010/main">
+                <a:solidFill>
+                  <a:srgbClr val="FFFFFF"/>
+                </a:solidFill>
+              </a14:hiddenFill>
+            </a:ext>
+          </a:extLst>
+        </p:spPr>
+      </p:pic>
+      <p:pic>
+        <p:nvPicPr>
+          <p:cNvPr id="39" name="Graphic 38" descr="City">
+            <a:extLst>
+              <a:ext uri="{FF2B5EF4-FFF2-40B4-BE49-F238E27FC236}">
+                <a16:creationId xmlns:a16="http://schemas.microsoft.com/office/drawing/2014/main" id="{988E6E31-D560-4F8A-A47E-AD50DF808CCB}"/>
+              </a:ext>
+            </a:extLst>
+          </p:cNvPr>
+          <p:cNvPicPr>
+            <a:picLocks noChangeAspect="1"/>
+          </p:cNvPicPr>
+          <p:nvPr/>
+        </p:nvPicPr>
+        <p:blipFill>
+          <a:blip r:embed="rId3">
+            <a:extLst>
+              <a:ext uri="{28A0092B-C50C-407E-A947-70E740481C1C}">
+                <a14:useLocalDpi xmlns:a14="http://schemas.microsoft.com/office/drawing/2010/main" val="0"/>
+              </a:ext>
+              <a:ext uri="{96DAC541-7B7A-43D3-8B79-37D633B846F1}">
+                <asvg:svgBlip xmlns:asvg="http://schemas.microsoft.com/office/drawing/2016/SVG/main" r:embed="rId4"/>
+              </a:ext>
+            </a:extLst>
+          </a:blip>
+          <a:stretch>
+            <a:fillRect/>
+          </a:stretch>
+        </p:blipFill>
+        <p:spPr>
+          <a:xfrm>
+            <a:off x="10573013" y="6385601"/>
+            <a:ext cx="914400" cy="914400"/>
+          </a:xfrm>
+          <a:prstGeom prst="rect">
+            <a:avLst/>
+          </a:prstGeom>
+        </p:spPr>
+      </p:pic>
+      <p:sp>
+        <p:nvSpPr>
+          <p:cNvPr id="48" name="CuadroTexto 4">
+            <a:extLst>
+              <a:ext uri="{FF2B5EF4-FFF2-40B4-BE49-F238E27FC236}">
+                <a16:creationId xmlns:a16="http://schemas.microsoft.com/office/drawing/2014/main" id="{AC94FA18-2CB9-4194-BA8F-9A9946B9AB45}"/>
               </a:ext>
             </a:extLst>
           </p:cNvPr>
@@ -4157,8 +5360,8 @@
         </p:nvSpPr>
         <p:spPr>
           <a:xfrm>
-            <a:off x="8827625" y="3002334"/>
-            <a:ext cx="1881340" cy="923330"/>
+            <a:off x="11554608" y="2691827"/>
+            <a:ext cx="1464816" cy="400110"/>
           </a:xfrm>
           <a:prstGeom prst="rect">
             <a:avLst/>
@@ -4171,258 +5374,66 @@
           </a:bodyPr>
           <a:lstStyle/>
           <a:p>
-            <a:pPr algn="ctr"/>
-            <a:r>
-              <a:rPr lang="pt-PT" dirty="0">
-                <a:latin typeface="Times New Roman" panose="02020603050405020304" pitchFamily="18" charset="0"/>
+            <a:r>
+              <a:rPr lang="pt-PT" sz="2000" dirty="0">
                 <a:cs typeface="Times New Roman" panose="02020603050405020304" pitchFamily="18" charset="0"/>
               </a:rPr>
-              <a:t>S</a:t>
-            </a:r>
-            <a:r>
-              <a:rPr lang="pt-PT" baseline="-25000" dirty="0">
-                <a:latin typeface="Times New Roman" panose="02020603050405020304" pitchFamily="18" charset="0"/>
+              <a:t>I</a:t>
+            </a:r>
+            <a:r>
+              <a:rPr lang="pt-PT" sz="2000" baseline="-25000" dirty="0">
                 <a:cs typeface="Times New Roman" panose="02020603050405020304" pitchFamily="18" charset="0"/>
               </a:rPr>
-              <a:t>min</a:t>
-            </a:r>
-            <a:r>
-              <a:rPr lang="pt-PT" dirty="0">
-                <a:latin typeface="Times New Roman" panose="02020603050405020304" pitchFamily="18" charset="0"/>
+              <a:t>nat</a:t>
+            </a:r>
+            <a:r>
+              <a:rPr lang="pt-PT" sz="2000" dirty="0">
                 <a:cs typeface="Times New Roman" panose="02020603050405020304" pitchFamily="18" charset="0"/>
               </a:rPr>
-              <a:t>, S</a:t>
-            </a:r>
-            <a:r>
-              <a:rPr lang="pt-PT" baseline="-25000" dirty="0">
-                <a:latin typeface="Times New Roman" panose="02020603050405020304" pitchFamily="18" charset="0"/>
-                <a:cs typeface="Times New Roman" panose="02020603050405020304" pitchFamily="18" charset="0"/>
-              </a:rPr>
-              <a:t>max</a:t>
-            </a:r>
-          </a:p>
-          <a:p>
-            <a:pPr algn="ctr"/>
-            <a:r>
-              <a:rPr lang="pt-PT" dirty="0">
-                <a:latin typeface="Times New Roman" panose="02020603050405020304" pitchFamily="18" charset="0"/>
-                <a:cs typeface="Times New Roman" panose="02020603050405020304" pitchFamily="18" charset="0"/>
-              </a:rPr>
-              <a:t> S</a:t>
-            </a:r>
-            <a:r>
-              <a:rPr lang="pt-PT" baseline="-25000" dirty="0">
-                <a:latin typeface="Times New Roman" panose="02020603050405020304" pitchFamily="18" charset="0"/>
-                <a:cs typeface="Times New Roman" panose="02020603050405020304" pitchFamily="18" charset="0"/>
-              </a:rPr>
-              <a:t>0</a:t>
-            </a:r>
-            <a:r>
-              <a:rPr lang="pt-PT" dirty="0">
-                <a:latin typeface="Times New Roman" panose="02020603050405020304" pitchFamily="18" charset="0"/>
-                <a:cs typeface="Times New Roman" panose="02020603050405020304" pitchFamily="18" charset="0"/>
-              </a:rPr>
-              <a:t>, s:A,</a:t>
-            </a:r>
-            <a:r>
-              <a:rPr lang="pt-PT" dirty="0"/>
-              <a:t> u</a:t>
-            </a:r>
-            <a:r>
-              <a:rPr lang="pt-PT" baseline="-25000" dirty="0"/>
-              <a:t>max</a:t>
-            </a:r>
-            <a:endParaRPr lang="es-ES" baseline="-25000" dirty="0"/>
-          </a:p>
-          <a:p>
-            <a:pPr algn="ctr"/>
-            <a:endParaRPr lang="es-ES" dirty="0">
-              <a:latin typeface="Times New Roman" panose="02020603050405020304" pitchFamily="18" charset="0"/>
+              <a:t> (ML/t)</a:t>
+            </a:r>
+            <a:endParaRPr lang="es-ES" sz="2000" baseline="-25000" dirty="0">
               <a:cs typeface="Times New Roman" panose="02020603050405020304" pitchFamily="18" charset="0"/>
             </a:endParaRPr>
           </a:p>
         </p:txBody>
       </p:sp>
-      <p:sp>
-        <p:nvSpPr>
-          <p:cNvPr id="18" name="CuadroTexto 4">
+      <p:pic>
+        <p:nvPicPr>
+          <p:cNvPr id="49" name="Picture 48">
             <a:extLst>
               <a:ext uri="{FF2B5EF4-FFF2-40B4-BE49-F238E27FC236}">
-                <a16:creationId xmlns:a16="http://schemas.microsoft.com/office/drawing/2014/main" id="{06854F99-8DB3-48C4-A1DD-F39950C555B6}"/>
+                <a16:creationId xmlns:a16="http://schemas.microsoft.com/office/drawing/2014/main" id="{2682A848-187E-42AF-B806-790C64296838}"/>
               </a:ext>
             </a:extLst>
           </p:cNvPr>
-          <p:cNvSpPr txBox="1"/>
+          <p:cNvPicPr>
+            <a:picLocks noChangeAspect="1"/>
+          </p:cNvPicPr>
           <p:nvPr/>
-        </p:nvSpPr>
+        </p:nvPicPr>
+        <p:blipFill>
+          <a:blip r:embed="rId5"/>
+          <a:stretch>
+            <a:fillRect/>
+          </a:stretch>
+        </p:blipFill>
         <p:spPr>
           <a:xfrm>
-            <a:off x="9475523" y="1548705"/>
-            <a:ext cx="1464816" cy="369332"/>
+            <a:off x="11792129" y="2115883"/>
+            <a:ext cx="666684" cy="523220"/>
           </a:xfrm>
           <a:prstGeom prst="rect">
             <a:avLst/>
           </a:prstGeom>
-          <a:noFill/>
-        </p:spPr>
-        <p:txBody>
-          <a:bodyPr wrap="square" rtlCol="0">
-            <a:spAutoFit/>
-          </a:bodyPr>
-          <a:lstStyle/>
-          <a:p>
-            <a:r>
-              <a:rPr lang="pt-PT" dirty="0">
-                <a:latin typeface="Times New Roman" panose="02020603050405020304" pitchFamily="18" charset="0"/>
-                <a:cs typeface="Times New Roman" panose="02020603050405020304" pitchFamily="18" charset="0"/>
-              </a:rPr>
-              <a:t>I</a:t>
-            </a:r>
-            <a:r>
-              <a:rPr lang="pt-PT" baseline="-25000" dirty="0">
-                <a:latin typeface="Times New Roman" panose="02020603050405020304" pitchFamily="18" charset="0"/>
-                <a:cs typeface="Times New Roman" panose="02020603050405020304" pitchFamily="18" charset="0"/>
-              </a:rPr>
-              <a:t>nat</a:t>
-            </a:r>
-            <a:endParaRPr lang="es-ES" baseline="-25000" dirty="0">
-              <a:latin typeface="Times New Roman" panose="02020603050405020304" pitchFamily="18" charset="0"/>
-              <a:cs typeface="Times New Roman" panose="02020603050405020304" pitchFamily="18" charset="0"/>
-            </a:endParaRPr>
-          </a:p>
-        </p:txBody>
-      </p:sp>
-      <p:sp>
-        <p:nvSpPr>
-          <p:cNvPr id="21" name="CuadroTexto 5">
+        </p:spPr>
+      </p:pic>
+      <p:cxnSp>
+        <p:nvCxnSpPr>
+          <p:cNvPr id="50" name="Conector recto de flecha 19">
             <a:extLst>
               <a:ext uri="{FF2B5EF4-FFF2-40B4-BE49-F238E27FC236}">
-                <a16:creationId xmlns:a16="http://schemas.microsoft.com/office/drawing/2014/main" id="{9D0DAA5C-F99B-45A4-AB61-A4A335C0669F}"/>
-              </a:ext>
-            </a:extLst>
-          </p:cNvPr>
-          <p:cNvSpPr txBox="1"/>
-          <p:nvPr/>
-        </p:nvSpPr>
-        <p:spPr>
-          <a:xfrm>
-            <a:off x="8127689" y="2111985"/>
-            <a:ext cx="1464816" cy="369332"/>
-          </a:xfrm>
-          <a:prstGeom prst="rect">
-            <a:avLst/>
-          </a:prstGeom>
-          <a:noFill/>
-        </p:spPr>
-        <p:txBody>
-          <a:bodyPr wrap="square" rtlCol="0">
-            <a:spAutoFit/>
-          </a:bodyPr>
-          <a:lstStyle/>
-          <a:p>
-            <a:r>
-              <a:rPr lang="pt-PT" dirty="0">
-                <a:latin typeface="Times New Roman" panose="02020603050405020304" pitchFamily="18" charset="0"/>
-                <a:cs typeface="Times New Roman" panose="02020603050405020304" pitchFamily="18" charset="0"/>
-              </a:rPr>
-              <a:t>E (ML)</a:t>
-            </a:r>
-            <a:endParaRPr lang="es-ES" dirty="0">
-              <a:latin typeface="Times New Roman" panose="02020603050405020304" pitchFamily="18" charset="0"/>
-              <a:cs typeface="Times New Roman" panose="02020603050405020304" pitchFamily="18" charset="0"/>
-            </a:endParaRPr>
-          </a:p>
-        </p:txBody>
-      </p:sp>
-      <p:sp>
-        <p:nvSpPr>
-          <p:cNvPr id="23" name="CuadroTexto 6">
-            <a:extLst>
-              <a:ext uri="{FF2B5EF4-FFF2-40B4-BE49-F238E27FC236}">
-                <a16:creationId xmlns:a16="http://schemas.microsoft.com/office/drawing/2014/main" id="{2A63BEFA-8A41-4E00-8353-3E1CEF3AD42F}"/>
-              </a:ext>
-            </a:extLst>
-          </p:cNvPr>
-          <p:cNvSpPr txBox="1"/>
-          <p:nvPr/>
-        </p:nvSpPr>
-        <p:spPr>
-          <a:xfrm>
-            <a:off x="10637018" y="2115284"/>
-            <a:ext cx="1464816" cy="369332"/>
-          </a:xfrm>
-          <a:prstGeom prst="rect">
-            <a:avLst/>
-          </a:prstGeom>
-          <a:noFill/>
-        </p:spPr>
-        <p:txBody>
-          <a:bodyPr wrap="square" rtlCol="0">
-            <a:spAutoFit/>
-          </a:bodyPr>
-          <a:lstStyle/>
-          <a:p>
-            <a:r>
-              <a:rPr lang="pt-PT" dirty="0"/>
-              <a:t>Qreg_inf</a:t>
-            </a:r>
-            <a:endParaRPr lang="es-ES" dirty="0"/>
-          </a:p>
-        </p:txBody>
-      </p:sp>
-      <p:sp>
-        <p:nvSpPr>
-          <p:cNvPr id="24" name="Triángulo isósceles 7">
-            <a:extLst>
-              <a:ext uri="{FF2B5EF4-FFF2-40B4-BE49-F238E27FC236}">
-                <a16:creationId xmlns:a16="http://schemas.microsoft.com/office/drawing/2014/main" id="{5DED12F5-11B9-4558-8C83-3A52FC30B7BF}"/>
-              </a:ext>
-            </a:extLst>
-          </p:cNvPr>
-          <p:cNvSpPr/>
-          <p:nvPr/>
-        </p:nvSpPr>
-        <p:spPr>
-          <a:xfrm>
-            <a:off x="8954701" y="2484616"/>
-            <a:ext cx="1553592" cy="1172139"/>
-          </a:xfrm>
-          <a:prstGeom prst="triangle">
-            <a:avLst/>
-          </a:prstGeom>
-          <a:noFill/>
-        </p:spPr>
-        <p:style>
-          <a:lnRef idx="2">
-            <a:schemeClr val="accent1">
-              <a:shade val="50000"/>
-            </a:schemeClr>
-          </a:lnRef>
-          <a:fillRef idx="1">
-            <a:schemeClr val="accent1"/>
-          </a:fillRef>
-          <a:effectRef idx="0">
-            <a:schemeClr val="accent1"/>
-          </a:effectRef>
-          <a:fontRef idx="minor">
-            <a:schemeClr val="lt1"/>
-          </a:fontRef>
-        </p:style>
-        <p:txBody>
-          <a:bodyPr rtlCol="0" anchor="ctr"/>
-          <a:lstStyle/>
-          <a:p>
-            <a:pPr algn="ctr"/>
-            <a:endParaRPr lang="es-ES"/>
-          </a:p>
-        </p:txBody>
-      </p:sp>
-      <p:cxnSp>
-        <p:nvCxnSpPr>
-          <p:cNvPr id="26" name="Conector recto de flecha 11">
-            <a:extLst>
-              <a:ext uri="{FF2B5EF4-FFF2-40B4-BE49-F238E27FC236}">
-                <a16:creationId xmlns:a16="http://schemas.microsoft.com/office/drawing/2014/main" id="{8E91A8E8-5F92-460C-92CF-FDD751E4DCB9}"/>
+                <a16:creationId xmlns:a16="http://schemas.microsoft.com/office/drawing/2014/main" id="{90B555F6-F40A-4129-9D2D-4A738A5BF894}"/>
               </a:ext>
             </a:extLst>
           </p:cNvPr>
@@ -4433,14 +5444,15 @@
         </p:nvCxnSpPr>
         <p:spPr>
           <a:xfrm flipH="1">
-            <a:off x="9731495" y="1969395"/>
-            <a:ext cx="1" cy="369332"/>
+            <a:off x="12115537" y="3158978"/>
+            <a:ext cx="1" cy="614662"/>
           </a:xfrm>
           <a:prstGeom prst="straightConnector1">
             <a:avLst/>
           </a:prstGeom>
-          <a:ln>
-            <a:tailEnd type="triangle"/>
+          <a:ln w="25400">
+            <a:headEnd w="med" len="med"/>
+            <a:tailEnd type="triangle" w="lg" len="lg"/>
           </a:ln>
         </p:spPr>
         <p:style>
@@ -4460,10 +5472,10 @@
       </p:cxnSp>
       <p:cxnSp>
         <p:nvCxnSpPr>
-          <p:cNvPr id="27" name="Conector recto de flecha 14">
+          <p:cNvPr id="54" name="Conector recto de flecha 21">
             <a:extLst>
               <a:ext uri="{FF2B5EF4-FFF2-40B4-BE49-F238E27FC236}">
-                <a16:creationId xmlns:a16="http://schemas.microsoft.com/office/drawing/2014/main" id="{E47B228A-A4AE-422A-AB64-E8AE37F52088}"/>
+                <a16:creationId xmlns:a16="http://schemas.microsoft.com/office/drawing/2014/main" id="{4AD291C6-471F-4C42-B845-FE9DA9D84E40}"/>
               </a:ext>
             </a:extLst>
           </p:cNvPr>
@@ -4473,15 +5485,541 @@
           <p:nvPr/>
         </p:nvCxnSpPr>
         <p:spPr>
-          <a:xfrm flipH="1">
-            <a:off x="10207932" y="2541236"/>
-            <a:ext cx="429085" cy="369332"/>
+          <a:xfrm>
+            <a:off x="11241707" y="3645363"/>
+            <a:ext cx="491413" cy="388372"/>
           </a:xfrm>
           <a:prstGeom prst="straightConnector1">
             <a:avLst/>
           </a:prstGeom>
-          <a:ln>
-            <a:tailEnd type="triangle"/>
+          <a:ln w="25400">
+            <a:headEnd w="med" len="med"/>
+            <a:tailEnd type="triangle" w="lg" len="lg"/>
+          </a:ln>
+        </p:spPr>
+        <p:style>
+          <a:lnRef idx="1">
+            <a:schemeClr val="accent1"/>
+          </a:lnRef>
+          <a:fillRef idx="0">
+            <a:schemeClr val="accent1"/>
+          </a:fillRef>
+          <a:effectRef idx="0">
+            <a:schemeClr val="accent1"/>
+          </a:effectRef>
+          <a:fontRef idx="minor">
+            <a:schemeClr val="tx1"/>
+          </a:fontRef>
+        </p:style>
+      </p:cxnSp>
+      <p:sp>
+        <p:nvSpPr>
+          <p:cNvPr id="59" name="CuadroTexto 27">
+            <a:extLst>
+              <a:ext uri="{FF2B5EF4-FFF2-40B4-BE49-F238E27FC236}">
+                <a16:creationId xmlns:a16="http://schemas.microsoft.com/office/drawing/2014/main" id="{EB449BEC-15F2-40BE-83ED-AB5E3F63317E}"/>
+              </a:ext>
+            </a:extLst>
+          </p:cNvPr>
+          <p:cNvSpPr txBox="1"/>
+          <p:nvPr/>
+        </p:nvSpPr>
+        <p:spPr>
+          <a:xfrm>
+            <a:off x="10532049" y="7187683"/>
+            <a:ext cx="1145164" cy="400110"/>
+          </a:xfrm>
+          <a:prstGeom prst="rect">
+            <a:avLst/>
+          </a:prstGeom>
+          <a:noFill/>
+        </p:spPr>
+        <p:txBody>
+          <a:bodyPr wrap="square" rtlCol="0">
+            <a:spAutoFit/>
+          </a:bodyPr>
+          <a:lstStyle/>
+          <a:p>
+            <a:r>
+              <a:rPr lang="pt-PT" sz="2000" dirty="0">
+                <a:cs typeface="Times New Roman" panose="02020603050405020304" pitchFamily="18" charset="0"/>
+              </a:rPr>
+              <a:t>d (ML/t)</a:t>
+            </a:r>
+          </a:p>
+        </p:txBody>
+      </p:sp>
+      <p:sp>
+        <p:nvSpPr>
+          <p:cNvPr id="60" name="Right Brace 59">
+            <a:extLst>
+              <a:ext uri="{FF2B5EF4-FFF2-40B4-BE49-F238E27FC236}">
+                <a16:creationId xmlns:a16="http://schemas.microsoft.com/office/drawing/2014/main" id="{B0888B7E-F255-4616-B879-6B13B0A73155}"/>
+              </a:ext>
+            </a:extLst>
+          </p:cNvPr>
+          <p:cNvSpPr/>
+          <p:nvPr/>
+        </p:nvSpPr>
+        <p:spPr>
+          <a:xfrm>
+            <a:off x="9783267" y="2627019"/>
+            <a:ext cx="202296" cy="1364414"/>
+          </a:xfrm>
+          <a:prstGeom prst="rightBrace">
+            <a:avLst/>
+          </a:prstGeom>
+        </p:spPr>
+        <p:style>
+          <a:lnRef idx="1">
+            <a:schemeClr val="accent1"/>
+          </a:lnRef>
+          <a:fillRef idx="0">
+            <a:schemeClr val="accent1"/>
+          </a:fillRef>
+          <a:effectRef idx="0">
+            <a:schemeClr val="accent1"/>
+          </a:effectRef>
+          <a:fontRef idx="minor">
+            <a:schemeClr val="tx1"/>
+          </a:fontRef>
+        </p:style>
+        <p:txBody>
+          <a:bodyPr rot="0" spcFirstLastPara="0" vertOverflow="overflow" horzOverflow="overflow" vert="horz" wrap="square" lIns="91440" tIns="45720" rIns="91440" bIns="45720" numCol="1" spcCol="0" rtlCol="0" fromWordArt="0" anchor="ctr" anchorCtr="0" forceAA="0" compatLnSpc="1">
+            <a:prstTxWarp prst="textNoShape">
+              <a:avLst/>
+            </a:prstTxWarp>
+            <a:noAutofit/>
+          </a:bodyPr>
+          <a:lstStyle/>
+          <a:p>
+            <a:pPr algn="ctr"/>
+            <a:endParaRPr lang="en-GB" sz="2117"/>
+          </a:p>
+        </p:txBody>
+      </p:sp>
+      <p:sp>
+        <p:nvSpPr>
+          <p:cNvPr id="61" name="CuadroTexto 6">
+            <a:extLst>
+              <a:ext uri="{FF2B5EF4-FFF2-40B4-BE49-F238E27FC236}">
+                <a16:creationId xmlns:a16="http://schemas.microsoft.com/office/drawing/2014/main" id="{088332AF-D8DE-4077-8953-2BFBB69AC2B2}"/>
+              </a:ext>
+            </a:extLst>
+          </p:cNvPr>
+          <p:cNvSpPr txBox="1"/>
+          <p:nvPr/>
+        </p:nvSpPr>
+        <p:spPr>
+          <a:xfrm>
+            <a:off x="8428237" y="2701630"/>
+            <a:ext cx="1464816" cy="400110"/>
+          </a:xfrm>
+          <a:prstGeom prst="rect">
+            <a:avLst/>
+          </a:prstGeom>
+          <a:noFill/>
+        </p:spPr>
+        <p:txBody>
+          <a:bodyPr wrap="square" rtlCol="0">
+            <a:spAutoFit/>
+          </a:bodyPr>
+          <a:lstStyle/>
+          <a:p>
+            <a:pPr algn="r"/>
+            <a:r>
+              <a:rPr lang="pt-PT" sz="2000" dirty="0">
+                <a:cs typeface="Times New Roman" panose="02020603050405020304" pitchFamily="18" charset="0"/>
+              </a:rPr>
+              <a:t>None: [ ]</a:t>
+            </a:r>
+            <a:endParaRPr lang="es-ES" sz="2000" dirty="0">
+              <a:cs typeface="Times New Roman" panose="02020603050405020304" pitchFamily="18" charset="0"/>
+            </a:endParaRPr>
+          </a:p>
+        </p:txBody>
+      </p:sp>
+      <p:sp>
+        <p:nvSpPr>
+          <p:cNvPr id="63" name="CuadroTexto 6">
+            <a:extLst>
+              <a:ext uri="{FF2B5EF4-FFF2-40B4-BE49-F238E27FC236}">
+                <a16:creationId xmlns:a16="http://schemas.microsoft.com/office/drawing/2014/main" id="{0D9BA587-1CBA-409A-9071-81A5C47F51A4}"/>
+              </a:ext>
+            </a:extLst>
+          </p:cNvPr>
+          <p:cNvSpPr txBox="1"/>
+          <p:nvPr/>
+        </p:nvSpPr>
+        <p:spPr>
+          <a:xfrm>
+            <a:off x="7491038" y="3141640"/>
+            <a:ext cx="2402015" cy="400110"/>
+          </a:xfrm>
+          <a:prstGeom prst="rect">
+            <a:avLst/>
+          </a:prstGeom>
+          <a:noFill/>
+        </p:spPr>
+        <p:txBody>
+          <a:bodyPr wrap="square" rtlCol="0">
+            <a:spAutoFit/>
+          </a:bodyPr>
+          <a:lstStyle/>
+          <a:p>
+            <a:pPr algn="r"/>
+            <a:r>
+              <a:rPr lang="pt-PT" sz="2000" dirty="0">
+                <a:cs typeface="Times New Roman" panose="02020603050405020304" pitchFamily="18" charset="0"/>
+              </a:rPr>
+              <a:t>Time series : array</a:t>
+            </a:r>
+            <a:endParaRPr lang="es-ES" sz="2000" dirty="0">
+              <a:cs typeface="Times New Roman" panose="02020603050405020304" pitchFamily="18" charset="0"/>
+            </a:endParaRPr>
+          </a:p>
+        </p:txBody>
+      </p:sp>
+      <p:sp>
+        <p:nvSpPr>
+          <p:cNvPr id="64" name="CuadroTexto 6">
+            <a:extLst>
+              <a:ext uri="{FF2B5EF4-FFF2-40B4-BE49-F238E27FC236}">
+                <a16:creationId xmlns:a16="http://schemas.microsoft.com/office/drawing/2014/main" id="{24CB016C-13FF-4866-94BF-E7D7A8EAE5FF}"/>
+              </a:ext>
+            </a:extLst>
+          </p:cNvPr>
+          <p:cNvSpPr txBox="1"/>
+          <p:nvPr/>
+        </p:nvSpPr>
+        <p:spPr>
+          <a:xfrm>
+            <a:off x="7471735" y="3610364"/>
+            <a:ext cx="2421396" cy="400110"/>
+          </a:xfrm>
+          <a:prstGeom prst="rect">
+            <a:avLst/>
+          </a:prstGeom>
+          <a:noFill/>
+        </p:spPr>
+        <p:txBody>
+          <a:bodyPr wrap="square" rtlCol="0">
+            <a:spAutoFit/>
+          </a:bodyPr>
+          <a:lstStyle/>
+          <a:p>
+            <a:pPr algn="r"/>
+            <a:r>
+              <a:rPr lang="pt-PT" sz="2000" dirty="0">
+                <a:cs typeface="Times New Roman" panose="02020603050405020304" pitchFamily="18" charset="0"/>
+              </a:rPr>
+              <a:t>Policy function: dict</a:t>
+            </a:r>
+            <a:endParaRPr lang="es-ES" sz="2000" dirty="0">
+              <a:cs typeface="Times New Roman" panose="02020603050405020304" pitchFamily="18" charset="0"/>
+            </a:endParaRPr>
+          </a:p>
+        </p:txBody>
+      </p:sp>
+      <p:sp>
+        <p:nvSpPr>
+          <p:cNvPr id="65" name="Right Brace 64">
+            <a:extLst>
+              <a:ext uri="{FF2B5EF4-FFF2-40B4-BE49-F238E27FC236}">
+                <a16:creationId xmlns:a16="http://schemas.microsoft.com/office/drawing/2014/main" id="{F55F7660-7B7A-4BA3-9B49-28D379D13FAE}"/>
+              </a:ext>
+            </a:extLst>
+          </p:cNvPr>
+          <p:cNvSpPr/>
+          <p:nvPr/>
+        </p:nvSpPr>
+        <p:spPr>
+          <a:xfrm>
+            <a:off x="9814061" y="5613825"/>
+            <a:ext cx="186363" cy="1331237"/>
+          </a:xfrm>
+          <a:prstGeom prst="rightBrace">
+            <a:avLst/>
+          </a:prstGeom>
+        </p:spPr>
+        <p:style>
+          <a:lnRef idx="1">
+            <a:schemeClr val="accent1"/>
+          </a:lnRef>
+          <a:fillRef idx="0">
+            <a:schemeClr val="accent1"/>
+          </a:fillRef>
+          <a:effectRef idx="0">
+            <a:schemeClr val="accent1"/>
+          </a:effectRef>
+          <a:fontRef idx="minor">
+            <a:schemeClr val="tx1"/>
+          </a:fontRef>
+        </p:style>
+        <p:txBody>
+          <a:bodyPr rot="0" spcFirstLastPara="0" vertOverflow="overflow" horzOverflow="overflow" vert="horz" wrap="square" lIns="91440" tIns="45720" rIns="91440" bIns="45720" numCol="1" spcCol="0" rtlCol="0" fromWordArt="0" anchor="ctr" anchorCtr="0" forceAA="0" compatLnSpc="1">
+            <a:prstTxWarp prst="textNoShape">
+              <a:avLst/>
+            </a:prstTxWarp>
+            <a:noAutofit/>
+          </a:bodyPr>
+          <a:lstStyle/>
+          <a:p>
+            <a:pPr algn="ctr"/>
+            <a:endParaRPr lang="en-GB" sz="2117"/>
+          </a:p>
+        </p:txBody>
+      </p:sp>
+      <p:sp>
+        <p:nvSpPr>
+          <p:cNvPr id="66" name="CuadroTexto 6">
+            <a:extLst>
+              <a:ext uri="{FF2B5EF4-FFF2-40B4-BE49-F238E27FC236}">
+                <a16:creationId xmlns:a16="http://schemas.microsoft.com/office/drawing/2014/main" id="{96CDD9A4-B710-4DF9-BE28-A0F7A50B62AC}"/>
+              </a:ext>
+            </a:extLst>
+          </p:cNvPr>
+          <p:cNvSpPr txBox="1"/>
+          <p:nvPr/>
+        </p:nvSpPr>
+        <p:spPr>
+          <a:xfrm>
+            <a:off x="6280451" y="5566810"/>
+            <a:ext cx="3525072" cy="400110"/>
+          </a:xfrm>
+          <a:prstGeom prst="rect">
+            <a:avLst/>
+          </a:prstGeom>
+          <a:noFill/>
+        </p:spPr>
+        <p:txBody>
+          <a:bodyPr wrap="square" rtlCol="0">
+            <a:spAutoFit/>
+          </a:bodyPr>
+          <a:lstStyle/>
+          <a:p>
+            <a:pPr algn="r"/>
+            <a:r>
+              <a:rPr lang="pt-PT" sz="2000" dirty="0">
+                <a:cs typeface="Times New Roman" panose="02020603050405020304" pitchFamily="18" charset="0"/>
+              </a:rPr>
+              <a:t>None: [ ]</a:t>
+            </a:r>
+            <a:r>
+              <a:rPr lang="en-GB" sz="2000" dirty="0"/>
+              <a:t> → </a:t>
+            </a:r>
+            <a:r>
+              <a:rPr lang="pt-PT" sz="2000" dirty="0">
+                <a:cs typeface="Times New Roman" panose="02020603050405020304" pitchFamily="18" charset="0"/>
+              </a:rPr>
+              <a:t>Qreg_rel = d </a:t>
+            </a:r>
+            <a:endParaRPr lang="es-ES" sz="2000" dirty="0">
+              <a:cs typeface="Times New Roman" panose="02020603050405020304" pitchFamily="18" charset="0"/>
+            </a:endParaRPr>
+          </a:p>
+        </p:txBody>
+      </p:sp>
+      <p:sp>
+        <p:nvSpPr>
+          <p:cNvPr id="67" name="CuadroTexto 6">
+            <a:extLst>
+              <a:ext uri="{FF2B5EF4-FFF2-40B4-BE49-F238E27FC236}">
+                <a16:creationId xmlns:a16="http://schemas.microsoft.com/office/drawing/2014/main" id="{36B949D1-A6AE-49CC-9997-9D83738B087B}"/>
+              </a:ext>
+            </a:extLst>
+          </p:cNvPr>
+          <p:cNvSpPr txBox="1"/>
+          <p:nvPr/>
+        </p:nvSpPr>
+        <p:spPr>
+          <a:xfrm>
+            <a:off x="7503926" y="5997458"/>
+            <a:ext cx="2292441" cy="400110"/>
+          </a:xfrm>
+          <a:prstGeom prst="rect">
+            <a:avLst/>
+          </a:prstGeom>
+          <a:noFill/>
+        </p:spPr>
+        <p:txBody>
+          <a:bodyPr wrap="square" rtlCol="0">
+            <a:spAutoFit/>
+          </a:bodyPr>
+          <a:lstStyle/>
+          <a:p>
+            <a:pPr algn="r"/>
+            <a:r>
+              <a:rPr lang="pt-PT" sz="2000" dirty="0">
+                <a:cs typeface="Times New Roman" panose="02020603050405020304" pitchFamily="18" charset="0"/>
+              </a:rPr>
+              <a:t>Time series : array</a:t>
+            </a:r>
+            <a:endParaRPr lang="es-ES" sz="2000" dirty="0">
+              <a:cs typeface="Times New Roman" panose="02020603050405020304" pitchFamily="18" charset="0"/>
+            </a:endParaRPr>
+          </a:p>
+        </p:txBody>
+      </p:sp>
+      <p:sp>
+        <p:nvSpPr>
+          <p:cNvPr id="68" name="CuadroTexto 6">
+            <a:extLst>
+              <a:ext uri="{FF2B5EF4-FFF2-40B4-BE49-F238E27FC236}">
+                <a16:creationId xmlns:a16="http://schemas.microsoft.com/office/drawing/2014/main" id="{E21FF379-6DA5-457C-A71F-06B2A26E44C1}"/>
+              </a:ext>
+            </a:extLst>
+          </p:cNvPr>
+          <p:cNvSpPr txBox="1"/>
+          <p:nvPr/>
+        </p:nvSpPr>
+        <p:spPr>
+          <a:xfrm>
+            <a:off x="7178571" y="6423430"/>
+            <a:ext cx="2648120" cy="400110"/>
+          </a:xfrm>
+          <a:prstGeom prst="rect">
+            <a:avLst/>
+          </a:prstGeom>
+          <a:noFill/>
+        </p:spPr>
+        <p:txBody>
+          <a:bodyPr wrap="square" rtlCol="0">
+            <a:spAutoFit/>
+          </a:bodyPr>
+          <a:lstStyle/>
+          <a:p>
+            <a:pPr algn="r"/>
+            <a:r>
+              <a:rPr lang="pt-PT" sz="2000" dirty="0">
+                <a:cs typeface="Times New Roman" panose="02020603050405020304" pitchFamily="18" charset="0"/>
+              </a:rPr>
+              <a:t>Policy function: dict</a:t>
+            </a:r>
+            <a:endParaRPr lang="es-ES" sz="2000" dirty="0">
+              <a:cs typeface="Times New Roman" panose="02020603050405020304" pitchFamily="18" charset="0"/>
+            </a:endParaRPr>
+          </a:p>
+        </p:txBody>
+      </p:sp>
+      <p:sp>
+        <p:nvSpPr>
+          <p:cNvPr id="69" name="CuadroTexto 3">
+            <a:extLst>
+              <a:ext uri="{FF2B5EF4-FFF2-40B4-BE49-F238E27FC236}">
+                <a16:creationId xmlns:a16="http://schemas.microsoft.com/office/drawing/2014/main" id="{5777D500-4C9E-466D-9495-3FC959869C9C}"/>
+              </a:ext>
+            </a:extLst>
+          </p:cNvPr>
+          <p:cNvSpPr txBox="1"/>
+          <p:nvPr/>
+        </p:nvSpPr>
+        <p:spPr>
+          <a:xfrm>
+            <a:off x="11352904" y="12112239"/>
+            <a:ext cx="1881340" cy="707886"/>
+          </a:xfrm>
+          <a:prstGeom prst="rect">
+            <a:avLst/>
+          </a:prstGeom>
+          <a:noFill/>
+        </p:spPr>
+        <p:txBody>
+          <a:bodyPr wrap="square" rtlCol="0">
+            <a:spAutoFit/>
+          </a:bodyPr>
+          <a:lstStyle/>
+          <a:p>
+            <a:pPr algn="ctr"/>
+            <a:r>
+              <a:rPr lang="en-GB" sz="2000" dirty="0">
+                <a:latin typeface="Times New Roman" panose="02020603050405020304" pitchFamily="18" charset="0"/>
+                <a:cs typeface="Times New Roman" panose="02020603050405020304" pitchFamily="18" charset="0"/>
+              </a:rPr>
+              <a:t>s (ML)</a:t>
+            </a:r>
+            <a:endParaRPr lang="es-ES" sz="2000" baseline="-25000" dirty="0"/>
+          </a:p>
+          <a:p>
+            <a:pPr algn="ctr"/>
+            <a:endParaRPr lang="es-ES" sz="2000" dirty="0">
+              <a:latin typeface="Times New Roman" panose="02020603050405020304" pitchFamily="18" charset="0"/>
+              <a:cs typeface="Times New Roman" panose="02020603050405020304" pitchFamily="18" charset="0"/>
+            </a:endParaRPr>
+          </a:p>
+        </p:txBody>
+      </p:sp>
+      <p:sp>
+        <p:nvSpPr>
+          <p:cNvPr id="71" name="CuadroTexto 5">
+            <a:extLst>
+              <a:ext uri="{FF2B5EF4-FFF2-40B4-BE49-F238E27FC236}">
+                <a16:creationId xmlns:a16="http://schemas.microsoft.com/office/drawing/2014/main" id="{087EB982-A52A-438A-B930-73C80DC3076E}"/>
+              </a:ext>
+            </a:extLst>
+          </p:cNvPr>
+          <p:cNvSpPr txBox="1"/>
+          <p:nvPr/>
+        </p:nvSpPr>
+        <p:spPr>
+          <a:xfrm>
+            <a:off x="12791175" y="10954038"/>
+            <a:ext cx="1775041" cy="400110"/>
+          </a:xfrm>
+          <a:prstGeom prst="rect">
+            <a:avLst/>
+          </a:prstGeom>
+          <a:noFill/>
+        </p:spPr>
+        <p:txBody>
+          <a:bodyPr wrap="square" rtlCol="0">
+            <a:spAutoFit/>
+          </a:bodyPr>
+          <a:lstStyle/>
+          <a:p>
+            <a:r>
+              <a:rPr lang="pt-PT" sz="2000" dirty="0">
+                <a:latin typeface="Times New Roman" panose="02020603050405020304" pitchFamily="18" charset="0"/>
+                <a:cs typeface="Times New Roman" panose="02020603050405020304" pitchFamily="18" charset="0"/>
+              </a:rPr>
+              <a:t>E (ML/t)</a:t>
+            </a:r>
+            <a:endParaRPr lang="es-ES" sz="2000" dirty="0">
+              <a:latin typeface="Times New Roman" panose="02020603050405020304" pitchFamily="18" charset="0"/>
+              <a:cs typeface="Times New Roman" panose="02020603050405020304" pitchFamily="18" charset="0"/>
+            </a:endParaRPr>
+          </a:p>
+        </p:txBody>
+      </p:sp>
+      <p:cxnSp>
+        <p:nvCxnSpPr>
+          <p:cNvPr id="72" name="Conector recto de flecha 19">
+            <a:extLst>
+              <a:ext uri="{FF2B5EF4-FFF2-40B4-BE49-F238E27FC236}">
+                <a16:creationId xmlns:a16="http://schemas.microsoft.com/office/drawing/2014/main" id="{6114F7D0-10B9-4FC4-BCB8-5D00BC373C5F}"/>
+              </a:ext>
+            </a:extLst>
+          </p:cNvPr>
+          <p:cNvCxnSpPr>
+            <a:cxnSpLocks/>
+          </p:cNvCxnSpPr>
+          <p:nvPr/>
+        </p:nvCxnSpPr>
+        <p:spPr>
+          <a:xfrm flipH="1">
+            <a:off x="12308619" y="12806642"/>
+            <a:ext cx="1" cy="614662"/>
+          </a:xfrm>
+          <a:prstGeom prst="straightConnector1">
+            <a:avLst/>
+          </a:prstGeom>
+          <a:ln w="25400">
+            <a:solidFill>
+              <a:srgbClr val="FF0000"/>
+            </a:solidFill>
+            <a:headEnd w="med" len="med"/>
+            <a:tailEnd type="triangle" w="lg" len="lg"/>
           </a:ln>
         </p:spPr>
         <p:style>
@@ -4501,10 +6039,10 @@
       </p:cxnSp>
       <p:cxnSp>
         <p:nvCxnSpPr>
-          <p:cNvPr id="31" name="Conector recto de flecha 19">
+          <p:cNvPr id="73" name="Conector recto de flecha 21">
             <a:extLst>
               <a:ext uri="{FF2B5EF4-FFF2-40B4-BE49-F238E27FC236}">
-                <a16:creationId xmlns:a16="http://schemas.microsoft.com/office/drawing/2014/main" id="{9336AB69-4D3A-4C16-AEAF-7DF4E1104F2D}"/>
+                <a16:creationId xmlns:a16="http://schemas.microsoft.com/office/drawing/2014/main" id="{CF1F8902-A853-4FE4-851F-C899F63B3A2D}"/>
               </a:ext>
             </a:extLst>
           </p:cNvPr>
@@ -4514,15 +6052,335 @@
           <p:nvPr/>
         </p:nvCxnSpPr>
         <p:spPr>
-          <a:xfrm flipH="1">
-            <a:off x="9731679" y="3958773"/>
-            <a:ext cx="1" cy="614662"/>
+          <a:xfrm>
+            <a:off x="12778018" y="12428589"/>
+            <a:ext cx="491413" cy="388372"/>
           </a:xfrm>
           <a:prstGeom prst="straightConnector1">
             <a:avLst/>
           </a:prstGeom>
-          <a:ln>
-            <a:tailEnd type="triangle"/>
+          <a:ln w="25400">
+            <a:solidFill>
+              <a:srgbClr val="FF0000"/>
+            </a:solidFill>
+            <a:headEnd w="med" len="med"/>
+            <a:tailEnd type="triangle" w="lg" len="lg"/>
+          </a:ln>
+        </p:spPr>
+        <p:style>
+          <a:lnRef idx="1">
+            <a:schemeClr val="accent1"/>
+          </a:lnRef>
+          <a:fillRef idx="0">
+            <a:schemeClr val="accent1"/>
+          </a:fillRef>
+          <a:effectRef idx="0">
+            <a:schemeClr val="accent1"/>
+          </a:effectRef>
+          <a:fontRef idx="minor">
+            <a:schemeClr val="tx1"/>
+          </a:fontRef>
+        </p:style>
+      </p:cxnSp>
+      <p:sp>
+        <p:nvSpPr>
+          <p:cNvPr id="75" name="CuadroTexto 29">
+            <a:extLst>
+              <a:ext uri="{FF2B5EF4-FFF2-40B4-BE49-F238E27FC236}">
+                <a16:creationId xmlns:a16="http://schemas.microsoft.com/office/drawing/2014/main" id="{32164535-D527-4E8E-B895-B3D0252E7BAA}"/>
+              </a:ext>
+            </a:extLst>
+          </p:cNvPr>
+          <p:cNvSpPr txBox="1"/>
+          <p:nvPr/>
+        </p:nvSpPr>
+        <p:spPr>
+          <a:xfrm>
+            <a:off x="12946287" y="12796714"/>
+            <a:ext cx="1464816" cy="400110"/>
+          </a:xfrm>
+          <a:prstGeom prst="rect">
+            <a:avLst/>
+          </a:prstGeom>
+          <a:noFill/>
+        </p:spPr>
+        <p:txBody>
+          <a:bodyPr wrap="square" rtlCol="0">
+            <a:spAutoFit/>
+          </a:bodyPr>
+          <a:lstStyle/>
+          <a:p>
+            <a:r>
+              <a:rPr lang="pt-PT" sz="2000" dirty="0">
+                <a:latin typeface="Times New Roman" panose="02020603050405020304" pitchFamily="18" charset="0"/>
+                <a:cs typeface="Times New Roman" panose="02020603050405020304" pitchFamily="18" charset="0"/>
+              </a:rPr>
+              <a:t>env (ML/t)</a:t>
+            </a:r>
+            <a:endParaRPr lang="es-ES" sz="2000" dirty="0">
+              <a:latin typeface="Times New Roman" panose="02020603050405020304" pitchFamily="18" charset="0"/>
+              <a:cs typeface="Times New Roman" panose="02020603050405020304" pitchFamily="18" charset="0"/>
+            </a:endParaRPr>
+          </a:p>
+        </p:txBody>
+      </p:sp>
+      <p:sp>
+        <p:nvSpPr>
+          <p:cNvPr id="76" name="CuadroTexto 4">
+            <a:extLst>
+              <a:ext uri="{FF2B5EF4-FFF2-40B4-BE49-F238E27FC236}">
+                <a16:creationId xmlns:a16="http://schemas.microsoft.com/office/drawing/2014/main" id="{863BF018-60F1-4D82-9E71-0E5F96EEA1B3}"/>
+              </a:ext>
+            </a:extLst>
+          </p:cNvPr>
+          <p:cNvSpPr txBox="1"/>
+          <p:nvPr/>
+        </p:nvSpPr>
+        <p:spPr>
+          <a:xfrm>
+            <a:off x="10270540" y="10939239"/>
+            <a:ext cx="2188273" cy="400110"/>
+          </a:xfrm>
+          <a:prstGeom prst="rect">
+            <a:avLst/>
+          </a:prstGeom>
+          <a:noFill/>
+        </p:spPr>
+        <p:txBody>
+          <a:bodyPr wrap="square" rtlCol="0">
+            <a:spAutoFit/>
+          </a:bodyPr>
+          <a:lstStyle/>
+          <a:p>
+            <a:r>
+              <a:rPr lang="pt-PT" sz="2000" dirty="0">
+                <a:latin typeface="Times New Roman" panose="02020603050405020304" pitchFamily="18" charset="0"/>
+                <a:cs typeface="Times New Roman" panose="02020603050405020304" pitchFamily="18" charset="0"/>
+              </a:rPr>
+              <a:t>Qreg_inf</a:t>
+            </a:r>
+            <a:r>
+              <a:rPr lang="es-ES" sz="2000" dirty="0">
+                <a:latin typeface="Times New Roman" panose="02020603050405020304" pitchFamily="18" charset="0"/>
+                <a:cs typeface="Times New Roman" panose="02020603050405020304" pitchFamily="18" charset="0"/>
+              </a:rPr>
+              <a:t> </a:t>
+            </a:r>
+            <a:r>
+              <a:rPr lang="pt-PT" sz="2000" dirty="0">
+                <a:latin typeface="Times New Roman" panose="02020603050405020304" pitchFamily="18" charset="0"/>
+                <a:cs typeface="Times New Roman" panose="02020603050405020304" pitchFamily="18" charset="0"/>
+              </a:rPr>
+              <a:t>(ML/t)</a:t>
+            </a:r>
+            <a:endParaRPr lang="es-ES" sz="2000" baseline="-25000" dirty="0">
+              <a:latin typeface="Times New Roman" panose="02020603050405020304" pitchFamily="18" charset="0"/>
+              <a:cs typeface="Times New Roman" panose="02020603050405020304" pitchFamily="18" charset="0"/>
+            </a:endParaRPr>
+          </a:p>
+        </p:txBody>
+      </p:sp>
+      <p:cxnSp>
+        <p:nvCxnSpPr>
+          <p:cNvPr id="77" name="Conector recto de flecha 14">
+            <a:extLst>
+              <a:ext uri="{FF2B5EF4-FFF2-40B4-BE49-F238E27FC236}">
+                <a16:creationId xmlns:a16="http://schemas.microsoft.com/office/drawing/2014/main" id="{67A5CA1B-E732-4825-8F6D-66CA88353D43}"/>
+              </a:ext>
+            </a:extLst>
+          </p:cNvPr>
+          <p:cNvCxnSpPr>
+            <a:cxnSpLocks/>
+          </p:cNvCxnSpPr>
+          <p:nvPr/>
+        </p:nvCxnSpPr>
+        <p:spPr>
+          <a:xfrm flipH="1">
+            <a:off x="11388091" y="12364290"/>
+            <a:ext cx="462791" cy="394278"/>
+          </a:xfrm>
+          <a:prstGeom prst="straightConnector1">
+            <a:avLst/>
+          </a:prstGeom>
+          <a:ln w="25400">
+            <a:solidFill>
+              <a:srgbClr val="FF0000"/>
+            </a:solidFill>
+            <a:headEnd w="med" len="med"/>
+            <a:tailEnd type="triangle" w="lg" len="lg"/>
+          </a:ln>
+        </p:spPr>
+        <p:style>
+          <a:lnRef idx="1">
+            <a:schemeClr val="accent1"/>
+          </a:lnRef>
+          <a:fillRef idx="0">
+            <a:schemeClr val="accent1"/>
+          </a:fillRef>
+          <a:effectRef idx="0">
+            <a:schemeClr val="accent1"/>
+          </a:effectRef>
+          <a:fontRef idx="minor">
+            <a:schemeClr val="tx1"/>
+          </a:fontRef>
+        </p:style>
+      </p:cxnSp>
+      <p:sp>
+        <p:nvSpPr>
+          <p:cNvPr id="78" name="CuadroTexto 29">
+            <a:extLst>
+              <a:ext uri="{FF2B5EF4-FFF2-40B4-BE49-F238E27FC236}">
+                <a16:creationId xmlns:a16="http://schemas.microsoft.com/office/drawing/2014/main" id="{5F6A3BFB-4E9D-4B33-955C-D6C3B4F9C539}"/>
+              </a:ext>
+            </a:extLst>
+          </p:cNvPr>
+          <p:cNvSpPr txBox="1"/>
+          <p:nvPr/>
+        </p:nvSpPr>
+        <p:spPr>
+          <a:xfrm>
+            <a:off x="11592904" y="13471815"/>
+            <a:ext cx="1662394" cy="400110"/>
+          </a:xfrm>
+          <a:prstGeom prst="rect">
+            <a:avLst/>
+          </a:prstGeom>
+          <a:noFill/>
+        </p:spPr>
+        <p:txBody>
+          <a:bodyPr wrap="square" rtlCol="0">
+            <a:spAutoFit/>
+          </a:bodyPr>
+          <a:lstStyle/>
+          <a:p>
+            <a:r>
+              <a:rPr lang="pt-PT" sz="2000" dirty="0">
+                <a:latin typeface="Times New Roman" panose="02020603050405020304" pitchFamily="18" charset="0"/>
+                <a:cs typeface="Times New Roman" panose="02020603050405020304" pitchFamily="18" charset="0"/>
+              </a:rPr>
+              <a:t>spills (ML/t)</a:t>
+            </a:r>
+            <a:endParaRPr lang="es-ES" sz="2000" dirty="0">
+              <a:latin typeface="Times New Roman" panose="02020603050405020304" pitchFamily="18" charset="0"/>
+              <a:cs typeface="Times New Roman" panose="02020603050405020304" pitchFamily="18" charset="0"/>
+            </a:endParaRPr>
+          </a:p>
+        </p:txBody>
+      </p:sp>
+      <p:pic>
+        <p:nvPicPr>
+          <p:cNvPr id="79" name="Picture 78" descr="Resultado de imagen de dam icon">
+            <a:extLst>
+              <a:ext uri="{FF2B5EF4-FFF2-40B4-BE49-F238E27FC236}">
+                <a16:creationId xmlns:a16="http://schemas.microsoft.com/office/drawing/2014/main" id="{C01AC8A8-2039-431F-850B-0297971BD7A8}"/>
+              </a:ext>
+            </a:extLst>
+          </p:cNvPr>
+          <p:cNvPicPr>
+            <a:picLocks noChangeAspect="1" noChangeArrowheads="1"/>
+          </p:cNvPicPr>
+          <p:nvPr/>
+        </p:nvPicPr>
+        <p:blipFill>
+          <a:blip r:embed="rId2">
+            <a:extLst>
+              <a:ext uri="{28A0092B-C50C-407E-A947-70E740481C1C}">
+                <a14:useLocalDpi xmlns:a14="http://schemas.microsoft.com/office/drawing/2010/main" val="0"/>
+              </a:ext>
+            </a:extLst>
+          </a:blip>
+          <a:srcRect/>
+          <a:stretch>
+            <a:fillRect/>
+          </a:stretch>
+        </p:blipFill>
+        <p:spPr bwMode="auto">
+          <a:xfrm>
+            <a:off x="12020815" y="11530111"/>
+            <a:ext cx="576172" cy="576172"/>
+          </a:xfrm>
+          <a:prstGeom prst="rect">
+            <a:avLst/>
+          </a:prstGeom>
+          <a:noFill/>
+          <a:extLst>
+            <a:ext uri="{909E8E84-426E-40DD-AFC4-6F175D3DCCD1}">
+              <a14:hiddenFill xmlns:a14="http://schemas.microsoft.com/office/drawing/2010/main">
+                <a:solidFill>
+                  <a:srgbClr val="FFFFFF"/>
+                </a:solidFill>
+              </a14:hiddenFill>
+            </a:ext>
+          </a:extLst>
+        </p:spPr>
+      </p:pic>
+      <p:pic>
+        <p:nvPicPr>
+          <p:cNvPr id="80" name="Graphic 79" descr="City">
+            <a:extLst>
+              <a:ext uri="{FF2B5EF4-FFF2-40B4-BE49-F238E27FC236}">
+                <a16:creationId xmlns:a16="http://schemas.microsoft.com/office/drawing/2014/main" id="{D387F0D9-1417-4F21-B837-E848DCE13846}"/>
+              </a:ext>
+            </a:extLst>
+          </p:cNvPr>
+          <p:cNvPicPr>
+            <a:picLocks noChangeAspect="1"/>
+          </p:cNvPicPr>
+          <p:nvPr/>
+        </p:nvPicPr>
+        <p:blipFill>
+          <a:blip r:embed="rId3">
+            <a:extLst>
+              <a:ext uri="{28A0092B-C50C-407E-A947-70E740481C1C}">
+                <a14:useLocalDpi xmlns:a14="http://schemas.microsoft.com/office/drawing/2010/main" val="0"/>
+              </a:ext>
+              <a:ext uri="{96DAC541-7B7A-43D3-8B79-37D633B846F1}">
+                <asvg:svgBlip xmlns:asvg="http://schemas.microsoft.com/office/drawing/2016/SVG/main" r:embed="rId4"/>
+              </a:ext>
+            </a:extLst>
+          </a:blip>
+          <a:stretch>
+            <a:fillRect/>
+          </a:stretch>
+        </p:blipFill>
+        <p:spPr>
+          <a:xfrm>
+            <a:off x="10632782" y="13083663"/>
+            <a:ext cx="914400" cy="914400"/>
+          </a:xfrm>
+          <a:prstGeom prst="rect">
+            <a:avLst/>
+          </a:prstGeom>
+        </p:spPr>
+      </p:pic>
+      <p:cxnSp>
+        <p:nvCxnSpPr>
+          <p:cNvPr id="83" name="Conector recto de flecha 14">
+            <a:extLst>
+              <a:ext uri="{FF2B5EF4-FFF2-40B4-BE49-F238E27FC236}">
+                <a16:creationId xmlns:a16="http://schemas.microsoft.com/office/drawing/2014/main" id="{E1BED7CF-6CD4-4D8A-B3C7-FA879E2A72E1}"/>
+              </a:ext>
+            </a:extLst>
+          </p:cNvPr>
+          <p:cNvCxnSpPr>
+            <a:cxnSpLocks/>
+          </p:cNvCxnSpPr>
+          <p:nvPr/>
+        </p:nvCxnSpPr>
+        <p:spPr>
+          <a:xfrm flipV="1">
+            <a:off x="12672686" y="11354928"/>
+            <a:ext cx="436155" cy="372033"/>
+          </a:xfrm>
+          <a:prstGeom prst="straightConnector1">
+            <a:avLst/>
+          </a:prstGeom>
+          <a:ln w="25400">
+            <a:solidFill>
+              <a:srgbClr val="FF0000"/>
+            </a:solidFill>
+            <a:headEnd w="med" len="med"/>
+            <a:tailEnd type="triangle" w="lg" len="lg"/>
           </a:ln>
         </p:spPr>
         <p:style>
@@ -4542,10 +6400,10 @@
       </p:cxnSp>
       <p:cxnSp>
         <p:nvCxnSpPr>
-          <p:cNvPr id="32" name="Conector recto de flecha 21">
+          <p:cNvPr id="84" name="Conector recto de flecha 21">
             <a:extLst>
               <a:ext uri="{FF2B5EF4-FFF2-40B4-BE49-F238E27FC236}">
-                <a16:creationId xmlns:a16="http://schemas.microsoft.com/office/drawing/2014/main" id="{6997D6C2-10FE-4187-A0AF-BC01A78A8692}"/>
+                <a16:creationId xmlns:a16="http://schemas.microsoft.com/office/drawing/2014/main" id="{D7162126-B24A-4966-898A-BE12FBB85D7C}"/>
               </a:ext>
             </a:extLst>
           </p:cNvPr>
@@ -4556,14 +6414,18 @@
         </p:nvCxnSpPr>
         <p:spPr>
           <a:xfrm>
-            <a:off x="9962225" y="3896772"/>
+            <a:off x="11305852" y="11359125"/>
             <a:ext cx="491413" cy="388372"/>
           </a:xfrm>
           <a:prstGeom prst="straightConnector1">
             <a:avLst/>
           </a:prstGeom>
-          <a:ln>
-            <a:tailEnd type="triangle"/>
+          <a:ln w="25400">
+            <a:solidFill>
+              <a:srgbClr val="FF0000"/>
+            </a:solidFill>
+            <a:headEnd w="med" len="med"/>
+            <a:tailEnd type="triangle" w="lg" len="lg"/>
           </a:ln>
         </p:spPr>
         <p:style>
@@ -4583,10 +6445,139 @@
       </p:cxnSp>
       <p:sp>
         <p:nvSpPr>
-          <p:cNvPr id="33" name="CuadroTexto 27">
+          <p:cNvPr id="85" name="Rectangle 84">
             <a:extLst>
               <a:ext uri="{FF2B5EF4-FFF2-40B4-BE49-F238E27FC236}">
-                <a16:creationId xmlns:a16="http://schemas.microsoft.com/office/drawing/2014/main" id="{F070CA72-5D0E-44CE-AB74-E706108EB9F4}"/>
+                <a16:creationId xmlns:a16="http://schemas.microsoft.com/office/drawing/2014/main" id="{D113B6EC-5566-43AA-96D5-F8D2A665406B}"/>
+              </a:ext>
+            </a:extLst>
+          </p:cNvPr>
+          <p:cNvSpPr/>
+          <p:nvPr/>
+        </p:nvSpPr>
+        <p:spPr>
+          <a:xfrm rot="19134282">
+            <a:off x="12683498" y="11543667"/>
+            <a:ext cx="776687" cy="400110"/>
+          </a:xfrm>
+          <a:prstGeom prst="rect">
+            <a:avLst/>
+          </a:prstGeom>
+        </p:spPr>
+        <p:txBody>
+          <a:bodyPr wrap="none">
+            <a:spAutoFit/>
+          </a:bodyPr>
+          <a:lstStyle/>
+          <a:p>
+            <a:r>
+              <a:rPr lang="pt-PT" sz="2000" dirty="0">
+                <a:latin typeface="Times New Roman" panose="02020603050405020304" pitchFamily="18" charset="0"/>
+                <a:cs typeface="Times New Roman" panose="02020603050405020304" pitchFamily="18" charset="0"/>
+              </a:rPr>
+              <a:t>e * A </a:t>
+            </a:r>
+            <a:endParaRPr lang="en-GB" sz="2000" dirty="0"/>
+          </a:p>
+        </p:txBody>
+      </p:sp>
+      <p:sp>
+        <p:nvSpPr>
+          <p:cNvPr id="86" name="Rectangle 85">
+            <a:extLst>
+              <a:ext uri="{FF2B5EF4-FFF2-40B4-BE49-F238E27FC236}">
+                <a16:creationId xmlns:a16="http://schemas.microsoft.com/office/drawing/2014/main" id="{B9D4BDFD-43FE-4CD7-B184-96D586C7922E}"/>
+              </a:ext>
+            </a:extLst>
+          </p:cNvPr>
+          <p:cNvSpPr/>
+          <p:nvPr/>
+        </p:nvSpPr>
+        <p:spPr>
+          <a:xfrm rot="5400000">
+            <a:off x="12089319" y="12830231"/>
+            <a:ext cx="949299" cy="400110"/>
+          </a:xfrm>
+          <a:prstGeom prst="rect">
+            <a:avLst/>
+          </a:prstGeom>
+        </p:spPr>
+        <p:txBody>
+          <a:bodyPr wrap="none">
+            <a:spAutoFit/>
+          </a:bodyPr>
+          <a:lstStyle/>
+          <a:p>
+            <a:r>
+              <a:rPr lang="pt-PT" sz="2000" dirty="0">
+                <a:latin typeface="Times New Roman" panose="02020603050405020304" pitchFamily="18" charset="0"/>
+                <a:cs typeface="Times New Roman" panose="02020603050405020304" pitchFamily="18" charset="0"/>
+              </a:rPr>
+              <a:t>s &gt; s</a:t>
+            </a:r>
+            <a:r>
+              <a:rPr lang="pt-PT" sz="2000" baseline="-25000" dirty="0">
+                <a:latin typeface="Times New Roman" panose="02020603050405020304" pitchFamily="18" charset="0"/>
+                <a:cs typeface="Times New Roman" panose="02020603050405020304" pitchFamily="18" charset="0"/>
+              </a:rPr>
+              <a:t>max</a:t>
+            </a:r>
+            <a:endParaRPr lang="en-GB" sz="2000" dirty="0"/>
+          </a:p>
+        </p:txBody>
+      </p:sp>
+      <p:sp>
+        <p:nvSpPr>
+          <p:cNvPr id="98" name="Arrow: Right 97">
+            <a:extLst>
+              <a:ext uri="{FF2B5EF4-FFF2-40B4-BE49-F238E27FC236}">
+                <a16:creationId xmlns:a16="http://schemas.microsoft.com/office/drawing/2014/main" id="{60C8F051-EC0D-4C52-9005-C48743C28BFD}"/>
+              </a:ext>
+            </a:extLst>
+          </p:cNvPr>
+          <p:cNvSpPr/>
+          <p:nvPr/>
+        </p:nvSpPr>
+        <p:spPr>
+          <a:xfrm rot="5400000">
+            <a:off x="11849079" y="7482592"/>
+            <a:ext cx="736192" cy="701628"/>
+          </a:xfrm>
+          <a:prstGeom prst="rightArrow">
+            <a:avLst/>
+          </a:prstGeom>
+        </p:spPr>
+        <p:style>
+          <a:lnRef idx="2">
+            <a:schemeClr val="accent1">
+              <a:shade val="50000"/>
+            </a:schemeClr>
+          </a:lnRef>
+          <a:fillRef idx="1">
+            <a:schemeClr val="accent1"/>
+          </a:fillRef>
+          <a:effectRef idx="0">
+            <a:schemeClr val="accent1"/>
+          </a:effectRef>
+          <a:fontRef idx="minor">
+            <a:schemeClr val="lt1"/>
+          </a:fontRef>
+        </p:style>
+        <p:txBody>
+          <a:bodyPr rtlCol="0" anchor="ctr"/>
+          <a:lstStyle/>
+          <a:p>
+            <a:pPr algn="ctr"/>
+            <a:endParaRPr lang="en-GB" dirty="0"/>
+          </a:p>
+        </p:txBody>
+      </p:sp>
+      <p:sp>
+        <p:nvSpPr>
+          <p:cNvPr id="101" name="CuadroTexto 4">
+            <a:extLst>
+              <a:ext uri="{FF2B5EF4-FFF2-40B4-BE49-F238E27FC236}">
+                <a16:creationId xmlns:a16="http://schemas.microsoft.com/office/drawing/2014/main" id="{EF92C4CF-2339-442B-985A-2109995A6483}"/>
               </a:ext>
             </a:extLst>
           </p:cNvPr>
@@ -4595,8 +6586,8 @@
         </p:nvSpPr>
         <p:spPr>
           <a:xfrm>
-            <a:off x="9244149" y="4608551"/>
-            <a:ext cx="1464816" cy="369332"/>
+            <a:off x="2243297" y="1492783"/>
+            <a:ext cx="1464816" cy="523220"/>
           </a:xfrm>
           <a:prstGeom prst="rect">
             <a:avLst/>
@@ -4610,18 +6601,83 @@
           <a:lstStyle/>
           <a:p>
             <a:r>
-              <a:rPr lang="pt-PT" dirty="0"/>
-              <a:t>Qreg_rel</a:t>
-            </a:r>
-          </a:p>
-        </p:txBody>
-      </p:sp>
-      <p:sp>
-        <p:nvSpPr>
-          <p:cNvPr id="34" name="CuadroTexto 29">
+              <a:rPr lang="pt-PT" sz="2800" b="1" dirty="0">
+                <a:solidFill>
+                  <a:srgbClr val="2F528F"/>
+                </a:solidFill>
+                <a:cs typeface="Times New Roman" panose="02020603050405020304" pitchFamily="18" charset="0"/>
+              </a:rPr>
+              <a:t>Inputs</a:t>
+            </a:r>
+            <a:endParaRPr lang="es-ES" sz="2800" b="1" baseline="-25000" dirty="0">
+              <a:solidFill>
+                <a:srgbClr val="2F528F"/>
+              </a:solidFill>
+              <a:cs typeface="Times New Roman" panose="02020603050405020304" pitchFamily="18" charset="0"/>
+            </a:endParaRPr>
+          </a:p>
+        </p:txBody>
+      </p:sp>
+      <p:sp>
+        <p:nvSpPr>
+          <p:cNvPr id="104" name="Rectangle: Rounded Corners 103">
             <a:extLst>
               <a:ext uri="{FF2B5EF4-FFF2-40B4-BE49-F238E27FC236}">
-                <a16:creationId xmlns:a16="http://schemas.microsoft.com/office/drawing/2014/main" id="{36D8BC79-D32D-40E9-87EB-D2880A72B355}"/>
+                <a16:creationId xmlns:a16="http://schemas.microsoft.com/office/drawing/2014/main" id="{EA0CBD26-1886-4E49-AB8E-D78E24CDD9FA}"/>
+              </a:ext>
+            </a:extLst>
+          </p:cNvPr>
+          <p:cNvSpPr/>
+          <p:nvPr/>
+        </p:nvSpPr>
+        <p:spPr>
+          <a:xfrm>
+            <a:off x="10996389" y="8327624"/>
+            <a:ext cx="2589686" cy="1444795"/>
+          </a:xfrm>
+          <a:prstGeom prst="roundRect">
+            <a:avLst/>
+          </a:prstGeom>
+          <a:solidFill>
+            <a:schemeClr val="bg1"/>
+          </a:solidFill>
+          <a:ln w="38100">
+            <a:solidFill>
+              <a:schemeClr val="tx1"/>
+            </a:solidFill>
+          </a:ln>
+        </p:spPr>
+        <p:style>
+          <a:lnRef idx="2">
+            <a:schemeClr val="accent1">
+              <a:shade val="50000"/>
+            </a:schemeClr>
+          </a:lnRef>
+          <a:fillRef idx="1">
+            <a:schemeClr val="accent1"/>
+          </a:fillRef>
+          <a:effectRef idx="0">
+            <a:schemeClr val="accent1"/>
+          </a:effectRef>
+          <a:fontRef idx="minor">
+            <a:schemeClr val="lt1"/>
+          </a:fontRef>
+        </p:style>
+        <p:txBody>
+          <a:bodyPr rtlCol="0" anchor="ctr"/>
+          <a:lstStyle/>
+          <a:p>
+            <a:pPr algn="ctr"/>
+            <a:endParaRPr lang="en-GB"/>
+          </a:p>
+        </p:txBody>
+      </p:sp>
+      <p:sp>
+        <p:nvSpPr>
+          <p:cNvPr id="106" name="CuadroTexto 4">
+            <a:extLst>
+              <a:ext uri="{FF2B5EF4-FFF2-40B4-BE49-F238E27FC236}">
+                <a16:creationId xmlns:a16="http://schemas.microsoft.com/office/drawing/2014/main" id="{2376962A-A5CF-4541-A3C8-57C44B1716AE}"/>
               </a:ext>
             </a:extLst>
           </p:cNvPr>
@@ -4630,8 +6686,8 @@
         </p:nvSpPr>
         <p:spPr>
           <a:xfrm>
-            <a:off x="10546945" y="4053113"/>
-            <a:ext cx="1464816" cy="369332"/>
+            <a:off x="11010182" y="8427679"/>
+            <a:ext cx="2550643" cy="995144"/>
           </a:xfrm>
           <a:prstGeom prst="rect">
             <a:avLst/>
@@ -4644,20 +6700,560 @@
           </a:bodyPr>
           <a:lstStyle/>
           <a:p>
-            <a:r>
-              <a:rPr lang="pt-PT" dirty="0"/>
-              <a:t>env_min</a:t>
-            </a:r>
-            <a:endParaRPr lang="es-ES" dirty="0"/>
+            <a:pPr algn="ctr"/>
+            <a:r>
+              <a:rPr lang="pt-PT" sz="4400" b="1" baseline="-25000" dirty="0">
+                <a:cs typeface="Times New Roman" panose="02020603050405020304" pitchFamily="18" charset="0"/>
+              </a:rPr>
+              <a:t>Mass balance function</a:t>
+            </a:r>
+            <a:endParaRPr lang="es-ES" sz="4400" b="1" baseline="-25000" dirty="0">
+              <a:cs typeface="Times New Roman" panose="02020603050405020304" pitchFamily="18" charset="0"/>
+            </a:endParaRPr>
+          </a:p>
+        </p:txBody>
+      </p:sp>
+      <p:sp>
+        <p:nvSpPr>
+          <p:cNvPr id="107" name="CuadroTexto 4">
+            <a:extLst>
+              <a:ext uri="{FF2B5EF4-FFF2-40B4-BE49-F238E27FC236}">
+                <a16:creationId xmlns:a16="http://schemas.microsoft.com/office/drawing/2014/main" id="{EFA60D8F-1561-4F90-9A8A-CC2DD0D72C58}"/>
+              </a:ext>
+            </a:extLst>
+          </p:cNvPr>
+          <p:cNvSpPr txBox="1"/>
+          <p:nvPr/>
+        </p:nvSpPr>
+        <p:spPr>
+          <a:xfrm>
+            <a:off x="4532979" y="2973810"/>
+            <a:ext cx="2237339" cy="707886"/>
+          </a:xfrm>
+          <a:prstGeom prst="rect">
+            <a:avLst/>
+          </a:prstGeom>
+          <a:noFill/>
+        </p:spPr>
+        <p:txBody>
+          <a:bodyPr wrap="square" rtlCol="0">
+            <a:spAutoFit/>
+          </a:bodyPr>
+          <a:lstStyle>
+            <a:defPPr>
+              <a:defRPr lang="en-US"/>
+            </a:defPPr>
+            <a:lvl1pPr algn="r">
+              <a:defRPr sz="2000">
+                <a:latin typeface="Times New Roman" panose="02020603050405020304" pitchFamily="18" charset="0"/>
+                <a:cs typeface="Times New Roman" panose="02020603050405020304" pitchFamily="18" charset="0"/>
+              </a:defRPr>
+            </a:lvl1pPr>
+          </a:lstStyle>
+          <a:p>
+            <a:r>
+              <a:rPr lang="pt-PT" dirty="0">
+                <a:latin typeface="+mn-lt"/>
+              </a:rPr>
+              <a:t>Regulated inflows</a:t>
+            </a:r>
+          </a:p>
+          <a:p>
+            <a:r>
+              <a:rPr lang="pt-PT" dirty="0">
+                <a:latin typeface="+mn-lt"/>
+              </a:rPr>
+              <a:t>Qreg [inflows]</a:t>
+            </a:r>
+            <a:endParaRPr lang="es-ES" dirty="0">
+              <a:latin typeface="+mn-lt"/>
+            </a:endParaRPr>
+          </a:p>
+        </p:txBody>
+      </p:sp>
+      <p:sp>
+        <p:nvSpPr>
+          <p:cNvPr id="109" name="Right Brace 108">
+            <a:extLst>
+              <a:ext uri="{FF2B5EF4-FFF2-40B4-BE49-F238E27FC236}">
+                <a16:creationId xmlns:a16="http://schemas.microsoft.com/office/drawing/2014/main" id="{1E446FD0-B0D9-4E55-BAB9-F2D8D834740F}"/>
+              </a:ext>
+            </a:extLst>
+          </p:cNvPr>
+          <p:cNvSpPr/>
+          <p:nvPr/>
+        </p:nvSpPr>
+        <p:spPr>
+          <a:xfrm rot="10800000">
+            <a:off x="6925566" y="2645545"/>
+            <a:ext cx="219575" cy="1364416"/>
+          </a:xfrm>
+          <a:prstGeom prst="rightBrace">
+            <a:avLst/>
+          </a:prstGeom>
+        </p:spPr>
+        <p:style>
+          <a:lnRef idx="1">
+            <a:schemeClr val="accent1"/>
+          </a:lnRef>
+          <a:fillRef idx="0">
+            <a:schemeClr val="accent1"/>
+          </a:fillRef>
+          <a:effectRef idx="0">
+            <a:schemeClr val="accent1"/>
+          </a:effectRef>
+          <a:fontRef idx="minor">
+            <a:schemeClr val="tx1"/>
+          </a:fontRef>
+        </p:style>
+        <p:txBody>
+          <a:bodyPr rot="0" spcFirstLastPara="0" vertOverflow="overflow" horzOverflow="overflow" vert="horz" wrap="square" lIns="91440" tIns="45720" rIns="91440" bIns="45720" numCol="1" spcCol="0" rtlCol="0" fromWordArt="0" anchor="ctr" anchorCtr="0" forceAA="0" compatLnSpc="1">
+            <a:prstTxWarp prst="textNoShape">
+              <a:avLst/>
+            </a:prstTxWarp>
+            <a:noAutofit/>
+          </a:bodyPr>
+          <a:lstStyle/>
+          <a:p>
+            <a:pPr algn="ctr"/>
+            <a:endParaRPr lang="en-GB" sz="2117"/>
+          </a:p>
+        </p:txBody>
+      </p:sp>
+      <p:sp>
+        <p:nvSpPr>
+          <p:cNvPr id="110" name="CuadroTexto 4">
+            <a:extLst>
+              <a:ext uri="{FF2B5EF4-FFF2-40B4-BE49-F238E27FC236}">
+                <a16:creationId xmlns:a16="http://schemas.microsoft.com/office/drawing/2014/main" id="{86E0E497-3AAF-4BC4-B092-2857B9712571}"/>
+              </a:ext>
+            </a:extLst>
+          </p:cNvPr>
+          <p:cNvSpPr txBox="1"/>
+          <p:nvPr/>
+        </p:nvSpPr>
+        <p:spPr>
+          <a:xfrm>
+            <a:off x="4645343" y="5862095"/>
+            <a:ext cx="2237339" cy="707886"/>
+          </a:xfrm>
+          <a:prstGeom prst="rect">
+            <a:avLst/>
+          </a:prstGeom>
+          <a:noFill/>
+        </p:spPr>
+        <p:txBody>
+          <a:bodyPr wrap="square" rtlCol="0">
+            <a:spAutoFit/>
+          </a:bodyPr>
+          <a:lstStyle/>
+          <a:p>
+            <a:pPr algn="r"/>
+            <a:r>
+              <a:rPr lang="pt-PT" sz="2000" dirty="0">
+                <a:cs typeface="Times New Roman" panose="02020603050405020304" pitchFamily="18" charset="0"/>
+              </a:rPr>
+              <a:t>Regulated releases</a:t>
+            </a:r>
+          </a:p>
+          <a:p>
+            <a:pPr algn="r"/>
+            <a:r>
+              <a:rPr lang="pt-PT" sz="2000" dirty="0">
+                <a:cs typeface="Times New Roman" panose="02020603050405020304" pitchFamily="18" charset="0"/>
+              </a:rPr>
+              <a:t>Qreg [releases]</a:t>
+            </a:r>
+            <a:endParaRPr lang="es-ES" sz="2000" baseline="-25000" dirty="0">
+              <a:cs typeface="Times New Roman" panose="02020603050405020304" pitchFamily="18" charset="0"/>
+            </a:endParaRPr>
+          </a:p>
+        </p:txBody>
+      </p:sp>
+      <p:sp>
+        <p:nvSpPr>
+          <p:cNvPr id="112" name="Right Brace 111">
+            <a:extLst>
+              <a:ext uri="{FF2B5EF4-FFF2-40B4-BE49-F238E27FC236}">
+                <a16:creationId xmlns:a16="http://schemas.microsoft.com/office/drawing/2014/main" id="{4638D2E9-4E89-4128-AB40-7A78A16C1429}"/>
+              </a:ext>
+            </a:extLst>
+          </p:cNvPr>
+          <p:cNvSpPr/>
+          <p:nvPr/>
+        </p:nvSpPr>
+        <p:spPr>
+          <a:xfrm rot="10800000">
+            <a:off x="4359410" y="2645544"/>
+            <a:ext cx="343477" cy="4316109"/>
+          </a:xfrm>
+          <a:prstGeom prst="rightBrace">
+            <a:avLst/>
+          </a:prstGeom>
+        </p:spPr>
+        <p:style>
+          <a:lnRef idx="1">
+            <a:schemeClr val="accent1"/>
+          </a:lnRef>
+          <a:fillRef idx="0">
+            <a:schemeClr val="accent1"/>
+          </a:fillRef>
+          <a:effectRef idx="0">
+            <a:schemeClr val="accent1"/>
+          </a:effectRef>
+          <a:fontRef idx="minor">
+            <a:schemeClr val="tx1"/>
+          </a:fontRef>
+        </p:style>
+        <p:txBody>
+          <a:bodyPr rot="0" spcFirstLastPara="0" vertOverflow="overflow" horzOverflow="overflow" vert="horz" wrap="square" lIns="91440" tIns="45720" rIns="91440" bIns="45720" numCol="1" spcCol="0" rtlCol="0" fromWordArt="0" anchor="ctr" anchorCtr="0" forceAA="0" compatLnSpc="1">
+            <a:prstTxWarp prst="textNoShape">
+              <a:avLst/>
+            </a:prstTxWarp>
+            <a:noAutofit/>
+          </a:bodyPr>
+          <a:lstStyle/>
+          <a:p>
+            <a:pPr algn="ctr"/>
+            <a:endParaRPr lang="en-GB" sz="2117"/>
+          </a:p>
+        </p:txBody>
+      </p:sp>
+      <p:sp>
+        <p:nvSpPr>
+          <p:cNvPr id="113" name="CuadroTexto 4">
+            <a:extLst>
+              <a:ext uri="{FF2B5EF4-FFF2-40B4-BE49-F238E27FC236}">
+                <a16:creationId xmlns:a16="http://schemas.microsoft.com/office/drawing/2014/main" id="{0DB16042-B3C4-4D71-B115-CFF509CD85A4}"/>
+              </a:ext>
+            </a:extLst>
+          </p:cNvPr>
+          <p:cNvSpPr txBox="1"/>
+          <p:nvPr/>
+        </p:nvSpPr>
+        <p:spPr>
+          <a:xfrm>
+            <a:off x="2552051" y="4240306"/>
+            <a:ext cx="1464816" cy="1033681"/>
+          </a:xfrm>
+          <a:prstGeom prst="rect">
+            <a:avLst/>
+          </a:prstGeom>
+          <a:noFill/>
+        </p:spPr>
+        <p:txBody>
+          <a:bodyPr wrap="square" rtlCol="0">
+            <a:spAutoFit/>
+          </a:bodyPr>
+          <a:lstStyle/>
+          <a:p>
+            <a:pPr algn="r"/>
+            <a:r>
+              <a:rPr lang="pt-PT" sz="2000" dirty="0">
+                <a:cs typeface="Times New Roman" panose="02020603050405020304" pitchFamily="18" charset="0"/>
+              </a:rPr>
+              <a:t>Regulated flows</a:t>
+            </a:r>
+          </a:p>
+          <a:p>
+            <a:pPr algn="r"/>
+            <a:r>
+              <a:rPr lang="pt-PT" sz="2000" dirty="0">
+                <a:cs typeface="Times New Roman" panose="02020603050405020304" pitchFamily="18" charset="0"/>
+              </a:rPr>
+              <a:t>Qreg</a:t>
+            </a:r>
+            <a:endParaRPr lang="es-ES" sz="2000" baseline="-25000" dirty="0">
+              <a:cs typeface="Times New Roman" panose="02020603050405020304" pitchFamily="18" charset="0"/>
+            </a:endParaRPr>
+          </a:p>
+        </p:txBody>
+      </p:sp>
+      <p:sp>
+        <p:nvSpPr>
+          <p:cNvPr id="115" name="CuadroTexto 6">
+            <a:extLst>
+              <a:ext uri="{FF2B5EF4-FFF2-40B4-BE49-F238E27FC236}">
+                <a16:creationId xmlns:a16="http://schemas.microsoft.com/office/drawing/2014/main" id="{F442A7F5-6671-4EBF-967E-DBF883C748ED}"/>
+              </a:ext>
+            </a:extLst>
+          </p:cNvPr>
+          <p:cNvSpPr txBox="1"/>
+          <p:nvPr/>
+        </p:nvSpPr>
+        <p:spPr>
+          <a:xfrm>
+            <a:off x="8333026" y="4343852"/>
+            <a:ext cx="1464816" cy="400110"/>
+          </a:xfrm>
+          <a:prstGeom prst="rect">
+            <a:avLst/>
+          </a:prstGeom>
+          <a:noFill/>
+        </p:spPr>
+        <p:txBody>
+          <a:bodyPr wrap="square" rtlCol="0">
+            <a:spAutoFit/>
+          </a:bodyPr>
+          <a:lstStyle/>
+          <a:p>
+            <a:pPr algn="r"/>
+            <a:r>
+              <a:rPr lang="pt-PT" sz="2000" dirty="0">
+                <a:cs typeface="Times New Roman" panose="02020603050405020304" pitchFamily="18" charset="0"/>
+              </a:rPr>
+              <a:t>None: [ ]</a:t>
+            </a:r>
+            <a:endParaRPr lang="es-ES" sz="2000" dirty="0">
+              <a:cs typeface="Times New Roman" panose="02020603050405020304" pitchFamily="18" charset="0"/>
+            </a:endParaRPr>
+          </a:p>
+        </p:txBody>
+      </p:sp>
+      <p:sp>
+        <p:nvSpPr>
+          <p:cNvPr id="117" name="CuadroTexto 6">
+            <a:extLst>
+              <a:ext uri="{FF2B5EF4-FFF2-40B4-BE49-F238E27FC236}">
+                <a16:creationId xmlns:a16="http://schemas.microsoft.com/office/drawing/2014/main" id="{F41AA8FC-6298-49B0-8C3E-31F2A5BD486A}"/>
+              </a:ext>
+            </a:extLst>
+          </p:cNvPr>
+          <p:cNvSpPr txBox="1"/>
+          <p:nvPr/>
+        </p:nvSpPr>
+        <p:spPr>
+          <a:xfrm>
+            <a:off x="7028765" y="4823763"/>
+            <a:ext cx="2829467" cy="400110"/>
+          </a:xfrm>
+          <a:prstGeom prst="rect">
+            <a:avLst/>
+          </a:prstGeom>
+          <a:noFill/>
+        </p:spPr>
+        <p:txBody>
+          <a:bodyPr wrap="square" rtlCol="0">
+            <a:spAutoFit/>
+          </a:bodyPr>
+          <a:lstStyle/>
+          <a:p>
+            <a:pPr algn="r"/>
+            <a:r>
+              <a:rPr lang="pt-PT" sz="2000" dirty="0">
+                <a:cs typeface="Times New Roman" panose="02020603050405020304" pitchFamily="18" charset="0"/>
+              </a:rPr>
+              <a:t>Policy function: dict, dict</a:t>
+            </a:r>
+            <a:endParaRPr lang="es-ES" sz="2000" dirty="0">
+              <a:cs typeface="Times New Roman" panose="02020603050405020304" pitchFamily="18" charset="0"/>
+            </a:endParaRPr>
+          </a:p>
+        </p:txBody>
+      </p:sp>
+      <p:sp>
+        <p:nvSpPr>
+          <p:cNvPr id="118" name="CuadroTexto 4">
+            <a:extLst>
+              <a:ext uri="{FF2B5EF4-FFF2-40B4-BE49-F238E27FC236}">
+                <a16:creationId xmlns:a16="http://schemas.microsoft.com/office/drawing/2014/main" id="{23F35015-F633-4B87-A0A3-04F8A17AE514}"/>
+              </a:ext>
+            </a:extLst>
+          </p:cNvPr>
+          <p:cNvSpPr txBox="1"/>
+          <p:nvPr/>
+        </p:nvSpPr>
+        <p:spPr>
+          <a:xfrm>
+            <a:off x="4575628" y="4256595"/>
+            <a:ext cx="2237339" cy="1015663"/>
+          </a:xfrm>
+          <a:prstGeom prst="rect">
+            <a:avLst/>
+          </a:prstGeom>
+          <a:noFill/>
+        </p:spPr>
+        <p:txBody>
+          <a:bodyPr wrap="square" rtlCol="0">
+            <a:spAutoFit/>
+          </a:bodyPr>
+          <a:lstStyle/>
+          <a:p>
+            <a:pPr algn="r"/>
+            <a:r>
+              <a:rPr lang="pt-PT" sz="2000" dirty="0">
+                <a:cs typeface="Times New Roman" panose="02020603050405020304" pitchFamily="18" charset="0"/>
+              </a:rPr>
+              <a:t>Regulated inflows + releases</a:t>
+            </a:r>
+          </a:p>
+          <a:p>
+            <a:pPr algn="r"/>
+            <a:r>
+              <a:rPr lang="pt-PT" sz="2000" dirty="0">
+                <a:cs typeface="Times New Roman" panose="02020603050405020304" pitchFamily="18" charset="0"/>
+              </a:rPr>
+              <a:t>Qreg [rel_inf]</a:t>
+            </a:r>
+            <a:endParaRPr lang="es-ES" sz="2000" baseline="-25000" dirty="0">
+              <a:cs typeface="Times New Roman" panose="02020603050405020304" pitchFamily="18" charset="0"/>
+            </a:endParaRPr>
+          </a:p>
+        </p:txBody>
+      </p:sp>
+      <p:sp>
+        <p:nvSpPr>
+          <p:cNvPr id="119" name="Right Brace 118">
+            <a:extLst>
+              <a:ext uri="{FF2B5EF4-FFF2-40B4-BE49-F238E27FC236}">
+                <a16:creationId xmlns:a16="http://schemas.microsoft.com/office/drawing/2014/main" id="{B56D397B-743A-4966-A6E8-AE7173EC4735}"/>
+              </a:ext>
+            </a:extLst>
+          </p:cNvPr>
+          <p:cNvSpPr/>
+          <p:nvPr/>
+        </p:nvSpPr>
+        <p:spPr>
+          <a:xfrm rot="10800000">
+            <a:off x="6922772" y="4344374"/>
+            <a:ext cx="186132" cy="950739"/>
+          </a:xfrm>
+          <a:prstGeom prst="rightBrace">
+            <a:avLst/>
+          </a:prstGeom>
+        </p:spPr>
+        <p:style>
+          <a:lnRef idx="1">
+            <a:schemeClr val="accent1"/>
+          </a:lnRef>
+          <a:fillRef idx="0">
+            <a:schemeClr val="accent1"/>
+          </a:fillRef>
+          <a:effectRef idx="0">
+            <a:schemeClr val="accent1"/>
+          </a:effectRef>
+          <a:fontRef idx="minor">
+            <a:schemeClr val="tx1"/>
+          </a:fontRef>
+        </p:style>
+        <p:txBody>
+          <a:bodyPr rot="0" spcFirstLastPara="0" vertOverflow="overflow" horzOverflow="overflow" vert="horz" wrap="square" lIns="91440" tIns="45720" rIns="91440" bIns="45720" numCol="1" spcCol="0" rtlCol="0" fromWordArt="0" anchor="ctr" anchorCtr="0" forceAA="0" compatLnSpc="1">
+            <a:prstTxWarp prst="textNoShape">
+              <a:avLst/>
+            </a:prstTxWarp>
+            <a:noAutofit/>
+          </a:bodyPr>
+          <a:lstStyle/>
+          <a:p>
+            <a:pPr algn="ctr"/>
+            <a:endParaRPr lang="en-GB" sz="2117"/>
+          </a:p>
+        </p:txBody>
+      </p:sp>
+      <p:sp>
+        <p:nvSpPr>
+          <p:cNvPr id="120" name="Right Brace 119">
+            <a:extLst>
+              <a:ext uri="{FF2B5EF4-FFF2-40B4-BE49-F238E27FC236}">
+                <a16:creationId xmlns:a16="http://schemas.microsoft.com/office/drawing/2014/main" id="{9A2EFD04-BF25-4B91-83A4-9DEBBA2F13E7}"/>
+              </a:ext>
+            </a:extLst>
+          </p:cNvPr>
+          <p:cNvSpPr/>
+          <p:nvPr/>
+        </p:nvSpPr>
+        <p:spPr>
+          <a:xfrm>
+            <a:off x="9802021" y="4324152"/>
+            <a:ext cx="186132" cy="950739"/>
+          </a:xfrm>
+          <a:prstGeom prst="rightBrace">
+            <a:avLst/>
+          </a:prstGeom>
+        </p:spPr>
+        <p:style>
+          <a:lnRef idx="1">
+            <a:schemeClr val="accent1"/>
+          </a:lnRef>
+          <a:fillRef idx="0">
+            <a:schemeClr val="accent1"/>
+          </a:fillRef>
+          <a:effectRef idx="0">
+            <a:schemeClr val="accent1"/>
+          </a:effectRef>
+          <a:fontRef idx="minor">
+            <a:schemeClr val="tx1"/>
+          </a:fontRef>
+        </p:style>
+        <p:txBody>
+          <a:bodyPr rot="0" spcFirstLastPara="0" vertOverflow="overflow" horzOverflow="overflow" vert="horz" wrap="square" lIns="91440" tIns="45720" rIns="91440" bIns="45720" numCol="1" spcCol="0" rtlCol="0" fromWordArt="0" anchor="ctr" anchorCtr="0" forceAA="0" compatLnSpc="1">
+            <a:prstTxWarp prst="textNoShape">
+              <a:avLst/>
+            </a:prstTxWarp>
+            <a:noAutofit/>
+          </a:bodyPr>
+          <a:lstStyle/>
+          <a:p>
+            <a:pPr algn="ctr"/>
+            <a:endParaRPr lang="en-GB" sz="2117"/>
+          </a:p>
+        </p:txBody>
+      </p:sp>
+      <p:sp>
+        <p:nvSpPr>
+          <p:cNvPr id="123" name="Right Brace 122">
+            <a:extLst>
+              <a:ext uri="{FF2B5EF4-FFF2-40B4-BE49-F238E27FC236}">
+                <a16:creationId xmlns:a16="http://schemas.microsoft.com/office/drawing/2014/main" id="{639B6BB5-6EE7-4953-A377-7049217C226D}"/>
+              </a:ext>
+            </a:extLst>
+          </p:cNvPr>
+          <p:cNvSpPr/>
+          <p:nvPr/>
+        </p:nvSpPr>
+        <p:spPr>
+          <a:xfrm rot="10800000">
+            <a:off x="6925559" y="5597236"/>
+            <a:ext cx="219575" cy="1364416"/>
+          </a:xfrm>
+          <a:prstGeom prst="rightBrace">
+            <a:avLst/>
+          </a:prstGeom>
+        </p:spPr>
+        <p:style>
+          <a:lnRef idx="1">
+            <a:schemeClr val="accent1"/>
+          </a:lnRef>
+          <a:fillRef idx="0">
+            <a:schemeClr val="accent1"/>
+          </a:fillRef>
+          <a:effectRef idx="0">
+            <a:schemeClr val="accent1"/>
+          </a:effectRef>
+          <a:fontRef idx="minor">
+            <a:schemeClr val="tx1"/>
+          </a:fontRef>
+        </p:style>
+        <p:txBody>
+          <a:bodyPr rot="0" spcFirstLastPara="0" vertOverflow="overflow" horzOverflow="overflow" vert="horz" wrap="square" lIns="91440" tIns="45720" rIns="91440" bIns="45720" numCol="1" spcCol="0" rtlCol="0" fromWordArt="0" anchor="ctr" anchorCtr="0" forceAA="0" compatLnSpc="1">
+            <a:prstTxWarp prst="textNoShape">
+              <a:avLst/>
+            </a:prstTxWarp>
+            <a:noAutofit/>
+          </a:bodyPr>
+          <a:lstStyle/>
+          <a:p>
+            <a:pPr algn="ctr"/>
+            <a:endParaRPr lang="en-GB" sz="2117"/>
           </a:p>
         </p:txBody>
       </p:sp>
       <p:cxnSp>
         <p:nvCxnSpPr>
-          <p:cNvPr id="35" name="Conector recto de flecha 10">
+          <p:cNvPr id="124" name="Conector recto de flecha 14">
             <a:extLst>
               <a:ext uri="{FF2B5EF4-FFF2-40B4-BE49-F238E27FC236}">
-                <a16:creationId xmlns:a16="http://schemas.microsoft.com/office/drawing/2014/main" id="{1D81D73A-48FA-406D-9CC0-64D2B1767CC0}"/>
+                <a16:creationId xmlns:a16="http://schemas.microsoft.com/office/drawing/2014/main" id="{33559E39-22B6-4F7E-A814-60A53A069426}"/>
               </a:ext>
             </a:extLst>
           </p:cNvPr>
@@ -4667,15 +7263,16 @@
           <p:nvPr/>
         </p:nvCxnSpPr>
         <p:spPr>
-          <a:xfrm flipH="1" flipV="1">
-            <a:off x="8839796" y="2598857"/>
-            <a:ext cx="418173" cy="310424"/>
+          <a:xfrm flipH="1">
+            <a:off x="11323213" y="5560651"/>
+            <a:ext cx="462791" cy="394278"/>
           </a:xfrm>
           <a:prstGeom prst="straightConnector1">
             <a:avLst/>
           </a:prstGeom>
-          <a:ln>
-            <a:tailEnd type="triangle"/>
+          <a:ln w="25400">
+            <a:headEnd w="med" len="med"/>
+            <a:tailEnd type="triangle" w="lg" len="lg"/>
           </a:ln>
         </p:spPr>
         <p:style>
@@ -4693,6 +7290,469 @@
           </a:fontRef>
         </p:style>
       </p:cxnSp>
+      <p:pic>
+        <p:nvPicPr>
+          <p:cNvPr id="126" name="Picture 125">
+            <a:extLst>
+              <a:ext uri="{FF2B5EF4-FFF2-40B4-BE49-F238E27FC236}">
+                <a16:creationId xmlns:a16="http://schemas.microsoft.com/office/drawing/2014/main" id="{FAA7651B-2966-4657-A81C-F6EC3D157073}"/>
+              </a:ext>
+            </a:extLst>
+          </p:cNvPr>
+          <p:cNvPicPr>
+            <a:picLocks noChangeAspect="1"/>
+          </p:cNvPicPr>
+          <p:nvPr/>
+        </p:nvPicPr>
+        <p:blipFill>
+          <a:blip r:embed="rId5"/>
+          <a:stretch>
+            <a:fillRect/>
+          </a:stretch>
+        </p:blipFill>
+        <p:spPr>
+          <a:xfrm>
+            <a:off x="12856897" y="6306286"/>
+            <a:ext cx="666684" cy="523220"/>
+          </a:xfrm>
+          <a:prstGeom prst="rect">
+            <a:avLst/>
+          </a:prstGeom>
+        </p:spPr>
+      </p:pic>
+      <p:sp>
+        <p:nvSpPr>
+          <p:cNvPr id="127" name="Arrow: Left-Up 126">
+            <a:extLst>
+              <a:ext uri="{FF2B5EF4-FFF2-40B4-BE49-F238E27FC236}">
+                <a16:creationId xmlns:a16="http://schemas.microsoft.com/office/drawing/2014/main" id="{D063BE29-66D1-4792-9B7A-826717885EFE}"/>
+              </a:ext>
+            </a:extLst>
+          </p:cNvPr>
+          <p:cNvSpPr/>
+          <p:nvPr/>
+        </p:nvSpPr>
+        <p:spPr>
+          <a:xfrm rot="8096087">
+            <a:off x="10182157" y="4513961"/>
+            <a:ext cx="498057" cy="522635"/>
+          </a:xfrm>
+          <a:prstGeom prst="leftUpArrow">
+            <a:avLst>
+              <a:gd name="adj1" fmla="val 20444"/>
+              <a:gd name="adj2" fmla="val 19111"/>
+              <a:gd name="adj3" fmla="val 26654"/>
+            </a:avLst>
+          </a:prstGeom>
+          <a:solidFill>
+            <a:schemeClr val="tx1"/>
+          </a:solidFill>
+          <a:ln w="12700"/>
+        </p:spPr>
+        <p:style>
+          <a:lnRef idx="2">
+            <a:schemeClr val="accent1">
+              <a:shade val="50000"/>
+            </a:schemeClr>
+          </a:lnRef>
+          <a:fillRef idx="1">
+            <a:schemeClr val="accent1"/>
+          </a:fillRef>
+          <a:effectRef idx="0">
+            <a:schemeClr val="accent1"/>
+          </a:effectRef>
+          <a:fontRef idx="minor">
+            <a:schemeClr val="lt1"/>
+          </a:fontRef>
+        </p:style>
+        <p:txBody>
+          <a:bodyPr rtlCol="0" anchor="ctr"/>
+          <a:lstStyle/>
+          <a:p>
+            <a:pPr algn="ctr"/>
+            <a:endParaRPr lang="en-GB"/>
+          </a:p>
+        </p:txBody>
+      </p:sp>
+      <p:sp>
+        <p:nvSpPr>
+          <p:cNvPr id="128" name="Arrow: Right 127">
+            <a:extLst>
+              <a:ext uri="{FF2B5EF4-FFF2-40B4-BE49-F238E27FC236}">
+                <a16:creationId xmlns:a16="http://schemas.microsoft.com/office/drawing/2014/main" id="{86EA51D9-37FF-40E1-8771-CE6FE2C00370}"/>
+              </a:ext>
+            </a:extLst>
+          </p:cNvPr>
+          <p:cNvSpPr/>
+          <p:nvPr/>
+        </p:nvSpPr>
+        <p:spPr>
+          <a:xfrm>
+            <a:off x="10210078" y="3251420"/>
+            <a:ext cx="240275" cy="238697"/>
+          </a:xfrm>
+          <a:prstGeom prst="rightArrow">
+            <a:avLst/>
+          </a:prstGeom>
+          <a:solidFill>
+            <a:schemeClr val="tx1"/>
+          </a:solidFill>
+        </p:spPr>
+        <p:style>
+          <a:lnRef idx="2">
+            <a:schemeClr val="accent1">
+              <a:shade val="50000"/>
+            </a:schemeClr>
+          </a:lnRef>
+          <a:fillRef idx="1">
+            <a:schemeClr val="accent1"/>
+          </a:fillRef>
+          <a:effectRef idx="0">
+            <a:schemeClr val="accent1"/>
+          </a:effectRef>
+          <a:fontRef idx="minor">
+            <a:schemeClr val="lt1"/>
+          </a:fontRef>
+        </p:style>
+        <p:txBody>
+          <a:bodyPr rtlCol="0" anchor="ctr"/>
+          <a:lstStyle/>
+          <a:p>
+            <a:pPr algn="ctr"/>
+            <a:endParaRPr lang="en-GB"/>
+          </a:p>
+        </p:txBody>
+      </p:sp>
+      <p:sp>
+        <p:nvSpPr>
+          <p:cNvPr id="130" name="Arrow: Right 129">
+            <a:extLst>
+              <a:ext uri="{FF2B5EF4-FFF2-40B4-BE49-F238E27FC236}">
+                <a16:creationId xmlns:a16="http://schemas.microsoft.com/office/drawing/2014/main" id="{8E949DBA-C4BB-44D7-81AA-E10490D9D6FF}"/>
+              </a:ext>
+            </a:extLst>
+          </p:cNvPr>
+          <p:cNvSpPr/>
+          <p:nvPr/>
+        </p:nvSpPr>
+        <p:spPr>
+          <a:xfrm>
+            <a:off x="10225892" y="6169188"/>
+            <a:ext cx="240275" cy="238697"/>
+          </a:xfrm>
+          <a:prstGeom prst="rightArrow">
+            <a:avLst/>
+          </a:prstGeom>
+          <a:solidFill>
+            <a:schemeClr val="tx1"/>
+          </a:solidFill>
+        </p:spPr>
+        <p:style>
+          <a:lnRef idx="2">
+            <a:schemeClr val="accent1">
+              <a:shade val="50000"/>
+            </a:schemeClr>
+          </a:lnRef>
+          <a:fillRef idx="1">
+            <a:schemeClr val="accent1"/>
+          </a:fillRef>
+          <a:effectRef idx="0">
+            <a:schemeClr val="accent1"/>
+          </a:effectRef>
+          <a:fontRef idx="minor">
+            <a:schemeClr val="lt1"/>
+          </a:fontRef>
+        </p:style>
+        <p:txBody>
+          <a:bodyPr rtlCol="0" anchor="ctr"/>
+          <a:lstStyle/>
+          <a:p>
+            <a:pPr algn="ctr"/>
+            <a:endParaRPr lang="en-GB"/>
+          </a:p>
+        </p:txBody>
+      </p:sp>
+      <p:sp>
+        <p:nvSpPr>
+          <p:cNvPr id="131" name="Arrow: Right 130">
+            <a:extLst>
+              <a:ext uri="{FF2B5EF4-FFF2-40B4-BE49-F238E27FC236}">
+                <a16:creationId xmlns:a16="http://schemas.microsoft.com/office/drawing/2014/main" id="{5E825FA1-67B9-4D92-8735-69EA1669A117}"/>
+              </a:ext>
+            </a:extLst>
+          </p:cNvPr>
+          <p:cNvSpPr/>
+          <p:nvPr/>
+        </p:nvSpPr>
+        <p:spPr>
+          <a:xfrm rot="5400000">
+            <a:off x="11860686" y="9915823"/>
+            <a:ext cx="736192" cy="701628"/>
+          </a:xfrm>
+          <a:prstGeom prst="rightArrow">
+            <a:avLst/>
+          </a:prstGeom>
+          <a:solidFill>
+            <a:srgbClr val="FF0000"/>
+          </a:solidFill>
+        </p:spPr>
+        <p:style>
+          <a:lnRef idx="2">
+            <a:schemeClr val="accent1">
+              <a:shade val="50000"/>
+            </a:schemeClr>
+          </a:lnRef>
+          <a:fillRef idx="1">
+            <a:schemeClr val="accent1"/>
+          </a:fillRef>
+          <a:effectRef idx="0">
+            <a:schemeClr val="accent1"/>
+          </a:effectRef>
+          <a:fontRef idx="minor">
+            <a:schemeClr val="lt1"/>
+          </a:fontRef>
+        </p:style>
+        <p:txBody>
+          <a:bodyPr rtlCol="0" anchor="ctr"/>
+          <a:lstStyle/>
+          <a:p>
+            <a:pPr algn="ctr"/>
+            <a:endParaRPr lang="en-GB" dirty="0"/>
+          </a:p>
+        </p:txBody>
+      </p:sp>
+      <p:sp>
+        <p:nvSpPr>
+          <p:cNvPr id="132" name="Rectangle 131">
+            <a:extLst>
+              <a:ext uri="{FF2B5EF4-FFF2-40B4-BE49-F238E27FC236}">
+                <a16:creationId xmlns:a16="http://schemas.microsoft.com/office/drawing/2014/main" id="{DE9D9B47-D3FB-4BBD-935C-C21EE1DE2661}"/>
+              </a:ext>
+            </a:extLst>
+          </p:cNvPr>
+          <p:cNvSpPr/>
+          <p:nvPr/>
+        </p:nvSpPr>
+        <p:spPr>
+          <a:xfrm>
+            <a:off x="2079768" y="7954416"/>
+            <a:ext cx="7905795" cy="6647191"/>
+          </a:xfrm>
+          <a:prstGeom prst="rect">
+            <a:avLst/>
+          </a:prstGeom>
+          <a:noFill/>
+          <a:ln w="38100">
+            <a:solidFill>
+              <a:schemeClr val="tx1"/>
+            </a:solidFill>
+            <a:prstDash val="solid"/>
+          </a:ln>
+        </p:spPr>
+        <p:style>
+          <a:lnRef idx="2">
+            <a:schemeClr val="accent1">
+              <a:shade val="50000"/>
+            </a:schemeClr>
+          </a:lnRef>
+          <a:fillRef idx="1">
+            <a:schemeClr val="accent1"/>
+          </a:fillRef>
+          <a:effectRef idx="0">
+            <a:schemeClr val="accent1"/>
+          </a:effectRef>
+          <a:fontRef idx="minor">
+            <a:schemeClr val="lt1"/>
+          </a:fontRef>
+        </p:style>
+        <p:txBody>
+          <a:bodyPr rtlCol="0" anchor="ctr"/>
+          <a:lstStyle/>
+          <a:p>
+            <a:pPr algn="ctr"/>
+            <a:endParaRPr lang="en-GB">
+              <a:solidFill>
+                <a:schemeClr val="tx1"/>
+              </a:solidFill>
+            </a:endParaRPr>
+          </a:p>
+        </p:txBody>
+      </p:sp>
+      <p:sp>
+        <p:nvSpPr>
+          <p:cNvPr id="133" name="CuadroTexto 27">
+            <a:extLst>
+              <a:ext uri="{FF2B5EF4-FFF2-40B4-BE49-F238E27FC236}">
+                <a16:creationId xmlns:a16="http://schemas.microsoft.com/office/drawing/2014/main" id="{A8576B6A-2278-4F6E-B33C-CF256958EFBF}"/>
+              </a:ext>
+            </a:extLst>
+          </p:cNvPr>
+          <p:cNvSpPr txBox="1"/>
+          <p:nvPr/>
+        </p:nvSpPr>
+        <p:spPr>
+          <a:xfrm>
+            <a:off x="10302050" y="12721836"/>
+            <a:ext cx="1915125" cy="400110"/>
+          </a:xfrm>
+          <a:prstGeom prst="rect">
+            <a:avLst/>
+          </a:prstGeom>
+          <a:noFill/>
+        </p:spPr>
+        <p:txBody>
+          <a:bodyPr wrap="square" rtlCol="0">
+            <a:spAutoFit/>
+          </a:bodyPr>
+          <a:lstStyle/>
+          <a:p>
+            <a:r>
+              <a:rPr lang="pt-PT" sz="2000" dirty="0">
+                <a:latin typeface="Times New Roman" panose="02020603050405020304" pitchFamily="18" charset="0"/>
+                <a:cs typeface="Times New Roman" panose="02020603050405020304" pitchFamily="18" charset="0"/>
+              </a:rPr>
+              <a:t>Qreg_rel</a:t>
+            </a:r>
+            <a:r>
+              <a:rPr lang="es-ES" sz="2000" dirty="0">
+                <a:latin typeface="Times New Roman" panose="02020603050405020304" pitchFamily="18" charset="0"/>
+                <a:cs typeface="Times New Roman" panose="02020603050405020304" pitchFamily="18" charset="0"/>
+              </a:rPr>
+              <a:t> </a:t>
+            </a:r>
+            <a:r>
+              <a:rPr lang="pt-PT" sz="2000" dirty="0">
+                <a:latin typeface="Times New Roman" panose="02020603050405020304" pitchFamily="18" charset="0"/>
+                <a:cs typeface="Times New Roman" panose="02020603050405020304" pitchFamily="18" charset="0"/>
+              </a:rPr>
+              <a:t>(ML/t)</a:t>
+            </a:r>
+          </a:p>
+        </p:txBody>
+      </p:sp>
+      <p:pic>
+        <p:nvPicPr>
+          <p:cNvPr id="134" name="Picture 133">
+            <a:extLst>
+              <a:ext uri="{FF2B5EF4-FFF2-40B4-BE49-F238E27FC236}">
+                <a16:creationId xmlns:a16="http://schemas.microsoft.com/office/drawing/2014/main" id="{EF2DFDA8-674C-4E29-B98B-534B1C62BA4F}"/>
+              </a:ext>
+            </a:extLst>
+          </p:cNvPr>
+          <p:cNvPicPr>
+            <a:picLocks noChangeAspect="1"/>
+          </p:cNvPicPr>
+          <p:nvPr/>
+        </p:nvPicPr>
+        <p:blipFill>
+          <a:blip r:embed="rId5"/>
+          <a:stretch>
+            <a:fillRect/>
+          </a:stretch>
+        </p:blipFill>
+        <p:spPr>
+          <a:xfrm>
+            <a:off x="13359623" y="13243326"/>
+            <a:ext cx="666684" cy="523220"/>
+          </a:xfrm>
+          <a:prstGeom prst="rect">
+            <a:avLst/>
+          </a:prstGeom>
+        </p:spPr>
+      </p:pic>
+      <p:sp>
+        <p:nvSpPr>
+          <p:cNvPr id="135" name="CuadroTexto 4">
+            <a:extLst>
+              <a:ext uri="{FF2B5EF4-FFF2-40B4-BE49-F238E27FC236}">
+                <a16:creationId xmlns:a16="http://schemas.microsoft.com/office/drawing/2014/main" id="{194AD0C9-9FC0-4584-80D6-53B17C573D91}"/>
+              </a:ext>
+            </a:extLst>
+          </p:cNvPr>
+          <p:cNvSpPr txBox="1"/>
+          <p:nvPr/>
+        </p:nvSpPr>
+        <p:spPr>
+          <a:xfrm>
+            <a:off x="1959983" y="7879085"/>
+            <a:ext cx="4072682" cy="543739"/>
+          </a:xfrm>
+          <a:prstGeom prst="rect">
+            <a:avLst/>
+          </a:prstGeom>
+          <a:noFill/>
+        </p:spPr>
+        <p:txBody>
+          <a:bodyPr wrap="square" rtlCol="0">
+            <a:spAutoFit/>
+          </a:bodyPr>
+          <a:lstStyle/>
+          <a:p>
+            <a:pPr algn="ctr"/>
+            <a:r>
+              <a:rPr lang="pt-PT" sz="4400" b="1" baseline="-25000" dirty="0">
+                <a:cs typeface="Times New Roman" panose="02020603050405020304" pitchFamily="18" charset="0"/>
+              </a:rPr>
+              <a:t>Mass balance function</a:t>
+            </a:r>
+            <a:endParaRPr lang="es-ES" sz="4400" b="1" baseline="-25000" dirty="0">
+              <a:cs typeface="Times New Roman" panose="02020603050405020304" pitchFamily="18" charset="0"/>
+            </a:endParaRPr>
+          </a:p>
+        </p:txBody>
+      </p:sp>
+      <p:sp>
+        <p:nvSpPr>
+          <p:cNvPr id="136" name="Arrow: Left-Right 135">
+            <a:extLst>
+              <a:ext uri="{FF2B5EF4-FFF2-40B4-BE49-F238E27FC236}">
+                <a16:creationId xmlns:a16="http://schemas.microsoft.com/office/drawing/2014/main" id="{54B7BE5F-7349-4DB4-A009-68568611194A}"/>
+              </a:ext>
+            </a:extLst>
+          </p:cNvPr>
+          <p:cNvSpPr/>
+          <p:nvPr/>
+        </p:nvSpPr>
+        <p:spPr>
+          <a:xfrm>
+            <a:off x="10025128" y="8806426"/>
+            <a:ext cx="900833" cy="598494"/>
+          </a:xfrm>
+          <a:prstGeom prst="leftRightArrow">
+            <a:avLst/>
+          </a:prstGeom>
+          <a:solidFill>
+            <a:schemeClr val="tx1"/>
+          </a:solidFill>
+          <a:ln>
+            <a:noFill/>
+          </a:ln>
+        </p:spPr>
+        <p:style>
+          <a:lnRef idx="2">
+            <a:schemeClr val="accent1">
+              <a:shade val="50000"/>
+            </a:schemeClr>
+          </a:lnRef>
+          <a:fillRef idx="1">
+            <a:schemeClr val="accent1"/>
+          </a:fillRef>
+          <a:effectRef idx="0">
+            <a:schemeClr val="accent1"/>
+          </a:effectRef>
+          <a:fontRef idx="minor">
+            <a:schemeClr val="lt1"/>
+          </a:fontRef>
+        </p:style>
+        <p:txBody>
+          <a:bodyPr rtlCol="0" anchor="ctr"/>
+          <a:lstStyle/>
+          <a:p>
+            <a:pPr algn="ctr"/>
+            <a:endParaRPr lang="en-GB"/>
+          </a:p>
+        </p:txBody>
+      </p:sp>
     </p:spTree>
     <p:extLst>
       <p:ext uri="{BB962C8B-B14F-4D97-AF65-F5344CB8AC3E}">
@@ -4709,7 +7769,7 @@
 <file path=ppt/theme/theme1.xml><?xml version="1.0" encoding="utf-8"?>
 <a:theme xmlns:a="http://schemas.openxmlformats.org/drawingml/2006/main" name="Tema de Office">
   <a:themeElements>
-    <a:clrScheme name="Office">
+    <a:clrScheme name="Office Theme">
       <a:dk1>
         <a:sysClr val="windowText" lastClr="000000"/>
       </a:dk1>
@@ -4747,7 +7807,7 @@
         <a:srgbClr val="954F72"/>
       </a:folHlink>
     </a:clrScheme>
-    <a:fontScheme name="Office">
+    <a:fontScheme name="Office Theme">
       <a:majorFont>
         <a:latin typeface="Calibri Light" panose="020F0302020204030204"/>
         <a:ea typeface=""/>
@@ -4782,23 +7842,6 @@
         <a:font script="Viet" typeface="Times New Roman"/>
         <a:font script="Uigh" typeface="Microsoft Uighur"/>
         <a:font script="Geor" typeface="Sylfaen"/>
-        <a:font script="Armn" typeface="Arial"/>
-        <a:font script="Bugi" typeface="Leelawadee UI"/>
-        <a:font script="Bopo" typeface="Microsoft JhengHei"/>
-        <a:font script="Java" typeface="Javanese Text"/>
-        <a:font script="Lisu" typeface="Segoe UI"/>
-        <a:font script="Mymr" typeface="Myanmar Text"/>
-        <a:font script="Nkoo" typeface="Ebrima"/>
-        <a:font script="Olck" typeface="Nirmala UI"/>
-        <a:font script="Osma" typeface="Ebrima"/>
-        <a:font script="Phag" typeface="Phagspa"/>
-        <a:font script="Syrn" typeface="Estrangelo Edessa"/>
-        <a:font script="Syrj" typeface="Estrangelo Edessa"/>
-        <a:font script="Syre" typeface="Estrangelo Edessa"/>
-        <a:font script="Sora" typeface="Nirmala UI"/>
-        <a:font script="Tale" typeface="Microsoft Tai Le"/>
-        <a:font script="Talu" typeface="Microsoft New Tai Lue"/>
-        <a:font script="Tfng" typeface="Ebrima"/>
       </a:majorFont>
       <a:minorFont>
         <a:latin typeface="Calibri" panose="020F0502020204030204"/>
@@ -4834,26 +7877,9 @@
         <a:font script="Viet" typeface="Arial"/>
         <a:font script="Uigh" typeface="Microsoft Uighur"/>
         <a:font script="Geor" typeface="Sylfaen"/>
-        <a:font script="Armn" typeface="Arial"/>
-        <a:font script="Bugi" typeface="Leelawadee UI"/>
-        <a:font script="Bopo" typeface="Microsoft JhengHei"/>
-        <a:font script="Java" typeface="Javanese Text"/>
-        <a:font script="Lisu" typeface="Segoe UI"/>
-        <a:font script="Mymr" typeface="Myanmar Text"/>
-        <a:font script="Nkoo" typeface="Ebrima"/>
-        <a:font script="Olck" typeface="Nirmala UI"/>
-        <a:font script="Osma" typeface="Ebrima"/>
-        <a:font script="Phag" typeface="Phagspa"/>
-        <a:font script="Syrn" typeface="Estrangelo Edessa"/>
-        <a:font script="Syrj" typeface="Estrangelo Edessa"/>
-        <a:font script="Syre" typeface="Estrangelo Edessa"/>
-        <a:font script="Sora" typeface="Nirmala UI"/>
-        <a:font script="Tale" typeface="Microsoft Tai Le"/>
-        <a:font script="Talu" typeface="Microsoft New Tai Lue"/>
-        <a:font script="Tfng" typeface="Ebrima"/>
       </a:minorFont>
     </a:fontScheme>
-    <a:fmtScheme name="Office">
+    <a:fmtScheme name="Office Theme">
       <a:fillStyleLst>
         <a:solidFill>
           <a:schemeClr val="phClr"/>
@@ -5002,21 +8028,6 @@
 </file>
 
 <file path=customXml/item1.xml><?xml version="1.0" encoding="utf-8"?>
-<p:properties xmlns:p="http://schemas.microsoft.com/office/2006/metadata/properties" xmlns:xsi="http://www.w3.org/2001/XMLSchema-instance" xmlns:pc="http://schemas.microsoft.com/office/infopath/2007/PartnerControls">
-  <documentManagement/>
-</p:properties>
-</file>
-
-<file path=customXml/item2.xml><?xml version="1.0" encoding="utf-8"?>
-<?mso-contentType ?>
-<FormTemplates xmlns="http://schemas.microsoft.com/sharepoint/v3/contenttype/forms">
-  <Display>DocumentLibraryForm</Display>
-  <Edit>DocumentLibraryForm</Edit>
-  <New>DocumentLibraryForm</New>
-</FormTemplates>
-</file>
-
-<file path=customXml/item3.xml><?xml version="1.0" encoding="utf-8"?>
 <ct:contentTypeSchema xmlns:ct="http://schemas.microsoft.com/office/2006/metadata/contentType" xmlns:ma="http://schemas.microsoft.com/office/2006/metadata/properties/metaAttributes" ct:_="" ma:_="" ma:contentTypeName="Document" ma:contentTypeID="0x01010018920285DC5D0A44AC8601D5F5FCB028" ma:contentTypeVersion="11" ma:contentTypeDescription="Create a new document." ma:contentTypeScope="" ma:versionID="69f7994a722bf0f5628e75679f2f9f6b">
   <xsd:schema xmlns:xsd="http://www.w3.org/2001/XMLSchema" xmlns:xs="http://www.w3.org/2001/XMLSchema" xmlns:p="http://schemas.microsoft.com/office/2006/metadata/properties" xmlns:ns3="2c647de3-82f5-437f-9bca-4c0720ec6ea7" xmlns:ns4="69462d87-eed6-49f7-986f-3b5d633957bd" targetNamespace="http://schemas.microsoft.com/office/2006/metadata/properties" ma:root="true" ma:fieldsID="184fe2c64c94f5caf06d48f7d7f4bc86" ns3:_="" ns4:_="">
     <xsd:import namespace="2c647de3-82f5-437f-9bca-4c0720ec6ea7"/>
@@ -5225,24 +8236,22 @@
 </ct:contentTypeSchema>
 </file>
 
-<file path=customXml/itemProps1.xml><?xml version="1.0" encoding="utf-8"?>
-<ds:datastoreItem xmlns:ds="http://schemas.openxmlformats.org/officeDocument/2006/customXml" ds:itemID="{553B0F03-FB37-4F95-A28F-90120812498D}">
-  <ds:schemaRefs>
-    <ds:schemaRef ds:uri="http://schemas.microsoft.com/office/2006/metadata/properties"/>
-    <ds:schemaRef ds:uri="http://schemas.microsoft.com/office/infopath/2007/PartnerControls"/>
-  </ds:schemaRefs>
-</ds:datastoreItem>
+<file path=customXml/item2.xml><?xml version="1.0" encoding="utf-8"?>
+<?mso-contentType ?>
+<FormTemplates xmlns="http://schemas.microsoft.com/sharepoint/v3/contenttype/forms">
+  <Display>DocumentLibraryForm</Display>
+  <Edit>DocumentLibraryForm</Edit>
+  <New>DocumentLibraryForm</New>
+</FormTemplates>
 </file>
 
-<file path=customXml/itemProps2.xml><?xml version="1.0" encoding="utf-8"?>
-<ds:datastoreItem xmlns:ds="http://schemas.openxmlformats.org/officeDocument/2006/customXml" ds:itemID="{552A1BB4-5EF2-46C6-86A2-4C8E1D91BCE9}">
-  <ds:schemaRefs>
-    <ds:schemaRef ds:uri="http://schemas.microsoft.com/sharepoint/v3/contenttype/forms"/>
-  </ds:schemaRefs>
-</ds:datastoreItem>
+<file path=customXml/item3.xml><?xml version="1.0" encoding="utf-8"?>
+<p:properties xmlns:p="http://schemas.microsoft.com/office/2006/metadata/properties" xmlns:xsi="http://www.w3.org/2001/XMLSchema-instance" xmlns:pc="http://schemas.microsoft.com/office/infopath/2007/PartnerControls">
+  <documentManagement/>
+</p:properties>
 </file>
 
-<file path=customXml/itemProps3.xml><?xml version="1.0" encoding="utf-8"?>
+<file path=customXml/itemProps1.xml><?xml version="1.0" encoding="utf-8"?>
 <ds:datastoreItem xmlns:ds="http://schemas.openxmlformats.org/officeDocument/2006/customXml" ds:itemID="{02B013BA-C24E-4F13-A868-BDF53AC47E34}">
   <ds:schemaRefs>
     <ds:schemaRef ds:uri="http://schemas.microsoft.com/office/2006/metadata/contentType"/>
@@ -5259,4 +8268,21 @@
     <ds:schemaRef ds:uri="http://schemas.microsoft.com/internal/obd"/>
   </ds:schemaRefs>
 </ds:datastoreItem>
+</file>
+
+<file path=customXml/itemProps2.xml><?xml version="1.0" encoding="utf-8"?>
+<ds:datastoreItem xmlns:ds="http://schemas.openxmlformats.org/officeDocument/2006/customXml" ds:itemID="{552A1BB4-5EF2-46C6-86A2-4C8E1D91BCE9}">
+  <ds:schemaRefs>
+    <ds:schemaRef ds:uri="http://schemas.microsoft.com/sharepoint/v3/contenttype/forms"/>
+  </ds:schemaRefs>
+</ds:datastoreItem>
+</file>
+
+<file path=customXml/itemProps3.xml><?xml version="1.0" encoding="utf-8"?>
+<ds:datastoreItem xmlns:ds="http://schemas.openxmlformats.org/officeDocument/2006/customXml" ds:itemID="{553B0F03-FB37-4F95-A28F-90120812498D}">
+  <ds:schemaRefs>
+    <ds:schemaRef ds:uri="http://schemas.microsoft.com/office/2006/metadata/properties"/>
+    <ds:schemaRef ds:uri="http://schemas.microsoft.com/office/infopath/2007/PartnerControls"/>
+  </ds:schemaRefs>
+</ds:datastoreItem>
 </file>